--- a/consumption/presentationOct2021.pptx
+++ b/consumption/presentationOct2021.pptx
@@ -6,10 +6,10 @@
     <p:sldMasterId id="2147483669" r:id="rId2"/>
   </p:sldMasterIdLst>
   <p:notesMasterIdLst>
-    <p:notesMasterId r:id="rId18"/>
+    <p:notesMasterId r:id="rId20"/>
   </p:notesMasterIdLst>
   <p:handoutMasterIdLst>
-    <p:handoutMasterId r:id="rId19"/>
+    <p:handoutMasterId r:id="rId21"/>
   </p:handoutMasterIdLst>
   <p:sldIdLst>
     <p:sldId id="301" r:id="rId3"/>
@@ -23,45 +23,47 @@
     <p:sldId id="339" r:id="rId11"/>
     <p:sldId id="344" r:id="rId12"/>
     <p:sldId id="324" r:id="rId13"/>
-    <p:sldId id="337" r:id="rId14"/>
+    <p:sldId id="346" r:id="rId14"/>
     <p:sldId id="343" r:id="rId15"/>
     <p:sldId id="345" r:id="rId16"/>
-    <p:sldId id="320" r:id="rId17"/>
+    <p:sldId id="347" r:id="rId17"/>
+    <p:sldId id="337" r:id="rId18"/>
+    <p:sldId id="320" r:id="rId19"/>
   </p:sldIdLst>
   <p:sldSz cx="9144000" cy="5143500" type="screen16x9"/>
   <p:notesSz cx="6718300" cy="9867900"/>
   <p:embeddedFontLst>
     <p:embeddedFont>
       <p:font typeface="Calibri" panose="020F0502020204030204" pitchFamily="34" charset="0"/>
-      <p:regular r:id="rId20"/>
-      <p:bold r:id="rId21"/>
-      <p:italic r:id="rId22"/>
-      <p:boldItalic r:id="rId23"/>
+      <p:regular r:id="rId22"/>
+      <p:bold r:id="rId23"/>
+      <p:italic r:id="rId24"/>
+      <p:boldItalic r:id="rId25"/>
     </p:embeddedFont>
     <p:embeddedFont>
       <p:font typeface="Calibri Light" panose="020F0302020204030204" pitchFamily="34" charset="0"/>
-      <p:regular r:id="rId24"/>
-      <p:italic r:id="rId25"/>
+      <p:regular r:id="rId26"/>
+      <p:italic r:id="rId27"/>
     </p:embeddedFont>
     <p:embeddedFont>
       <p:font typeface="Cambria Math" panose="02040503050406030204" pitchFamily="18" charset="0"/>
-      <p:regular r:id="rId26"/>
+      <p:regular r:id="rId28"/>
     </p:embeddedFont>
     <p:embeddedFont>
       <p:font typeface="Effra" panose="020B0604020202020204" charset="0"/>
-      <p:regular r:id="rId27"/>
-      <p:bold r:id="rId28"/>
-      <p:italic r:id="rId29"/>
-      <p:boldItalic r:id="rId30"/>
+      <p:regular r:id="rId29"/>
+      <p:bold r:id="rId30"/>
+      <p:italic r:id="rId31"/>
+      <p:boldItalic r:id="rId32"/>
     </p:embeddedFont>
     <p:embeddedFont>
       <p:font typeface="Effra Bold" panose="020B0604020202020204" charset="0"/>
-      <p:bold r:id="rId31"/>
+      <p:bold r:id="rId33"/>
     </p:embeddedFont>
     <p:embeddedFont>
       <p:font typeface="Effra Light" panose="020B0604020202020204" charset="0"/>
-      <p:regular r:id="rId32"/>
-      <p:italic r:id="rId33"/>
+      <p:regular r:id="rId34"/>
+      <p:italic r:id="rId35"/>
     </p:embeddedFont>
   </p:embeddedFontLst>
   <p:defaultTextStyle>
@@ -7493,7 +7495,7 @@
               <a:pPr>
                 <a:defRPr/>
               </a:pPr>
-              <a:t>10/19/2021</a:t>
+              <a:t>10/20/2021</a:t>
             </a:fld>
             <a:endParaRPr lang="en-US" altLang="en-US"/>
           </a:p>
@@ -7934,7 +7936,7 @@
               <a:pPr>
                 <a:defRPr/>
               </a:pPr>
-              <a:t>10/19/2021</a:t>
+              <a:t>10/20/2021</a:t>
             </a:fld>
             <a:endParaRPr lang="en-US" altLang="en-US"/>
           </a:p>
@@ -8165,7 +8167,7 @@
               <a:pPr>
                 <a:defRPr/>
               </a:pPr>
-              <a:t>10/19/2021</a:t>
+              <a:t>10/20/2021</a:t>
             </a:fld>
             <a:endParaRPr lang="en-US" altLang="en-US"/>
           </a:p>
@@ -8364,7 +8366,7 @@
               <a:pPr>
                 <a:defRPr/>
               </a:pPr>
-              <a:t>10/19/2021</a:t>
+              <a:t>10/20/2021</a:t>
             </a:fld>
             <a:endParaRPr lang="en-US"/>
           </a:p>
@@ -8639,7 +8641,7 @@
               <a:pPr>
                 <a:defRPr/>
               </a:pPr>
-              <a:t>10/19/2021</a:t>
+              <a:t>10/20/2021</a:t>
             </a:fld>
             <a:endParaRPr lang="en-US"/>
           </a:p>
@@ -8899,7 +8901,7 @@
               <a:pPr>
                 <a:defRPr/>
               </a:pPr>
-              <a:t>10/19/2021</a:t>
+              <a:t>10/20/2021</a:t>
             </a:fld>
             <a:endParaRPr lang="en-US" altLang="en-US"/>
           </a:p>
@@ -9294,7 +9296,7 @@
               <a:pPr>
                 <a:defRPr/>
               </a:pPr>
-              <a:t>10/19/2021</a:t>
+              <a:t>10/20/2021</a:t>
             </a:fld>
             <a:endParaRPr lang="en-US"/>
           </a:p>
@@ -9442,7 +9444,7 @@
               <a:pPr>
                 <a:defRPr/>
               </a:pPr>
-              <a:t>10/19/2021</a:t>
+              <a:t>10/20/2021</a:t>
             </a:fld>
             <a:endParaRPr lang="en-US"/>
           </a:p>
@@ -9568,7 +9570,7 @@
               <a:pPr>
                 <a:defRPr/>
               </a:pPr>
-              <a:t>10/19/2021</a:t>
+              <a:t>10/20/2021</a:t>
             </a:fld>
             <a:endParaRPr lang="en-US"/>
           </a:p>
@@ -9874,7 +9876,7 @@
               <a:pPr>
                 <a:defRPr/>
               </a:pPr>
-              <a:t>10/19/2021</a:t>
+              <a:t>10/20/2021</a:t>
             </a:fld>
             <a:endParaRPr lang="en-US"/>
           </a:p>
@@ -10158,7 +10160,7 @@
               <a:pPr>
                 <a:defRPr/>
               </a:pPr>
-              <a:t>10/19/2021</a:t>
+              <a:t>10/20/2021</a:t>
             </a:fld>
             <a:endParaRPr lang="en-US"/>
           </a:p>
@@ -11596,7 +11598,7 @@
               <a:pPr>
                 <a:defRPr/>
               </a:pPr>
-              <a:t>10/19/2021</a:t>
+              <a:t>10/20/2021</a:t>
             </a:fld>
             <a:endParaRPr lang="en-US"/>
           </a:p>
@@ -11805,7 +11807,7 @@
               <a:pPr>
                 <a:defRPr/>
               </a:pPr>
-              <a:t>10/19/2021</a:t>
+              <a:t>10/20/2021</a:t>
             </a:fld>
             <a:endParaRPr lang="en-US"/>
           </a:p>
@@ -16206,7 +16208,7 @@
               <a:pPr>
                 <a:defRPr/>
               </a:pPr>
-              <a:t>10/19/2021</a:t>
+              <a:t>10/20/2021</a:t>
             </a:fld>
             <a:endParaRPr lang="en-US"/>
           </a:p>
@@ -18209,7 +18211,7 @@
           <p:cNvPr id="2" name="Title 1">
             <a:extLst>
               <a:ext uri="{FF2B5EF4-FFF2-40B4-BE49-F238E27FC236}">
-                <a16:creationId xmlns:a16="http://schemas.microsoft.com/office/drawing/2014/main" id="{0BFD862A-E2C5-4015-9F48-E21EBBEC1398}"/>
+                <a16:creationId xmlns:a16="http://schemas.microsoft.com/office/drawing/2014/main" id="{D1F63A37-7993-450F-8C74-F359EBC36293}"/>
               </a:ext>
             </a:extLst>
           </p:cNvPr>
@@ -18226,9 +18228,10 @@
           <a:lstStyle/>
           <a:p>
             <a:r>
-              <a:rPr lang="en-GB" dirty="0"/>
-              <a:t>How is this different from visible consumption?</a:t>
-            </a:r>
+              <a:rPr lang="en-US" dirty="0"/>
+              <a:t>Comparing two economies – the role of occupation vs region</a:t>
+            </a:r>
+            <a:endParaRPr lang="en-GB" dirty="0"/>
           </a:p>
         </p:txBody>
       </p:sp>
@@ -18237,7 +18240,7 @@
           <p:cNvPr id="3" name="Content Placeholder 2">
             <a:extLst>
               <a:ext uri="{FF2B5EF4-FFF2-40B4-BE49-F238E27FC236}">
-                <a16:creationId xmlns:a16="http://schemas.microsoft.com/office/drawing/2014/main" id="{8E165D5A-616B-4E7A-B5B6-2C1A87ADB63C}"/>
+                <a16:creationId xmlns:a16="http://schemas.microsoft.com/office/drawing/2014/main" id="{D2AE532F-81CE-4C13-8B35-E11C80EB34F5}"/>
               </a:ext>
             </a:extLst>
           </p:cNvPr>
@@ -18248,22 +18251,24 @@
             <p:ph idx="1"/>
           </p:nvPr>
         </p:nvSpPr>
-        <p:spPr>
-          <a:xfrm>
-            <a:off x="628650" y="1443038"/>
-            <a:ext cx="7886700" cy="3262312"/>
-          </a:xfrm>
-        </p:spPr>
-        <p:txBody>
-          <a:bodyPr>
-            <a:normAutofit/>
-          </a:bodyPr>
+        <p:spPr/>
+        <p:txBody>
+          <a:bodyPr/>
           <a:lstStyle/>
           <a:p>
             <a:r>
-              <a:rPr lang="en-GB" dirty="0"/>
-              <a:t>The LSMS data shows many opportunities for visible consumption – e.g. marriage price, expenditure on carpets rugs – but there too the effect of urban-rural differences dominates</a:t>
-            </a:r>
+              <a:rPr lang="en-US" dirty="0"/>
+              <a:t>We </a:t>
+            </a:r>
+            <a:r>
+              <a:rPr lang="en-US" dirty="0" err="1"/>
+              <a:t>standardise</a:t>
+            </a:r>
+            <a:r>
+              <a:rPr lang="en-US" dirty="0"/>
+              <a:t> occupations into occupation ranks for comparison</a:t>
+            </a:r>
+            <a:endParaRPr lang="en-GB" dirty="0"/>
           </a:p>
         </p:txBody>
       </p:sp>
@@ -18272,7 +18277,7 @@
           <p:cNvPr id="4" name="Slide Number Placeholder 3">
             <a:extLst>
               <a:ext uri="{FF2B5EF4-FFF2-40B4-BE49-F238E27FC236}">
-                <a16:creationId xmlns:a16="http://schemas.microsoft.com/office/drawing/2014/main" id="{DA097299-24FE-4400-A473-449518E30133}"/>
+                <a16:creationId xmlns:a16="http://schemas.microsoft.com/office/drawing/2014/main" id="{9383F4EE-6F49-4F2E-A328-04EE6321C67A}"/>
               </a:ext>
             </a:extLst>
           </p:cNvPr>
@@ -18305,7 +18310,7 @@
     </p:spTree>
     <p:extLst>
       <p:ext uri="{BB962C8B-B14F-4D97-AF65-F5344CB8AC3E}">
-        <p14:creationId xmlns:p14="http://schemas.microsoft.com/office/powerpoint/2010/main" val="3963713830"/>
+        <p14:creationId xmlns:p14="http://schemas.microsoft.com/office/powerpoint/2010/main" val="3887913961"/>
       </p:ext>
     </p:extLst>
   </p:cSld>
@@ -18388,6 +18393,12 @@
             <a:r>
               <a:rPr lang="en-GB" dirty="0"/>
               <a:t>The non-parametric view of data shows vast differences in assets</a:t>
+            </a:r>
+          </a:p>
+          <a:p>
+            <a:r>
+              <a:rPr lang="en-GB" dirty="0"/>
+              <a:t>The overall role of occupation is strong in Tanzania</a:t>
             </a:r>
           </a:p>
           <a:p>
@@ -18526,6 +18537,14 @@
           <a:bodyPr/>
           <a:lstStyle/>
           <a:p>
+            <a:r>
+              <a:rPr lang="en-US" dirty="0"/>
+              <a:t>The non-parametric plot </a:t>
+            </a:r>
+            <a:r>
+              <a:rPr lang="en-US"/>
+              <a:t>for Nigeria.</a:t>
+            </a:r>
             <a:endParaRPr lang="en-GB"/>
           </a:p>
         </p:txBody>
@@ -18603,6 +18622,269 @@
           <p:cNvPr id="2" name="Title 1">
             <a:extLst>
               <a:ext uri="{FF2B5EF4-FFF2-40B4-BE49-F238E27FC236}">
+                <a16:creationId xmlns:a16="http://schemas.microsoft.com/office/drawing/2014/main" id="{1E281EA7-B51E-4DC4-83AC-69973366C6BA}"/>
+              </a:ext>
+            </a:extLst>
+          </p:cNvPr>
+          <p:cNvSpPr>
+            <a:spLocks noGrp="1"/>
+          </p:cNvSpPr>
+          <p:nvPr>
+            <p:ph type="title"/>
+          </p:nvPr>
+        </p:nvSpPr>
+        <p:spPr/>
+        <p:txBody>
+          <a:bodyPr/>
+          <a:lstStyle/>
+          <a:p>
+            <a:r>
+              <a:rPr lang="en-US" dirty="0"/>
+              <a:t>Finer details with quantile regression</a:t>
+            </a:r>
+            <a:endParaRPr lang="en-GB" dirty="0"/>
+          </a:p>
+        </p:txBody>
+      </p:sp>
+      <p:sp>
+        <p:nvSpPr>
+          <p:cNvPr id="3" name="Content Placeholder 2">
+            <a:extLst>
+              <a:ext uri="{FF2B5EF4-FFF2-40B4-BE49-F238E27FC236}">
+                <a16:creationId xmlns:a16="http://schemas.microsoft.com/office/drawing/2014/main" id="{5FB0481C-346A-45D5-BE87-16CD5476AF6A}"/>
+              </a:ext>
+            </a:extLst>
+          </p:cNvPr>
+          <p:cNvSpPr>
+            <a:spLocks noGrp="1"/>
+          </p:cNvSpPr>
+          <p:nvPr>
+            <p:ph idx="1"/>
+          </p:nvPr>
+        </p:nvSpPr>
+        <p:spPr/>
+        <p:txBody>
+          <a:bodyPr/>
+          <a:lstStyle/>
+          <a:p>
+            <a:r>
+              <a:rPr lang="en-US" dirty="0"/>
+              <a:t>Tanzania</a:t>
+            </a:r>
+          </a:p>
+          <a:p>
+            <a:r>
+              <a:rPr lang="en-US"/>
+              <a:t>Nigeria</a:t>
+            </a:r>
+            <a:endParaRPr lang="en-GB"/>
+          </a:p>
+        </p:txBody>
+      </p:sp>
+      <p:sp>
+        <p:nvSpPr>
+          <p:cNvPr id="4" name="Slide Number Placeholder 3">
+            <a:extLst>
+              <a:ext uri="{FF2B5EF4-FFF2-40B4-BE49-F238E27FC236}">
+                <a16:creationId xmlns:a16="http://schemas.microsoft.com/office/drawing/2014/main" id="{AD7169C2-F41A-40EE-A210-49C6A0A94BEF}"/>
+              </a:ext>
+            </a:extLst>
+          </p:cNvPr>
+          <p:cNvSpPr>
+            <a:spLocks noGrp="1"/>
+          </p:cNvSpPr>
+          <p:nvPr>
+            <p:ph type="sldNum" sz="quarter" idx="12"/>
+          </p:nvPr>
+        </p:nvSpPr>
+        <p:spPr/>
+        <p:txBody>
+          <a:bodyPr/>
+          <a:lstStyle/>
+          <a:p>
+            <a:pPr>
+              <a:defRPr/>
+            </a:pPr>
+            <a:fld id="{8E35B453-7314-4BBD-9303-11C6BECC4B0D}" type="slidenum">
+              <a:rPr lang="en-GB" altLang="en-US" smtClean="0"/>
+              <a:pPr>
+                <a:defRPr/>
+              </a:pPr>
+              <a:t>15</a:t>
+            </a:fld>
+            <a:endParaRPr lang="en-GB" altLang="en-US" dirty="0"/>
+          </a:p>
+        </p:txBody>
+      </p:sp>
+    </p:spTree>
+    <p:extLst>
+      <p:ext uri="{BB962C8B-B14F-4D97-AF65-F5344CB8AC3E}">
+        <p14:creationId xmlns:p14="http://schemas.microsoft.com/office/powerpoint/2010/main" val="3432941902"/>
+      </p:ext>
+    </p:extLst>
+  </p:cSld>
+  <p:clrMapOvr>
+    <a:masterClrMapping/>
+  </p:clrMapOvr>
+  <p:transition>
+    <p:fade/>
+  </p:transition>
+</p:sld>
+</file>
+
+<file path=ppt/slides/slide16.xml><?xml version="1.0" encoding="utf-8"?>
+<p:sld xmlns:a="http://schemas.openxmlformats.org/drawingml/2006/main" xmlns:r="http://schemas.openxmlformats.org/officeDocument/2006/relationships" xmlns:p="http://schemas.openxmlformats.org/presentationml/2006/main">
+  <p:cSld>
+    <p:spTree>
+      <p:nvGrpSpPr>
+        <p:cNvPr id="1" name=""/>
+        <p:cNvGrpSpPr/>
+        <p:nvPr/>
+      </p:nvGrpSpPr>
+      <p:grpSpPr>
+        <a:xfrm>
+          <a:off x="0" y="0"/>
+          <a:ext cx="0" cy="0"/>
+          <a:chOff x="0" y="0"/>
+          <a:chExt cx="0" cy="0"/>
+        </a:xfrm>
+      </p:grpSpPr>
+      <p:sp>
+        <p:nvSpPr>
+          <p:cNvPr id="2" name="Title 1">
+            <a:extLst>
+              <a:ext uri="{FF2B5EF4-FFF2-40B4-BE49-F238E27FC236}">
+                <a16:creationId xmlns:a16="http://schemas.microsoft.com/office/drawing/2014/main" id="{0BFD862A-E2C5-4015-9F48-E21EBBEC1398}"/>
+              </a:ext>
+            </a:extLst>
+          </p:cNvPr>
+          <p:cNvSpPr>
+            <a:spLocks noGrp="1"/>
+          </p:cNvSpPr>
+          <p:nvPr>
+            <p:ph type="title"/>
+          </p:nvPr>
+        </p:nvSpPr>
+        <p:spPr/>
+        <p:txBody>
+          <a:bodyPr/>
+          <a:lstStyle/>
+          <a:p>
+            <a:r>
+              <a:rPr lang="en-GB" dirty="0"/>
+              <a:t>How is this different from visible consumption?</a:t>
+            </a:r>
+          </a:p>
+        </p:txBody>
+      </p:sp>
+      <p:sp>
+        <p:nvSpPr>
+          <p:cNvPr id="3" name="Content Placeholder 2">
+            <a:extLst>
+              <a:ext uri="{FF2B5EF4-FFF2-40B4-BE49-F238E27FC236}">
+                <a16:creationId xmlns:a16="http://schemas.microsoft.com/office/drawing/2014/main" id="{8E165D5A-616B-4E7A-B5B6-2C1A87ADB63C}"/>
+              </a:ext>
+            </a:extLst>
+          </p:cNvPr>
+          <p:cNvSpPr>
+            <a:spLocks noGrp="1"/>
+          </p:cNvSpPr>
+          <p:nvPr>
+            <p:ph idx="1"/>
+          </p:nvPr>
+        </p:nvSpPr>
+        <p:spPr>
+          <a:xfrm>
+            <a:off x="628650" y="1443038"/>
+            <a:ext cx="7886700" cy="3262312"/>
+          </a:xfrm>
+        </p:spPr>
+        <p:txBody>
+          <a:bodyPr>
+            <a:normAutofit/>
+          </a:bodyPr>
+          <a:lstStyle/>
+          <a:p>
+            <a:r>
+              <a:rPr lang="en-GB" dirty="0"/>
+              <a:t>The LSMS data shows many opportunities for visible consumption – e.g. marriage price, expenditure on carpets rugs – but there too the effect of urban-rural differences dominates</a:t>
+            </a:r>
+          </a:p>
+        </p:txBody>
+      </p:sp>
+      <p:sp>
+        <p:nvSpPr>
+          <p:cNvPr id="4" name="Slide Number Placeholder 3">
+            <a:extLst>
+              <a:ext uri="{FF2B5EF4-FFF2-40B4-BE49-F238E27FC236}">
+                <a16:creationId xmlns:a16="http://schemas.microsoft.com/office/drawing/2014/main" id="{DA097299-24FE-4400-A473-449518E30133}"/>
+              </a:ext>
+            </a:extLst>
+          </p:cNvPr>
+          <p:cNvSpPr>
+            <a:spLocks noGrp="1"/>
+          </p:cNvSpPr>
+          <p:nvPr>
+            <p:ph type="sldNum" sz="quarter" idx="12"/>
+          </p:nvPr>
+        </p:nvSpPr>
+        <p:spPr/>
+        <p:txBody>
+          <a:bodyPr/>
+          <a:lstStyle/>
+          <a:p>
+            <a:pPr>
+              <a:defRPr/>
+            </a:pPr>
+            <a:fld id="{8E35B453-7314-4BBD-9303-11C6BECC4B0D}" type="slidenum">
+              <a:rPr lang="en-GB" altLang="en-US" smtClean="0"/>
+              <a:pPr>
+                <a:defRPr/>
+              </a:pPr>
+              <a:t>16</a:t>
+            </a:fld>
+            <a:endParaRPr lang="en-GB" altLang="en-US" dirty="0"/>
+          </a:p>
+        </p:txBody>
+      </p:sp>
+    </p:spTree>
+    <p:extLst>
+      <p:ext uri="{BB962C8B-B14F-4D97-AF65-F5344CB8AC3E}">
+        <p14:creationId xmlns:p14="http://schemas.microsoft.com/office/powerpoint/2010/main" val="2952202664"/>
+      </p:ext>
+    </p:extLst>
+  </p:cSld>
+  <p:clrMapOvr>
+    <a:masterClrMapping/>
+  </p:clrMapOvr>
+  <p:transition>
+    <p:fade/>
+  </p:transition>
+</p:sld>
+</file>
+
+<file path=ppt/slides/slide17.xml><?xml version="1.0" encoding="utf-8"?>
+<p:sld xmlns:a="http://schemas.openxmlformats.org/drawingml/2006/main" xmlns:r="http://schemas.openxmlformats.org/officeDocument/2006/relationships" xmlns:p="http://schemas.openxmlformats.org/presentationml/2006/main">
+  <p:cSld>
+    <p:spTree>
+      <p:nvGrpSpPr>
+        <p:cNvPr id="1" name=""/>
+        <p:cNvGrpSpPr/>
+        <p:nvPr/>
+      </p:nvGrpSpPr>
+      <p:grpSpPr>
+        <a:xfrm>
+          <a:off x="0" y="0"/>
+          <a:ext cx="0" cy="0"/>
+          <a:chOff x="0" y="0"/>
+          <a:chExt cx="0" cy="0"/>
+        </a:xfrm>
+      </p:grpSpPr>
+      <p:sp>
+        <p:nvSpPr>
+          <p:cNvPr id="2" name="Title 1">
+            <a:extLst>
+              <a:ext uri="{FF2B5EF4-FFF2-40B4-BE49-F238E27FC236}">
                 <a16:creationId xmlns:a16="http://schemas.microsoft.com/office/drawing/2014/main" id="{5448C546-8FFD-446E-BDCF-98089415F8BE}"/>
               </a:ext>
             </a:extLst>
@@ -18797,7 +19079,7 @@
               <a:pPr>
                 <a:defRPr/>
               </a:pPr>
-              <a:t>15</a:t>
+              <a:t>17</a:t>
             </a:fld>
             <a:endParaRPr lang="en-GB" altLang="en-US" dirty="0"/>
           </a:p>

--- a/consumption/presentationOct2021.pptx
+++ b/consumption/presentationOct2021.pptx
@@ -6,10 +6,10 @@
     <p:sldMasterId id="2147483669" r:id="rId2"/>
   </p:sldMasterIdLst>
   <p:notesMasterIdLst>
-    <p:notesMasterId r:id="rId20"/>
+    <p:notesMasterId r:id="rId21"/>
   </p:notesMasterIdLst>
   <p:handoutMasterIdLst>
-    <p:handoutMasterId r:id="rId21"/>
+    <p:handoutMasterId r:id="rId22"/>
   </p:handoutMasterIdLst>
   <p:sldIdLst>
     <p:sldId id="301" r:id="rId3"/>
@@ -24,46 +24,47 @@
     <p:sldId id="344" r:id="rId12"/>
     <p:sldId id="324" r:id="rId13"/>
     <p:sldId id="346" r:id="rId14"/>
-    <p:sldId id="343" r:id="rId15"/>
-    <p:sldId id="345" r:id="rId16"/>
-    <p:sldId id="347" r:id="rId17"/>
-    <p:sldId id="337" r:id="rId18"/>
-    <p:sldId id="320" r:id="rId19"/>
+    <p:sldId id="345" r:id="rId15"/>
+    <p:sldId id="348" r:id="rId16"/>
+    <p:sldId id="343" r:id="rId17"/>
+    <p:sldId id="347" r:id="rId18"/>
+    <p:sldId id="337" r:id="rId19"/>
+    <p:sldId id="320" r:id="rId20"/>
   </p:sldIdLst>
   <p:sldSz cx="9144000" cy="5143500" type="screen16x9"/>
   <p:notesSz cx="6718300" cy="9867900"/>
   <p:embeddedFontLst>
     <p:embeddedFont>
       <p:font typeface="Calibri" panose="020F0502020204030204" pitchFamily="34" charset="0"/>
-      <p:regular r:id="rId22"/>
-      <p:bold r:id="rId23"/>
-      <p:italic r:id="rId24"/>
-      <p:boldItalic r:id="rId25"/>
+      <p:regular r:id="rId23"/>
+      <p:bold r:id="rId24"/>
+      <p:italic r:id="rId25"/>
+      <p:boldItalic r:id="rId26"/>
     </p:embeddedFont>
     <p:embeddedFont>
       <p:font typeface="Calibri Light" panose="020F0302020204030204" pitchFamily="34" charset="0"/>
-      <p:regular r:id="rId26"/>
-      <p:italic r:id="rId27"/>
+      <p:regular r:id="rId27"/>
+      <p:italic r:id="rId28"/>
     </p:embeddedFont>
     <p:embeddedFont>
       <p:font typeface="Cambria Math" panose="02040503050406030204" pitchFamily="18" charset="0"/>
-      <p:regular r:id="rId28"/>
+      <p:regular r:id="rId29"/>
     </p:embeddedFont>
     <p:embeddedFont>
       <p:font typeface="Effra" panose="020B0604020202020204" charset="0"/>
-      <p:regular r:id="rId29"/>
-      <p:bold r:id="rId30"/>
-      <p:italic r:id="rId31"/>
-      <p:boldItalic r:id="rId32"/>
+      <p:regular r:id="rId30"/>
+      <p:bold r:id="rId31"/>
+      <p:italic r:id="rId32"/>
+      <p:boldItalic r:id="rId33"/>
     </p:embeddedFont>
     <p:embeddedFont>
       <p:font typeface="Effra Bold" panose="020B0604020202020204" charset="0"/>
-      <p:bold r:id="rId33"/>
+      <p:bold r:id="rId34"/>
     </p:embeddedFont>
     <p:embeddedFont>
       <p:font typeface="Effra Light" panose="020B0604020202020204" charset="0"/>
-      <p:regular r:id="rId34"/>
-      <p:italic r:id="rId35"/>
+      <p:regular r:id="rId35"/>
+      <p:italic r:id="rId36"/>
     </p:embeddedFont>
   </p:embeddedFontLst>
   <p:defaultTextStyle>
@@ -18345,7 +18346,7 @@
           <p:cNvPr id="2" name="Title 1">
             <a:extLst>
               <a:ext uri="{FF2B5EF4-FFF2-40B4-BE49-F238E27FC236}">
-                <a16:creationId xmlns:a16="http://schemas.microsoft.com/office/drawing/2014/main" id="{989358B1-5556-4A30-98FB-74368A91CAEB}"/>
+                <a16:creationId xmlns:a16="http://schemas.microsoft.com/office/drawing/2014/main" id="{4A1BD2F4-8715-4E89-B522-B7A6F86809E6}"/>
               </a:ext>
             </a:extLst>
           </p:cNvPr>
@@ -18371,60 +18372,10 @@
       </p:sp>
       <p:sp>
         <p:nvSpPr>
-          <p:cNvPr id="3" name="Content Placeholder 2">
-            <a:extLst>
-              <a:ext uri="{FF2B5EF4-FFF2-40B4-BE49-F238E27FC236}">
-                <a16:creationId xmlns:a16="http://schemas.microsoft.com/office/drawing/2014/main" id="{02175C54-1B0C-4324-BD87-0CFA546C49D9}"/>
-              </a:ext>
-            </a:extLst>
-          </p:cNvPr>
-          <p:cNvSpPr>
-            <a:spLocks noGrp="1"/>
-          </p:cNvSpPr>
-          <p:nvPr>
-            <p:ph idx="1"/>
-          </p:nvPr>
-        </p:nvSpPr>
-        <p:spPr/>
-        <p:txBody>
-          <a:bodyPr/>
-          <a:lstStyle/>
-          <a:p>
-            <a:r>
-              <a:rPr lang="en-GB" dirty="0"/>
-              <a:t>The non-parametric view of data shows vast differences in assets</a:t>
-            </a:r>
-          </a:p>
-          <a:p>
-            <a:r>
-              <a:rPr lang="en-GB" dirty="0"/>
-              <a:t>The overall role of occupation is strong in Tanzania</a:t>
-            </a:r>
-          </a:p>
-          <a:p>
-            <a:r>
-              <a:rPr lang="en-GB" dirty="0"/>
-              <a:t>Interestingly the subjective well being does not align with the asset distribution</a:t>
-            </a:r>
-          </a:p>
-          <a:p>
-            <a:pPr lvl="1"/>
-            <a:r>
-              <a:rPr lang="en-GB" dirty="0"/>
-              <a:t>The south and east of Tanzania are too far apart in assets and have incomparable amenities. This is less so in the central parts of </a:t>
-            </a:r>
-          </a:p>
-          <a:p>
-            <a:endParaRPr lang="en-GB" dirty="0"/>
-          </a:p>
-        </p:txBody>
-      </p:sp>
-      <p:sp>
-        <p:nvSpPr>
           <p:cNvPr id="4" name="Slide Number Placeholder 3">
             <a:extLst>
               <a:ext uri="{FF2B5EF4-FFF2-40B4-BE49-F238E27FC236}">
-                <a16:creationId xmlns:a16="http://schemas.microsoft.com/office/drawing/2014/main" id="{1FDD9C7A-6921-417D-A536-9A1ADE017F75}"/>
+                <a16:creationId xmlns:a16="http://schemas.microsoft.com/office/drawing/2014/main" id="{89065579-4D02-46AC-9555-391AF1EE3B68}"/>
               </a:ext>
             </a:extLst>
           </p:cNvPr>
@@ -18454,10 +18405,170 @@
           </a:p>
         </p:txBody>
       </p:sp>
+      <p:pic>
+        <p:nvPicPr>
+          <p:cNvPr id="9" name="Content Placeholder 8" descr="Chart, surface chart&#10;&#10;Description automatically generated">
+            <a:extLst>
+              <a:ext uri="{FF2B5EF4-FFF2-40B4-BE49-F238E27FC236}">
+                <a16:creationId xmlns:a16="http://schemas.microsoft.com/office/drawing/2014/main" id="{2F44EB68-6EAC-4D8A-A9BE-C188D8D96840}"/>
+              </a:ext>
+            </a:extLst>
+          </p:cNvPr>
+          <p:cNvPicPr>
+            <a:picLocks noGrp="1" noChangeAspect="1"/>
+          </p:cNvPicPr>
+          <p:nvPr>
+            <p:ph idx="1"/>
+          </p:nvPr>
+        </p:nvPicPr>
+        <p:blipFill>
+          <a:blip r:embed="rId2">
+            <a:extLst>
+              <a:ext uri="{28A0092B-C50C-407E-A947-70E740481C1C}">
+                <a14:useLocalDpi xmlns:a14="http://schemas.microsoft.com/office/drawing/2010/main" val="0"/>
+              </a:ext>
+            </a:extLst>
+          </a:blip>
+          <a:stretch>
+            <a:fillRect/>
+          </a:stretch>
+        </p:blipFill>
+        <p:spPr>
+          <a:xfrm>
+            <a:off x="5715000" y="1682057"/>
+            <a:ext cx="1997048" cy="1779386"/>
+          </a:xfrm>
+        </p:spPr>
+      </p:pic>
+      <p:sp>
+        <p:nvSpPr>
+          <p:cNvPr id="7" name="AutoShape 4">
+            <a:extLst>
+              <a:ext uri="{FF2B5EF4-FFF2-40B4-BE49-F238E27FC236}">
+                <a16:creationId xmlns:a16="http://schemas.microsoft.com/office/drawing/2014/main" id="{32DACF70-3526-48F7-B2CD-D876BD7A9E22}"/>
+              </a:ext>
+            </a:extLst>
+          </p:cNvPr>
+          <p:cNvSpPr>
+            <a:spLocks noChangeAspect="1" noChangeArrowheads="1"/>
+          </p:cNvSpPr>
+          <p:nvPr/>
+        </p:nvSpPr>
+        <p:spPr bwMode="auto">
+          <a:xfrm>
+            <a:off x="4419600" y="2419350"/>
+            <a:ext cx="304800" cy="304800"/>
+          </a:xfrm>
+          <a:prstGeom prst="rect">
+            <a:avLst/>
+          </a:prstGeom>
+          <a:noFill/>
+          <a:extLst>
+            <a:ext uri="{909E8E84-426E-40DD-AFC4-6F175D3DCCD1}">
+              <a14:hiddenFill xmlns:a14="http://schemas.microsoft.com/office/drawing/2010/main">
+                <a:solidFill>
+                  <a:srgbClr val="FFFFFF"/>
+                </a:solidFill>
+              </a14:hiddenFill>
+            </a:ext>
+          </a:extLst>
+        </p:spPr>
+        <p:txBody>
+          <a:bodyPr vert="horz" wrap="square" lIns="91440" tIns="45720" rIns="91440" bIns="45720" numCol="1" anchor="t" anchorCtr="0" compatLnSpc="1">
+            <a:prstTxWarp prst="textNoShape">
+              <a:avLst/>
+            </a:prstTxWarp>
+          </a:bodyPr>
+          <a:lstStyle/>
+          <a:p>
+            <a:endParaRPr lang="en-GB"/>
+          </a:p>
+        </p:txBody>
+      </p:sp>
+      <p:pic>
+        <p:nvPicPr>
+          <p:cNvPr id="11" name="Picture 10" descr="Chart, surface chart&#10;&#10;Description automatically generated">
+            <a:extLst>
+              <a:ext uri="{FF2B5EF4-FFF2-40B4-BE49-F238E27FC236}">
+                <a16:creationId xmlns:a16="http://schemas.microsoft.com/office/drawing/2014/main" id="{0F0EFEBC-031D-4E4E-863A-235E67A608EA}"/>
+              </a:ext>
+            </a:extLst>
+          </p:cNvPr>
+          <p:cNvPicPr>
+            <a:picLocks noChangeAspect="1"/>
+          </p:cNvPicPr>
+          <p:nvPr/>
+        </p:nvPicPr>
+        <p:blipFill>
+          <a:blip r:embed="rId3">
+            <a:extLst>
+              <a:ext uri="{28A0092B-C50C-407E-A947-70E740481C1C}">
+                <a14:useLocalDpi xmlns:a14="http://schemas.microsoft.com/office/drawing/2010/main" val="0"/>
+              </a:ext>
+            </a:extLst>
+          </a:blip>
+          <a:stretch>
+            <a:fillRect/>
+          </a:stretch>
+        </p:blipFill>
+        <p:spPr>
+          <a:xfrm>
+            <a:off x="1219200" y="2474291"/>
+            <a:ext cx="3550646" cy="2571750"/>
+          </a:xfrm>
+          <a:prstGeom prst="rect">
+            <a:avLst/>
+          </a:prstGeom>
+        </p:spPr>
+      </p:pic>
+      <p:sp>
+        <p:nvSpPr>
+          <p:cNvPr id="12" name="TextBox 11">
+            <a:extLst>
+              <a:ext uri="{FF2B5EF4-FFF2-40B4-BE49-F238E27FC236}">
+                <a16:creationId xmlns:a16="http://schemas.microsoft.com/office/drawing/2014/main" id="{DF4FC69C-10DC-455C-A3E3-A0D266968018}"/>
+              </a:ext>
+            </a:extLst>
+          </p:cNvPr>
+          <p:cNvSpPr txBox="1"/>
+          <p:nvPr/>
+        </p:nvSpPr>
+        <p:spPr>
+          <a:xfrm>
+            <a:off x="533400" y="1581150"/>
+            <a:ext cx="4700326" cy="1015663"/>
+          </a:xfrm>
+          <a:prstGeom prst="rect">
+            <a:avLst/>
+          </a:prstGeom>
+          <a:noFill/>
+        </p:spPr>
+        <p:txBody>
+          <a:bodyPr wrap="none" rtlCol="0">
+            <a:spAutoFit/>
+          </a:bodyPr>
+          <a:lstStyle/>
+          <a:p>
+            <a:r>
+              <a:rPr lang="en-US" dirty="0"/>
+              <a:t>Non-food expenditures are much higher</a:t>
+            </a:r>
+          </a:p>
+          <a:p>
+            <a:r>
+              <a:rPr lang="en-US" dirty="0"/>
+              <a:t>in the east of the country</a:t>
+            </a:r>
+          </a:p>
+          <a:p>
+            <a:endParaRPr lang="en-GB" dirty="0"/>
+          </a:p>
+        </p:txBody>
+      </p:sp>
     </p:spTree>
     <p:extLst>
       <p:ext uri="{BB962C8B-B14F-4D97-AF65-F5344CB8AC3E}">
-        <p14:creationId xmlns:p14="http://schemas.microsoft.com/office/powerpoint/2010/main" val="319899213"/>
+        <p14:creationId xmlns:p14="http://schemas.microsoft.com/office/powerpoint/2010/main" val="4201495867"/>
       </p:ext>
     </p:extLst>
   </p:cSld>
@@ -18492,7 +18603,7 @@
           <p:cNvPr id="2" name="Title 1">
             <a:extLst>
               <a:ext uri="{FF2B5EF4-FFF2-40B4-BE49-F238E27FC236}">
-                <a16:creationId xmlns:a16="http://schemas.microsoft.com/office/drawing/2014/main" id="{4A1BD2F4-8715-4E89-B522-B7A6F86809E6}"/>
+                <a16:creationId xmlns:a16="http://schemas.microsoft.com/office/drawing/2014/main" id="{59B711C6-2E3A-434D-BCD6-4260203D1E87}"/>
               </a:ext>
             </a:extLst>
           </p:cNvPr>
@@ -18509,10 +18620,10 @@
           <a:lstStyle/>
           <a:p>
             <a:r>
-              <a:rPr lang="en-US" dirty="0"/>
+              <a:rPr lang="en-US"/>
               <a:t>Nigeria</a:t>
             </a:r>
-            <a:endParaRPr lang="en-GB" dirty="0"/>
+            <a:endParaRPr lang="en-GB"/>
           </a:p>
         </p:txBody>
       </p:sp>
@@ -18521,7 +18632,7 @@
           <p:cNvPr id="3" name="Content Placeholder 2">
             <a:extLst>
               <a:ext uri="{FF2B5EF4-FFF2-40B4-BE49-F238E27FC236}">
-                <a16:creationId xmlns:a16="http://schemas.microsoft.com/office/drawing/2014/main" id="{B96724EB-89EA-49FA-8FB0-903EE257F67E}"/>
+                <a16:creationId xmlns:a16="http://schemas.microsoft.com/office/drawing/2014/main" id="{C5879A99-99CE-495B-AA5A-7A803F23F00E}"/>
               </a:ext>
             </a:extLst>
           </p:cNvPr>
@@ -18537,14 +18648,6 @@
           <a:bodyPr/>
           <a:lstStyle/>
           <a:p>
-            <a:r>
-              <a:rPr lang="en-US" dirty="0"/>
-              <a:t>The non-parametric plot </a:t>
-            </a:r>
-            <a:r>
-              <a:rPr lang="en-US"/>
-              <a:t>for Nigeria.</a:t>
-            </a:r>
             <a:endParaRPr lang="en-GB"/>
           </a:p>
         </p:txBody>
@@ -18554,7 +18657,7 @@
           <p:cNvPr id="4" name="Slide Number Placeholder 3">
             <a:extLst>
               <a:ext uri="{FF2B5EF4-FFF2-40B4-BE49-F238E27FC236}">
-                <a16:creationId xmlns:a16="http://schemas.microsoft.com/office/drawing/2014/main" id="{89065579-4D02-46AC-9555-391AF1EE3B68}"/>
+                <a16:creationId xmlns:a16="http://schemas.microsoft.com/office/drawing/2014/main" id="{232C6AE5-087E-444F-A88E-E5A926F229BF}"/>
               </a:ext>
             </a:extLst>
           </p:cNvPr>
@@ -18587,7 +18690,7 @@
     </p:spTree>
     <p:extLst>
       <p:ext uri="{BB962C8B-B14F-4D97-AF65-F5344CB8AC3E}">
-        <p14:creationId xmlns:p14="http://schemas.microsoft.com/office/powerpoint/2010/main" val="4201495867"/>
+        <p14:creationId xmlns:p14="http://schemas.microsoft.com/office/powerpoint/2010/main" val="100214087"/>
       </p:ext>
     </p:extLst>
   </p:cSld>
@@ -18622,7 +18725,7 @@
           <p:cNvPr id="2" name="Title 1">
             <a:extLst>
               <a:ext uri="{FF2B5EF4-FFF2-40B4-BE49-F238E27FC236}">
-                <a16:creationId xmlns:a16="http://schemas.microsoft.com/office/drawing/2014/main" id="{1E281EA7-B51E-4DC4-83AC-69973366C6BA}"/>
+                <a16:creationId xmlns:a16="http://schemas.microsoft.com/office/drawing/2014/main" id="{989358B1-5556-4A30-98FB-74368A91CAEB}"/>
               </a:ext>
             </a:extLst>
           </p:cNvPr>
@@ -18640,7 +18743,7 @@
           <a:p>
             <a:r>
               <a:rPr lang="en-US" dirty="0"/>
-              <a:t>Finer details with quantile regression</a:t>
+              <a:t>Tanzania</a:t>
             </a:r>
             <a:endParaRPr lang="en-GB" dirty="0"/>
           </a:p>
@@ -18651,7 +18754,7 @@
           <p:cNvPr id="3" name="Content Placeholder 2">
             <a:extLst>
               <a:ext uri="{FF2B5EF4-FFF2-40B4-BE49-F238E27FC236}">
-                <a16:creationId xmlns:a16="http://schemas.microsoft.com/office/drawing/2014/main" id="{5FB0481C-346A-45D5-BE87-16CD5476AF6A}"/>
+                <a16:creationId xmlns:a16="http://schemas.microsoft.com/office/drawing/2014/main" id="{02175C54-1B0C-4324-BD87-0CFA546C49D9}"/>
               </a:ext>
             </a:extLst>
           </p:cNvPr>
@@ -18668,16 +18771,31 @@
           <a:lstStyle/>
           <a:p>
             <a:r>
-              <a:rPr lang="en-US" dirty="0"/>
-              <a:t>Tanzania</a:t>
-            </a:r>
-          </a:p>
-          <a:p>
-            <a:r>
-              <a:rPr lang="en-US"/>
-              <a:t>Nigeria</a:t>
-            </a:r>
-            <a:endParaRPr lang="en-GB"/>
+              <a:rPr lang="en-GB" dirty="0"/>
+              <a:t>The non-parametric view of data shows vast differences in assets</a:t>
+            </a:r>
+          </a:p>
+          <a:p>
+            <a:r>
+              <a:rPr lang="en-GB" dirty="0"/>
+              <a:t>The overall role of occupation is strong in Tanzania</a:t>
+            </a:r>
+          </a:p>
+          <a:p>
+            <a:r>
+              <a:rPr lang="en-GB" dirty="0"/>
+              <a:t>Interestingly the subjective well being does not align with the asset distribution</a:t>
+            </a:r>
+          </a:p>
+          <a:p>
+            <a:pPr lvl="1"/>
+            <a:r>
+              <a:rPr lang="en-GB" dirty="0"/>
+              <a:t>The south and east of Tanzania are too far apart in assets and have incomparable amenities. This is less so in the central parts of </a:t>
+            </a:r>
+          </a:p>
+          <a:p>
+            <a:endParaRPr lang="en-GB" dirty="0"/>
           </a:p>
         </p:txBody>
       </p:sp>
@@ -18686,7 +18804,7 @@
           <p:cNvPr id="4" name="Slide Number Placeholder 3">
             <a:extLst>
               <a:ext uri="{FF2B5EF4-FFF2-40B4-BE49-F238E27FC236}">
-                <a16:creationId xmlns:a16="http://schemas.microsoft.com/office/drawing/2014/main" id="{AD7169C2-F41A-40EE-A210-49C6A0A94BEF}"/>
+                <a16:creationId xmlns:a16="http://schemas.microsoft.com/office/drawing/2014/main" id="{1FDD9C7A-6921-417D-A536-9A1ADE017F75}"/>
               </a:ext>
             </a:extLst>
           </p:cNvPr>
@@ -18719,7 +18837,7 @@
     </p:spTree>
     <p:extLst>
       <p:ext uri="{BB962C8B-B14F-4D97-AF65-F5344CB8AC3E}">
-        <p14:creationId xmlns:p14="http://schemas.microsoft.com/office/powerpoint/2010/main" val="3432941902"/>
+        <p14:creationId xmlns:p14="http://schemas.microsoft.com/office/powerpoint/2010/main" val="319899213"/>
       </p:ext>
     </p:extLst>
   </p:cSld>
@@ -18754,7 +18872,7 @@
           <p:cNvPr id="2" name="Title 1">
             <a:extLst>
               <a:ext uri="{FF2B5EF4-FFF2-40B4-BE49-F238E27FC236}">
-                <a16:creationId xmlns:a16="http://schemas.microsoft.com/office/drawing/2014/main" id="{0BFD862A-E2C5-4015-9F48-E21EBBEC1398}"/>
+                <a16:creationId xmlns:a16="http://schemas.microsoft.com/office/drawing/2014/main" id="{1E281EA7-B51E-4DC4-83AC-69973366C6BA}"/>
               </a:ext>
             </a:extLst>
           </p:cNvPr>
@@ -18771,9 +18889,10 @@
           <a:lstStyle/>
           <a:p>
             <a:r>
-              <a:rPr lang="en-GB" dirty="0"/>
-              <a:t>How is this different from visible consumption?</a:t>
-            </a:r>
+              <a:rPr lang="en-US" dirty="0"/>
+              <a:t>Finer details with quantile regression</a:t>
+            </a:r>
+            <a:endParaRPr lang="en-GB" dirty="0"/>
           </a:p>
         </p:txBody>
       </p:sp>
@@ -18782,7 +18901,7 @@
           <p:cNvPr id="3" name="Content Placeholder 2">
             <a:extLst>
               <a:ext uri="{FF2B5EF4-FFF2-40B4-BE49-F238E27FC236}">
-                <a16:creationId xmlns:a16="http://schemas.microsoft.com/office/drawing/2014/main" id="{8E165D5A-616B-4E7A-B5B6-2C1A87ADB63C}"/>
+                <a16:creationId xmlns:a16="http://schemas.microsoft.com/office/drawing/2014/main" id="{5FB0481C-346A-45D5-BE87-16CD5476AF6A}"/>
               </a:ext>
             </a:extLst>
           </p:cNvPr>
@@ -18793,22 +18912,22 @@
             <p:ph idx="1"/>
           </p:nvPr>
         </p:nvSpPr>
-        <p:spPr>
-          <a:xfrm>
-            <a:off x="628650" y="1443038"/>
-            <a:ext cx="7886700" cy="3262312"/>
-          </a:xfrm>
-        </p:spPr>
-        <p:txBody>
-          <a:bodyPr>
-            <a:normAutofit/>
-          </a:bodyPr>
+        <p:spPr/>
+        <p:txBody>
+          <a:bodyPr/>
           <a:lstStyle/>
           <a:p>
             <a:r>
-              <a:rPr lang="en-GB" dirty="0"/>
-              <a:t>The LSMS data shows many opportunities for visible consumption – e.g. marriage price, expenditure on carpets rugs – but there too the effect of urban-rural differences dominates</a:t>
-            </a:r>
+              <a:rPr lang="en-US" dirty="0"/>
+              <a:t>Tanzania</a:t>
+            </a:r>
+          </a:p>
+          <a:p>
+            <a:r>
+              <a:rPr lang="en-US" dirty="0"/>
+              <a:t>Nigeria</a:t>
+            </a:r>
+            <a:endParaRPr lang="en-GB" dirty="0"/>
           </a:p>
         </p:txBody>
       </p:sp>
@@ -18817,7 +18936,7 @@
           <p:cNvPr id="4" name="Slide Number Placeholder 3">
             <a:extLst>
               <a:ext uri="{FF2B5EF4-FFF2-40B4-BE49-F238E27FC236}">
-                <a16:creationId xmlns:a16="http://schemas.microsoft.com/office/drawing/2014/main" id="{DA097299-24FE-4400-A473-449518E30133}"/>
+                <a16:creationId xmlns:a16="http://schemas.microsoft.com/office/drawing/2014/main" id="{AD7169C2-F41A-40EE-A210-49C6A0A94BEF}"/>
               </a:ext>
             </a:extLst>
           </p:cNvPr>
@@ -18850,7 +18969,7 @@
     </p:spTree>
     <p:extLst>
       <p:ext uri="{BB962C8B-B14F-4D97-AF65-F5344CB8AC3E}">
-        <p14:creationId xmlns:p14="http://schemas.microsoft.com/office/powerpoint/2010/main" val="2952202664"/>
+        <p14:creationId xmlns:p14="http://schemas.microsoft.com/office/powerpoint/2010/main" val="3432941902"/>
       </p:ext>
     </p:extLst>
   </p:cSld>
@@ -18885,6 +19004,137 @@
           <p:cNvPr id="2" name="Title 1">
             <a:extLst>
               <a:ext uri="{FF2B5EF4-FFF2-40B4-BE49-F238E27FC236}">
+                <a16:creationId xmlns:a16="http://schemas.microsoft.com/office/drawing/2014/main" id="{0BFD862A-E2C5-4015-9F48-E21EBBEC1398}"/>
+              </a:ext>
+            </a:extLst>
+          </p:cNvPr>
+          <p:cNvSpPr>
+            <a:spLocks noGrp="1"/>
+          </p:cNvSpPr>
+          <p:nvPr>
+            <p:ph type="title"/>
+          </p:nvPr>
+        </p:nvSpPr>
+        <p:spPr/>
+        <p:txBody>
+          <a:bodyPr/>
+          <a:lstStyle/>
+          <a:p>
+            <a:r>
+              <a:rPr lang="en-GB" dirty="0"/>
+              <a:t>How is this different from visible consumption?</a:t>
+            </a:r>
+          </a:p>
+        </p:txBody>
+      </p:sp>
+      <p:sp>
+        <p:nvSpPr>
+          <p:cNvPr id="3" name="Content Placeholder 2">
+            <a:extLst>
+              <a:ext uri="{FF2B5EF4-FFF2-40B4-BE49-F238E27FC236}">
+                <a16:creationId xmlns:a16="http://schemas.microsoft.com/office/drawing/2014/main" id="{8E165D5A-616B-4E7A-B5B6-2C1A87ADB63C}"/>
+              </a:ext>
+            </a:extLst>
+          </p:cNvPr>
+          <p:cNvSpPr>
+            <a:spLocks noGrp="1"/>
+          </p:cNvSpPr>
+          <p:nvPr>
+            <p:ph idx="1"/>
+          </p:nvPr>
+        </p:nvSpPr>
+        <p:spPr>
+          <a:xfrm>
+            <a:off x="628650" y="1443038"/>
+            <a:ext cx="7886700" cy="3262312"/>
+          </a:xfrm>
+        </p:spPr>
+        <p:txBody>
+          <a:bodyPr>
+            <a:normAutofit/>
+          </a:bodyPr>
+          <a:lstStyle/>
+          <a:p>
+            <a:r>
+              <a:rPr lang="en-GB" dirty="0"/>
+              <a:t>The LSMS data shows many opportunities for visible consumption – e.g. marriage price, expenditure on carpets rugs – but there too the effect of urban-rural differences dominates</a:t>
+            </a:r>
+          </a:p>
+        </p:txBody>
+      </p:sp>
+      <p:sp>
+        <p:nvSpPr>
+          <p:cNvPr id="4" name="Slide Number Placeholder 3">
+            <a:extLst>
+              <a:ext uri="{FF2B5EF4-FFF2-40B4-BE49-F238E27FC236}">
+                <a16:creationId xmlns:a16="http://schemas.microsoft.com/office/drawing/2014/main" id="{DA097299-24FE-4400-A473-449518E30133}"/>
+              </a:ext>
+            </a:extLst>
+          </p:cNvPr>
+          <p:cNvSpPr>
+            <a:spLocks noGrp="1"/>
+          </p:cNvSpPr>
+          <p:nvPr>
+            <p:ph type="sldNum" sz="quarter" idx="12"/>
+          </p:nvPr>
+        </p:nvSpPr>
+        <p:spPr/>
+        <p:txBody>
+          <a:bodyPr/>
+          <a:lstStyle/>
+          <a:p>
+            <a:pPr>
+              <a:defRPr/>
+            </a:pPr>
+            <a:fld id="{8E35B453-7314-4BBD-9303-11C6BECC4B0D}" type="slidenum">
+              <a:rPr lang="en-GB" altLang="en-US" smtClean="0"/>
+              <a:pPr>
+                <a:defRPr/>
+              </a:pPr>
+              <a:t>17</a:t>
+            </a:fld>
+            <a:endParaRPr lang="en-GB" altLang="en-US" dirty="0"/>
+          </a:p>
+        </p:txBody>
+      </p:sp>
+    </p:spTree>
+    <p:extLst>
+      <p:ext uri="{BB962C8B-B14F-4D97-AF65-F5344CB8AC3E}">
+        <p14:creationId xmlns:p14="http://schemas.microsoft.com/office/powerpoint/2010/main" val="2952202664"/>
+      </p:ext>
+    </p:extLst>
+  </p:cSld>
+  <p:clrMapOvr>
+    <a:masterClrMapping/>
+  </p:clrMapOvr>
+  <p:transition>
+    <p:fade/>
+  </p:transition>
+</p:sld>
+</file>
+
+<file path=ppt/slides/slide18.xml><?xml version="1.0" encoding="utf-8"?>
+<p:sld xmlns:a="http://schemas.openxmlformats.org/drawingml/2006/main" xmlns:r="http://schemas.openxmlformats.org/officeDocument/2006/relationships" xmlns:p="http://schemas.openxmlformats.org/presentationml/2006/main">
+  <p:cSld>
+    <p:spTree>
+      <p:nvGrpSpPr>
+        <p:cNvPr id="1" name=""/>
+        <p:cNvGrpSpPr/>
+        <p:nvPr/>
+      </p:nvGrpSpPr>
+      <p:grpSpPr>
+        <a:xfrm>
+          <a:off x="0" y="0"/>
+          <a:ext cx="0" cy="0"/>
+          <a:chOff x="0" y="0"/>
+          <a:chExt cx="0" cy="0"/>
+        </a:xfrm>
+      </p:grpSpPr>
+      <p:sp>
+        <p:nvSpPr>
+          <p:cNvPr id="2" name="Title 1">
+            <a:extLst>
+              <a:ext uri="{FF2B5EF4-FFF2-40B4-BE49-F238E27FC236}">
                 <a16:creationId xmlns:a16="http://schemas.microsoft.com/office/drawing/2014/main" id="{5448C546-8FFD-446E-BDCF-98089415F8BE}"/>
               </a:ext>
             </a:extLst>
@@ -19079,7 +19329,7 @@
               <a:pPr>
                 <a:defRPr/>
               </a:pPr>
-              <a:t>17</a:t>
+              <a:t>18</a:t>
             </a:fld>
             <a:endParaRPr lang="en-GB" altLang="en-US" dirty="0"/>
           </a:p>

--- a/consumption/presentationOct2021.pptx
+++ b/consumption/presentationOct2021.pptx
@@ -18620,10 +18620,10 @@
           <a:lstStyle/>
           <a:p>
             <a:r>
-              <a:rPr lang="en-US"/>
+              <a:rPr lang="en-US" dirty="0"/>
               <a:t>Nigeria</a:t>
             </a:r>
-            <a:endParaRPr lang="en-GB"/>
+            <a:endParaRPr lang="en-GB" dirty="0"/>
           </a:p>
         </p:txBody>
       </p:sp>

--- a/consumption/presentationOct2021.pptx
+++ b/consumption/presentationOct2021.pptx
@@ -6,10 +6,10 @@
     <p:sldMasterId id="2147483669" r:id="rId2"/>
   </p:sldMasterIdLst>
   <p:notesMasterIdLst>
-    <p:notesMasterId r:id="rId21"/>
+    <p:notesMasterId r:id="rId23"/>
   </p:notesMasterIdLst>
   <p:handoutMasterIdLst>
-    <p:handoutMasterId r:id="rId22"/>
+    <p:handoutMasterId r:id="rId24"/>
   </p:handoutMasterIdLst>
   <p:sldIdLst>
     <p:sldId id="301" r:id="rId3"/>
@@ -26,45 +26,47 @@
     <p:sldId id="346" r:id="rId14"/>
     <p:sldId id="345" r:id="rId15"/>
     <p:sldId id="348" r:id="rId16"/>
-    <p:sldId id="343" r:id="rId17"/>
-    <p:sldId id="347" r:id="rId18"/>
-    <p:sldId id="337" r:id="rId19"/>
-    <p:sldId id="320" r:id="rId20"/>
+    <p:sldId id="349" r:id="rId17"/>
+    <p:sldId id="350" r:id="rId18"/>
+    <p:sldId id="343" r:id="rId19"/>
+    <p:sldId id="347" r:id="rId20"/>
+    <p:sldId id="337" r:id="rId21"/>
+    <p:sldId id="320" r:id="rId22"/>
   </p:sldIdLst>
   <p:sldSz cx="9144000" cy="5143500" type="screen16x9"/>
   <p:notesSz cx="6718300" cy="9867900"/>
   <p:embeddedFontLst>
     <p:embeddedFont>
       <p:font typeface="Calibri" panose="020F0502020204030204" pitchFamily="34" charset="0"/>
-      <p:regular r:id="rId23"/>
-      <p:bold r:id="rId24"/>
-      <p:italic r:id="rId25"/>
-      <p:boldItalic r:id="rId26"/>
+      <p:regular r:id="rId25"/>
+      <p:bold r:id="rId26"/>
+      <p:italic r:id="rId27"/>
+      <p:boldItalic r:id="rId28"/>
     </p:embeddedFont>
     <p:embeddedFont>
       <p:font typeface="Calibri Light" panose="020F0302020204030204" pitchFamily="34" charset="0"/>
-      <p:regular r:id="rId27"/>
-      <p:italic r:id="rId28"/>
+      <p:regular r:id="rId29"/>
+      <p:italic r:id="rId30"/>
     </p:embeddedFont>
     <p:embeddedFont>
       <p:font typeface="Cambria Math" panose="02040503050406030204" pitchFamily="18" charset="0"/>
-      <p:regular r:id="rId29"/>
+      <p:regular r:id="rId31"/>
     </p:embeddedFont>
     <p:embeddedFont>
       <p:font typeface="Effra" panose="020B0604020202020204" charset="0"/>
-      <p:regular r:id="rId30"/>
-      <p:bold r:id="rId31"/>
-      <p:italic r:id="rId32"/>
-      <p:boldItalic r:id="rId33"/>
+      <p:regular r:id="rId32"/>
+      <p:bold r:id="rId33"/>
+      <p:italic r:id="rId34"/>
+      <p:boldItalic r:id="rId35"/>
     </p:embeddedFont>
     <p:embeddedFont>
       <p:font typeface="Effra Bold" panose="020B0604020202020204" charset="0"/>
-      <p:bold r:id="rId34"/>
+      <p:bold r:id="rId36"/>
     </p:embeddedFont>
     <p:embeddedFont>
       <p:font typeface="Effra Light" panose="020B0604020202020204" charset="0"/>
-      <p:regular r:id="rId35"/>
-      <p:italic r:id="rId36"/>
+      <p:regular r:id="rId37"/>
+      <p:italic r:id="rId38"/>
     </p:embeddedFont>
   </p:embeddedFontLst>
   <p:defaultTextStyle>
@@ -7496,7 +7498,7 @@
               <a:pPr>
                 <a:defRPr/>
               </a:pPr>
-              <a:t>10/20/2021</a:t>
+              <a:t>10/22/2021</a:t>
             </a:fld>
             <a:endParaRPr lang="en-US" altLang="en-US"/>
           </a:p>
@@ -7937,7 +7939,7 @@
               <a:pPr>
                 <a:defRPr/>
               </a:pPr>
-              <a:t>10/20/2021</a:t>
+              <a:t>10/22/2021</a:t>
             </a:fld>
             <a:endParaRPr lang="en-US" altLang="en-US"/>
           </a:p>
@@ -8168,7 +8170,7 @@
               <a:pPr>
                 <a:defRPr/>
               </a:pPr>
-              <a:t>10/20/2021</a:t>
+              <a:t>10/22/2021</a:t>
             </a:fld>
             <a:endParaRPr lang="en-US" altLang="en-US"/>
           </a:p>
@@ -8367,7 +8369,7 @@
               <a:pPr>
                 <a:defRPr/>
               </a:pPr>
-              <a:t>10/20/2021</a:t>
+              <a:t>10/22/2021</a:t>
             </a:fld>
             <a:endParaRPr lang="en-US"/>
           </a:p>
@@ -8642,7 +8644,7 @@
               <a:pPr>
                 <a:defRPr/>
               </a:pPr>
-              <a:t>10/20/2021</a:t>
+              <a:t>10/22/2021</a:t>
             </a:fld>
             <a:endParaRPr lang="en-US"/>
           </a:p>
@@ -8902,7 +8904,7 @@
               <a:pPr>
                 <a:defRPr/>
               </a:pPr>
-              <a:t>10/20/2021</a:t>
+              <a:t>10/22/2021</a:t>
             </a:fld>
             <a:endParaRPr lang="en-US" altLang="en-US"/>
           </a:p>
@@ -9297,7 +9299,7 @@
               <a:pPr>
                 <a:defRPr/>
               </a:pPr>
-              <a:t>10/20/2021</a:t>
+              <a:t>10/22/2021</a:t>
             </a:fld>
             <a:endParaRPr lang="en-US"/>
           </a:p>
@@ -9445,7 +9447,7 @@
               <a:pPr>
                 <a:defRPr/>
               </a:pPr>
-              <a:t>10/20/2021</a:t>
+              <a:t>10/22/2021</a:t>
             </a:fld>
             <a:endParaRPr lang="en-US"/>
           </a:p>
@@ -9571,7 +9573,7 @@
               <a:pPr>
                 <a:defRPr/>
               </a:pPr>
-              <a:t>10/20/2021</a:t>
+              <a:t>10/22/2021</a:t>
             </a:fld>
             <a:endParaRPr lang="en-US"/>
           </a:p>
@@ -9877,7 +9879,7 @@
               <a:pPr>
                 <a:defRPr/>
               </a:pPr>
-              <a:t>10/20/2021</a:t>
+              <a:t>10/22/2021</a:t>
             </a:fld>
             <a:endParaRPr lang="en-US"/>
           </a:p>
@@ -10161,7 +10163,7 @@
               <a:pPr>
                 <a:defRPr/>
               </a:pPr>
-              <a:t>10/20/2021</a:t>
+              <a:t>10/22/2021</a:t>
             </a:fld>
             <a:endParaRPr lang="en-US"/>
           </a:p>
@@ -11599,7 +11601,7 @@
               <a:pPr>
                 <a:defRPr/>
               </a:pPr>
-              <a:t>10/20/2021</a:t>
+              <a:t>10/22/2021</a:t>
             </a:fld>
             <a:endParaRPr lang="en-US"/>
           </a:p>
@@ -11808,7 +11810,7 @@
               <a:pPr>
                 <a:defRPr/>
               </a:pPr>
-              <a:t>10/20/2021</a:t>
+              <a:t>10/22/2021</a:t>
             </a:fld>
             <a:endParaRPr lang="en-US"/>
           </a:p>
@@ -16209,7 +16211,7 @@
               <a:pPr>
                 <a:defRPr/>
               </a:pPr>
-              <a:t>10/20/2021</a:t>
+              <a:t>10/22/2021</a:t>
             </a:fld>
             <a:endParaRPr lang="en-US"/>
           </a:p>
@@ -18252,24 +18254,49 @@
             <p:ph idx="1"/>
           </p:nvPr>
         </p:nvSpPr>
-        <p:spPr/>
-        <p:txBody>
-          <a:bodyPr/>
+        <p:spPr>
+          <a:xfrm>
+            <a:off x="628650" y="1352551"/>
+            <a:ext cx="6991350" cy="609600"/>
+          </a:xfrm>
+        </p:spPr>
+        <p:txBody>
+          <a:bodyPr>
+            <a:normAutofit fontScale="77500" lnSpcReduction="20000"/>
+          </a:bodyPr>
           <a:lstStyle/>
           <a:p>
             <a:r>
-              <a:rPr lang="en-US" dirty="0"/>
-              <a:t>We </a:t>
-            </a:r>
-            <a:r>
-              <a:rPr lang="en-US" dirty="0" err="1"/>
+              <a:rPr lang="en-US" sz="1600" dirty="0"/>
+              <a:t>Using income data, we </a:t>
+            </a:r>
+            <a:r>
+              <a:rPr lang="en-US" sz="1600" dirty="0" err="1"/>
               <a:t>standardise</a:t>
             </a:r>
             <a:r>
-              <a:rPr lang="en-US" dirty="0"/>
-              <a:t> occupations into occupation ranks for comparison</a:t>
-            </a:r>
-            <a:endParaRPr lang="en-GB" dirty="0"/>
+              <a:rPr lang="en-US" sz="1600" dirty="0"/>
+              <a:t> occupations into occupation ranks for comparison across economies</a:t>
+            </a:r>
+          </a:p>
+          <a:p>
+            <a:r>
+              <a:rPr lang="en-US" sz="1600" dirty="0"/>
+              <a:t>Occupational and Asset differences are shown in the following chart. </a:t>
+            </a:r>
+            <a:r>
+              <a:rPr lang="en-US" sz="1600"/>
+              <a:t>A more </a:t>
+            </a:r>
+            <a:r>
+              <a:rPr lang="en-US" sz="1600" dirty="0"/>
+              <a:t>even distribution of assets and occupation-levels seems evident </a:t>
+            </a:r>
+            <a:r>
+              <a:rPr lang="en-US" sz="1600"/>
+              <a:t>in Nigeria</a:t>
+            </a:r>
+            <a:endParaRPr lang="en-GB" sz="1600" dirty="0"/>
           </a:p>
         </p:txBody>
       </p:sp>
@@ -18308,6 +18335,78 @@
           </a:p>
         </p:txBody>
       </p:sp>
+      <p:pic>
+        <p:nvPicPr>
+          <p:cNvPr id="6" name="Picture 5" descr="Map&#10;&#10;Description automatically generated">
+            <a:extLst>
+              <a:ext uri="{FF2B5EF4-FFF2-40B4-BE49-F238E27FC236}">
+                <a16:creationId xmlns:a16="http://schemas.microsoft.com/office/drawing/2014/main" id="{79B358B4-E12F-4435-A592-FAA9CE7B2566}"/>
+              </a:ext>
+            </a:extLst>
+          </p:cNvPr>
+          <p:cNvPicPr>
+            <a:picLocks noChangeAspect="1"/>
+          </p:cNvPicPr>
+          <p:nvPr/>
+        </p:nvPicPr>
+        <p:blipFill>
+          <a:blip r:embed="rId2">
+            <a:extLst>
+              <a:ext uri="{28A0092B-C50C-407E-A947-70E740481C1C}">
+                <a14:useLocalDpi xmlns:a14="http://schemas.microsoft.com/office/drawing/2010/main" val="0"/>
+              </a:ext>
+            </a:extLst>
+          </a:blip>
+          <a:stretch>
+            <a:fillRect/>
+          </a:stretch>
+        </p:blipFill>
+        <p:spPr>
+          <a:xfrm>
+            <a:off x="628650" y="2138364"/>
+            <a:ext cx="2971800" cy="2892875"/>
+          </a:xfrm>
+          <a:prstGeom prst="rect">
+            <a:avLst/>
+          </a:prstGeom>
+        </p:spPr>
+      </p:pic>
+      <p:pic>
+        <p:nvPicPr>
+          <p:cNvPr id="8" name="Picture 7" descr="Chart, map, scatter chart&#10;&#10;Description automatically generated">
+            <a:extLst>
+              <a:ext uri="{FF2B5EF4-FFF2-40B4-BE49-F238E27FC236}">
+                <a16:creationId xmlns:a16="http://schemas.microsoft.com/office/drawing/2014/main" id="{5CA7E0AA-476B-48D2-AAB5-EAD5DAB2EA19}"/>
+              </a:ext>
+            </a:extLst>
+          </p:cNvPr>
+          <p:cNvPicPr>
+            <a:picLocks noChangeAspect="1"/>
+          </p:cNvPicPr>
+          <p:nvPr/>
+        </p:nvPicPr>
+        <p:blipFill>
+          <a:blip r:embed="rId3">
+            <a:extLst>
+              <a:ext uri="{28A0092B-C50C-407E-A947-70E740481C1C}">
+                <a14:useLocalDpi xmlns:a14="http://schemas.microsoft.com/office/drawing/2010/main" val="0"/>
+              </a:ext>
+            </a:extLst>
+          </a:blip>
+          <a:stretch>
+            <a:fillRect/>
+          </a:stretch>
+        </p:blipFill>
+        <p:spPr>
+          <a:xfrm>
+            <a:off x="4406730" y="2272692"/>
+            <a:ext cx="3975269" cy="2051658"/>
+          </a:xfrm>
+          <a:prstGeom prst="rect">
+            <a:avLst/>
+          </a:prstGeom>
+        </p:spPr>
+      </p:pic>
     </p:spTree>
     <p:extLst>
       <p:ext uri="{BB962C8B-B14F-4D97-AF65-F5344CB8AC3E}">
@@ -18435,7 +18534,7 @@
         </p:blipFill>
         <p:spPr>
           <a:xfrm>
-            <a:off x="5715000" y="1682057"/>
+            <a:off x="6551972" y="2036158"/>
             <a:ext cx="1997048" cy="1779386"/>
           </a:xfrm>
         </p:spPr>
@@ -18513,7 +18612,7 @@
         </p:blipFill>
         <p:spPr>
           <a:xfrm>
-            <a:off x="1219200" y="2474291"/>
+            <a:off x="1600200" y="2598021"/>
             <a:ext cx="3550646" cy="2571750"/>
           </a:xfrm>
           <a:prstGeom prst="rect">
@@ -18535,8 +18634,8 @@
         </p:nvSpPr>
         <p:spPr>
           <a:xfrm>
-            <a:off x="533400" y="1581150"/>
-            <a:ext cx="4700326" cy="1015663"/>
+            <a:off x="381000" y="1259604"/>
+            <a:ext cx="5787546" cy="1323439"/>
           </a:xfrm>
           <a:prstGeom prst="rect">
             <a:avLst/>
@@ -18549,6 +18648,10 @@
           </a:bodyPr>
           <a:lstStyle/>
           <a:p>
+            <a:pPr marL="342900" indent="-342900">
+              <a:buFont typeface="Arial" panose="020B0604020202020204" pitchFamily="34" charset="0"/>
+              <a:buChar char="•"/>
+            </a:pPr>
             <a:r>
               <a:rPr lang="en-US" dirty="0"/>
               <a:t>Non-food expenditures are much higher</a:t>
@@ -18558,6 +18661,16 @@
             <a:r>
               <a:rPr lang="en-US" dirty="0"/>
               <a:t>in the east of the country</a:t>
+            </a:r>
+          </a:p>
+          <a:p>
+            <a:pPr marL="342900" indent="-342900">
+              <a:buFont typeface="Arial" panose="020B0604020202020204" pitchFamily="34" charset="0"/>
+              <a:buChar char="•"/>
+            </a:pPr>
+            <a:r>
+              <a:rPr lang="en-US" dirty="0"/>
+              <a:t>Vast asset differences exist across the country</a:t>
             </a:r>
           </a:p>
           <a:p>
@@ -18629,31 +18742,6 @@
       </p:sp>
       <p:sp>
         <p:nvSpPr>
-          <p:cNvPr id="3" name="Content Placeholder 2">
-            <a:extLst>
-              <a:ext uri="{FF2B5EF4-FFF2-40B4-BE49-F238E27FC236}">
-                <a16:creationId xmlns:a16="http://schemas.microsoft.com/office/drawing/2014/main" id="{C5879A99-99CE-495B-AA5A-7A803F23F00E}"/>
-              </a:ext>
-            </a:extLst>
-          </p:cNvPr>
-          <p:cNvSpPr>
-            <a:spLocks noGrp="1"/>
-          </p:cNvSpPr>
-          <p:nvPr>
-            <p:ph idx="1"/>
-          </p:nvPr>
-        </p:nvSpPr>
-        <p:spPr/>
-        <p:txBody>
-          <a:bodyPr/>
-          <a:lstStyle/>
-          <a:p>
-            <a:endParaRPr lang="en-GB"/>
-          </a:p>
-        </p:txBody>
-      </p:sp>
-      <p:sp>
-        <p:nvSpPr>
           <p:cNvPr id="4" name="Slide Number Placeholder 3">
             <a:extLst>
               <a:ext uri="{FF2B5EF4-FFF2-40B4-BE49-F238E27FC236}">
@@ -18684,6 +18772,127 @@
               <a:t>14</a:t>
             </a:fld>
             <a:endParaRPr lang="en-GB" altLang="en-US" dirty="0"/>
+          </a:p>
+        </p:txBody>
+      </p:sp>
+      <p:pic>
+        <p:nvPicPr>
+          <p:cNvPr id="6" name="Picture 5" descr="Chart, surface chart&#10;&#10;Description automatically generated">
+            <a:extLst>
+              <a:ext uri="{FF2B5EF4-FFF2-40B4-BE49-F238E27FC236}">
+                <a16:creationId xmlns:a16="http://schemas.microsoft.com/office/drawing/2014/main" id="{EA0629CF-8138-4C40-BE3D-7FF7A1CC3518}"/>
+              </a:ext>
+            </a:extLst>
+          </p:cNvPr>
+          <p:cNvPicPr>
+            <a:picLocks noChangeAspect="1"/>
+          </p:cNvPicPr>
+          <p:nvPr/>
+        </p:nvPicPr>
+        <p:blipFill>
+          <a:blip r:embed="rId2">
+            <a:extLst>
+              <a:ext uri="{28A0092B-C50C-407E-A947-70E740481C1C}">
+                <a14:useLocalDpi xmlns:a14="http://schemas.microsoft.com/office/drawing/2010/main" val="0"/>
+              </a:ext>
+            </a:extLst>
+          </a:blip>
+          <a:stretch>
+            <a:fillRect/>
+          </a:stretch>
+        </p:blipFill>
+        <p:spPr>
+          <a:xfrm>
+            <a:off x="5153612" y="1243984"/>
+            <a:ext cx="3981423" cy="2054834"/>
+          </a:xfrm>
+          <a:prstGeom prst="rect">
+            <a:avLst/>
+          </a:prstGeom>
+        </p:spPr>
+      </p:pic>
+      <p:pic>
+        <p:nvPicPr>
+          <p:cNvPr id="8" name="Picture 7" descr="Diagram, engineering drawing&#10;&#10;Description automatically generated">
+            <a:extLst>
+              <a:ext uri="{FF2B5EF4-FFF2-40B4-BE49-F238E27FC236}">
+                <a16:creationId xmlns:a16="http://schemas.microsoft.com/office/drawing/2014/main" id="{CD96B21B-A10D-40B4-9995-F64BED23E804}"/>
+              </a:ext>
+            </a:extLst>
+          </p:cNvPr>
+          <p:cNvPicPr>
+            <a:picLocks noChangeAspect="1"/>
+          </p:cNvPicPr>
+          <p:nvPr/>
+        </p:nvPicPr>
+        <p:blipFill>
+          <a:blip r:embed="rId3">
+            <a:extLst>
+              <a:ext uri="{28A0092B-C50C-407E-A947-70E740481C1C}">
+                <a14:useLocalDpi xmlns:a14="http://schemas.microsoft.com/office/drawing/2010/main" val="0"/>
+              </a:ext>
+            </a:extLst>
+          </a:blip>
+          <a:stretch>
+            <a:fillRect/>
+          </a:stretch>
+        </p:blipFill>
+        <p:spPr>
+          <a:xfrm>
+            <a:off x="1047750" y="2920891"/>
+            <a:ext cx="3905249" cy="2015520"/>
+          </a:xfrm>
+          <a:prstGeom prst="rect">
+            <a:avLst/>
+          </a:prstGeom>
+        </p:spPr>
+      </p:pic>
+      <p:sp>
+        <p:nvSpPr>
+          <p:cNvPr id="9" name="TextBox 8">
+            <a:extLst>
+              <a:ext uri="{FF2B5EF4-FFF2-40B4-BE49-F238E27FC236}">
+                <a16:creationId xmlns:a16="http://schemas.microsoft.com/office/drawing/2014/main" id="{0F618A1C-773A-4167-8D22-F50953D03EDF}"/>
+              </a:ext>
+            </a:extLst>
+          </p:cNvPr>
+          <p:cNvSpPr txBox="1"/>
+          <p:nvPr/>
+        </p:nvSpPr>
+        <p:spPr>
+          <a:xfrm>
+            <a:off x="228600" y="1243984"/>
+            <a:ext cx="5486400" cy="1323439"/>
+          </a:xfrm>
+          <a:prstGeom prst="rect">
+            <a:avLst/>
+          </a:prstGeom>
+          <a:noFill/>
+        </p:spPr>
+        <p:txBody>
+          <a:bodyPr wrap="square" rtlCol="0">
+            <a:spAutoFit/>
+          </a:bodyPr>
+          <a:lstStyle/>
+          <a:p>
+            <a:pPr marL="342900" indent="-342900">
+              <a:buFont typeface="Arial" panose="020B0604020202020204" pitchFamily="34" charset="0"/>
+              <a:buChar char="•"/>
+            </a:pPr>
+            <a:r>
+              <a:rPr lang="en-US" dirty="0"/>
+              <a:t>The asset differences are relatively flat</a:t>
+            </a:r>
+          </a:p>
+          <a:p>
+            <a:pPr marL="342900" indent="-342900">
+              <a:buFont typeface="Arial" panose="020B0604020202020204" pitchFamily="34" charset="0"/>
+              <a:buChar char="•"/>
+            </a:pPr>
+            <a:r>
+              <a:rPr lang="en-US" dirty="0"/>
+              <a:t>The north-east of the country has higher food expenditure but the coastal south-west has higher non-food expenditure</a:t>
+            </a:r>
           </a:p>
         </p:txBody>
       </p:sp>
@@ -18725,7 +18934,7 @@
           <p:cNvPr id="2" name="Title 1">
             <a:extLst>
               <a:ext uri="{FF2B5EF4-FFF2-40B4-BE49-F238E27FC236}">
-                <a16:creationId xmlns:a16="http://schemas.microsoft.com/office/drawing/2014/main" id="{989358B1-5556-4A30-98FB-74368A91CAEB}"/>
+                <a16:creationId xmlns:a16="http://schemas.microsoft.com/office/drawing/2014/main" id="{7A2760FA-F0DF-4A97-856A-75DEAC2C5F0A}"/>
               </a:ext>
             </a:extLst>
           </p:cNvPr>
@@ -18736,14 +18945,19 @@
             <p:ph type="title"/>
           </p:nvPr>
         </p:nvSpPr>
-        <p:spPr/>
+        <p:spPr>
+          <a:xfrm>
+            <a:off x="628650" y="274638"/>
+            <a:ext cx="5467350" cy="993775"/>
+          </a:xfrm>
+        </p:spPr>
         <p:txBody>
           <a:bodyPr/>
           <a:lstStyle/>
           <a:p>
             <a:r>
               <a:rPr lang="en-US" dirty="0"/>
-              <a:t>Tanzania</a:t>
+              <a:t>Interpreting non-parametric and descriptive data</a:t>
             </a:r>
             <a:endParaRPr lang="en-GB" dirty="0"/>
           </a:p>
@@ -18754,7 +18968,7 @@
           <p:cNvPr id="3" name="Content Placeholder 2">
             <a:extLst>
               <a:ext uri="{FF2B5EF4-FFF2-40B4-BE49-F238E27FC236}">
-                <a16:creationId xmlns:a16="http://schemas.microsoft.com/office/drawing/2014/main" id="{02175C54-1B0C-4324-BD87-0CFA546C49D9}"/>
+                <a16:creationId xmlns:a16="http://schemas.microsoft.com/office/drawing/2014/main" id="{49B80137-2BE4-428C-841E-90F63B600F84}"/>
               </a:ext>
             </a:extLst>
           </p:cNvPr>
@@ -18771,23 +18985,25 @@
           <a:lstStyle/>
           <a:p>
             <a:r>
+              <a:rPr lang="en-US" dirty="0"/>
+              <a:t>Tanzania</a:t>
+            </a:r>
+          </a:p>
+          <a:p>
+            <a:pPr lvl="1"/>
+            <a:r>
               <a:rPr lang="en-GB" dirty="0"/>
               <a:t>The non-parametric view of data shows vast differences in assets</a:t>
             </a:r>
           </a:p>
           <a:p>
+            <a:pPr lvl="1"/>
             <a:r>
               <a:rPr lang="en-GB" dirty="0"/>
               <a:t>The overall role of occupation is strong in Tanzania</a:t>
             </a:r>
           </a:p>
           <a:p>
-            <a:r>
-              <a:rPr lang="en-GB" dirty="0"/>
-              <a:t>Interestingly the subjective well being does not align with the asset distribution</a:t>
-            </a:r>
-          </a:p>
-          <a:p>
             <a:pPr lvl="1"/>
             <a:r>
               <a:rPr lang="en-GB" dirty="0"/>
@@ -18795,7 +19011,31 @@
             </a:r>
           </a:p>
           <a:p>
-            <a:endParaRPr lang="en-GB" dirty="0"/>
+            <a:pPr lvl="1"/>
+            <a:r>
+              <a:rPr lang="en-GB" dirty="0"/>
+              <a:t>The subjective well being does not align with the asset distribution</a:t>
+            </a:r>
+          </a:p>
+          <a:p>
+            <a:r>
+              <a:rPr lang="en-GB" dirty="0"/>
+              <a:t>Nigeria</a:t>
+            </a:r>
+          </a:p>
+          <a:p>
+            <a:pPr lvl="1"/>
+            <a:r>
+              <a:rPr lang="en-GB" dirty="0"/>
+              <a:t>The asset differences are fewer</a:t>
+            </a:r>
+          </a:p>
+          <a:p>
+            <a:pPr lvl="1"/>
+            <a:r>
+              <a:rPr lang="en-GB" dirty="0"/>
+              <a:t>The role of occupation</a:t>
+            </a:r>
           </a:p>
         </p:txBody>
       </p:sp>
@@ -18804,7 +19044,7 @@
           <p:cNvPr id="4" name="Slide Number Placeholder 3">
             <a:extLst>
               <a:ext uri="{FF2B5EF4-FFF2-40B4-BE49-F238E27FC236}">
-                <a16:creationId xmlns:a16="http://schemas.microsoft.com/office/drawing/2014/main" id="{1FDD9C7A-6921-417D-A536-9A1ADE017F75}"/>
+                <a16:creationId xmlns:a16="http://schemas.microsoft.com/office/drawing/2014/main" id="{D11D1B95-CA29-4AC8-BE6E-FF6E70DAFFBC}"/>
               </a:ext>
             </a:extLst>
           </p:cNvPr>
@@ -18837,7 +19077,7 @@
     </p:spTree>
     <p:extLst>
       <p:ext uri="{BB962C8B-B14F-4D97-AF65-F5344CB8AC3E}">
-        <p14:creationId xmlns:p14="http://schemas.microsoft.com/office/powerpoint/2010/main" val="319899213"/>
+        <p14:creationId xmlns:p14="http://schemas.microsoft.com/office/powerpoint/2010/main" val="1421887588"/>
       </p:ext>
     </p:extLst>
   </p:cSld>
@@ -18872,7 +19112,7 @@
           <p:cNvPr id="2" name="Title 1">
             <a:extLst>
               <a:ext uri="{FF2B5EF4-FFF2-40B4-BE49-F238E27FC236}">
-                <a16:creationId xmlns:a16="http://schemas.microsoft.com/office/drawing/2014/main" id="{1E281EA7-B51E-4DC4-83AC-69973366C6BA}"/>
+                <a16:creationId xmlns:a16="http://schemas.microsoft.com/office/drawing/2014/main" id="{05C9031C-2123-4FF1-BCC7-6F2D113AFB0F}"/>
               </a:ext>
             </a:extLst>
           </p:cNvPr>
@@ -18890,7 +19130,7 @@
           <a:p>
             <a:r>
               <a:rPr lang="en-US" dirty="0"/>
-              <a:t>Finer details with quantile regression</a:t>
+              <a:t>Parametric Quantile Analysis</a:t>
             </a:r>
             <a:endParaRPr lang="en-GB" dirty="0"/>
           </a:p>
@@ -18901,7 +19141,7 @@
           <p:cNvPr id="3" name="Content Placeholder 2">
             <a:extLst>
               <a:ext uri="{FF2B5EF4-FFF2-40B4-BE49-F238E27FC236}">
-                <a16:creationId xmlns:a16="http://schemas.microsoft.com/office/drawing/2014/main" id="{5FB0481C-346A-45D5-BE87-16CD5476AF6A}"/>
+                <a16:creationId xmlns:a16="http://schemas.microsoft.com/office/drawing/2014/main" id="{9182EAC1-F444-4637-9CC5-DE39E6E187B0}"/>
               </a:ext>
             </a:extLst>
           </p:cNvPr>
@@ -18917,17 +19157,7 @@
           <a:bodyPr/>
           <a:lstStyle/>
           <a:p>
-            <a:r>
-              <a:rPr lang="en-US" dirty="0"/>
-              <a:t>Tanzania</a:t>
-            </a:r>
-          </a:p>
-          <a:p>
-            <a:r>
-              <a:rPr lang="en-US" dirty="0"/>
-              <a:t>Nigeria</a:t>
-            </a:r>
-            <a:endParaRPr lang="en-GB" dirty="0"/>
+            <a:endParaRPr lang="en-GB"/>
           </a:p>
         </p:txBody>
       </p:sp>
@@ -18936,7 +19166,7 @@
           <p:cNvPr id="4" name="Slide Number Placeholder 3">
             <a:extLst>
               <a:ext uri="{FF2B5EF4-FFF2-40B4-BE49-F238E27FC236}">
-                <a16:creationId xmlns:a16="http://schemas.microsoft.com/office/drawing/2014/main" id="{AD7169C2-F41A-40EE-A210-49C6A0A94BEF}"/>
+                <a16:creationId xmlns:a16="http://schemas.microsoft.com/office/drawing/2014/main" id="{02B8584F-DFF9-47E8-8C04-DAFFDF47E165}"/>
               </a:ext>
             </a:extLst>
           </p:cNvPr>
@@ -18969,7 +19199,7 @@
     </p:spTree>
     <p:extLst>
       <p:ext uri="{BB962C8B-B14F-4D97-AF65-F5344CB8AC3E}">
-        <p14:creationId xmlns:p14="http://schemas.microsoft.com/office/powerpoint/2010/main" val="3432941902"/>
+        <p14:creationId xmlns:p14="http://schemas.microsoft.com/office/powerpoint/2010/main" val="296723742"/>
       </p:ext>
     </p:extLst>
   </p:cSld>
@@ -19004,7 +19234,7 @@
           <p:cNvPr id="2" name="Title 1">
             <a:extLst>
               <a:ext uri="{FF2B5EF4-FFF2-40B4-BE49-F238E27FC236}">
-                <a16:creationId xmlns:a16="http://schemas.microsoft.com/office/drawing/2014/main" id="{0BFD862A-E2C5-4015-9F48-E21EBBEC1398}"/>
+                <a16:creationId xmlns:a16="http://schemas.microsoft.com/office/drawing/2014/main" id="{989358B1-5556-4A30-98FB-74368A91CAEB}"/>
               </a:ext>
             </a:extLst>
           </p:cNvPr>
@@ -19021,9 +19251,10 @@
           <a:lstStyle/>
           <a:p>
             <a:r>
-              <a:rPr lang="en-GB" dirty="0"/>
-              <a:t>How is this different from visible consumption?</a:t>
-            </a:r>
+              <a:rPr lang="en-US" dirty="0"/>
+              <a:t>Tanzania</a:t>
+            </a:r>
+            <a:endParaRPr lang="en-GB" dirty="0"/>
           </a:p>
         </p:txBody>
       </p:sp>
@@ -19032,7 +19263,7 @@
           <p:cNvPr id="3" name="Content Placeholder 2">
             <a:extLst>
               <a:ext uri="{FF2B5EF4-FFF2-40B4-BE49-F238E27FC236}">
-                <a16:creationId xmlns:a16="http://schemas.microsoft.com/office/drawing/2014/main" id="{8E165D5A-616B-4E7A-B5B6-2C1A87ADB63C}"/>
+                <a16:creationId xmlns:a16="http://schemas.microsoft.com/office/drawing/2014/main" id="{02175C54-1B0C-4324-BD87-0CFA546C49D9}"/>
               </a:ext>
             </a:extLst>
           </p:cNvPr>
@@ -19043,22 +19274,12 @@
             <p:ph idx="1"/>
           </p:nvPr>
         </p:nvSpPr>
-        <p:spPr>
-          <a:xfrm>
-            <a:off x="628650" y="1443038"/>
-            <a:ext cx="7886700" cy="3262312"/>
-          </a:xfrm>
-        </p:spPr>
-        <p:txBody>
-          <a:bodyPr>
-            <a:normAutofit/>
-          </a:bodyPr>
+        <p:spPr/>
+        <p:txBody>
+          <a:bodyPr/>
           <a:lstStyle/>
           <a:p>
-            <a:r>
-              <a:rPr lang="en-GB" dirty="0"/>
-              <a:t>The LSMS data shows many opportunities for visible consumption – e.g. marriage price, expenditure on carpets rugs – but there too the effect of urban-rural differences dominates</a:t>
-            </a:r>
+            <a:endParaRPr lang="en-GB" dirty="0"/>
           </a:p>
         </p:txBody>
       </p:sp>
@@ -19067,7 +19288,7 @@
           <p:cNvPr id="4" name="Slide Number Placeholder 3">
             <a:extLst>
               <a:ext uri="{FF2B5EF4-FFF2-40B4-BE49-F238E27FC236}">
-                <a16:creationId xmlns:a16="http://schemas.microsoft.com/office/drawing/2014/main" id="{DA097299-24FE-4400-A473-449518E30133}"/>
+                <a16:creationId xmlns:a16="http://schemas.microsoft.com/office/drawing/2014/main" id="{1FDD9C7A-6921-417D-A536-9A1ADE017F75}"/>
               </a:ext>
             </a:extLst>
           </p:cNvPr>
@@ -19100,7 +19321,7 @@
     </p:spTree>
     <p:extLst>
       <p:ext uri="{BB962C8B-B14F-4D97-AF65-F5344CB8AC3E}">
-        <p14:creationId xmlns:p14="http://schemas.microsoft.com/office/powerpoint/2010/main" val="2952202664"/>
+        <p14:creationId xmlns:p14="http://schemas.microsoft.com/office/powerpoint/2010/main" val="319899213"/>
       </p:ext>
     </p:extLst>
   </p:cSld>
@@ -19135,7 +19356,7 @@
           <p:cNvPr id="2" name="Title 1">
             <a:extLst>
               <a:ext uri="{FF2B5EF4-FFF2-40B4-BE49-F238E27FC236}">
-                <a16:creationId xmlns:a16="http://schemas.microsoft.com/office/drawing/2014/main" id="{5448C546-8FFD-446E-BDCF-98089415F8BE}"/>
+                <a16:creationId xmlns:a16="http://schemas.microsoft.com/office/drawing/2014/main" id="{1E281EA7-B51E-4DC4-83AC-69973366C6BA}"/>
               </a:ext>
             </a:extLst>
           </p:cNvPr>
@@ -19152,9 +19373,10 @@
           <a:lstStyle/>
           <a:p>
             <a:r>
-              <a:rPr lang="en-GB" dirty="0"/>
-              <a:t>References</a:t>
-            </a:r>
+              <a:rPr lang="en-US" dirty="0"/>
+              <a:t>Finer details with quantile regression</a:t>
+            </a:r>
+            <a:endParaRPr lang="en-GB" dirty="0"/>
           </a:p>
         </p:txBody>
       </p:sp>
@@ -19163,7 +19385,7 @@
           <p:cNvPr id="3" name="Content Placeholder 2">
             <a:extLst>
               <a:ext uri="{FF2B5EF4-FFF2-40B4-BE49-F238E27FC236}">
-                <a16:creationId xmlns:a16="http://schemas.microsoft.com/office/drawing/2014/main" id="{BA2A16AD-BBE9-46B1-A4CE-03E91196953B}"/>
+                <a16:creationId xmlns:a16="http://schemas.microsoft.com/office/drawing/2014/main" id="{5FB0481C-346A-45D5-BE87-16CD5476AF6A}"/>
               </a:ext>
             </a:extLst>
           </p:cNvPr>
@@ -19176,126 +19398,19 @@
         </p:nvSpPr>
         <p:spPr/>
         <p:txBody>
-          <a:bodyPr>
-            <a:normAutofit fontScale="92500"/>
-          </a:bodyPr>
+          <a:bodyPr/>
           <a:lstStyle/>
           <a:p>
-            <a:pPr marL="457200" indent="-457200">
-              <a:buFont typeface="+mj-lt"/>
-              <a:buAutoNum type="arabicPeriod"/>
-            </a:pPr>
-            <a:r>
-              <a:rPr lang="en-GB" dirty="0"/>
-              <a:t>A Deaton, </a:t>
-            </a:r>
-            <a:r>
-              <a:rPr lang="en-GB" i="1" dirty="0"/>
-              <a:t>Understanding Consumption</a:t>
-            </a:r>
-            <a:r>
-              <a:rPr lang="en-GB" dirty="0"/>
-              <a:t>, Clarendon Press 1993</a:t>
-            </a:r>
-          </a:p>
-          <a:p>
-            <a:pPr marL="457200" indent="-457200">
-              <a:buFont typeface="+mj-lt"/>
-              <a:buAutoNum type="arabicPeriod"/>
-            </a:pPr>
-            <a:r>
-              <a:rPr lang="en-GB" dirty="0"/>
-              <a:t>N J Ireland, “On limiting the market for status signals,” </a:t>
-            </a:r>
-            <a:r>
-              <a:rPr lang="en-GB" i="1" dirty="0"/>
-              <a:t>Journal of Public Economics</a:t>
-            </a:r>
-            <a:r>
-              <a:rPr lang="en-GB" dirty="0"/>
-              <a:t>, 1994</a:t>
-            </a:r>
-          </a:p>
-          <a:p>
-            <a:pPr marL="457200" indent="-457200">
-              <a:buFont typeface="+mj-lt"/>
-              <a:buAutoNum type="arabicPeriod"/>
-            </a:pPr>
-            <a:r>
-              <a:rPr lang="en-GB" dirty="0"/>
-              <a:t>L </a:t>
-            </a:r>
-            <a:r>
-              <a:rPr lang="en-GB" dirty="0" err="1"/>
-              <a:t>Doyal</a:t>
-            </a:r>
-            <a:r>
-              <a:rPr lang="en-GB" dirty="0"/>
-              <a:t> and I Gough, </a:t>
-            </a:r>
-            <a:r>
-              <a:rPr lang="en-GB" i="1" dirty="0"/>
-              <a:t>A Theory of Human Need, </a:t>
-            </a:r>
-            <a:r>
-              <a:rPr lang="en-GB" dirty="0"/>
-              <a:t>Palgrave London 1991</a:t>
-            </a:r>
-            <a:endParaRPr lang="en-US" dirty="0"/>
-          </a:p>
-          <a:p>
-            <a:pPr marL="457200" indent="-457200">
-              <a:buFont typeface="+mj-lt"/>
-              <a:buAutoNum type="arabicPeriod"/>
-            </a:pPr>
             <a:r>
               <a:rPr lang="en-US" dirty="0"/>
-              <a:t>Robert H Frank, “The Demand for Unobservable and Other </a:t>
-            </a:r>
-            <a:r>
-              <a:rPr lang="en-US" dirty="0" err="1"/>
-              <a:t>Nonpositional</a:t>
-            </a:r>
+              <a:t>Tanzania</a:t>
+            </a:r>
+          </a:p>
+          <a:p>
             <a:r>
               <a:rPr lang="en-US" dirty="0"/>
-              <a:t> Goods”, </a:t>
-            </a:r>
-            <a:r>
-              <a:rPr lang="en-GB" i="1" dirty="0"/>
-              <a:t>The American Economic Review, </a:t>
-            </a:r>
-            <a:r>
-              <a:rPr lang="en-GB" dirty="0"/>
-              <a:t>vol. 75(1), pp. 101-116</a:t>
-            </a:r>
-          </a:p>
-          <a:p>
-            <a:pPr marL="457200" indent="-457200" fontAlgn="ctr">
-              <a:buFont typeface="+mj-lt"/>
-              <a:buAutoNum type="arabicPeriod"/>
-            </a:pPr>
-            <a:r>
-              <a:rPr lang="en-GB" dirty="0"/>
-              <a:t>G </a:t>
-            </a:r>
-            <a:r>
-              <a:rPr lang="en-GB" dirty="0" err="1"/>
-              <a:t>Corneo</a:t>
-            </a:r>
-            <a:r>
-              <a:rPr lang="en-GB" dirty="0"/>
-              <a:t> and O Jeanne, “Conspicuous consumption, snobbism and conformism,” </a:t>
-            </a:r>
-            <a:r>
-              <a:rPr lang="en-GB" i="1" dirty="0"/>
-              <a:t>Journal of Public Economics</a:t>
-            </a:r>
-            <a:r>
-              <a:rPr lang="en-GB" dirty="0"/>
-              <a:t>, vol. 66, pp. 55–71, 1997</a:t>
-            </a:r>
-          </a:p>
-          <a:p>
+              <a:t>Nigeria</a:t>
+            </a:r>
             <a:endParaRPr lang="en-GB" dirty="0"/>
           </a:p>
         </p:txBody>
@@ -19305,7 +19420,7 @@
           <p:cNvPr id="4" name="Slide Number Placeholder 3">
             <a:extLst>
               <a:ext uri="{FF2B5EF4-FFF2-40B4-BE49-F238E27FC236}">
-                <a16:creationId xmlns:a16="http://schemas.microsoft.com/office/drawing/2014/main" id="{E01FF188-C96F-42BD-A87E-32B495EE8554}"/>
+                <a16:creationId xmlns:a16="http://schemas.microsoft.com/office/drawing/2014/main" id="{AD7169C2-F41A-40EE-A210-49C6A0A94BEF}"/>
               </a:ext>
             </a:extLst>
           </p:cNvPr>
@@ -19338,7 +19453,138 @@
     </p:spTree>
     <p:extLst>
       <p:ext uri="{BB962C8B-B14F-4D97-AF65-F5344CB8AC3E}">
-        <p14:creationId xmlns:p14="http://schemas.microsoft.com/office/powerpoint/2010/main" val="1118667625"/>
+        <p14:creationId xmlns:p14="http://schemas.microsoft.com/office/powerpoint/2010/main" val="3432941902"/>
+      </p:ext>
+    </p:extLst>
+  </p:cSld>
+  <p:clrMapOvr>
+    <a:masterClrMapping/>
+  </p:clrMapOvr>
+  <p:transition>
+    <p:fade/>
+  </p:transition>
+</p:sld>
+</file>
+
+<file path=ppt/slides/slide19.xml><?xml version="1.0" encoding="utf-8"?>
+<p:sld xmlns:a="http://schemas.openxmlformats.org/drawingml/2006/main" xmlns:r="http://schemas.openxmlformats.org/officeDocument/2006/relationships" xmlns:p="http://schemas.openxmlformats.org/presentationml/2006/main">
+  <p:cSld>
+    <p:spTree>
+      <p:nvGrpSpPr>
+        <p:cNvPr id="1" name=""/>
+        <p:cNvGrpSpPr/>
+        <p:nvPr/>
+      </p:nvGrpSpPr>
+      <p:grpSpPr>
+        <a:xfrm>
+          <a:off x="0" y="0"/>
+          <a:ext cx="0" cy="0"/>
+          <a:chOff x="0" y="0"/>
+          <a:chExt cx="0" cy="0"/>
+        </a:xfrm>
+      </p:grpSpPr>
+      <p:sp>
+        <p:nvSpPr>
+          <p:cNvPr id="2" name="Title 1">
+            <a:extLst>
+              <a:ext uri="{FF2B5EF4-FFF2-40B4-BE49-F238E27FC236}">
+                <a16:creationId xmlns:a16="http://schemas.microsoft.com/office/drawing/2014/main" id="{0BFD862A-E2C5-4015-9F48-E21EBBEC1398}"/>
+              </a:ext>
+            </a:extLst>
+          </p:cNvPr>
+          <p:cNvSpPr>
+            <a:spLocks noGrp="1"/>
+          </p:cNvSpPr>
+          <p:nvPr>
+            <p:ph type="title"/>
+          </p:nvPr>
+        </p:nvSpPr>
+        <p:spPr/>
+        <p:txBody>
+          <a:bodyPr/>
+          <a:lstStyle/>
+          <a:p>
+            <a:r>
+              <a:rPr lang="en-GB" dirty="0"/>
+              <a:t>How is this different from visible consumption?</a:t>
+            </a:r>
+          </a:p>
+        </p:txBody>
+      </p:sp>
+      <p:sp>
+        <p:nvSpPr>
+          <p:cNvPr id="3" name="Content Placeholder 2">
+            <a:extLst>
+              <a:ext uri="{FF2B5EF4-FFF2-40B4-BE49-F238E27FC236}">
+                <a16:creationId xmlns:a16="http://schemas.microsoft.com/office/drawing/2014/main" id="{8E165D5A-616B-4E7A-B5B6-2C1A87ADB63C}"/>
+              </a:ext>
+            </a:extLst>
+          </p:cNvPr>
+          <p:cNvSpPr>
+            <a:spLocks noGrp="1"/>
+          </p:cNvSpPr>
+          <p:nvPr>
+            <p:ph idx="1"/>
+          </p:nvPr>
+        </p:nvSpPr>
+        <p:spPr>
+          <a:xfrm>
+            <a:off x="628650" y="1443038"/>
+            <a:ext cx="7886700" cy="3262312"/>
+          </a:xfrm>
+        </p:spPr>
+        <p:txBody>
+          <a:bodyPr>
+            <a:normAutofit/>
+          </a:bodyPr>
+          <a:lstStyle/>
+          <a:p>
+            <a:r>
+              <a:rPr lang="en-GB" dirty="0"/>
+              <a:t>The LSMS data shows many opportunities for visible consumption – e.g. marriage price, expenditure on carpets rugs – but there too the effect of urban-rural differences dominates</a:t>
+            </a:r>
+          </a:p>
+        </p:txBody>
+      </p:sp>
+      <p:sp>
+        <p:nvSpPr>
+          <p:cNvPr id="4" name="Slide Number Placeholder 3">
+            <a:extLst>
+              <a:ext uri="{FF2B5EF4-FFF2-40B4-BE49-F238E27FC236}">
+                <a16:creationId xmlns:a16="http://schemas.microsoft.com/office/drawing/2014/main" id="{DA097299-24FE-4400-A473-449518E30133}"/>
+              </a:ext>
+            </a:extLst>
+          </p:cNvPr>
+          <p:cNvSpPr>
+            <a:spLocks noGrp="1"/>
+          </p:cNvSpPr>
+          <p:nvPr>
+            <p:ph type="sldNum" sz="quarter" idx="12"/>
+          </p:nvPr>
+        </p:nvSpPr>
+        <p:spPr/>
+        <p:txBody>
+          <a:bodyPr/>
+          <a:lstStyle/>
+          <a:p>
+            <a:pPr>
+              <a:defRPr/>
+            </a:pPr>
+            <a:fld id="{8E35B453-7314-4BBD-9303-11C6BECC4B0D}" type="slidenum">
+              <a:rPr lang="en-GB" altLang="en-US" smtClean="0"/>
+              <a:pPr>
+                <a:defRPr/>
+              </a:pPr>
+              <a:t>19</a:t>
+            </a:fld>
+            <a:endParaRPr lang="en-GB" altLang="en-US" dirty="0"/>
+          </a:p>
+        </p:txBody>
+      </p:sp>
+    </p:spTree>
+    <p:extLst>
+      <p:ext uri="{BB962C8B-B14F-4D97-AF65-F5344CB8AC3E}">
+        <p14:creationId xmlns:p14="http://schemas.microsoft.com/office/powerpoint/2010/main" val="2952202664"/>
       </p:ext>
     </p:extLst>
   </p:cSld>
@@ -19440,6 +19686,244 @@
     <p:extLst>
       <p:ext uri="{BB962C8B-B14F-4D97-AF65-F5344CB8AC3E}">
         <p14:creationId xmlns:p14="http://schemas.microsoft.com/office/powerpoint/2010/main" val="2245596784"/>
+      </p:ext>
+    </p:extLst>
+  </p:cSld>
+  <p:clrMapOvr>
+    <a:masterClrMapping/>
+  </p:clrMapOvr>
+  <p:transition>
+    <p:fade/>
+  </p:transition>
+</p:sld>
+</file>
+
+<file path=ppt/slides/slide20.xml><?xml version="1.0" encoding="utf-8"?>
+<p:sld xmlns:a="http://schemas.openxmlformats.org/drawingml/2006/main" xmlns:r="http://schemas.openxmlformats.org/officeDocument/2006/relationships" xmlns:p="http://schemas.openxmlformats.org/presentationml/2006/main">
+  <p:cSld>
+    <p:spTree>
+      <p:nvGrpSpPr>
+        <p:cNvPr id="1" name=""/>
+        <p:cNvGrpSpPr/>
+        <p:nvPr/>
+      </p:nvGrpSpPr>
+      <p:grpSpPr>
+        <a:xfrm>
+          <a:off x="0" y="0"/>
+          <a:ext cx="0" cy="0"/>
+          <a:chOff x="0" y="0"/>
+          <a:chExt cx="0" cy="0"/>
+        </a:xfrm>
+      </p:grpSpPr>
+      <p:sp>
+        <p:nvSpPr>
+          <p:cNvPr id="2" name="Title 1">
+            <a:extLst>
+              <a:ext uri="{FF2B5EF4-FFF2-40B4-BE49-F238E27FC236}">
+                <a16:creationId xmlns:a16="http://schemas.microsoft.com/office/drawing/2014/main" id="{5448C546-8FFD-446E-BDCF-98089415F8BE}"/>
+              </a:ext>
+            </a:extLst>
+          </p:cNvPr>
+          <p:cNvSpPr>
+            <a:spLocks noGrp="1"/>
+          </p:cNvSpPr>
+          <p:nvPr>
+            <p:ph type="title"/>
+          </p:nvPr>
+        </p:nvSpPr>
+        <p:spPr/>
+        <p:txBody>
+          <a:bodyPr/>
+          <a:lstStyle/>
+          <a:p>
+            <a:r>
+              <a:rPr lang="en-GB" dirty="0"/>
+              <a:t>References</a:t>
+            </a:r>
+          </a:p>
+        </p:txBody>
+      </p:sp>
+      <p:sp>
+        <p:nvSpPr>
+          <p:cNvPr id="3" name="Content Placeholder 2">
+            <a:extLst>
+              <a:ext uri="{FF2B5EF4-FFF2-40B4-BE49-F238E27FC236}">
+                <a16:creationId xmlns:a16="http://schemas.microsoft.com/office/drawing/2014/main" id="{BA2A16AD-BBE9-46B1-A4CE-03E91196953B}"/>
+              </a:ext>
+            </a:extLst>
+          </p:cNvPr>
+          <p:cNvSpPr>
+            <a:spLocks noGrp="1"/>
+          </p:cNvSpPr>
+          <p:nvPr>
+            <p:ph idx="1"/>
+          </p:nvPr>
+        </p:nvSpPr>
+        <p:spPr/>
+        <p:txBody>
+          <a:bodyPr>
+            <a:normAutofit fontScale="92500"/>
+          </a:bodyPr>
+          <a:lstStyle/>
+          <a:p>
+            <a:pPr marL="457200" indent="-457200">
+              <a:buFont typeface="+mj-lt"/>
+              <a:buAutoNum type="arabicPeriod"/>
+            </a:pPr>
+            <a:r>
+              <a:rPr lang="en-GB" dirty="0"/>
+              <a:t>A Deaton, </a:t>
+            </a:r>
+            <a:r>
+              <a:rPr lang="en-GB" i="1" dirty="0"/>
+              <a:t>Understanding Consumption</a:t>
+            </a:r>
+            <a:r>
+              <a:rPr lang="en-GB" dirty="0"/>
+              <a:t>, Clarendon Press 1993</a:t>
+            </a:r>
+          </a:p>
+          <a:p>
+            <a:pPr marL="457200" indent="-457200">
+              <a:buFont typeface="+mj-lt"/>
+              <a:buAutoNum type="arabicPeriod"/>
+            </a:pPr>
+            <a:r>
+              <a:rPr lang="en-GB" dirty="0"/>
+              <a:t>N J Ireland, “On limiting the market for status signals,” </a:t>
+            </a:r>
+            <a:r>
+              <a:rPr lang="en-GB" i="1" dirty="0"/>
+              <a:t>Journal of Public Economics</a:t>
+            </a:r>
+            <a:r>
+              <a:rPr lang="en-GB" dirty="0"/>
+              <a:t>, 1994</a:t>
+            </a:r>
+          </a:p>
+          <a:p>
+            <a:pPr marL="457200" indent="-457200">
+              <a:buFont typeface="+mj-lt"/>
+              <a:buAutoNum type="arabicPeriod"/>
+            </a:pPr>
+            <a:r>
+              <a:rPr lang="en-GB" dirty="0"/>
+              <a:t>L </a:t>
+            </a:r>
+            <a:r>
+              <a:rPr lang="en-GB" dirty="0" err="1"/>
+              <a:t>Doyal</a:t>
+            </a:r>
+            <a:r>
+              <a:rPr lang="en-GB" dirty="0"/>
+              <a:t> and I Gough, </a:t>
+            </a:r>
+            <a:r>
+              <a:rPr lang="en-GB" i="1" dirty="0"/>
+              <a:t>A Theory of Human Need, </a:t>
+            </a:r>
+            <a:r>
+              <a:rPr lang="en-GB" dirty="0"/>
+              <a:t>Palgrave London 1991</a:t>
+            </a:r>
+            <a:endParaRPr lang="en-US" dirty="0"/>
+          </a:p>
+          <a:p>
+            <a:pPr marL="457200" indent="-457200">
+              <a:buFont typeface="+mj-lt"/>
+              <a:buAutoNum type="arabicPeriod"/>
+            </a:pPr>
+            <a:r>
+              <a:rPr lang="en-US" dirty="0"/>
+              <a:t>Robert H Frank, “The Demand for Unobservable and Other </a:t>
+            </a:r>
+            <a:r>
+              <a:rPr lang="en-US" dirty="0" err="1"/>
+              <a:t>Nonpositional</a:t>
+            </a:r>
+            <a:r>
+              <a:rPr lang="en-US" dirty="0"/>
+              <a:t> Goods”, </a:t>
+            </a:r>
+            <a:r>
+              <a:rPr lang="en-GB" i="1" dirty="0"/>
+              <a:t>The American Economic Review, </a:t>
+            </a:r>
+            <a:r>
+              <a:rPr lang="en-GB" dirty="0"/>
+              <a:t>vol. 75(1), pp. 101-116</a:t>
+            </a:r>
+          </a:p>
+          <a:p>
+            <a:pPr marL="457200" indent="-457200" fontAlgn="ctr">
+              <a:buFont typeface="+mj-lt"/>
+              <a:buAutoNum type="arabicPeriod"/>
+            </a:pPr>
+            <a:r>
+              <a:rPr lang="en-GB" dirty="0"/>
+              <a:t>G </a:t>
+            </a:r>
+            <a:r>
+              <a:rPr lang="en-GB" dirty="0" err="1"/>
+              <a:t>Corneo</a:t>
+            </a:r>
+            <a:r>
+              <a:rPr lang="en-GB" dirty="0"/>
+              <a:t> and O Jeanne, “Conspicuous consumption, snobbism and conformism,” </a:t>
+            </a:r>
+            <a:r>
+              <a:rPr lang="en-GB" i="1" dirty="0"/>
+              <a:t>Journal of Public Economics</a:t>
+            </a:r>
+            <a:r>
+              <a:rPr lang="en-GB" dirty="0"/>
+              <a:t>, vol. 66, pp. 55–71, 1997</a:t>
+            </a:r>
+          </a:p>
+          <a:p>
+            <a:endParaRPr lang="en-GB" dirty="0"/>
+          </a:p>
+        </p:txBody>
+      </p:sp>
+      <p:sp>
+        <p:nvSpPr>
+          <p:cNvPr id="4" name="Slide Number Placeholder 3">
+            <a:extLst>
+              <a:ext uri="{FF2B5EF4-FFF2-40B4-BE49-F238E27FC236}">
+                <a16:creationId xmlns:a16="http://schemas.microsoft.com/office/drawing/2014/main" id="{E01FF188-C96F-42BD-A87E-32B495EE8554}"/>
+              </a:ext>
+            </a:extLst>
+          </p:cNvPr>
+          <p:cNvSpPr>
+            <a:spLocks noGrp="1"/>
+          </p:cNvSpPr>
+          <p:nvPr>
+            <p:ph type="sldNum" sz="quarter" idx="12"/>
+          </p:nvPr>
+        </p:nvSpPr>
+        <p:spPr/>
+        <p:txBody>
+          <a:bodyPr/>
+          <a:lstStyle/>
+          <a:p>
+            <a:pPr>
+              <a:defRPr/>
+            </a:pPr>
+            <a:fld id="{8E35B453-7314-4BBD-9303-11C6BECC4B0D}" type="slidenum">
+              <a:rPr lang="en-GB" altLang="en-US" smtClean="0"/>
+              <a:pPr>
+                <a:defRPr/>
+              </a:pPr>
+              <a:t>20</a:t>
+            </a:fld>
+            <a:endParaRPr lang="en-GB" altLang="en-US" dirty="0"/>
+          </a:p>
+        </p:txBody>
+      </p:sp>
+    </p:spTree>
+    <p:extLst>
+      <p:ext uri="{BB962C8B-B14F-4D97-AF65-F5344CB8AC3E}">
+        <p14:creationId xmlns:p14="http://schemas.microsoft.com/office/powerpoint/2010/main" val="1118667625"/>
       </p:ext>
     </p:extLst>
   </p:cSld>

--- a/consumption/presentationOct2021.pptx
+++ b/consumption/presentationOct2021.pptx
@@ -3,70 +3,74 @@
 <p:presentation xmlns:a="http://schemas.openxmlformats.org/drawingml/2006/main" xmlns:r="http://schemas.openxmlformats.org/officeDocument/2006/relationships" xmlns:p="http://schemas.openxmlformats.org/presentationml/2006/main" embedTrueTypeFonts="1" saveSubsetFonts="1">
   <p:sldMasterIdLst>
     <p:sldMasterId id="2147483648" r:id="rId1"/>
-    <p:sldMasterId id="2147483669" r:id="rId2"/>
+    <p:sldMasterId id="2147483840" r:id="rId2"/>
   </p:sldMasterIdLst>
   <p:notesMasterIdLst>
-    <p:notesMasterId r:id="rId23"/>
+    <p:notesMasterId r:id="rId27"/>
   </p:notesMasterIdLst>
   <p:handoutMasterIdLst>
-    <p:handoutMasterId r:id="rId24"/>
+    <p:handoutMasterId r:id="rId28"/>
   </p:handoutMasterIdLst>
   <p:sldIdLst>
     <p:sldId id="301" r:id="rId3"/>
     <p:sldId id="302" r:id="rId4"/>
-    <p:sldId id="262" r:id="rId5"/>
-    <p:sldId id="340" r:id="rId6"/>
-    <p:sldId id="341" r:id="rId7"/>
-    <p:sldId id="317" r:id="rId8"/>
-    <p:sldId id="338" r:id="rId9"/>
-    <p:sldId id="342" r:id="rId10"/>
-    <p:sldId id="339" r:id="rId11"/>
-    <p:sldId id="344" r:id="rId12"/>
-    <p:sldId id="324" r:id="rId13"/>
+    <p:sldId id="355" r:id="rId5"/>
+    <p:sldId id="262" r:id="rId6"/>
+    <p:sldId id="340" r:id="rId7"/>
+    <p:sldId id="341" r:id="rId8"/>
+    <p:sldId id="317" r:id="rId9"/>
+    <p:sldId id="338" r:id="rId10"/>
+    <p:sldId id="342" r:id="rId11"/>
+    <p:sldId id="339" r:id="rId12"/>
+    <p:sldId id="344" r:id="rId13"/>
     <p:sldId id="346" r:id="rId14"/>
     <p:sldId id="345" r:id="rId15"/>
     <p:sldId id="348" r:id="rId16"/>
     <p:sldId id="349" r:id="rId17"/>
     <p:sldId id="350" r:id="rId18"/>
-    <p:sldId id="343" r:id="rId19"/>
-    <p:sldId id="347" r:id="rId20"/>
-    <p:sldId id="337" r:id="rId21"/>
-    <p:sldId id="320" r:id="rId22"/>
+    <p:sldId id="324" r:id="rId19"/>
+    <p:sldId id="343" r:id="rId20"/>
+    <p:sldId id="353" r:id="rId21"/>
+    <p:sldId id="347" r:id="rId22"/>
+    <p:sldId id="354" r:id="rId23"/>
+    <p:sldId id="337" r:id="rId24"/>
+    <p:sldId id="351" r:id="rId25"/>
+    <p:sldId id="320" r:id="rId26"/>
   </p:sldIdLst>
   <p:sldSz cx="9144000" cy="5143500" type="screen16x9"/>
   <p:notesSz cx="6718300" cy="9867900"/>
   <p:embeddedFontLst>
     <p:embeddedFont>
       <p:font typeface="Calibri" panose="020F0502020204030204" pitchFamily="34" charset="0"/>
-      <p:regular r:id="rId25"/>
-      <p:bold r:id="rId26"/>
-      <p:italic r:id="rId27"/>
-      <p:boldItalic r:id="rId28"/>
+      <p:regular r:id="rId29"/>
+      <p:bold r:id="rId30"/>
+      <p:italic r:id="rId31"/>
+      <p:boldItalic r:id="rId32"/>
     </p:embeddedFont>
     <p:embeddedFont>
       <p:font typeface="Calibri Light" panose="020F0302020204030204" pitchFamily="34" charset="0"/>
-      <p:regular r:id="rId29"/>
-      <p:italic r:id="rId30"/>
+      <p:regular r:id="rId33"/>
+      <p:italic r:id="rId34"/>
     </p:embeddedFont>
     <p:embeddedFont>
       <p:font typeface="Cambria Math" panose="02040503050406030204" pitchFamily="18" charset="0"/>
-      <p:regular r:id="rId31"/>
+      <p:regular r:id="rId35"/>
     </p:embeddedFont>
     <p:embeddedFont>
       <p:font typeface="Effra" panose="020B0604020202020204" charset="0"/>
-      <p:regular r:id="rId32"/>
-      <p:bold r:id="rId33"/>
-      <p:italic r:id="rId34"/>
-      <p:boldItalic r:id="rId35"/>
+      <p:regular r:id="rId36"/>
+      <p:bold r:id="rId37"/>
+      <p:italic r:id="rId38"/>
+      <p:boldItalic r:id="rId39"/>
     </p:embeddedFont>
     <p:embeddedFont>
       <p:font typeface="Effra Bold" panose="020B0604020202020204" charset="0"/>
-      <p:bold r:id="rId36"/>
+      <p:bold r:id="rId40"/>
     </p:embeddedFont>
     <p:embeddedFont>
       <p:font typeface="Effra Light" panose="020B0604020202020204" charset="0"/>
-      <p:regular r:id="rId37"/>
-      <p:italic r:id="rId38"/>
+      <p:regular r:id="rId41"/>
+      <p:italic r:id="rId42"/>
     </p:embeddedFont>
   </p:embeddedFontLst>
   <p:defaultTextStyle>
@@ -8076,6 +8080,7 @@
               <a:rPr lang="en-US"/>
               <a:t>Click to edit Master title style</a:t>
             </a:r>
+            <a:endParaRPr lang="en-US" dirty="0"/>
           </a:p>
         </p:txBody>
       </p:sp>
@@ -8140,6 +8145,7 @@
               <a:rPr lang="en-US"/>
               <a:t>Click to edit Master subtitle style</a:t>
             </a:r>
+            <a:endParaRPr lang="en-US" dirty="0"/>
           </a:p>
         </p:txBody>
       </p:sp>
@@ -8156,17 +8162,13 @@
         <p:spPr/>
         <p:txBody>
           <a:bodyPr/>
-          <a:lstStyle>
-            <a:lvl1pPr>
-              <a:defRPr/>
-            </a:lvl1pPr>
-          </a:lstStyle>
+          <a:lstStyle/>
           <a:p>
             <a:pPr>
               <a:defRPr/>
             </a:pPr>
             <a:fld id="{8D96C138-A0C4-4340-B74D-6F0CD4DEC2CD}" type="datetimeFigureOut">
-              <a:rPr lang="en-US" altLang="en-US"/>
+              <a:rPr lang="en-US" altLang="en-US" smtClean="0"/>
               <a:pPr>
                 <a:defRPr/>
               </a:pPr>
@@ -8189,11 +8191,7 @@
         <p:spPr/>
         <p:txBody>
           <a:bodyPr/>
-          <a:lstStyle>
-            <a:lvl1pPr>
-              <a:defRPr/>
-            </a:lvl1pPr>
-          </a:lstStyle>
+          <a:lstStyle/>
           <a:p>
             <a:pPr>
               <a:defRPr/>
@@ -8215,17 +8213,13 @@
         <p:spPr/>
         <p:txBody>
           <a:bodyPr/>
-          <a:lstStyle>
-            <a:lvl1pPr>
-              <a:defRPr/>
-            </a:lvl1pPr>
-          </a:lstStyle>
+          <a:lstStyle/>
           <a:p>
             <a:pPr>
               <a:defRPr/>
             </a:pPr>
             <a:fld id="{5A08E3E1-EDE7-4033-BA08-0F3655193C0E}" type="slidenum">
-              <a:rPr lang="en-US"/>
+              <a:rPr lang="en-US" smtClean="0"/>
               <a:pPr>
                 <a:defRPr/>
               </a:pPr>
@@ -8238,7 +8232,7 @@
     </p:spTree>
     <p:extLst>
       <p:ext uri="{BB962C8B-B14F-4D97-AF65-F5344CB8AC3E}">
-        <p14:creationId xmlns:p14="http://schemas.microsoft.com/office/powerpoint/2010/main" val="778974133"/>
+        <p14:creationId xmlns:p14="http://schemas.microsoft.com/office/powerpoint/2010/main" val="2724036685"/>
       </p:ext>
     </p:extLst>
   </p:cSld>
@@ -8288,6 +8282,7 @@
               <a:rPr lang="en-US"/>
               <a:t>Click to edit Master title style</a:t>
             </a:r>
+            <a:endParaRPr lang="en-US" dirty="0"/>
           </a:p>
         </p:txBody>
       </p:sp>
@@ -8339,6 +8334,7 @@
               <a:rPr lang="en-US"/>
               <a:t>Fifth level</a:t>
             </a:r>
+            <a:endParaRPr lang="en-US" dirty="0"/>
           </a:p>
         </p:txBody>
       </p:sp>
@@ -8355,17 +8351,13 @@
         <p:spPr/>
         <p:txBody>
           <a:bodyPr/>
-          <a:lstStyle>
-            <a:lvl1pPr>
-              <a:defRPr/>
-            </a:lvl1pPr>
-          </a:lstStyle>
+          <a:lstStyle/>
           <a:p>
             <a:pPr>
               <a:defRPr/>
             </a:pPr>
             <a:fld id="{DB75B6EF-FA4B-4EBE-AF6A-7A35928A581D}" type="datetimeFigureOut">
-              <a:rPr lang="en-US"/>
+              <a:rPr lang="en-US" smtClean="0"/>
               <a:pPr>
                 <a:defRPr/>
               </a:pPr>
@@ -8388,11 +8380,7 @@
         <p:spPr/>
         <p:txBody>
           <a:bodyPr/>
-          <a:lstStyle>
-            <a:lvl1pPr>
-              <a:defRPr/>
-            </a:lvl1pPr>
-          </a:lstStyle>
+          <a:lstStyle/>
           <a:p>
             <a:pPr>
               <a:defRPr/>
@@ -8414,17 +8402,13 @@
         <p:spPr/>
         <p:txBody>
           <a:bodyPr/>
-          <a:lstStyle>
-            <a:lvl1pPr>
-              <a:defRPr/>
-            </a:lvl1pPr>
-          </a:lstStyle>
+          <a:lstStyle/>
           <a:p>
             <a:pPr>
               <a:defRPr/>
             </a:pPr>
             <a:fld id="{8E35B453-7314-4BBD-9303-11C6BECC4B0D}" type="slidenum">
-              <a:rPr lang="en-GB" altLang="en-US"/>
+              <a:rPr lang="en-GB" altLang="en-US" smtClean="0"/>
               <a:pPr>
                 <a:defRPr/>
               </a:pPr>
@@ -8437,7 +8421,7 @@
     </p:spTree>
     <p:extLst>
       <p:ext uri="{BB962C8B-B14F-4D97-AF65-F5344CB8AC3E}">
-        <p14:creationId xmlns:p14="http://schemas.microsoft.com/office/powerpoint/2010/main" val="274593663"/>
+        <p14:creationId xmlns:p14="http://schemas.microsoft.com/office/powerpoint/2010/main" val="1578190084"/>
       </p:ext>
     </p:extLst>
   </p:cSld>
@@ -8495,6 +8479,7 @@
               <a:rPr lang="en-US"/>
               <a:t>Click to edit Master title style</a:t>
             </a:r>
+            <a:endParaRPr lang="en-US" dirty="0"/>
           </a:p>
         </p:txBody>
       </p:sp>
@@ -8630,17 +8615,13 @@
         <p:spPr/>
         <p:txBody>
           <a:bodyPr/>
-          <a:lstStyle>
-            <a:lvl1pPr>
-              <a:defRPr/>
-            </a:lvl1pPr>
-          </a:lstStyle>
+          <a:lstStyle/>
           <a:p>
             <a:pPr>
               <a:defRPr/>
             </a:pPr>
             <a:fld id="{1DFA8456-EFE9-4973-A4DC-8967F112F6FD}" type="datetimeFigureOut">
-              <a:rPr lang="en-US"/>
+              <a:rPr lang="en-US" smtClean="0"/>
               <a:pPr>
                 <a:defRPr/>
               </a:pPr>
@@ -8663,11 +8644,7 @@
         <p:spPr/>
         <p:txBody>
           <a:bodyPr/>
-          <a:lstStyle>
-            <a:lvl1pPr>
-              <a:defRPr/>
-            </a:lvl1pPr>
-          </a:lstStyle>
+          <a:lstStyle/>
           <a:p>
             <a:pPr>
               <a:defRPr/>
@@ -8689,17 +8666,13 @@
         <p:spPr/>
         <p:txBody>
           <a:bodyPr/>
-          <a:lstStyle>
-            <a:lvl1pPr>
-              <a:defRPr/>
-            </a:lvl1pPr>
-          </a:lstStyle>
+          <a:lstStyle/>
           <a:p>
             <a:pPr>
               <a:defRPr/>
             </a:pPr>
             <a:fld id="{983EA458-A00F-4FCF-A4D2-CE35A1127597}" type="slidenum">
-              <a:rPr lang="en-GB" altLang="en-US"/>
+              <a:rPr lang="en-GB" altLang="en-US" smtClean="0"/>
               <a:pPr>
                 <a:defRPr/>
               </a:pPr>
@@ -8712,7 +8685,7 @@
     </p:spTree>
     <p:extLst>
       <p:ext uri="{BB962C8B-B14F-4D97-AF65-F5344CB8AC3E}">
-        <p14:creationId xmlns:p14="http://schemas.microsoft.com/office/powerpoint/2010/main" val="1375280021"/>
+        <p14:creationId xmlns:p14="http://schemas.microsoft.com/office/powerpoint/2010/main" val="587307149"/>
       </p:ext>
     </p:extLst>
   </p:cSld>
@@ -8762,6 +8735,7 @@
               <a:rPr lang="en-US"/>
               <a:t>Click to edit Master title style</a:t>
             </a:r>
+            <a:endParaRPr lang="en-US" dirty="0"/>
           </a:p>
         </p:txBody>
       </p:sp>
@@ -8818,6 +8792,7 @@
               <a:rPr lang="en-US"/>
               <a:t>Fifth level</a:t>
             </a:r>
+            <a:endParaRPr lang="en-US" dirty="0"/>
           </a:p>
         </p:txBody>
       </p:sp>
@@ -8874,6 +8849,7 @@
               <a:rPr lang="en-US"/>
               <a:t>Fifth level</a:t>
             </a:r>
+            <a:endParaRPr lang="en-US" dirty="0"/>
           </a:p>
         </p:txBody>
       </p:sp>
@@ -8890,17 +8866,13 @@
         <p:spPr/>
         <p:txBody>
           <a:bodyPr/>
-          <a:lstStyle>
-            <a:lvl1pPr>
-              <a:defRPr/>
-            </a:lvl1pPr>
-          </a:lstStyle>
+          <a:lstStyle/>
           <a:p>
             <a:pPr>
               <a:defRPr/>
             </a:pPr>
             <a:fld id="{DF7432CB-609A-4073-A00A-2C8A7923E480}" type="datetimeFigureOut">
-              <a:rPr lang="en-US" altLang="en-US"/>
+              <a:rPr lang="en-US" altLang="en-US" smtClean="0"/>
               <a:pPr>
                 <a:defRPr/>
               </a:pPr>
@@ -8923,11 +8895,7 @@
         <p:spPr/>
         <p:txBody>
           <a:bodyPr/>
-          <a:lstStyle>
-            <a:lvl1pPr>
-              <a:defRPr/>
-            </a:lvl1pPr>
-          </a:lstStyle>
+          <a:lstStyle/>
           <a:p>
             <a:pPr>
               <a:defRPr/>
@@ -8949,17 +8917,13 @@
         <p:spPr/>
         <p:txBody>
           <a:bodyPr/>
-          <a:lstStyle>
-            <a:lvl1pPr>
-              <a:defRPr/>
-            </a:lvl1pPr>
-          </a:lstStyle>
+          <a:lstStyle/>
           <a:p>
             <a:pPr>
               <a:defRPr/>
             </a:pPr>
             <a:fld id="{B1FBC033-1D56-4E21-9D51-FFCA08BFDC53}" type="slidenum">
-              <a:rPr lang="en-US"/>
+              <a:rPr lang="en-US" smtClean="0"/>
               <a:pPr>
                 <a:defRPr/>
               </a:pPr>
@@ -8972,7 +8936,7 @@
     </p:spTree>
     <p:extLst>
       <p:ext uri="{BB962C8B-B14F-4D97-AF65-F5344CB8AC3E}">
-        <p14:creationId xmlns:p14="http://schemas.microsoft.com/office/powerpoint/2010/main" val="3734653037"/>
+        <p14:creationId xmlns:p14="http://schemas.microsoft.com/office/powerpoint/2010/main" val="1164394665"/>
       </p:ext>
     </p:extLst>
   </p:cSld>
@@ -9027,6 +8991,7 @@
               <a:rPr lang="en-US"/>
               <a:t>Click to edit Master title style</a:t>
             </a:r>
+            <a:endParaRPr lang="en-US" dirty="0"/>
           </a:p>
         </p:txBody>
       </p:sp>
@@ -9148,6 +9113,7 @@
               <a:rPr lang="en-US"/>
               <a:t>Fifth level</a:t>
             </a:r>
+            <a:endParaRPr lang="en-US" dirty="0"/>
           </a:p>
         </p:txBody>
       </p:sp>
@@ -9269,12 +9235,13 @@
               <a:rPr lang="en-US"/>
               <a:t>Fifth level</a:t>
             </a:r>
-          </a:p>
-        </p:txBody>
-      </p:sp>
-      <p:sp>
-        <p:nvSpPr>
-          <p:cNvPr id="7" name="Date Placeholder 3"/>
+            <a:endParaRPr lang="en-US" dirty="0"/>
+          </a:p>
+        </p:txBody>
+      </p:sp>
+      <p:sp>
+        <p:nvSpPr>
+          <p:cNvPr id="7" name="Date Placeholder 6"/>
           <p:cNvSpPr>
             <a:spLocks noGrp="1"/>
           </p:cNvSpPr>
@@ -9285,17 +9252,13 @@
         <p:spPr/>
         <p:txBody>
           <a:bodyPr/>
-          <a:lstStyle>
-            <a:lvl1pPr>
-              <a:defRPr/>
-            </a:lvl1pPr>
-          </a:lstStyle>
+          <a:lstStyle/>
           <a:p>
             <a:pPr>
               <a:defRPr/>
             </a:pPr>
             <a:fld id="{9EDF30D0-F1F8-45C1-A1BC-22A99C13BE84}" type="datetimeFigureOut">
-              <a:rPr lang="en-US"/>
+              <a:rPr lang="en-US" smtClean="0"/>
               <a:pPr>
                 <a:defRPr/>
               </a:pPr>
@@ -9307,7 +9270,7 @@
       </p:sp>
       <p:sp>
         <p:nvSpPr>
-          <p:cNvPr id="8" name="Footer Placeholder 4"/>
+          <p:cNvPr id="8" name="Footer Placeholder 7"/>
           <p:cNvSpPr>
             <a:spLocks noGrp="1"/>
           </p:cNvSpPr>
@@ -9318,11 +9281,7 @@
         <p:spPr/>
         <p:txBody>
           <a:bodyPr/>
-          <a:lstStyle>
-            <a:lvl1pPr>
-              <a:defRPr/>
-            </a:lvl1pPr>
-          </a:lstStyle>
+          <a:lstStyle/>
           <a:p>
             <a:pPr>
               <a:defRPr/>
@@ -9333,7 +9292,7 @@
       </p:sp>
       <p:sp>
         <p:nvSpPr>
-          <p:cNvPr id="9" name="Slide Number Placeholder 5"/>
+          <p:cNvPr id="9" name="Slide Number Placeholder 8"/>
           <p:cNvSpPr>
             <a:spLocks noGrp="1"/>
           </p:cNvSpPr>
@@ -9344,17 +9303,13 @@
         <p:spPr/>
         <p:txBody>
           <a:bodyPr/>
-          <a:lstStyle>
-            <a:lvl1pPr>
-              <a:defRPr/>
-            </a:lvl1pPr>
-          </a:lstStyle>
+          <a:lstStyle/>
           <a:p>
             <a:pPr>
               <a:defRPr/>
             </a:pPr>
             <a:fld id="{FFC9FC41-64C0-445B-B5F6-BF3E976EB4AE}" type="slidenum">
-              <a:rPr lang="en-GB" altLang="en-US"/>
+              <a:rPr lang="en-GB" altLang="en-US" smtClean="0"/>
               <a:pPr>
                 <a:defRPr/>
               </a:pPr>
@@ -9367,7 +9322,7 @@
     </p:spTree>
     <p:extLst>
       <p:ext uri="{BB962C8B-B14F-4D97-AF65-F5344CB8AC3E}">
-        <p14:creationId xmlns:p14="http://schemas.microsoft.com/office/powerpoint/2010/main" val="2543767721"/>
+        <p14:creationId xmlns:p14="http://schemas.microsoft.com/office/powerpoint/2010/main" val="132877089"/>
       </p:ext>
     </p:extLst>
   </p:cSld>
@@ -9417,12 +9372,13 @@
               <a:rPr lang="en-US"/>
               <a:t>Click to edit Master title style</a:t>
             </a:r>
-          </a:p>
-        </p:txBody>
-      </p:sp>
-      <p:sp>
-        <p:nvSpPr>
-          <p:cNvPr id="3" name="Date Placeholder 3"/>
+            <a:endParaRPr lang="en-US" dirty="0"/>
+          </a:p>
+        </p:txBody>
+      </p:sp>
+      <p:sp>
+        <p:nvSpPr>
+          <p:cNvPr id="3" name="Date Placeholder 2"/>
           <p:cNvSpPr>
             <a:spLocks noGrp="1"/>
           </p:cNvSpPr>
@@ -9433,17 +9389,13 @@
         <p:spPr/>
         <p:txBody>
           <a:bodyPr/>
-          <a:lstStyle>
-            <a:lvl1pPr>
-              <a:defRPr/>
-            </a:lvl1pPr>
-          </a:lstStyle>
+          <a:lstStyle/>
           <a:p>
             <a:pPr>
               <a:defRPr/>
             </a:pPr>
             <a:fld id="{F453FA37-56EC-4856-AA87-0FB37638EE1E}" type="datetimeFigureOut">
-              <a:rPr lang="en-US"/>
+              <a:rPr lang="en-US" smtClean="0"/>
               <a:pPr>
                 <a:defRPr/>
               </a:pPr>
@@ -9455,7 +9407,7 @@
       </p:sp>
       <p:sp>
         <p:nvSpPr>
-          <p:cNvPr id="4" name="Footer Placeholder 4"/>
+          <p:cNvPr id="4" name="Footer Placeholder 3"/>
           <p:cNvSpPr>
             <a:spLocks noGrp="1"/>
           </p:cNvSpPr>
@@ -9466,11 +9418,7 @@
         <p:spPr/>
         <p:txBody>
           <a:bodyPr/>
-          <a:lstStyle>
-            <a:lvl1pPr>
-              <a:defRPr/>
-            </a:lvl1pPr>
-          </a:lstStyle>
+          <a:lstStyle/>
           <a:p>
             <a:pPr>
               <a:defRPr/>
@@ -9481,7 +9429,7 @@
       </p:sp>
       <p:sp>
         <p:nvSpPr>
-          <p:cNvPr id="5" name="Slide Number Placeholder 5"/>
+          <p:cNvPr id="5" name="Slide Number Placeholder 4"/>
           <p:cNvSpPr>
             <a:spLocks noGrp="1"/>
           </p:cNvSpPr>
@@ -9492,17 +9440,13 @@
         <p:spPr/>
         <p:txBody>
           <a:bodyPr/>
-          <a:lstStyle>
-            <a:lvl1pPr>
-              <a:defRPr/>
-            </a:lvl1pPr>
-          </a:lstStyle>
+          <a:lstStyle/>
           <a:p>
             <a:pPr>
               <a:defRPr/>
             </a:pPr>
             <a:fld id="{9EAE04A5-F6AC-43BF-B975-8B278B8ABABB}" type="slidenum">
-              <a:rPr lang="en-GB" altLang="en-US"/>
+              <a:rPr lang="en-GB" altLang="en-US" smtClean="0"/>
               <a:pPr>
                 <a:defRPr/>
               </a:pPr>
@@ -9515,7 +9459,7 @@
     </p:spTree>
     <p:extLst>
       <p:ext uri="{BB962C8B-B14F-4D97-AF65-F5344CB8AC3E}">
-        <p14:creationId xmlns:p14="http://schemas.microsoft.com/office/powerpoint/2010/main" val="2264515899"/>
+        <p14:creationId xmlns:p14="http://schemas.microsoft.com/office/powerpoint/2010/main" val="2072397627"/>
       </p:ext>
     </p:extLst>
   </p:cSld>
@@ -9548,7 +9492,7 @@
       </p:grpSpPr>
       <p:sp>
         <p:nvSpPr>
-          <p:cNvPr id="2" name="Date Placeholder 3"/>
+          <p:cNvPr id="2" name="Date Placeholder 1"/>
           <p:cNvSpPr>
             <a:spLocks noGrp="1"/>
           </p:cNvSpPr>
@@ -9559,17 +9503,13 @@
         <p:spPr/>
         <p:txBody>
           <a:bodyPr/>
-          <a:lstStyle>
-            <a:lvl1pPr>
-              <a:defRPr/>
-            </a:lvl1pPr>
-          </a:lstStyle>
+          <a:lstStyle/>
           <a:p>
             <a:pPr>
               <a:defRPr/>
             </a:pPr>
             <a:fld id="{7B6D33F0-C866-49CD-9A8D-87C788497108}" type="datetimeFigureOut">
-              <a:rPr lang="en-US"/>
+              <a:rPr lang="en-US" smtClean="0"/>
               <a:pPr>
                 <a:defRPr/>
               </a:pPr>
@@ -9581,7 +9521,7 @@
       </p:sp>
       <p:sp>
         <p:nvSpPr>
-          <p:cNvPr id="3" name="Footer Placeholder 4"/>
+          <p:cNvPr id="3" name="Footer Placeholder 2"/>
           <p:cNvSpPr>
             <a:spLocks noGrp="1"/>
           </p:cNvSpPr>
@@ -9592,11 +9532,7 @@
         <p:spPr/>
         <p:txBody>
           <a:bodyPr/>
-          <a:lstStyle>
-            <a:lvl1pPr>
-              <a:defRPr/>
-            </a:lvl1pPr>
-          </a:lstStyle>
+          <a:lstStyle/>
           <a:p>
             <a:pPr>
               <a:defRPr/>
@@ -9607,7 +9543,7 @@
       </p:sp>
       <p:sp>
         <p:nvSpPr>
-          <p:cNvPr id="4" name="Slide Number Placeholder 5"/>
+          <p:cNvPr id="4" name="Slide Number Placeholder 3"/>
           <p:cNvSpPr>
             <a:spLocks noGrp="1"/>
           </p:cNvSpPr>
@@ -9618,17 +9554,13 @@
         <p:spPr/>
         <p:txBody>
           <a:bodyPr/>
-          <a:lstStyle>
-            <a:lvl1pPr>
-              <a:defRPr/>
-            </a:lvl1pPr>
-          </a:lstStyle>
+          <a:lstStyle/>
           <a:p>
             <a:pPr>
               <a:defRPr/>
             </a:pPr>
             <a:fld id="{96FF0013-1DD6-4175-BFB9-CB285DE91374}" type="slidenum">
-              <a:rPr lang="en-GB" altLang="en-US"/>
+              <a:rPr lang="en-GB" altLang="en-US" smtClean="0"/>
               <a:pPr>
                 <a:defRPr/>
               </a:pPr>
@@ -9641,7 +9573,7 @@
     </p:spTree>
     <p:extLst>
       <p:ext uri="{BB962C8B-B14F-4D97-AF65-F5344CB8AC3E}">
-        <p14:creationId xmlns:p14="http://schemas.microsoft.com/office/powerpoint/2010/main" val="2620808027"/>
+        <p14:creationId xmlns:p14="http://schemas.microsoft.com/office/powerpoint/2010/main" val="3668172707"/>
       </p:ext>
     </p:extLst>
   </p:cSld>
@@ -9700,6 +9632,7 @@
               <a:rPr lang="en-US"/>
               <a:t>Click to edit Master title style</a:t>
             </a:r>
+            <a:endParaRPr lang="en-US" dirty="0"/>
           </a:p>
         </p:txBody>
       </p:sp>
@@ -9784,6 +9717,7 @@
               <a:rPr lang="en-US"/>
               <a:t>Fifth level</a:t>
             </a:r>
+            <a:endParaRPr lang="en-US" dirty="0"/>
           </a:p>
         </p:txBody>
       </p:sp>
@@ -9854,7 +9788,7 @@
       </p:sp>
       <p:sp>
         <p:nvSpPr>
-          <p:cNvPr id="5" name="Date Placeholder 3"/>
+          <p:cNvPr id="5" name="Date Placeholder 4"/>
           <p:cNvSpPr>
             <a:spLocks noGrp="1"/>
           </p:cNvSpPr>
@@ -9865,17 +9799,13 @@
         <p:spPr/>
         <p:txBody>
           <a:bodyPr/>
-          <a:lstStyle>
-            <a:lvl1pPr>
-              <a:defRPr/>
-            </a:lvl1pPr>
-          </a:lstStyle>
+          <a:lstStyle/>
           <a:p>
             <a:pPr>
               <a:defRPr/>
             </a:pPr>
             <a:fld id="{638BC874-228D-4345-BCB2-1B94E993F020}" type="datetimeFigureOut">
-              <a:rPr lang="en-US"/>
+              <a:rPr lang="en-US" smtClean="0"/>
               <a:pPr>
                 <a:defRPr/>
               </a:pPr>
@@ -9887,7 +9817,7 @@
       </p:sp>
       <p:sp>
         <p:nvSpPr>
-          <p:cNvPr id="6" name="Footer Placeholder 4"/>
+          <p:cNvPr id="6" name="Footer Placeholder 5"/>
           <p:cNvSpPr>
             <a:spLocks noGrp="1"/>
           </p:cNvSpPr>
@@ -9898,11 +9828,7 @@
         <p:spPr/>
         <p:txBody>
           <a:bodyPr/>
-          <a:lstStyle>
-            <a:lvl1pPr>
-              <a:defRPr/>
-            </a:lvl1pPr>
-          </a:lstStyle>
+          <a:lstStyle/>
           <a:p>
             <a:pPr>
               <a:defRPr/>
@@ -9913,7 +9839,7 @@
       </p:sp>
       <p:sp>
         <p:nvSpPr>
-          <p:cNvPr id="7" name="Slide Number Placeholder 5"/>
+          <p:cNvPr id="7" name="Slide Number Placeholder 6"/>
           <p:cNvSpPr>
             <a:spLocks noGrp="1"/>
           </p:cNvSpPr>
@@ -9924,17 +9850,13 @@
         <p:spPr/>
         <p:txBody>
           <a:bodyPr/>
-          <a:lstStyle>
-            <a:lvl1pPr>
-              <a:defRPr/>
-            </a:lvl1pPr>
-          </a:lstStyle>
+          <a:lstStyle/>
           <a:p>
             <a:pPr>
               <a:defRPr/>
             </a:pPr>
             <a:fld id="{DA9B3C0A-43B8-4C34-B1A8-5838DA63F31D}" type="slidenum">
-              <a:rPr lang="en-GB" altLang="en-US"/>
+              <a:rPr lang="en-GB" altLang="en-US" smtClean="0"/>
               <a:pPr>
                 <a:defRPr/>
               </a:pPr>
@@ -9947,7 +9869,7 @@
     </p:spTree>
     <p:extLst>
       <p:ext uri="{BB962C8B-B14F-4D97-AF65-F5344CB8AC3E}">
-        <p14:creationId xmlns:p14="http://schemas.microsoft.com/office/powerpoint/2010/main" val="627949907"/>
+        <p14:creationId xmlns:p14="http://schemas.microsoft.com/office/powerpoint/2010/main" val="3964958134"/>
       </p:ext>
     </p:extLst>
   </p:cSld>
@@ -10006,6 +9928,7 @@
               <a:rPr lang="en-US"/>
               <a:t>Click to edit Master title style</a:t>
             </a:r>
+            <a:endParaRPr lang="en-US" dirty="0"/>
           </a:p>
         </p:txBody>
       </p:sp>
@@ -10013,7 +9936,7 @@
         <p:nvSpPr>
           <p:cNvPr id="3" name="Picture Placeholder 2"/>
           <p:cNvSpPr>
-            <a:spLocks noGrp="1"/>
+            <a:spLocks noGrp="1" noChangeAspect="1"/>
           </p:cNvSpPr>
           <p:nvPr>
             <p:ph type="pic" idx="1"/>
@@ -10026,7 +9949,7 @@
           </a:xfrm>
         </p:spPr>
         <p:txBody>
-          <a:bodyPr/>
+          <a:bodyPr anchor="t"/>
           <a:lstStyle>
             <a:lvl1pPr marL="0" indent="0">
               <a:buNone/>
@@ -10066,8 +9989,11 @@
             </a:lvl9pPr>
           </a:lstStyle>
           <a:p>
-            <a:pPr lvl="0"/>
-            <a:endParaRPr lang="en-US" noProof="0"/>
+            <a:r>
+              <a:rPr lang="en-US"/>
+              <a:t>Click icon to add picture</a:t>
+            </a:r>
+            <a:endParaRPr lang="en-US" dirty="0"/>
           </a:p>
         </p:txBody>
       </p:sp>
@@ -10138,7 +10064,7 @@
       </p:sp>
       <p:sp>
         <p:nvSpPr>
-          <p:cNvPr id="5" name="Date Placeholder 3"/>
+          <p:cNvPr id="5" name="Date Placeholder 4"/>
           <p:cNvSpPr>
             <a:spLocks noGrp="1"/>
           </p:cNvSpPr>
@@ -10149,17 +10075,13 @@
         <p:spPr/>
         <p:txBody>
           <a:bodyPr/>
-          <a:lstStyle>
-            <a:lvl1pPr>
-              <a:defRPr/>
-            </a:lvl1pPr>
-          </a:lstStyle>
+          <a:lstStyle/>
           <a:p>
             <a:pPr>
               <a:defRPr/>
             </a:pPr>
             <a:fld id="{F4B99DC9-2CCD-454E-B26E-EDCE3CD1F413}" type="datetimeFigureOut">
-              <a:rPr lang="en-US"/>
+              <a:rPr lang="en-US" smtClean="0"/>
               <a:pPr>
                 <a:defRPr/>
               </a:pPr>
@@ -10171,7 +10093,7 @@
       </p:sp>
       <p:sp>
         <p:nvSpPr>
-          <p:cNvPr id="6" name="Footer Placeholder 4"/>
+          <p:cNvPr id="6" name="Footer Placeholder 5"/>
           <p:cNvSpPr>
             <a:spLocks noGrp="1"/>
           </p:cNvSpPr>
@@ -10182,11 +10104,7 @@
         <p:spPr/>
         <p:txBody>
           <a:bodyPr/>
-          <a:lstStyle>
-            <a:lvl1pPr>
-              <a:defRPr/>
-            </a:lvl1pPr>
-          </a:lstStyle>
+          <a:lstStyle/>
           <a:p>
             <a:pPr>
               <a:defRPr/>
@@ -10197,7 +10115,7 @@
       </p:sp>
       <p:sp>
         <p:nvSpPr>
-          <p:cNvPr id="7" name="Slide Number Placeholder 5"/>
+          <p:cNvPr id="7" name="Slide Number Placeholder 6"/>
           <p:cNvSpPr>
             <a:spLocks noGrp="1"/>
           </p:cNvSpPr>
@@ -10208,17 +10126,13 @@
         <p:spPr/>
         <p:txBody>
           <a:bodyPr/>
-          <a:lstStyle>
-            <a:lvl1pPr>
-              <a:defRPr/>
-            </a:lvl1pPr>
-          </a:lstStyle>
+          <a:lstStyle/>
           <a:p>
             <a:pPr>
               <a:defRPr/>
             </a:pPr>
             <a:fld id="{E88F806E-E709-44A5-86CC-0759AFD05035}" type="slidenum">
-              <a:rPr lang="en-GB" altLang="en-US"/>
+              <a:rPr lang="en-GB" altLang="en-US" smtClean="0"/>
               <a:pPr>
                 <a:defRPr/>
               </a:pPr>
@@ -10231,7 +10145,7 @@
     </p:spTree>
     <p:extLst>
       <p:ext uri="{BB962C8B-B14F-4D97-AF65-F5344CB8AC3E}">
-        <p14:creationId xmlns:p14="http://schemas.microsoft.com/office/powerpoint/2010/main" val="567261759"/>
+        <p14:creationId xmlns:p14="http://schemas.microsoft.com/office/powerpoint/2010/main" val="1354688316"/>
       </p:ext>
     </p:extLst>
   </p:cSld>
@@ -11520,6 +11434,7 @@
               <a:rPr lang="en-US"/>
               <a:t>Click to edit Master title style</a:t>
             </a:r>
+            <a:endParaRPr lang="en-US" dirty="0"/>
           </a:p>
         </p:txBody>
       </p:sp>
@@ -11571,6 +11486,7 @@
               <a:rPr lang="en-US"/>
               <a:t>Fifth level</a:t>
             </a:r>
+            <a:endParaRPr lang="en-US" dirty="0"/>
           </a:p>
         </p:txBody>
       </p:sp>
@@ -11587,17 +11503,13 @@
         <p:spPr/>
         <p:txBody>
           <a:bodyPr/>
-          <a:lstStyle>
-            <a:lvl1pPr>
-              <a:defRPr/>
-            </a:lvl1pPr>
-          </a:lstStyle>
+          <a:lstStyle/>
           <a:p>
             <a:pPr>
               <a:defRPr/>
             </a:pPr>
             <a:fld id="{4EEE2A7C-D904-4027-8E63-FF373CAAA7C0}" type="datetimeFigureOut">
-              <a:rPr lang="en-US"/>
+              <a:rPr lang="en-US" smtClean="0"/>
               <a:pPr>
                 <a:defRPr/>
               </a:pPr>
@@ -11620,11 +11532,7 @@
         <p:spPr/>
         <p:txBody>
           <a:bodyPr/>
-          <a:lstStyle>
-            <a:lvl1pPr>
-              <a:defRPr/>
-            </a:lvl1pPr>
-          </a:lstStyle>
+          <a:lstStyle/>
           <a:p>
             <a:pPr>
               <a:defRPr/>
@@ -11646,17 +11554,13 @@
         <p:spPr/>
         <p:txBody>
           <a:bodyPr/>
-          <a:lstStyle>
-            <a:lvl1pPr>
-              <a:defRPr/>
-            </a:lvl1pPr>
-          </a:lstStyle>
+          <a:lstStyle/>
           <a:p>
             <a:pPr>
               <a:defRPr/>
             </a:pPr>
             <a:fld id="{C9611D77-F33D-4C03-A50B-E50B32F194BF}" type="slidenum">
-              <a:rPr lang="en-GB" altLang="en-US"/>
+              <a:rPr lang="en-GB" altLang="en-US" smtClean="0"/>
               <a:pPr>
                 <a:defRPr/>
               </a:pPr>
@@ -11669,7 +11573,7 @@
     </p:spTree>
     <p:extLst>
       <p:ext uri="{BB962C8B-B14F-4D97-AF65-F5344CB8AC3E}">
-        <p14:creationId xmlns:p14="http://schemas.microsoft.com/office/powerpoint/2010/main" val="3363017326"/>
+        <p14:creationId xmlns:p14="http://schemas.microsoft.com/office/powerpoint/2010/main" val="3724120410"/>
       </p:ext>
     </p:extLst>
   </p:cSld>
@@ -11724,6 +11628,7 @@
               <a:rPr lang="en-US"/>
               <a:t>Click to edit Master title style</a:t>
             </a:r>
+            <a:endParaRPr lang="en-US" dirty="0"/>
           </a:p>
         </p:txBody>
       </p:sp>
@@ -11780,6 +11685,7 @@
               <a:rPr lang="en-US"/>
               <a:t>Fifth level</a:t>
             </a:r>
+            <a:endParaRPr lang="en-US" dirty="0"/>
           </a:p>
         </p:txBody>
       </p:sp>
@@ -11796,17 +11702,13 @@
         <p:spPr/>
         <p:txBody>
           <a:bodyPr/>
-          <a:lstStyle>
-            <a:lvl1pPr>
-              <a:defRPr/>
-            </a:lvl1pPr>
-          </a:lstStyle>
+          <a:lstStyle/>
           <a:p>
             <a:pPr>
               <a:defRPr/>
             </a:pPr>
             <a:fld id="{38E48E6C-542A-4D49-9BFD-9EC0C2896A1E}" type="datetimeFigureOut">
-              <a:rPr lang="en-US"/>
+              <a:rPr lang="en-US" smtClean="0"/>
               <a:pPr>
                 <a:defRPr/>
               </a:pPr>
@@ -11829,11 +11731,7 @@
         <p:spPr/>
         <p:txBody>
           <a:bodyPr/>
-          <a:lstStyle>
-            <a:lvl1pPr>
-              <a:defRPr/>
-            </a:lvl1pPr>
-          </a:lstStyle>
+          <a:lstStyle/>
           <a:p>
             <a:pPr>
               <a:defRPr/>
@@ -11855,17 +11753,13 @@
         <p:spPr/>
         <p:txBody>
           <a:bodyPr/>
-          <a:lstStyle>
-            <a:lvl1pPr>
-              <a:defRPr/>
-            </a:lvl1pPr>
-          </a:lstStyle>
+          <a:lstStyle/>
           <a:p>
             <a:pPr>
               <a:defRPr/>
             </a:pPr>
             <a:fld id="{642B04E0-16D6-484B-BD7B-7CE13B5C5C2E}" type="slidenum">
-              <a:rPr lang="en-GB" altLang="en-US"/>
+              <a:rPr lang="en-GB" altLang="en-US" smtClean="0"/>
               <a:pPr>
                 <a:defRPr/>
               </a:pPr>
@@ -11878,7 +11772,7 @@
     </p:spTree>
     <p:extLst>
       <p:ext uri="{BB962C8B-B14F-4D97-AF65-F5344CB8AC3E}">
-        <p14:creationId xmlns:p14="http://schemas.microsoft.com/office/powerpoint/2010/main" val="3901201962"/>
+        <p14:creationId xmlns:p14="http://schemas.microsoft.com/office/powerpoint/2010/main" val="264925994"/>
       </p:ext>
     </p:extLst>
   </p:cSld>
@@ -16029,12 +15923,9 @@
 <p:sldMaster xmlns:a="http://schemas.openxmlformats.org/drawingml/2006/main" xmlns:r="http://schemas.openxmlformats.org/officeDocument/2006/relationships" xmlns:p="http://schemas.openxmlformats.org/presentationml/2006/main">
   <p:cSld>
     <p:bg>
-      <p:bgPr>
-        <a:solidFill>
-          <a:schemeClr val="bg1"/>
-        </a:solidFill>
-        <a:effectLst/>
-      </p:bgPr>
+      <p:bgRef idx="1001">
+        <a:schemeClr val="bg1"/>
+      </p:bgRef>
     </p:bg>
     <p:spTree>
       <p:nvGrpSpPr>
@@ -16060,51 +15951,26 @@
             <p:ph type="title"/>
           </p:nvPr>
         </p:nvSpPr>
-        <p:spPr bwMode="auto">
+        <p:spPr>
           <a:xfrm>
-            <a:off x="628650" y="274638"/>
-            <a:ext cx="7886700" cy="993775"/>
+            <a:off x="628650" y="273844"/>
+            <a:ext cx="7886700" cy="994172"/>
           </a:xfrm>
           <a:prstGeom prst="rect">
             <a:avLst/>
           </a:prstGeom>
-          <a:noFill/>
-          <a:ln>
-            <a:noFill/>
-          </a:ln>
-          <a:extLst>
-            <a:ext uri="{909E8E84-426E-40DD-AFC4-6F175D3DCCD1}">
-              <a14:hiddenFill xmlns:a14="http://schemas.microsoft.com/office/drawing/2010/main">
-                <a:solidFill>
-                  <a:srgbClr val="FFFFFF"/>
-                </a:solidFill>
-              </a14:hiddenFill>
-            </a:ext>
-            <a:ext uri="{91240B29-F687-4F45-9708-019B960494DF}">
-              <a14:hiddenLine xmlns:a14="http://schemas.microsoft.com/office/drawing/2010/main" w="9525">
-                <a:solidFill>
-                  <a:srgbClr val="000000"/>
-                </a:solidFill>
-                <a:miter lim="800000"/>
-                <a:headEnd/>
-                <a:tailEnd/>
-              </a14:hiddenLine>
-            </a:ext>
-          </a:extLst>
         </p:spPr>
         <p:txBody>
-          <a:bodyPr vert="horz" wrap="square" lIns="91440" tIns="45720" rIns="91440" bIns="45720" numCol="1" anchor="ctr" anchorCtr="0" compatLnSpc="1">
-            <a:prstTxWarp prst="textNoShape">
-              <a:avLst/>
-            </a:prstTxWarp>
+          <a:bodyPr vert="horz" lIns="91440" tIns="45720" rIns="91440" bIns="45720" rtlCol="0" anchor="ctr">
+            <a:normAutofit/>
           </a:bodyPr>
           <a:lstStyle/>
           <a:p>
-            <a:pPr lvl="0"/>
-            <a:r>
-              <a:rPr lang="en-US" altLang="en-US"/>
+            <a:r>
+              <a:rPr lang="en-US"/>
               <a:t>Click to edit Master title style</a:t>
             </a:r>
+            <a:endParaRPr lang="en-US" dirty="0"/>
           </a:p>
         </p:txBody>
       </p:sp>
@@ -16120,8 +15986,8 @@
         </p:nvSpPr>
         <p:spPr>
           <a:xfrm>
-            <a:off x="628650" y="1370013"/>
-            <a:ext cx="7886700" cy="3262312"/>
+            <a:off x="628650" y="1369219"/>
+            <a:ext cx="7886700" cy="3263504"/>
           </a:xfrm>
           <a:prstGeom prst="rect">
             <a:avLst/>
@@ -16166,6 +16032,7 @@
               <a:rPr lang="en-US"/>
               <a:t>Fifth level</a:t>
             </a:r>
+            <a:endParaRPr lang="en-US" dirty="0"/>
           </a:p>
         </p:txBody>
       </p:sp>
@@ -16182,7 +16049,7 @@
         <p:spPr>
           <a:xfrm>
             <a:off x="628650" y="4767263"/>
-            <a:ext cx="2057400" cy="274637"/>
+            <a:ext cx="2057400" cy="273844"/>
           </a:xfrm>
           <a:prstGeom prst="rect">
             <a:avLst/>
@@ -16191,29 +16058,22 @@
         <p:txBody>
           <a:bodyPr vert="horz" lIns="91440" tIns="45720" rIns="91440" bIns="45720" rtlCol="0" anchor="ctr"/>
           <a:lstStyle>
-            <a:lvl1pPr algn="l" eaLnBrk="1" hangingPunct="1">
-              <a:defRPr sz="900" smtClean="0">
+            <a:lvl1pPr algn="l">
+              <a:defRPr sz="900">
                 <a:solidFill>
                   <a:schemeClr val="tx1">
                     <a:tint val="75000"/>
                   </a:schemeClr>
                 </a:solidFill>
-                <a:latin typeface="+mn-lt"/>
               </a:defRPr>
             </a:lvl1pPr>
           </a:lstStyle>
           <a:p>
-            <a:pPr>
-              <a:defRPr/>
-            </a:pPr>
-            <a:fld id="{C94B7259-E53C-4944-AAB1-4536724CCE7B}" type="datetimeFigureOut">
-              <a:rPr lang="en-US"/>
-              <a:pPr>
-                <a:defRPr/>
-              </a:pPr>
+            <a:fld id="{C764DE79-268F-4C1A-8933-263129D2AF90}" type="datetimeFigureOut">
+              <a:rPr lang="en-US" dirty="0"/>
               <a:t>10/22/2021</a:t>
             </a:fld>
-            <a:endParaRPr lang="en-US"/>
+            <a:endParaRPr lang="en-US" dirty="0"/>
           </a:p>
         </p:txBody>
       </p:sp>
@@ -16230,7 +16090,7 @@
         <p:spPr>
           <a:xfrm>
             <a:off x="3028950" y="4767263"/>
-            <a:ext cx="3086100" cy="274637"/>
+            <a:ext cx="3086100" cy="273844"/>
           </a:xfrm>
           <a:prstGeom prst="rect">
             <a:avLst/>
@@ -16239,22 +16099,18 @@
         <p:txBody>
           <a:bodyPr vert="horz" lIns="91440" tIns="45720" rIns="91440" bIns="45720" rtlCol="0" anchor="ctr"/>
           <a:lstStyle>
-            <a:lvl1pPr algn="ctr" eaLnBrk="1" hangingPunct="1">
+            <a:lvl1pPr algn="ctr">
               <a:defRPr sz="900">
                 <a:solidFill>
                   <a:schemeClr val="tx1">
                     <a:tint val="75000"/>
                   </a:schemeClr>
                 </a:solidFill>
-                <a:latin typeface="+mn-lt"/>
               </a:defRPr>
             </a:lvl1pPr>
           </a:lstStyle>
           <a:p>
-            <a:pPr>
-              <a:defRPr/>
-            </a:pPr>
-            <a:endParaRPr lang="en-US"/>
+            <a:endParaRPr lang="en-US" dirty="0"/>
           </a:p>
         </p:txBody>
       </p:sp>
@@ -16271,7 +16127,7 @@
         <p:spPr>
           <a:xfrm>
             <a:off x="6457950" y="4767263"/>
-            <a:ext cx="2057400" cy="274637"/>
+            <a:ext cx="2057400" cy="273844"/>
           </a:xfrm>
           <a:prstGeom prst="rect">
             <a:avLst/>
@@ -16280,14 +16136,13 @@
         <p:txBody>
           <a:bodyPr vert="horz" lIns="91440" tIns="45720" rIns="91440" bIns="45720" rtlCol="0" anchor="ctr"/>
           <a:lstStyle>
-            <a:lvl1pPr algn="r" eaLnBrk="1" hangingPunct="1">
-              <a:defRPr sz="900" smtClean="0">
+            <a:lvl1pPr algn="r">
+              <a:defRPr sz="900">
                 <a:solidFill>
                   <a:schemeClr val="tx1">
                     <a:tint val="75000"/>
                   </a:schemeClr>
                 </a:solidFill>
-                <a:latin typeface="+mn-lt"/>
               </a:defRPr>
             </a:lvl1pPr>
           </a:lstStyle>
@@ -16295,8 +16150,8 @@
             <a:pPr>
               <a:defRPr/>
             </a:pPr>
-            <a:fld id="{EA1ECBDC-BA20-4E38-84DE-8B1F7CDA5A40}" type="slidenum">
-              <a:rPr lang="en-GB" altLang="en-US"/>
+            <a:fld id="{63CEF7AC-909A-4DF0-A468-41523B6692F4}" type="slidenum">
+              <a:rPr lang="en-GB" altLang="en-US" smtClean="0"/>
               <a:pPr>
                 <a:defRPr/>
               </a:pPr>
@@ -16308,7 +16163,13 @@
       </p:sp>
       <p:pic>
         <p:nvPicPr>
-          <p:cNvPr id="2055" name="Picture 53" descr="Device-black"/>
+          <p:cNvPr id="7" name="Picture 53" descr="Device-black">
+            <a:extLst>
+              <a:ext uri="{FF2B5EF4-FFF2-40B4-BE49-F238E27FC236}">
+                <a16:creationId xmlns:a16="http://schemas.microsoft.com/office/drawing/2014/main" id="{3A24FCD6-0B1E-4096-8613-7A86472A83DA}"/>
+              </a:ext>
+            </a:extLst>
+          </p:cNvPr>
           <p:cNvPicPr>
             <a:picLocks noChangeArrowheads="1"/>
           </p:cNvPicPr>
@@ -16362,7 +16223,13 @@
       </p:pic>
       <p:pic>
         <p:nvPicPr>
-          <p:cNvPr id="2056" name="Picture 50" descr="Device-wine"/>
+          <p:cNvPr id="8" name="Picture 50" descr="Device-wine">
+            <a:extLst>
+              <a:ext uri="{FF2B5EF4-FFF2-40B4-BE49-F238E27FC236}">
+                <a16:creationId xmlns:a16="http://schemas.microsoft.com/office/drawing/2014/main" id="{DD84E441-00C2-4CBD-8DFF-AE1278F363AF}"/>
+              </a:ext>
+            </a:extLst>
+          </p:cNvPr>
           <p:cNvPicPr>
             <a:picLocks noChangeArrowheads="1"/>
           </p:cNvPicPr>
@@ -16411,7 +16278,13 @@
       </p:pic>
       <p:pic>
         <p:nvPicPr>
-          <p:cNvPr id="2057" name="Picture 55" descr="Device-white"/>
+          <p:cNvPr id="9" name="Picture 55" descr="Device-white">
+            <a:extLst>
+              <a:ext uri="{FF2B5EF4-FFF2-40B4-BE49-F238E27FC236}">
+                <a16:creationId xmlns:a16="http://schemas.microsoft.com/office/drawing/2014/main" id="{5ECD53A7-D67C-4C96-AD87-AA8E0C774F9E}"/>
+              </a:ext>
+            </a:extLst>
+          </p:cNvPr>
           <p:cNvPicPr>
             <a:picLocks noChangeArrowheads="1"/>
           </p:cNvPicPr>
@@ -16459,20 +16332,25 @@
         </p:spPr>
       </p:pic>
     </p:spTree>
+    <p:extLst>
+      <p:ext uri="{BB962C8B-B14F-4D97-AF65-F5344CB8AC3E}">
+        <p14:creationId xmlns:p14="http://schemas.microsoft.com/office/powerpoint/2010/main" val="2404049830"/>
+      </p:ext>
+    </p:extLst>
   </p:cSld>
   <p:clrMap bg1="lt1" tx1="dk1" bg2="lt2" tx2="dk2" accent1="accent1" accent2="accent2" accent3="accent3" accent4="accent4" accent5="accent5" accent6="accent6" hlink="hlink" folHlink="folHlink"/>
   <p:sldLayoutIdLst>
-    <p:sldLayoutId id="2147483730" r:id="rId1"/>
-    <p:sldLayoutId id="2147483703" r:id="rId2"/>
-    <p:sldLayoutId id="2147483704" r:id="rId3"/>
-    <p:sldLayoutId id="2147483731" r:id="rId4"/>
-    <p:sldLayoutId id="2147483705" r:id="rId5"/>
-    <p:sldLayoutId id="2147483706" r:id="rId6"/>
-    <p:sldLayoutId id="2147483707" r:id="rId7"/>
-    <p:sldLayoutId id="2147483708" r:id="rId8"/>
-    <p:sldLayoutId id="2147483709" r:id="rId9"/>
-    <p:sldLayoutId id="2147483710" r:id="rId10"/>
-    <p:sldLayoutId id="2147483711" r:id="rId11"/>
+    <p:sldLayoutId id="2147483841" r:id="rId1"/>
+    <p:sldLayoutId id="2147483842" r:id="rId2"/>
+    <p:sldLayoutId id="2147483843" r:id="rId3"/>
+    <p:sldLayoutId id="2147483844" r:id="rId4"/>
+    <p:sldLayoutId id="2147483845" r:id="rId5"/>
+    <p:sldLayoutId id="2147483846" r:id="rId6"/>
+    <p:sldLayoutId id="2147483847" r:id="rId7"/>
+    <p:sldLayoutId id="2147483848" r:id="rId8"/>
+    <p:sldLayoutId id="2147483849" r:id="rId9"/>
+    <p:sldLayoutId id="2147483850" r:id="rId10"/>
+    <p:sldLayoutId id="2147483851" r:id="rId11"/>
   </p:sldLayoutIdLst>
   <p:transition>
     <p:fade/>
@@ -16480,16 +16358,14 @@
   <p:hf hdr="0" ftr="0" dt="0"/>
   <p:txStyles>
     <p:titleStyle>
-      <a:lvl1pPr algn="l" defTabSz="685800" rtl="0" fontAlgn="base">
+      <a:lvl1pPr algn="l" defTabSz="685800" rtl="0" eaLnBrk="1" latinLnBrk="0" hangingPunct="1">
         <a:lnSpc>
           <a:spcPct val="90000"/>
         </a:lnSpc>
         <a:spcBef>
           <a:spcPct val="0"/>
         </a:spcBef>
-        <a:spcAft>
-          <a:spcPct val="0"/>
-        </a:spcAft>
+        <a:buNone/>
         <a:defRPr sz="3300" kern="1200">
           <a:solidFill>
             <a:schemeClr val="tx1"/>
@@ -16499,154 +16375,15 @@
           <a:cs typeface="+mj-cs"/>
         </a:defRPr>
       </a:lvl1pPr>
-      <a:lvl2pPr algn="l" defTabSz="685800" rtl="0" fontAlgn="base">
-        <a:lnSpc>
-          <a:spcPct val="90000"/>
-        </a:lnSpc>
-        <a:spcBef>
-          <a:spcPct val="0"/>
-        </a:spcBef>
-        <a:spcAft>
-          <a:spcPct val="0"/>
-        </a:spcAft>
-        <a:defRPr sz="3300">
-          <a:solidFill>
-            <a:schemeClr val="tx1"/>
-          </a:solidFill>
-          <a:latin typeface="Calibri Light" panose="020F0302020204030204" pitchFamily="34" charset="0"/>
-        </a:defRPr>
-      </a:lvl2pPr>
-      <a:lvl3pPr algn="l" defTabSz="685800" rtl="0" fontAlgn="base">
-        <a:lnSpc>
-          <a:spcPct val="90000"/>
-        </a:lnSpc>
-        <a:spcBef>
-          <a:spcPct val="0"/>
-        </a:spcBef>
-        <a:spcAft>
-          <a:spcPct val="0"/>
-        </a:spcAft>
-        <a:defRPr sz="3300">
-          <a:solidFill>
-            <a:schemeClr val="tx1"/>
-          </a:solidFill>
-          <a:latin typeface="Calibri Light" panose="020F0302020204030204" pitchFamily="34" charset="0"/>
-        </a:defRPr>
-      </a:lvl3pPr>
-      <a:lvl4pPr algn="l" defTabSz="685800" rtl="0" fontAlgn="base">
-        <a:lnSpc>
-          <a:spcPct val="90000"/>
-        </a:lnSpc>
-        <a:spcBef>
-          <a:spcPct val="0"/>
-        </a:spcBef>
-        <a:spcAft>
-          <a:spcPct val="0"/>
-        </a:spcAft>
-        <a:defRPr sz="3300">
-          <a:solidFill>
-            <a:schemeClr val="tx1"/>
-          </a:solidFill>
-          <a:latin typeface="Calibri Light" panose="020F0302020204030204" pitchFamily="34" charset="0"/>
-        </a:defRPr>
-      </a:lvl4pPr>
-      <a:lvl5pPr algn="l" defTabSz="685800" rtl="0" fontAlgn="base">
-        <a:lnSpc>
-          <a:spcPct val="90000"/>
-        </a:lnSpc>
-        <a:spcBef>
-          <a:spcPct val="0"/>
-        </a:spcBef>
-        <a:spcAft>
-          <a:spcPct val="0"/>
-        </a:spcAft>
-        <a:defRPr sz="3300">
-          <a:solidFill>
-            <a:schemeClr val="tx1"/>
-          </a:solidFill>
-          <a:latin typeface="Calibri Light" panose="020F0302020204030204" pitchFamily="34" charset="0"/>
-        </a:defRPr>
-      </a:lvl5pPr>
-      <a:lvl6pPr marL="457200" algn="l" defTabSz="685800" rtl="0" fontAlgn="base">
-        <a:lnSpc>
-          <a:spcPct val="90000"/>
-        </a:lnSpc>
-        <a:spcBef>
-          <a:spcPct val="0"/>
-        </a:spcBef>
-        <a:spcAft>
-          <a:spcPct val="0"/>
-        </a:spcAft>
-        <a:defRPr sz="3300">
-          <a:solidFill>
-            <a:schemeClr val="tx1"/>
-          </a:solidFill>
-          <a:latin typeface="Calibri Light" panose="020F0302020204030204" pitchFamily="34" charset="0"/>
-        </a:defRPr>
-      </a:lvl6pPr>
-      <a:lvl7pPr marL="914400" algn="l" defTabSz="685800" rtl="0" fontAlgn="base">
-        <a:lnSpc>
-          <a:spcPct val="90000"/>
-        </a:lnSpc>
-        <a:spcBef>
-          <a:spcPct val="0"/>
-        </a:spcBef>
-        <a:spcAft>
-          <a:spcPct val="0"/>
-        </a:spcAft>
-        <a:defRPr sz="3300">
-          <a:solidFill>
-            <a:schemeClr val="tx1"/>
-          </a:solidFill>
-          <a:latin typeface="Calibri Light" panose="020F0302020204030204" pitchFamily="34" charset="0"/>
-        </a:defRPr>
-      </a:lvl7pPr>
-      <a:lvl8pPr marL="1371600" algn="l" defTabSz="685800" rtl="0" fontAlgn="base">
-        <a:lnSpc>
-          <a:spcPct val="90000"/>
-        </a:lnSpc>
-        <a:spcBef>
-          <a:spcPct val="0"/>
-        </a:spcBef>
-        <a:spcAft>
-          <a:spcPct val="0"/>
-        </a:spcAft>
-        <a:defRPr sz="3300">
-          <a:solidFill>
-            <a:schemeClr val="tx1"/>
-          </a:solidFill>
-          <a:latin typeface="Calibri Light" panose="020F0302020204030204" pitchFamily="34" charset="0"/>
-        </a:defRPr>
-      </a:lvl8pPr>
-      <a:lvl9pPr marL="1828800" algn="l" defTabSz="685800" rtl="0" fontAlgn="base">
-        <a:lnSpc>
-          <a:spcPct val="90000"/>
-        </a:lnSpc>
-        <a:spcBef>
-          <a:spcPct val="0"/>
-        </a:spcBef>
-        <a:spcAft>
-          <a:spcPct val="0"/>
-        </a:spcAft>
-        <a:defRPr sz="3300">
-          <a:solidFill>
-            <a:schemeClr val="tx1"/>
-          </a:solidFill>
-          <a:latin typeface="Calibri Light" panose="020F0302020204030204" pitchFamily="34" charset="0"/>
-        </a:defRPr>
-      </a:lvl9pPr>
     </p:titleStyle>
     <p:bodyStyle>
-      <a:lvl1pPr marL="171450" indent="-171450" algn="l" defTabSz="685800" rtl="0" fontAlgn="base">
+      <a:lvl1pPr marL="171450" indent="-171450" algn="l" defTabSz="685800" rtl="0" eaLnBrk="1" latinLnBrk="0" hangingPunct="1">
         <a:lnSpc>
           <a:spcPct val="90000"/>
         </a:lnSpc>
         <a:spcBef>
           <a:spcPts val="750"/>
         </a:spcBef>
-        <a:spcAft>
-          <a:spcPct val="0"/>
-        </a:spcAft>
         <a:buFont typeface="Arial" panose="020B0604020202020204" pitchFamily="34" charset="0"/>
         <a:buChar char="•"/>
         <a:defRPr sz="2100" kern="1200">
@@ -16658,19 +16395,16 @@
           <a:cs typeface="+mn-cs"/>
         </a:defRPr>
       </a:lvl1pPr>
-      <a:lvl2pPr marL="514350" indent="-171450" algn="l" defTabSz="685800" rtl="0" fontAlgn="base">
+      <a:lvl2pPr marL="514350" indent="-171450" algn="l" defTabSz="685800" rtl="0" eaLnBrk="1" latinLnBrk="0" hangingPunct="1">
         <a:lnSpc>
           <a:spcPct val="90000"/>
         </a:lnSpc>
         <a:spcBef>
           <a:spcPts val="375"/>
         </a:spcBef>
-        <a:spcAft>
-          <a:spcPct val="0"/>
-        </a:spcAft>
         <a:buFont typeface="Arial" panose="020B0604020202020204" pitchFamily="34" charset="0"/>
         <a:buChar char="•"/>
-        <a:defRPr kern="1200">
+        <a:defRPr sz="1800" kern="1200">
           <a:solidFill>
             <a:schemeClr val="tx1"/>
           </a:solidFill>
@@ -16679,16 +16413,13 @@
           <a:cs typeface="+mn-cs"/>
         </a:defRPr>
       </a:lvl2pPr>
-      <a:lvl3pPr marL="857250" indent="-171450" algn="l" defTabSz="685800" rtl="0" fontAlgn="base">
+      <a:lvl3pPr marL="857250" indent="-171450" algn="l" defTabSz="685800" rtl="0" eaLnBrk="1" latinLnBrk="0" hangingPunct="1">
         <a:lnSpc>
           <a:spcPct val="90000"/>
         </a:lnSpc>
         <a:spcBef>
           <a:spcPts val="375"/>
         </a:spcBef>
-        <a:spcAft>
-          <a:spcPct val="0"/>
-        </a:spcAft>
         <a:buFont typeface="Arial" panose="020B0604020202020204" pitchFamily="34" charset="0"/>
         <a:buChar char="•"/>
         <a:defRPr sz="1500" kern="1200">
@@ -16700,19 +16431,16 @@
           <a:cs typeface="+mn-cs"/>
         </a:defRPr>
       </a:lvl3pPr>
-      <a:lvl4pPr marL="1200150" indent="-171450" algn="l" defTabSz="685800" rtl="0" fontAlgn="base">
+      <a:lvl4pPr marL="1200150" indent="-171450" algn="l" defTabSz="685800" rtl="0" eaLnBrk="1" latinLnBrk="0" hangingPunct="1">
         <a:lnSpc>
           <a:spcPct val="90000"/>
         </a:lnSpc>
         <a:spcBef>
           <a:spcPts val="375"/>
         </a:spcBef>
-        <a:spcAft>
-          <a:spcPct val="0"/>
-        </a:spcAft>
         <a:buFont typeface="Arial" panose="020B0604020202020204" pitchFamily="34" charset="0"/>
         <a:buChar char="•"/>
-        <a:defRPr sz="1300" kern="1200">
+        <a:defRPr sz="1350" kern="1200">
           <a:solidFill>
             <a:schemeClr val="tx1"/>
           </a:solidFill>
@@ -16721,19 +16449,16 @@
           <a:cs typeface="+mn-cs"/>
         </a:defRPr>
       </a:lvl4pPr>
-      <a:lvl5pPr marL="1543050" indent="-171450" algn="l" defTabSz="685800" rtl="0" fontAlgn="base">
+      <a:lvl5pPr marL="1543050" indent="-171450" algn="l" defTabSz="685800" rtl="0" eaLnBrk="1" latinLnBrk="0" hangingPunct="1">
         <a:lnSpc>
           <a:spcPct val="90000"/>
         </a:lnSpc>
         <a:spcBef>
           <a:spcPts val="375"/>
         </a:spcBef>
-        <a:spcAft>
-          <a:spcPct val="0"/>
-        </a:spcAft>
         <a:buFont typeface="Arial" panose="020B0604020202020204" pitchFamily="34" charset="0"/>
         <a:buChar char="•"/>
-        <a:defRPr sz="1300" kern="1200">
+        <a:defRPr sz="1350" kern="1200">
           <a:solidFill>
             <a:schemeClr val="tx1"/>
           </a:solidFill>
@@ -16917,6 +16642,40 @@
 <file path=ppt/slides/slide1.xml><?xml version="1.0" encoding="utf-8"?>
 <p:sld xmlns:a="http://schemas.openxmlformats.org/drawingml/2006/main" xmlns:r="http://schemas.openxmlformats.org/officeDocument/2006/relationships" xmlns:p="http://schemas.openxmlformats.org/presentationml/2006/main">
   <p:cSld>
+    <p:bg>
+      <p:bgPr>
+        <a:gradFill>
+          <a:gsLst>
+            <a:gs pos="0">
+              <a:schemeClr val="accent1">
+                <a:lumMod val="5000"/>
+                <a:lumOff val="95000"/>
+              </a:schemeClr>
+            </a:gs>
+            <a:gs pos="74000">
+              <a:schemeClr val="accent1">
+                <a:lumMod val="45000"/>
+                <a:lumOff val="55000"/>
+              </a:schemeClr>
+            </a:gs>
+            <a:gs pos="83000">
+              <a:schemeClr val="accent1">
+                <a:lumMod val="45000"/>
+                <a:lumOff val="55000"/>
+              </a:schemeClr>
+            </a:gs>
+            <a:gs pos="100000">
+              <a:schemeClr val="accent1">
+                <a:lumMod val="30000"/>
+                <a:lumOff val="70000"/>
+              </a:schemeClr>
+            </a:gs>
+          </a:gsLst>
+          <a:lin ang="5400000" scaled="1"/>
+        </a:gradFill>
+        <a:effectLst/>
+      </p:bgPr>
+    </p:bg>
     <p:spTree>
       <p:nvGrpSpPr>
         <p:cNvPr id="1" name=""/>
@@ -17020,6 +16779,40 @@
 <file path=ppt/slides/slide10.xml><?xml version="1.0" encoding="utf-8"?>
 <p:sld xmlns:a="http://schemas.openxmlformats.org/drawingml/2006/main" xmlns:r="http://schemas.openxmlformats.org/officeDocument/2006/relationships" xmlns:p="http://schemas.openxmlformats.org/presentationml/2006/main">
   <p:cSld>
+    <p:bg>
+      <p:bgPr>
+        <a:gradFill>
+          <a:gsLst>
+            <a:gs pos="18000">
+              <a:schemeClr val="accent1">
+                <a:lumMod val="5000"/>
+                <a:lumOff val="95000"/>
+              </a:schemeClr>
+            </a:gs>
+            <a:gs pos="55000">
+              <a:schemeClr val="accent1">
+                <a:lumMod val="45000"/>
+                <a:lumOff val="55000"/>
+              </a:schemeClr>
+            </a:gs>
+            <a:gs pos="83000">
+              <a:schemeClr val="accent1">
+                <a:lumMod val="45000"/>
+                <a:lumOff val="55000"/>
+              </a:schemeClr>
+            </a:gs>
+            <a:gs pos="100000">
+              <a:schemeClr val="accent1">
+                <a:lumMod val="30000"/>
+                <a:lumOff val="70000"/>
+              </a:schemeClr>
+            </a:gs>
+          </a:gsLst>
+          <a:lin ang="5400000" scaled="1"/>
+        </a:gradFill>
+        <a:effectLst/>
+      </p:bgPr>
+    </p:bg>
     <p:spTree>
       <p:nvGrpSpPr>
         <p:cNvPr id="1" name=""/>
@@ -17057,13 +16850,867 @@
           <a:p>
             <a:r>
               <a:rPr lang="en-GB" dirty="0"/>
+              <a:t>Modelling Status Consumption</a:t>
+            </a:r>
+          </a:p>
+        </p:txBody>
+      </p:sp>
+      <mc:AlternateContent xmlns:mc="http://schemas.openxmlformats.org/markup-compatibility/2006">
+        <mc:Choice xmlns:a14="http://schemas.microsoft.com/office/drawing/2010/main" Requires="a14">
+          <p:sp>
+            <p:nvSpPr>
+              <p:cNvPr id="3" name="Content Placeholder 2">
+                <a:extLst>
+                  <a:ext uri="{FF2B5EF4-FFF2-40B4-BE49-F238E27FC236}">
+                    <a16:creationId xmlns:a16="http://schemas.microsoft.com/office/drawing/2014/main" id="{4C53418E-F4DF-452B-BD85-A7D380E032CD}"/>
+                  </a:ext>
+                </a:extLst>
+              </p:cNvPr>
+              <p:cNvSpPr>
+                <a:spLocks noGrp="1"/>
+              </p:cNvSpPr>
+              <p:nvPr>
+                <p:ph idx="1"/>
+              </p:nvPr>
+            </p:nvSpPr>
+            <p:spPr/>
+            <p:txBody>
+              <a:bodyPr>
+                <a:normAutofit fontScale="62500" lnSpcReduction="20000"/>
+              </a:bodyPr>
+              <a:lstStyle/>
+              <a:p>
+                <a:r>
+                  <a:rPr lang="en-GB" dirty="0"/>
+                  <a:t>With the two assumption A1 and A2 we thus claim that:</a:t>
+                </a:r>
+              </a:p>
+              <a:p>
+                <a:pPr lvl="1"/>
+                <a:r>
+                  <a:rPr lang="en-GB" dirty="0"/>
+                  <a:t>Claim 1: Status utility can be achieved both by </a:t>
+                </a:r>
+                <a:r>
+                  <a:rPr lang="en-GB" u="sng" dirty="0"/>
+                  <a:t>excess non-durable consumption</a:t>
+                </a:r>
+                <a:r>
+                  <a:rPr lang="en-GB" dirty="0"/>
+                  <a:t> and </a:t>
+                </a:r>
+                <a:r>
+                  <a:rPr lang="en-GB" u="sng" dirty="0"/>
+                  <a:t>inheritable durable goods</a:t>
+                </a:r>
+                <a:endParaRPr lang="en-GB" dirty="0"/>
+              </a:p>
+              <a:p>
+                <a:pPr lvl="1"/>
+                <a:r>
+                  <a:rPr lang="en-GB" dirty="0"/>
+                  <a:t>Claim 2: Fulfilment of minimum needs carries no status-advantage</a:t>
+                </a:r>
+              </a:p>
+              <a:p>
+                <a:r>
+                  <a:rPr lang="en-GB" dirty="0"/>
+                  <a:t>The above can now be integrated in an intertemporal substitution framework</a:t>
+                </a:r>
+              </a:p>
+              <a:p>
+                <a:r>
+                  <a:rPr lang="en-GB" dirty="0"/>
+                  <a:t>The consumer budget consists of the costs of owning assets, the excess non-durable consumption and the needs implied by her family units – these are easy to distinguish in the empirical data</a:t>
+                </a:r>
+              </a:p>
+              <a:p>
+                <a:r>
+                  <a:rPr lang="en-GB" dirty="0"/>
+                  <a:t>With the budget </a:t>
+                </a:r>
+                <a14:m>
+                  <m:oMath xmlns:m="http://schemas.openxmlformats.org/officeDocument/2006/math">
+                    <m:sSub>
+                      <m:sSubPr>
+                        <m:ctrlPr>
+                          <a:rPr lang="en-US" b="0" i="1" smtClean="0">
+                            <a:effectLst/>
+                            <a:latin typeface="Cambria Math" panose="02040503050406030204" pitchFamily="18" charset="0"/>
+                          </a:rPr>
+                        </m:ctrlPr>
+                      </m:sSubPr>
+                      <m:e>
+                        <m:r>
+                          <a:rPr lang="en-US" b="0" i="1" smtClean="0">
+                            <a:effectLst/>
+                            <a:latin typeface="Cambria Math" panose="02040503050406030204" pitchFamily="18" charset="0"/>
+                          </a:rPr>
+                          <m:t>𝑐</m:t>
+                        </m:r>
+                      </m:e>
+                      <m:sub>
+                        <m:r>
+                          <a:rPr lang="en-US" b="0" i="1" smtClean="0">
+                            <a:effectLst/>
+                            <a:latin typeface="Cambria Math" panose="02040503050406030204" pitchFamily="18" charset="0"/>
+                          </a:rPr>
+                          <m:t>𝑡</m:t>
+                        </m:r>
+                      </m:sub>
+                    </m:sSub>
+                  </m:oMath>
+                </a14:m>
+                <a:r>
+                  <a:rPr lang="en-GB" dirty="0"/>
+                  <a:t> ,</a:t>
+                </a:r>
+                <a:r>
+                  <a:rPr lang="en-US" dirty="0"/>
+                  <a:t> need-units </a:t>
+                </a:r>
+                <a14:m>
+                  <m:oMath xmlns:m="http://schemas.openxmlformats.org/officeDocument/2006/math">
+                    <m:sSub>
+                      <m:sSubPr>
+                        <m:ctrlPr>
+                          <a:rPr lang="en-US" i="1">
+                            <a:latin typeface="Cambria Math" panose="02040503050406030204" pitchFamily="18" charset="0"/>
+                          </a:rPr>
+                        </m:ctrlPr>
+                      </m:sSubPr>
+                      <m:e>
+                        <m:r>
+                          <a:rPr lang="en-US" b="0" i="1" smtClean="0">
+                            <a:latin typeface="Cambria Math" panose="02040503050406030204" pitchFamily="18" charset="0"/>
+                          </a:rPr>
+                          <m:t>𝜓</m:t>
+                        </m:r>
+                      </m:e>
+                      <m:sub>
+                        <m:r>
+                          <a:rPr lang="en-US" i="1">
+                            <a:latin typeface="Cambria Math" panose="02040503050406030204" pitchFamily="18" charset="0"/>
+                          </a:rPr>
+                          <m:t>𝑡</m:t>
+                        </m:r>
+                      </m:sub>
+                    </m:sSub>
+                  </m:oMath>
+                </a14:m>
+                <a:r>
+                  <a:rPr lang="en-GB" dirty="0"/>
+                  <a:t> , the non-durable consumption </a:t>
+                </a:r>
+                <a14:m>
+                  <m:oMath xmlns:m="http://schemas.openxmlformats.org/officeDocument/2006/math">
+                    <m:sSub>
+                      <m:sSubPr>
+                        <m:ctrlPr>
+                          <a:rPr lang="en-US" b="0" i="1" smtClean="0">
+                            <a:latin typeface="Cambria Math" panose="02040503050406030204" pitchFamily="18" charset="0"/>
+                          </a:rPr>
+                        </m:ctrlPr>
+                      </m:sSubPr>
+                      <m:e>
+                        <m:r>
+                          <a:rPr lang="en-US" b="0" i="1" smtClean="0">
+                            <a:latin typeface="Cambria Math" panose="02040503050406030204" pitchFamily="18" charset="0"/>
+                          </a:rPr>
+                          <m:t>𝜈</m:t>
+                        </m:r>
+                      </m:e>
+                      <m:sub>
+                        <m:r>
+                          <a:rPr lang="en-US" b="0" i="1" smtClean="0">
+                            <a:latin typeface="Cambria Math" panose="02040503050406030204" pitchFamily="18" charset="0"/>
+                          </a:rPr>
+                          <m:t>𝑡</m:t>
+                        </m:r>
+                      </m:sub>
+                    </m:sSub>
+                  </m:oMath>
+                </a14:m>
+                <a:r>
+                  <a:rPr lang="en-GB" dirty="0"/>
+                  <a:t>, the level of richness in her neighbourhood </a:t>
+                </a:r>
+                <a14:m>
+                  <m:oMath xmlns:m="http://schemas.openxmlformats.org/officeDocument/2006/math">
+                    <m:sSub>
+                      <m:sSubPr>
+                        <m:ctrlPr>
+                          <a:rPr lang="en-US" b="0" i="1" smtClean="0">
+                            <a:latin typeface="Cambria Math" panose="02040503050406030204" pitchFamily="18" charset="0"/>
+                          </a:rPr>
+                        </m:ctrlPr>
+                      </m:sSubPr>
+                      <m:e>
+                        <m:r>
+                          <a:rPr lang="en-US" b="0" i="1" smtClean="0">
+                            <a:latin typeface="Cambria Math" panose="02040503050406030204" pitchFamily="18" charset="0"/>
+                          </a:rPr>
+                          <m:t>𝑟</m:t>
+                        </m:r>
+                      </m:e>
+                      <m:sub>
+                        <m:r>
+                          <a:rPr lang="en-US" b="0" i="1" smtClean="0">
+                            <a:latin typeface="Cambria Math" panose="02040503050406030204" pitchFamily="18" charset="0"/>
+                          </a:rPr>
+                          <m:t>𝑡</m:t>
+                        </m:r>
+                      </m:sub>
+                    </m:sSub>
+                  </m:oMath>
+                </a14:m>
+                <a:r>
+                  <a:rPr lang="en-GB" dirty="0"/>
+                  <a:t> and an associated cost-function for </a:t>
+                </a:r>
+                <a14:m>
+                  <m:oMath xmlns:m="http://schemas.openxmlformats.org/officeDocument/2006/math">
+                    <m:sSub>
+                      <m:sSubPr>
+                        <m:ctrlPr>
+                          <a:rPr lang="en-US" i="1">
+                            <a:latin typeface="Cambria Math" panose="02040503050406030204" pitchFamily="18" charset="0"/>
+                          </a:rPr>
+                        </m:ctrlPr>
+                      </m:sSubPr>
+                      <m:e>
+                        <m:r>
+                          <m:rPr>
+                            <m:sty m:val="p"/>
+                          </m:rPr>
+                          <a:rPr lang="en-US">
+                            <a:latin typeface="Cambria Math" panose="02040503050406030204" pitchFamily="18" charset="0"/>
+                          </a:rPr>
+                          <m:t>Ψ</m:t>
+                        </m:r>
+                      </m:e>
+                      <m:sub>
+                        <m:r>
+                          <a:rPr lang="en-US" i="1">
+                            <a:latin typeface="Cambria Math" panose="02040503050406030204" pitchFamily="18" charset="0"/>
+                          </a:rPr>
+                          <m:t>𝑡</m:t>
+                        </m:r>
+                      </m:sub>
+                    </m:sSub>
+                  </m:oMath>
+                </a14:m>
+                <a:r>
+                  <a:rPr lang="en-GB" dirty="0"/>
+                  <a:t> we can write</a:t>
+                </a:r>
+              </a:p>
+              <a:p>
+                <a:pPr marL="0" indent="0" algn="ctr">
+                  <a:buNone/>
+                </a:pPr>
+                <a14:m>
+                  <m:oMath xmlns:m="http://schemas.openxmlformats.org/officeDocument/2006/math">
+                    <m:sSub>
+                      <m:sSubPr>
+                        <m:ctrlPr>
+                          <a:rPr lang="en-US" b="0" i="1" smtClean="0">
+                            <a:effectLst/>
+                            <a:latin typeface="Cambria Math" panose="02040503050406030204" pitchFamily="18" charset="0"/>
+                          </a:rPr>
+                        </m:ctrlPr>
+                      </m:sSubPr>
+                      <m:e>
+                        <m:r>
+                          <a:rPr lang="en-US" b="0" i="1" smtClean="0">
+                            <a:effectLst/>
+                            <a:latin typeface="Cambria Math" panose="02040503050406030204" pitchFamily="18" charset="0"/>
+                          </a:rPr>
+                          <m:t>𝑐</m:t>
+                        </m:r>
+                      </m:e>
+                      <m:sub>
+                        <m:r>
+                          <a:rPr lang="en-US" b="0" i="1" smtClean="0">
+                            <a:effectLst/>
+                            <a:latin typeface="Cambria Math" panose="02040503050406030204" pitchFamily="18" charset="0"/>
+                          </a:rPr>
+                          <m:t>𝑡</m:t>
+                        </m:r>
+                      </m:sub>
+                    </m:sSub>
+                    <m:r>
+                      <a:rPr lang="en-US" b="0" i="1" smtClean="0">
+                        <a:effectLst/>
+                        <a:latin typeface="Cambria Math" panose="02040503050406030204" pitchFamily="18" charset="0"/>
+                      </a:rPr>
+                      <m:t>=</m:t>
+                    </m:r>
+                    <m:sSub>
+                      <m:sSubPr>
+                        <m:ctrlPr>
+                          <a:rPr lang="en-US" b="0" i="1" smtClean="0">
+                            <a:effectLst/>
+                            <a:latin typeface="Cambria Math" panose="02040503050406030204" pitchFamily="18" charset="0"/>
+                          </a:rPr>
+                        </m:ctrlPr>
+                      </m:sSubPr>
+                      <m:e>
+                        <m:r>
+                          <a:rPr lang="en-US" b="0" i="1" smtClean="0">
+                            <a:effectLst/>
+                            <a:latin typeface="Cambria Math" panose="02040503050406030204" pitchFamily="18" charset="0"/>
+                          </a:rPr>
+                          <m:t>𝜓</m:t>
+                        </m:r>
+                      </m:e>
+                      <m:sub>
+                        <m:r>
+                          <a:rPr lang="en-US" b="0" i="1" smtClean="0">
+                            <a:effectLst/>
+                            <a:latin typeface="Cambria Math" panose="02040503050406030204" pitchFamily="18" charset="0"/>
+                          </a:rPr>
+                          <m:t>𝑡</m:t>
+                        </m:r>
+                      </m:sub>
+                    </m:sSub>
+                    <m:sSub>
+                      <m:sSubPr>
+                        <m:ctrlPr>
+                          <a:rPr lang="en-US" b="0" i="1" smtClean="0">
+                            <a:effectLst/>
+                            <a:latin typeface="Cambria Math" panose="02040503050406030204" pitchFamily="18" charset="0"/>
+                          </a:rPr>
+                        </m:ctrlPr>
+                      </m:sSubPr>
+                      <m:e>
+                        <m:r>
+                          <a:rPr lang="en-US" b="0" i="1" smtClean="0">
+                            <a:effectLst/>
+                            <a:latin typeface="Cambria Math" panose="02040503050406030204" pitchFamily="18" charset="0"/>
+                          </a:rPr>
+                          <m:t>𝜈</m:t>
+                        </m:r>
+                      </m:e>
+                      <m:sub>
+                        <m:r>
+                          <a:rPr lang="en-US" b="0" i="1" smtClean="0">
+                            <a:effectLst/>
+                            <a:latin typeface="Cambria Math" panose="02040503050406030204" pitchFamily="18" charset="0"/>
+                          </a:rPr>
+                          <m:t>𝑡</m:t>
+                        </m:r>
+                      </m:sub>
+                    </m:sSub>
+                    <m:r>
+                      <a:rPr lang="en-US" b="0" i="1" smtClean="0">
+                        <a:effectLst/>
+                        <a:latin typeface="Cambria Math" panose="02040503050406030204" pitchFamily="18" charset="0"/>
+                      </a:rPr>
+                      <m:t>+</m:t>
+                    </m:r>
+                    <m:sSub>
+                      <m:sSubPr>
+                        <m:ctrlPr>
+                          <a:rPr lang="en-US" b="0" i="1" smtClean="0">
+                            <a:effectLst/>
+                            <a:latin typeface="Cambria Math" panose="02040503050406030204" pitchFamily="18" charset="0"/>
+                          </a:rPr>
+                        </m:ctrlPr>
+                      </m:sSubPr>
+                      <m:e>
+                        <m:r>
+                          <m:rPr>
+                            <m:sty m:val="p"/>
+                          </m:rPr>
+                          <a:rPr lang="en-US" b="0" i="0" smtClean="0">
+                            <a:effectLst/>
+                            <a:latin typeface="Cambria Math" panose="02040503050406030204" pitchFamily="18" charset="0"/>
+                          </a:rPr>
+                          <m:t>Ψ</m:t>
+                        </m:r>
+                      </m:e>
+                      <m:sub>
+                        <m:r>
+                          <a:rPr lang="en-US" b="0" i="1" smtClean="0">
+                            <a:effectLst/>
+                            <a:latin typeface="Cambria Math" panose="02040503050406030204" pitchFamily="18" charset="0"/>
+                          </a:rPr>
+                          <m:t>𝑡</m:t>
+                        </m:r>
+                      </m:sub>
+                    </m:sSub>
+                    <m:r>
+                      <a:rPr lang="en-US" b="0" i="1" smtClean="0">
+                        <a:effectLst/>
+                        <a:latin typeface="Cambria Math" panose="02040503050406030204" pitchFamily="18" charset="0"/>
+                      </a:rPr>
+                      <m:t>(</m:t>
+                    </m:r>
+                    <m:sSub>
+                      <m:sSubPr>
+                        <m:ctrlPr>
+                          <a:rPr lang="en-US" b="0" i="1" smtClean="0">
+                            <a:effectLst/>
+                            <a:latin typeface="Cambria Math" panose="02040503050406030204" pitchFamily="18" charset="0"/>
+                          </a:rPr>
+                        </m:ctrlPr>
+                      </m:sSubPr>
+                      <m:e>
+                        <m:r>
+                          <a:rPr lang="en-US" b="0" i="1" smtClean="0">
+                            <a:effectLst/>
+                            <a:latin typeface="Cambria Math" panose="02040503050406030204" pitchFamily="18" charset="0"/>
+                          </a:rPr>
+                          <m:t>𝑟</m:t>
+                        </m:r>
+                      </m:e>
+                      <m:sub>
+                        <m:r>
+                          <a:rPr lang="en-US" b="0" i="1" smtClean="0">
+                            <a:effectLst/>
+                            <a:latin typeface="Cambria Math" panose="02040503050406030204" pitchFamily="18" charset="0"/>
+                          </a:rPr>
+                          <m:t>𝑡</m:t>
+                        </m:r>
+                      </m:sub>
+                    </m:sSub>
+                    <m:r>
+                      <a:rPr lang="en-US" b="0" i="1" smtClean="0">
+                        <a:effectLst/>
+                        <a:latin typeface="Cambria Math" panose="02040503050406030204" pitchFamily="18" charset="0"/>
+                      </a:rPr>
+                      <m:t>)</m:t>
+                    </m:r>
+                  </m:oMath>
+                </a14:m>
+                <a:r>
+                  <a:rPr lang="en-GB" dirty="0">
+                    <a:effectLst/>
+                  </a:rPr>
+                  <a:t> </a:t>
+                </a:r>
+              </a:p>
+              <a:p>
+                <a:pPr marL="0" indent="0" algn="ctr">
+                  <a:buNone/>
+                </a:pPr>
+                <a:endParaRPr lang="en-GB" dirty="0">
+                  <a:effectLst/>
+                </a:endParaRPr>
+              </a:p>
+              <a:p>
+                <a:pPr marL="0" indent="0" algn="ctr">
+                  <a:buNone/>
+                </a:pPr>
+                <a:r>
+                  <a:rPr lang="en-GB" dirty="0"/>
+                  <a:t>or</a:t>
+                </a:r>
+              </a:p>
+              <a:p>
+                <a:pPr marL="0" indent="0" algn="ctr">
+                  <a:buNone/>
+                </a:pPr>
+                <a:endParaRPr lang="en-GB" dirty="0"/>
+              </a:p>
+              <a:p>
+                <a:pPr marL="0" indent="0" algn="ctr">
+                  <a:buNone/>
+                </a:pPr>
+                <a14:m>
+                  <m:oMathPara xmlns:m="http://schemas.openxmlformats.org/officeDocument/2006/math">
+                    <m:oMathParaPr>
+                      <m:jc m:val="centerGroup"/>
+                    </m:oMathParaPr>
+                    <m:oMath xmlns:m="http://schemas.openxmlformats.org/officeDocument/2006/math">
+                      <m:sSub>
+                        <m:sSubPr>
+                          <m:ctrlPr>
+                            <a:rPr lang="en-US" b="0" i="1" smtClean="0">
+                              <a:effectLst/>
+                              <a:latin typeface="Cambria Math" panose="02040503050406030204" pitchFamily="18" charset="0"/>
+                            </a:rPr>
+                          </m:ctrlPr>
+                        </m:sSubPr>
+                        <m:e>
+                          <m:r>
+                            <a:rPr lang="en-US" b="0" i="1" smtClean="0">
+                              <a:effectLst/>
+                              <a:latin typeface="Cambria Math" panose="02040503050406030204" pitchFamily="18" charset="0"/>
+                            </a:rPr>
+                            <m:t>𝑥</m:t>
+                          </m:r>
+                        </m:e>
+                        <m:sub>
+                          <m:r>
+                            <a:rPr lang="en-US" b="0" i="1" smtClean="0">
+                              <a:effectLst/>
+                              <a:latin typeface="Cambria Math" panose="02040503050406030204" pitchFamily="18" charset="0"/>
+                            </a:rPr>
+                            <m:t>𝑡</m:t>
+                          </m:r>
+                        </m:sub>
+                      </m:sSub>
+                      <m:r>
+                        <a:rPr lang="en-US" b="0" i="1" smtClean="0">
+                          <a:effectLst/>
+                          <a:latin typeface="Cambria Math" panose="02040503050406030204" pitchFamily="18" charset="0"/>
+                        </a:rPr>
+                        <m:t>=</m:t>
+                      </m:r>
+                      <m:sSub>
+                        <m:sSubPr>
+                          <m:ctrlPr>
+                            <a:rPr lang="en-US" b="0" i="1" smtClean="0">
+                              <a:effectLst/>
+                              <a:latin typeface="Cambria Math" panose="02040503050406030204" pitchFamily="18" charset="0"/>
+                            </a:rPr>
+                          </m:ctrlPr>
+                        </m:sSubPr>
+                        <m:e>
+                          <m:r>
+                            <a:rPr lang="en-US" b="0" i="1" smtClean="0">
+                              <a:effectLst/>
+                              <a:latin typeface="Cambria Math" panose="02040503050406030204" pitchFamily="18" charset="0"/>
+                            </a:rPr>
+                            <m:t>𝜈</m:t>
+                          </m:r>
+                        </m:e>
+                        <m:sub>
+                          <m:r>
+                            <a:rPr lang="en-US" b="0" i="1" smtClean="0">
+                              <a:effectLst/>
+                              <a:latin typeface="Cambria Math" panose="02040503050406030204" pitchFamily="18" charset="0"/>
+                            </a:rPr>
+                            <m:t>𝑡</m:t>
+                          </m:r>
+                        </m:sub>
+                      </m:sSub>
+                      <m:r>
+                        <a:rPr lang="en-US" b="0" i="1" smtClean="0">
+                          <a:effectLst/>
+                          <a:latin typeface="Cambria Math" panose="02040503050406030204" pitchFamily="18" charset="0"/>
+                        </a:rPr>
+                        <m:t>+</m:t>
+                      </m:r>
+                      <m:f>
+                        <m:fPr>
+                          <m:ctrlPr>
+                            <a:rPr lang="en-US" b="0" i="1" smtClean="0">
+                              <a:effectLst/>
+                              <a:latin typeface="Cambria Math" panose="02040503050406030204" pitchFamily="18" charset="0"/>
+                            </a:rPr>
+                          </m:ctrlPr>
+                        </m:fPr>
+                        <m:num>
+                          <m:sSub>
+                            <m:sSubPr>
+                              <m:ctrlPr>
+                                <a:rPr lang="en-US" i="1">
+                                  <a:latin typeface="Cambria Math" panose="02040503050406030204" pitchFamily="18" charset="0"/>
+                                </a:rPr>
+                              </m:ctrlPr>
+                            </m:sSubPr>
+                            <m:e>
+                              <m:r>
+                                <m:rPr>
+                                  <m:sty m:val="p"/>
+                                </m:rPr>
+                                <a:rPr lang="en-US">
+                                  <a:latin typeface="Cambria Math" panose="02040503050406030204" pitchFamily="18" charset="0"/>
+                                </a:rPr>
+                                <m:t>Ψ</m:t>
+                              </m:r>
+                            </m:e>
+                            <m:sub>
+                              <m:r>
+                                <a:rPr lang="en-US" i="1">
+                                  <a:latin typeface="Cambria Math" panose="02040503050406030204" pitchFamily="18" charset="0"/>
+                                </a:rPr>
+                                <m:t>𝑡</m:t>
+                              </m:r>
+                            </m:sub>
+                          </m:sSub>
+                          <m:r>
+                            <a:rPr lang="en-US" i="1">
+                              <a:latin typeface="Cambria Math" panose="02040503050406030204" pitchFamily="18" charset="0"/>
+                            </a:rPr>
+                            <m:t>(</m:t>
+                          </m:r>
+                          <m:sSub>
+                            <m:sSubPr>
+                              <m:ctrlPr>
+                                <a:rPr lang="en-US" i="1">
+                                  <a:latin typeface="Cambria Math" panose="02040503050406030204" pitchFamily="18" charset="0"/>
+                                </a:rPr>
+                              </m:ctrlPr>
+                            </m:sSubPr>
+                            <m:e>
+                              <m:r>
+                                <a:rPr lang="en-US" i="1">
+                                  <a:latin typeface="Cambria Math" panose="02040503050406030204" pitchFamily="18" charset="0"/>
+                                </a:rPr>
+                                <m:t>𝑟</m:t>
+                              </m:r>
+                            </m:e>
+                            <m:sub>
+                              <m:r>
+                                <a:rPr lang="en-US" i="1">
+                                  <a:latin typeface="Cambria Math" panose="02040503050406030204" pitchFamily="18" charset="0"/>
+                                </a:rPr>
+                                <m:t>𝑡</m:t>
+                              </m:r>
+                            </m:sub>
+                          </m:sSub>
+                          <m:r>
+                            <a:rPr lang="en-US" i="1">
+                              <a:latin typeface="Cambria Math" panose="02040503050406030204" pitchFamily="18" charset="0"/>
+                            </a:rPr>
+                            <m:t>)</m:t>
+                          </m:r>
+                        </m:num>
+                        <m:den>
+                          <m:sSub>
+                            <m:sSubPr>
+                              <m:ctrlPr>
+                                <a:rPr lang="en-US" i="1">
+                                  <a:latin typeface="Cambria Math" panose="02040503050406030204" pitchFamily="18" charset="0"/>
+                                </a:rPr>
+                              </m:ctrlPr>
+                            </m:sSubPr>
+                            <m:e>
+                              <m:r>
+                                <a:rPr lang="en-US" i="1">
+                                  <a:latin typeface="Cambria Math" panose="02040503050406030204" pitchFamily="18" charset="0"/>
+                                </a:rPr>
+                                <m:t>𝜓</m:t>
+                              </m:r>
+                            </m:e>
+                            <m:sub>
+                              <m:r>
+                                <a:rPr lang="en-US" i="1">
+                                  <a:latin typeface="Cambria Math" panose="02040503050406030204" pitchFamily="18" charset="0"/>
+                                </a:rPr>
+                                <m:t>𝑡</m:t>
+                              </m:r>
+                            </m:sub>
+                          </m:sSub>
+                        </m:den>
+                      </m:f>
+                    </m:oMath>
+                  </m:oMathPara>
+                </a14:m>
+                <a:endParaRPr lang="en-GB" dirty="0">
+                  <a:effectLst/>
+                </a:endParaRPr>
+              </a:p>
+              <a:p>
+                <a:pPr marL="0" indent="0">
+                  <a:buNone/>
+                </a:pPr>
+                <a:endParaRPr lang="en-GB" dirty="0"/>
+              </a:p>
+              <a:p>
+                <a:pPr marL="0" indent="0" algn="ctr">
+                  <a:buNone/>
+                </a:pPr>
+                <a:endParaRPr lang="en-GB" dirty="0"/>
+              </a:p>
+              <a:p>
+                <a:pPr marL="0" indent="0" algn="ctr">
+                  <a:buNone/>
+                </a:pPr>
+                <a:endParaRPr lang="en-GB" dirty="0">
+                  <a:effectLst/>
+                </a:endParaRPr>
+              </a:p>
+              <a:p>
+                <a:pPr marL="0" indent="0">
+                  <a:buNone/>
+                </a:pPr>
+                <a:endParaRPr lang="en-GB" dirty="0">
+                  <a:effectLst/>
+                </a:endParaRPr>
+              </a:p>
+              <a:p>
+                <a:endParaRPr lang="en-GB" dirty="0"/>
+              </a:p>
+            </p:txBody>
+          </p:sp>
+        </mc:Choice>
+        <mc:Fallback>
+          <p:sp>
+            <p:nvSpPr>
+              <p:cNvPr id="3" name="Content Placeholder 2">
+                <a:extLst>
+                  <a:ext uri="{FF2B5EF4-FFF2-40B4-BE49-F238E27FC236}">
+                    <a16:creationId xmlns:a16="http://schemas.microsoft.com/office/drawing/2014/main" id="{4C53418E-F4DF-452B-BD85-A7D380E032CD}"/>
+                  </a:ext>
+                </a:extLst>
+              </p:cNvPr>
+              <p:cNvSpPr>
+                <a:spLocks noGrp="1" noRot="1" noChangeAspect="1" noMove="1" noResize="1" noEditPoints="1" noAdjustHandles="1" noChangeArrowheads="1" noChangeShapeType="1" noTextEdit="1"/>
+              </p:cNvSpPr>
+              <p:nvPr>
+                <p:ph idx="1"/>
+              </p:nvPr>
+            </p:nvSpPr>
+            <p:spPr>
+              <a:blipFill>
+                <a:blip r:embed="rId2"/>
+                <a:stretch>
+                  <a:fillRect t="-1682"/>
+                </a:stretch>
+              </a:blipFill>
+            </p:spPr>
+            <p:txBody>
+              <a:bodyPr/>
+              <a:lstStyle/>
+              <a:p>
+                <a:r>
+                  <a:rPr lang="en-GB">
+                    <a:noFill/>
+                  </a:rPr>
+                  <a:t> </a:t>
+                </a:r>
+              </a:p>
+            </p:txBody>
+          </p:sp>
+        </mc:Fallback>
+      </mc:AlternateContent>
+      <p:sp>
+        <p:nvSpPr>
+          <p:cNvPr id="4" name="Slide Number Placeholder 3">
+            <a:extLst>
+              <a:ext uri="{FF2B5EF4-FFF2-40B4-BE49-F238E27FC236}">
+                <a16:creationId xmlns:a16="http://schemas.microsoft.com/office/drawing/2014/main" id="{86AB3E68-6FBE-4DF0-9091-0B71452D5BFF}"/>
+              </a:ext>
+            </a:extLst>
+          </p:cNvPr>
+          <p:cNvSpPr>
+            <a:spLocks noGrp="1"/>
+          </p:cNvSpPr>
+          <p:nvPr>
+            <p:ph type="sldNum" sz="quarter" idx="12"/>
+          </p:nvPr>
+        </p:nvSpPr>
+        <p:spPr/>
+        <p:txBody>
+          <a:bodyPr/>
+          <a:lstStyle/>
+          <a:p>
+            <a:pPr>
+              <a:defRPr/>
+            </a:pPr>
+            <a:fld id="{8E35B453-7314-4BBD-9303-11C6BECC4B0D}" type="slidenum">
+              <a:rPr lang="en-GB" altLang="en-US" smtClean="0"/>
+              <a:pPr>
+                <a:defRPr/>
+              </a:pPr>
+              <a:t>10</a:t>
+            </a:fld>
+            <a:endParaRPr lang="en-GB" altLang="en-US" dirty="0"/>
+          </a:p>
+        </p:txBody>
+      </p:sp>
+    </p:spTree>
+    <p:extLst>
+      <p:ext uri="{BB962C8B-B14F-4D97-AF65-F5344CB8AC3E}">
+        <p14:creationId xmlns:p14="http://schemas.microsoft.com/office/powerpoint/2010/main" val="3270860042"/>
+      </p:ext>
+    </p:extLst>
+  </p:cSld>
+  <p:clrMapOvr>
+    <a:masterClrMapping/>
+  </p:clrMapOvr>
+  <p:transition>
+    <p:fade/>
+  </p:transition>
+</p:sld>
+</file>
+
+<file path=ppt/slides/slide11.xml><?xml version="1.0" encoding="utf-8"?>
+<p:sld xmlns:a="http://schemas.openxmlformats.org/drawingml/2006/main" xmlns:r="http://schemas.openxmlformats.org/officeDocument/2006/relationships" xmlns:p="http://schemas.openxmlformats.org/presentationml/2006/main">
+  <p:cSld>
+    <p:bg>
+      <p:bgPr>
+        <a:gradFill>
+          <a:gsLst>
+            <a:gs pos="25000">
+              <a:schemeClr val="accent1">
+                <a:lumMod val="5000"/>
+                <a:lumOff val="95000"/>
+              </a:schemeClr>
+            </a:gs>
+            <a:gs pos="55000">
+              <a:schemeClr val="accent1">
+                <a:lumMod val="45000"/>
+                <a:lumOff val="55000"/>
+              </a:schemeClr>
+            </a:gs>
+            <a:gs pos="83000">
+              <a:schemeClr val="accent1">
+                <a:lumMod val="45000"/>
+                <a:lumOff val="55000"/>
+              </a:schemeClr>
+            </a:gs>
+            <a:gs pos="100000">
+              <a:schemeClr val="accent1">
+                <a:lumMod val="30000"/>
+                <a:lumOff val="70000"/>
+              </a:schemeClr>
+            </a:gs>
+          </a:gsLst>
+          <a:lin ang="5400000" scaled="1"/>
+        </a:gradFill>
+        <a:effectLst/>
+      </p:bgPr>
+    </p:bg>
+    <p:spTree>
+      <p:nvGrpSpPr>
+        <p:cNvPr id="1" name=""/>
+        <p:cNvGrpSpPr/>
+        <p:nvPr/>
+      </p:nvGrpSpPr>
+      <p:grpSpPr>
+        <a:xfrm>
+          <a:off x="0" y="0"/>
+          <a:ext cx="0" cy="0"/>
+          <a:chOff x="0" y="0"/>
+          <a:chExt cx="0" cy="0"/>
+        </a:xfrm>
+      </p:grpSpPr>
+      <p:sp>
+        <p:nvSpPr>
+          <p:cNvPr id="2" name="Title 1">
+            <a:extLst>
+              <a:ext uri="{FF2B5EF4-FFF2-40B4-BE49-F238E27FC236}">
+                <a16:creationId xmlns:a16="http://schemas.microsoft.com/office/drawing/2014/main" id="{5197BA4A-1F17-4889-AED9-6791AB01CD41}"/>
+              </a:ext>
+            </a:extLst>
+          </p:cNvPr>
+          <p:cNvSpPr>
+            <a:spLocks noGrp="1"/>
+          </p:cNvSpPr>
+          <p:nvPr>
+            <p:ph type="title"/>
+          </p:nvPr>
+        </p:nvSpPr>
+        <p:spPr/>
+        <p:txBody>
+          <a:bodyPr/>
+          <a:lstStyle/>
+          <a:p>
+            <a:r>
+              <a:rPr lang="en-GB" dirty="0"/>
               <a:t>A model for Status Demand (contd.)</a:t>
             </a:r>
           </a:p>
         </p:txBody>
       </p:sp>
-      <mc:AlternateContent xmlns:mc="http://schemas.openxmlformats.org/markup-compatibility/2006" xmlns:a14="http://schemas.microsoft.com/office/drawing/2010/main">
-        <mc:Choice Requires="a14">
+      <mc:AlternateContent xmlns:mc="http://schemas.openxmlformats.org/markup-compatibility/2006">
+        <mc:Choice xmlns:a14="http://schemas.microsoft.com/office/drawing/2010/main" Requires="a14">
           <p:sp>
             <p:nvSpPr>
               <p:cNvPr id="3" name="Content Placeholder 2">
@@ -17950,7 +18597,7 @@
             </p:txBody>
           </p:sp>
         </mc:Choice>
-        <mc:Fallback xmlns="">
+        <mc:Fallback>
           <p:sp>
             <p:nvSpPr>
               <p:cNvPr id="3" name="Content Placeholder 2">
@@ -18023,7 +18670,7 @@
               <a:pPr>
                 <a:defRPr/>
               </a:pPr>
-              <a:t>10</a:t>
+              <a:t>11</a:t>
             </a:fld>
             <a:endParaRPr lang="en-GB" altLang="en-US" dirty="0"/>
           </a:p>
@@ -18045,9 +18692,43 @@
 </p:sld>
 </file>
 
-<file path=ppt/slides/slide11.xml><?xml version="1.0" encoding="utf-8"?>
+<file path=ppt/slides/slide12.xml><?xml version="1.0" encoding="utf-8"?>
 <p:sld xmlns:a="http://schemas.openxmlformats.org/drawingml/2006/main" xmlns:r="http://schemas.openxmlformats.org/officeDocument/2006/relationships" xmlns:p="http://schemas.openxmlformats.org/presentationml/2006/main">
   <p:cSld>
+    <p:bg>
+      <p:bgPr>
+        <a:gradFill>
+          <a:gsLst>
+            <a:gs pos="22000">
+              <a:schemeClr val="accent1">
+                <a:lumMod val="5000"/>
+                <a:lumOff val="95000"/>
+              </a:schemeClr>
+            </a:gs>
+            <a:gs pos="55000">
+              <a:schemeClr val="accent1">
+                <a:lumMod val="45000"/>
+                <a:lumOff val="55000"/>
+              </a:schemeClr>
+            </a:gs>
+            <a:gs pos="83000">
+              <a:schemeClr val="accent1">
+                <a:lumMod val="45000"/>
+                <a:lumOff val="55000"/>
+              </a:schemeClr>
+            </a:gs>
+            <a:gs pos="100000">
+              <a:schemeClr val="accent1">
+                <a:lumMod val="30000"/>
+                <a:lumOff val="70000"/>
+              </a:schemeClr>
+            </a:gs>
+          </a:gsLst>
+          <a:lin ang="5400000" scaled="1"/>
+        </a:gradFill>
+        <a:effectLst/>
+      </p:bgPr>
+    </p:bg>
     <p:spTree>
       <p:nvGrpSpPr>
         <p:cNvPr id="1" name=""/>
@@ -18067,153 +18748,6 @@
           <p:cNvPr id="2" name="Title 1">
             <a:extLst>
               <a:ext uri="{FF2B5EF4-FFF2-40B4-BE49-F238E27FC236}">
-                <a16:creationId xmlns:a16="http://schemas.microsoft.com/office/drawing/2014/main" id="{34E1DDED-AC9A-4208-A7A3-ED93E965CB62}"/>
-              </a:ext>
-            </a:extLst>
-          </p:cNvPr>
-          <p:cNvSpPr>
-            <a:spLocks noGrp="1"/>
-          </p:cNvSpPr>
-          <p:nvPr>
-            <p:ph type="title"/>
-          </p:nvPr>
-        </p:nvSpPr>
-        <p:spPr/>
-        <p:txBody>
-          <a:bodyPr/>
-          <a:lstStyle/>
-          <a:p>
-            <a:r>
-              <a:rPr lang="en-GB" dirty="0"/>
-              <a:t>Classification of items</a:t>
-            </a:r>
-          </a:p>
-        </p:txBody>
-      </p:sp>
-      <p:sp>
-        <p:nvSpPr>
-          <p:cNvPr id="3" name="Content Placeholder 2">
-            <a:extLst>
-              <a:ext uri="{FF2B5EF4-FFF2-40B4-BE49-F238E27FC236}">
-                <a16:creationId xmlns:a16="http://schemas.microsoft.com/office/drawing/2014/main" id="{6C9C9E65-D10B-4CD2-BE37-9B781D7440F9}"/>
-              </a:ext>
-            </a:extLst>
-          </p:cNvPr>
-          <p:cNvSpPr>
-            <a:spLocks noGrp="1"/>
-          </p:cNvSpPr>
-          <p:nvPr>
-            <p:ph idx="1"/>
-          </p:nvPr>
-        </p:nvSpPr>
-        <p:spPr/>
-        <p:txBody>
-          <a:bodyPr>
-            <a:normAutofit/>
-          </a:bodyPr>
-          <a:lstStyle/>
-          <a:p>
-            <a:r>
-              <a:rPr lang="en-GB" dirty="0"/>
-              <a:t>We attempt to look at how excess non-durable consumption varies across durable goods possession levels </a:t>
-            </a:r>
-          </a:p>
-          <a:p>
-            <a:r>
-              <a:rPr lang="en-GB" dirty="0"/>
-              <a:t>Local non-durable consumption is relative to local </a:t>
-            </a:r>
-          </a:p>
-          <a:p>
-            <a:r>
-              <a:rPr lang="en-GB" dirty="0"/>
-              <a:t>A necessary implication of the model is that consumers with both lower durable consumption and lower relative excess cannot compete with the consumer for whom both are higher </a:t>
-            </a:r>
-          </a:p>
-          <a:p>
-            <a:r>
-              <a:rPr lang="en-GB" dirty="0"/>
-              <a:t>The framework can be easily extended to other economies – because of surveying difference economies – we rely only on excluding asset costs from non-durable consumption</a:t>
-            </a:r>
-          </a:p>
-          <a:p>
-            <a:endParaRPr lang="en-GB" dirty="0"/>
-          </a:p>
-        </p:txBody>
-      </p:sp>
-      <p:sp>
-        <p:nvSpPr>
-          <p:cNvPr id="4" name="Slide Number Placeholder 3">
-            <a:extLst>
-              <a:ext uri="{FF2B5EF4-FFF2-40B4-BE49-F238E27FC236}">
-                <a16:creationId xmlns:a16="http://schemas.microsoft.com/office/drawing/2014/main" id="{9E114149-19E5-4CE5-B9E4-95A2009661DD}"/>
-              </a:ext>
-            </a:extLst>
-          </p:cNvPr>
-          <p:cNvSpPr>
-            <a:spLocks noGrp="1"/>
-          </p:cNvSpPr>
-          <p:nvPr>
-            <p:ph type="sldNum" sz="quarter" idx="12"/>
-          </p:nvPr>
-        </p:nvSpPr>
-        <p:spPr/>
-        <p:txBody>
-          <a:bodyPr/>
-          <a:lstStyle/>
-          <a:p>
-            <a:pPr>
-              <a:defRPr/>
-            </a:pPr>
-            <a:fld id="{8E35B453-7314-4BBD-9303-11C6BECC4B0D}" type="slidenum">
-              <a:rPr lang="en-GB" altLang="en-US" smtClean="0"/>
-              <a:pPr>
-                <a:defRPr/>
-              </a:pPr>
-              <a:t>11</a:t>
-            </a:fld>
-            <a:endParaRPr lang="en-GB" altLang="en-US" dirty="0"/>
-          </a:p>
-        </p:txBody>
-      </p:sp>
-    </p:spTree>
-    <p:extLst>
-      <p:ext uri="{BB962C8B-B14F-4D97-AF65-F5344CB8AC3E}">
-        <p14:creationId xmlns:p14="http://schemas.microsoft.com/office/powerpoint/2010/main" val="1180514537"/>
-      </p:ext>
-    </p:extLst>
-  </p:cSld>
-  <p:clrMapOvr>
-    <a:masterClrMapping/>
-  </p:clrMapOvr>
-  <p:transition>
-    <p:fade/>
-  </p:transition>
-</p:sld>
-</file>
-
-<file path=ppt/slides/slide12.xml><?xml version="1.0" encoding="utf-8"?>
-<p:sld xmlns:a="http://schemas.openxmlformats.org/drawingml/2006/main" xmlns:r="http://schemas.openxmlformats.org/officeDocument/2006/relationships" xmlns:p="http://schemas.openxmlformats.org/presentationml/2006/main">
-  <p:cSld>
-    <p:spTree>
-      <p:nvGrpSpPr>
-        <p:cNvPr id="1" name=""/>
-        <p:cNvGrpSpPr/>
-        <p:nvPr/>
-      </p:nvGrpSpPr>
-      <p:grpSpPr>
-        <a:xfrm>
-          <a:off x="0" y="0"/>
-          <a:ext cx="0" cy="0"/>
-          <a:chOff x="0" y="0"/>
-          <a:chExt cx="0" cy="0"/>
-        </a:xfrm>
-      </p:grpSpPr>
-      <p:sp>
-        <p:nvSpPr>
-          <p:cNvPr id="2" name="Title 1">
-            <a:extLst>
-              <a:ext uri="{FF2B5EF4-FFF2-40B4-BE49-F238E27FC236}">
                 <a16:creationId xmlns:a16="http://schemas.microsoft.com/office/drawing/2014/main" id="{D1F63A37-7993-450F-8C74-F359EBC36293}"/>
               </a:ext>
             </a:extLst>
@@ -18227,12 +18761,14 @@
         </p:nvSpPr>
         <p:spPr/>
         <p:txBody>
-          <a:bodyPr/>
+          <a:bodyPr>
+            <a:normAutofit fontScale="90000"/>
+          </a:bodyPr>
           <a:lstStyle/>
           <a:p>
             <a:r>
               <a:rPr lang="en-US" dirty="0"/>
-              <a:t>Comparing two economies – the role of occupation vs region</a:t>
+              <a:t>Comparing economies – the role of occupation vs region</a:t>
             </a:r>
             <a:endParaRPr lang="en-GB" dirty="0"/>
           </a:p>
@@ -18282,19 +18818,7 @@
           <a:p>
             <a:r>
               <a:rPr lang="en-US" sz="1600" dirty="0"/>
-              <a:t>Occupational and Asset differences are shown in the following chart. </a:t>
-            </a:r>
-            <a:r>
-              <a:rPr lang="en-US" sz="1600"/>
-              <a:t>A more </a:t>
-            </a:r>
-            <a:r>
-              <a:rPr lang="en-US" sz="1600" dirty="0"/>
-              <a:t>even distribution of assets and occupation-levels seems evident </a:t>
-            </a:r>
-            <a:r>
-              <a:rPr lang="en-US" sz="1600"/>
-              <a:t>in Nigeria</a:t>
+              <a:t>Occupational and Asset differences are shown in the following chart. A more even distribution of assets and occupation-levels seems evident in Nigeria.</a:t>
             </a:r>
             <a:endParaRPr lang="en-GB" sz="1600" dirty="0"/>
           </a:p>
@@ -18426,6 +18950,40 @@
 <file path=ppt/slides/slide13.xml><?xml version="1.0" encoding="utf-8"?>
 <p:sld xmlns:a="http://schemas.openxmlformats.org/drawingml/2006/main" xmlns:r="http://schemas.openxmlformats.org/officeDocument/2006/relationships" xmlns:p="http://schemas.openxmlformats.org/presentationml/2006/main">
   <p:cSld>
+    <p:bg>
+      <p:bgPr>
+        <a:gradFill>
+          <a:gsLst>
+            <a:gs pos="21000">
+              <a:schemeClr val="accent1">
+                <a:lumMod val="5000"/>
+                <a:lumOff val="95000"/>
+              </a:schemeClr>
+            </a:gs>
+            <a:gs pos="55000">
+              <a:schemeClr val="accent1">
+                <a:lumMod val="45000"/>
+                <a:lumOff val="55000"/>
+              </a:schemeClr>
+            </a:gs>
+            <a:gs pos="83000">
+              <a:schemeClr val="accent1">
+                <a:lumMod val="45000"/>
+                <a:lumOff val="55000"/>
+              </a:schemeClr>
+            </a:gs>
+            <a:gs pos="100000">
+              <a:schemeClr val="accent1">
+                <a:lumMod val="30000"/>
+                <a:lumOff val="70000"/>
+              </a:schemeClr>
+            </a:gs>
+          </a:gsLst>
+          <a:lin ang="5400000" scaled="1"/>
+        </a:gradFill>
+        <a:effectLst/>
+      </p:bgPr>
+    </p:bg>
     <p:spTree>
       <p:nvGrpSpPr>
         <p:cNvPr id="1" name=""/>
@@ -18456,7 +19014,12 @@
             <p:ph type="title"/>
           </p:nvPr>
         </p:nvSpPr>
-        <p:spPr/>
+        <p:spPr>
+          <a:xfrm>
+            <a:off x="381000" y="265829"/>
+            <a:ext cx="7886700" cy="993775"/>
+          </a:xfrm>
+        </p:spPr>
         <p:txBody>
           <a:bodyPr/>
           <a:lstStyle/>
@@ -18466,41 +19029,6 @@
               <a:t>Tanzania</a:t>
             </a:r>
             <a:endParaRPr lang="en-GB" dirty="0"/>
-          </a:p>
-        </p:txBody>
-      </p:sp>
-      <p:sp>
-        <p:nvSpPr>
-          <p:cNvPr id="4" name="Slide Number Placeholder 3">
-            <a:extLst>
-              <a:ext uri="{FF2B5EF4-FFF2-40B4-BE49-F238E27FC236}">
-                <a16:creationId xmlns:a16="http://schemas.microsoft.com/office/drawing/2014/main" id="{89065579-4D02-46AC-9555-391AF1EE3B68}"/>
-              </a:ext>
-            </a:extLst>
-          </p:cNvPr>
-          <p:cNvSpPr>
-            <a:spLocks noGrp="1"/>
-          </p:cNvSpPr>
-          <p:nvPr>
-            <p:ph type="sldNum" sz="quarter" idx="12"/>
-          </p:nvPr>
-        </p:nvSpPr>
-        <p:spPr/>
-        <p:txBody>
-          <a:bodyPr/>
-          <a:lstStyle/>
-          <a:p>
-            <a:pPr>
-              <a:defRPr/>
-            </a:pPr>
-            <a:fld id="{8E35B453-7314-4BBD-9303-11C6BECC4B0D}" type="slidenum">
-              <a:rPr lang="en-GB" altLang="en-US" smtClean="0"/>
-              <a:pPr>
-                <a:defRPr/>
-              </a:pPr>
-              <a:t>13</a:t>
-            </a:fld>
-            <a:endParaRPr lang="en-GB" altLang="en-US" dirty="0"/>
           </a:p>
         </p:txBody>
       </p:sp>
@@ -18539,6 +19067,41 @@
           </a:xfrm>
         </p:spPr>
       </p:pic>
+      <p:sp>
+        <p:nvSpPr>
+          <p:cNvPr id="4" name="Slide Number Placeholder 3">
+            <a:extLst>
+              <a:ext uri="{FF2B5EF4-FFF2-40B4-BE49-F238E27FC236}">
+                <a16:creationId xmlns:a16="http://schemas.microsoft.com/office/drawing/2014/main" id="{89065579-4D02-46AC-9555-391AF1EE3B68}"/>
+              </a:ext>
+            </a:extLst>
+          </p:cNvPr>
+          <p:cNvSpPr>
+            <a:spLocks noGrp="1"/>
+          </p:cNvSpPr>
+          <p:nvPr>
+            <p:ph type="sldNum" sz="quarter" idx="12"/>
+          </p:nvPr>
+        </p:nvSpPr>
+        <p:spPr/>
+        <p:txBody>
+          <a:bodyPr/>
+          <a:lstStyle/>
+          <a:p>
+            <a:pPr>
+              <a:defRPr/>
+            </a:pPr>
+            <a:fld id="{8E35B453-7314-4BBD-9303-11C6BECC4B0D}" type="slidenum">
+              <a:rPr lang="en-GB" altLang="en-US" smtClean="0"/>
+              <a:pPr>
+                <a:defRPr/>
+              </a:pPr>
+              <a:t>13</a:t>
+            </a:fld>
+            <a:endParaRPr lang="en-GB" altLang="en-US" dirty="0"/>
+          </a:p>
+        </p:txBody>
+      </p:sp>
       <p:sp>
         <p:nvSpPr>
           <p:cNvPr id="7" name="AutoShape 4">
@@ -18697,6 +19260,40 @@
 <file path=ppt/slides/slide14.xml><?xml version="1.0" encoding="utf-8"?>
 <p:sld xmlns:a="http://schemas.openxmlformats.org/drawingml/2006/main" xmlns:r="http://schemas.openxmlformats.org/officeDocument/2006/relationships" xmlns:p="http://schemas.openxmlformats.org/presentationml/2006/main">
   <p:cSld>
+    <p:bg>
+      <p:bgPr>
+        <a:gradFill>
+          <a:gsLst>
+            <a:gs pos="28000">
+              <a:schemeClr val="accent1">
+                <a:lumMod val="5000"/>
+                <a:lumOff val="95000"/>
+              </a:schemeClr>
+            </a:gs>
+            <a:gs pos="55000">
+              <a:schemeClr val="accent1">
+                <a:lumMod val="45000"/>
+                <a:lumOff val="55000"/>
+              </a:schemeClr>
+            </a:gs>
+            <a:gs pos="83000">
+              <a:schemeClr val="accent1">
+                <a:lumMod val="45000"/>
+                <a:lumOff val="55000"/>
+              </a:schemeClr>
+            </a:gs>
+            <a:gs pos="100000">
+              <a:schemeClr val="accent1">
+                <a:lumMod val="30000"/>
+                <a:lumOff val="70000"/>
+              </a:schemeClr>
+            </a:gs>
+          </a:gsLst>
+          <a:lin ang="5400000" scaled="1"/>
+        </a:gradFill>
+        <a:effectLst/>
+      </p:bgPr>
+    </p:bg>
     <p:spTree>
       <p:nvGrpSpPr>
         <p:cNvPr id="1" name=""/>
@@ -18915,6 +19512,40 @@
 <file path=ppt/slides/slide15.xml><?xml version="1.0" encoding="utf-8"?>
 <p:sld xmlns:a="http://schemas.openxmlformats.org/drawingml/2006/main" xmlns:r="http://schemas.openxmlformats.org/officeDocument/2006/relationships" xmlns:p="http://schemas.openxmlformats.org/presentationml/2006/main">
   <p:cSld>
+    <p:bg>
+      <p:bgPr>
+        <a:gradFill>
+          <a:gsLst>
+            <a:gs pos="29000">
+              <a:schemeClr val="accent1">
+                <a:lumMod val="5000"/>
+                <a:lumOff val="95000"/>
+              </a:schemeClr>
+            </a:gs>
+            <a:gs pos="55000">
+              <a:schemeClr val="accent1">
+                <a:lumMod val="45000"/>
+                <a:lumOff val="55000"/>
+              </a:schemeClr>
+            </a:gs>
+            <a:gs pos="83000">
+              <a:schemeClr val="accent1">
+                <a:lumMod val="45000"/>
+                <a:lumOff val="55000"/>
+              </a:schemeClr>
+            </a:gs>
+            <a:gs pos="100000">
+              <a:schemeClr val="accent1">
+                <a:lumMod val="30000"/>
+                <a:lumOff val="70000"/>
+              </a:schemeClr>
+            </a:gs>
+          </a:gsLst>
+          <a:lin ang="5400000" scaled="1"/>
+        </a:gradFill>
+        <a:effectLst/>
+      </p:bgPr>
+    </p:bg>
     <p:spTree>
       <p:nvGrpSpPr>
         <p:cNvPr id="1" name=""/>
@@ -18952,7 +19583,9 @@
           </a:xfrm>
         </p:spPr>
         <p:txBody>
-          <a:bodyPr/>
+          <a:bodyPr>
+            <a:normAutofit fontScale="90000"/>
+          </a:bodyPr>
           <a:lstStyle/>
           <a:p>
             <a:r>
@@ -19093,6 +19726,40 @@
 <file path=ppt/slides/slide16.xml><?xml version="1.0" encoding="utf-8"?>
 <p:sld xmlns:a="http://schemas.openxmlformats.org/drawingml/2006/main" xmlns:r="http://schemas.openxmlformats.org/officeDocument/2006/relationships" xmlns:p="http://schemas.openxmlformats.org/presentationml/2006/main">
   <p:cSld>
+    <p:bg>
+      <p:bgPr>
+        <a:gradFill>
+          <a:gsLst>
+            <a:gs pos="20000">
+              <a:schemeClr val="accent1">
+                <a:lumMod val="5000"/>
+                <a:lumOff val="95000"/>
+              </a:schemeClr>
+            </a:gs>
+            <a:gs pos="55000">
+              <a:schemeClr val="accent1">
+                <a:lumMod val="45000"/>
+                <a:lumOff val="55000"/>
+              </a:schemeClr>
+            </a:gs>
+            <a:gs pos="83000">
+              <a:schemeClr val="accent1">
+                <a:lumMod val="45000"/>
+                <a:lumOff val="55000"/>
+              </a:schemeClr>
+            </a:gs>
+            <a:gs pos="100000">
+              <a:schemeClr val="accent1">
+                <a:lumMod val="30000"/>
+                <a:lumOff val="70000"/>
+              </a:schemeClr>
+            </a:gs>
+          </a:gsLst>
+          <a:lin ang="5400000" scaled="1"/>
+        </a:gradFill>
+        <a:effectLst/>
+      </p:bgPr>
+    </p:bg>
     <p:spTree>
       <p:nvGrpSpPr>
         <p:cNvPr id="1" name=""/>
@@ -19130,7 +19797,7 @@
           <a:p>
             <a:r>
               <a:rPr lang="en-US" dirty="0"/>
-              <a:t>Parametric Quantile Analysis</a:t>
+              <a:t>Parametric Analysis</a:t>
             </a:r>
             <a:endParaRPr lang="en-GB" dirty="0"/>
           </a:p>
@@ -19157,7 +19824,17 @@
           <a:bodyPr/>
           <a:lstStyle/>
           <a:p>
-            <a:endParaRPr lang="en-GB"/>
+            <a:r>
+              <a:rPr lang="en-US" dirty="0"/>
+              <a:t>Basic Model</a:t>
+            </a:r>
+          </a:p>
+          <a:p>
+            <a:r>
+              <a:rPr lang="en-US" dirty="0"/>
+              <a:t>Quantile Regression</a:t>
+            </a:r>
+            <a:endParaRPr lang="en-GB" dirty="0"/>
           </a:p>
         </p:txBody>
       </p:sp>
@@ -19215,6 +19892,40 @@
 <file path=ppt/slides/slide17.xml><?xml version="1.0" encoding="utf-8"?>
 <p:sld xmlns:a="http://schemas.openxmlformats.org/drawingml/2006/main" xmlns:r="http://schemas.openxmlformats.org/officeDocument/2006/relationships" xmlns:p="http://schemas.openxmlformats.org/presentationml/2006/main">
   <p:cSld>
+    <p:bg>
+      <p:bgPr>
+        <a:gradFill>
+          <a:gsLst>
+            <a:gs pos="20000">
+              <a:schemeClr val="accent1">
+                <a:lumMod val="5000"/>
+                <a:lumOff val="95000"/>
+              </a:schemeClr>
+            </a:gs>
+            <a:gs pos="55000">
+              <a:schemeClr val="accent1">
+                <a:lumMod val="45000"/>
+                <a:lumOff val="55000"/>
+              </a:schemeClr>
+            </a:gs>
+            <a:gs pos="83000">
+              <a:schemeClr val="accent1">
+                <a:lumMod val="45000"/>
+                <a:lumOff val="55000"/>
+              </a:schemeClr>
+            </a:gs>
+            <a:gs pos="100000">
+              <a:schemeClr val="accent1">
+                <a:lumMod val="30000"/>
+                <a:lumOff val="70000"/>
+              </a:schemeClr>
+            </a:gs>
+          </a:gsLst>
+          <a:lin ang="5400000" scaled="1"/>
+        </a:gradFill>
+        <a:effectLst/>
+      </p:bgPr>
+    </p:bg>
     <p:spTree>
       <p:nvGrpSpPr>
         <p:cNvPr id="1" name=""/>
@@ -19234,6 +19945,187 @@
           <p:cNvPr id="2" name="Title 1">
             <a:extLst>
               <a:ext uri="{FF2B5EF4-FFF2-40B4-BE49-F238E27FC236}">
+                <a16:creationId xmlns:a16="http://schemas.microsoft.com/office/drawing/2014/main" id="{34E1DDED-AC9A-4208-A7A3-ED93E965CB62}"/>
+              </a:ext>
+            </a:extLst>
+          </p:cNvPr>
+          <p:cNvSpPr>
+            <a:spLocks noGrp="1"/>
+          </p:cNvSpPr>
+          <p:nvPr>
+            <p:ph type="title"/>
+          </p:nvPr>
+        </p:nvSpPr>
+        <p:spPr/>
+        <p:txBody>
+          <a:bodyPr/>
+          <a:lstStyle/>
+          <a:p>
+            <a:r>
+              <a:rPr lang="en-GB" dirty="0"/>
+              <a:t>Classification of items</a:t>
+            </a:r>
+          </a:p>
+        </p:txBody>
+      </p:sp>
+      <p:sp>
+        <p:nvSpPr>
+          <p:cNvPr id="3" name="Content Placeholder 2">
+            <a:extLst>
+              <a:ext uri="{FF2B5EF4-FFF2-40B4-BE49-F238E27FC236}">
+                <a16:creationId xmlns:a16="http://schemas.microsoft.com/office/drawing/2014/main" id="{6C9C9E65-D10B-4CD2-BE37-9B781D7440F9}"/>
+              </a:ext>
+            </a:extLst>
+          </p:cNvPr>
+          <p:cNvSpPr>
+            <a:spLocks noGrp="1"/>
+          </p:cNvSpPr>
+          <p:nvPr>
+            <p:ph idx="1"/>
+          </p:nvPr>
+        </p:nvSpPr>
+        <p:spPr/>
+        <p:txBody>
+          <a:bodyPr>
+            <a:normAutofit/>
+          </a:bodyPr>
+          <a:lstStyle/>
+          <a:p>
+            <a:r>
+              <a:rPr lang="en-GB" dirty="0"/>
+              <a:t>We attempt to look at how excess non-durable consumption varies across durable goods possession levels </a:t>
+            </a:r>
+          </a:p>
+          <a:p>
+            <a:r>
+              <a:rPr lang="en-GB" dirty="0"/>
+              <a:t>Local non-durable consumption is relative to local </a:t>
+            </a:r>
+          </a:p>
+          <a:p>
+            <a:r>
+              <a:rPr lang="en-GB" dirty="0"/>
+              <a:t>A necessary implication of the model is that consumers with both lower durable consumption and lower relative excess cannot compete with the consumer for whom both are higher </a:t>
+            </a:r>
+          </a:p>
+          <a:p>
+            <a:r>
+              <a:rPr lang="en-GB" dirty="0"/>
+              <a:t>The framework can be easily extended to other economies – because of surveying difference economies – we rely only on excluding asset costs from non-durable consumption</a:t>
+            </a:r>
+          </a:p>
+          <a:p>
+            <a:endParaRPr lang="en-GB" dirty="0"/>
+          </a:p>
+        </p:txBody>
+      </p:sp>
+      <p:sp>
+        <p:nvSpPr>
+          <p:cNvPr id="4" name="Slide Number Placeholder 3">
+            <a:extLst>
+              <a:ext uri="{FF2B5EF4-FFF2-40B4-BE49-F238E27FC236}">
+                <a16:creationId xmlns:a16="http://schemas.microsoft.com/office/drawing/2014/main" id="{9E114149-19E5-4CE5-B9E4-95A2009661DD}"/>
+              </a:ext>
+            </a:extLst>
+          </p:cNvPr>
+          <p:cNvSpPr>
+            <a:spLocks noGrp="1"/>
+          </p:cNvSpPr>
+          <p:nvPr>
+            <p:ph type="sldNum" sz="quarter" idx="12"/>
+          </p:nvPr>
+        </p:nvSpPr>
+        <p:spPr/>
+        <p:txBody>
+          <a:bodyPr/>
+          <a:lstStyle/>
+          <a:p>
+            <a:pPr>
+              <a:defRPr/>
+            </a:pPr>
+            <a:fld id="{8E35B453-7314-4BBD-9303-11C6BECC4B0D}" type="slidenum">
+              <a:rPr lang="en-GB" altLang="en-US" smtClean="0"/>
+              <a:pPr>
+                <a:defRPr/>
+              </a:pPr>
+              <a:t>17</a:t>
+            </a:fld>
+            <a:endParaRPr lang="en-GB" altLang="en-US" dirty="0"/>
+          </a:p>
+        </p:txBody>
+      </p:sp>
+    </p:spTree>
+    <p:extLst>
+      <p:ext uri="{BB962C8B-B14F-4D97-AF65-F5344CB8AC3E}">
+        <p14:creationId xmlns:p14="http://schemas.microsoft.com/office/powerpoint/2010/main" val="1493592576"/>
+      </p:ext>
+    </p:extLst>
+  </p:cSld>
+  <p:clrMapOvr>
+    <a:masterClrMapping/>
+  </p:clrMapOvr>
+  <p:transition>
+    <p:fade/>
+  </p:transition>
+</p:sld>
+</file>
+
+<file path=ppt/slides/slide18.xml><?xml version="1.0" encoding="utf-8"?>
+<p:sld xmlns:a="http://schemas.openxmlformats.org/drawingml/2006/main" xmlns:r="http://schemas.openxmlformats.org/officeDocument/2006/relationships" xmlns:p="http://schemas.openxmlformats.org/presentationml/2006/main">
+  <p:cSld>
+    <p:bg>
+      <p:bgPr>
+        <a:gradFill>
+          <a:gsLst>
+            <a:gs pos="24000">
+              <a:schemeClr val="accent1">
+                <a:lumMod val="5000"/>
+                <a:lumOff val="95000"/>
+              </a:schemeClr>
+            </a:gs>
+            <a:gs pos="55000">
+              <a:schemeClr val="accent1">
+                <a:lumMod val="45000"/>
+                <a:lumOff val="55000"/>
+              </a:schemeClr>
+            </a:gs>
+            <a:gs pos="83000">
+              <a:schemeClr val="accent1">
+                <a:lumMod val="45000"/>
+                <a:lumOff val="55000"/>
+              </a:schemeClr>
+            </a:gs>
+            <a:gs pos="100000">
+              <a:schemeClr val="accent1">
+                <a:lumMod val="30000"/>
+                <a:lumOff val="70000"/>
+              </a:schemeClr>
+            </a:gs>
+          </a:gsLst>
+          <a:lin ang="5400000" scaled="1"/>
+        </a:gradFill>
+        <a:effectLst/>
+      </p:bgPr>
+    </p:bg>
+    <p:spTree>
+      <p:nvGrpSpPr>
+        <p:cNvPr id="1" name=""/>
+        <p:cNvGrpSpPr/>
+        <p:nvPr/>
+      </p:nvGrpSpPr>
+      <p:grpSpPr>
+        <a:xfrm>
+          <a:off x="0" y="0"/>
+          <a:ext cx="0" cy="0"/>
+          <a:chOff x="0" y="0"/>
+          <a:chExt cx="0" cy="0"/>
+        </a:xfrm>
+      </p:grpSpPr>
+      <p:sp>
+        <p:nvSpPr>
+          <p:cNvPr id="2" name="Title 1">
+            <a:extLst>
+              <a:ext uri="{FF2B5EF4-FFF2-40B4-BE49-F238E27FC236}">
                 <a16:creationId xmlns:a16="http://schemas.microsoft.com/office/drawing/2014/main" id="{989358B1-5556-4A30-98FB-74368A91CAEB}"/>
               </a:ext>
             </a:extLst>
@@ -19252,7 +20144,7 @@
           <a:p>
             <a:r>
               <a:rPr lang="en-US" dirty="0"/>
-              <a:t>Tanzania</a:t>
+              <a:t>Results for Tanzania</a:t>
             </a:r>
             <a:endParaRPr lang="en-GB" dirty="0"/>
           </a:p>
@@ -19312,7 +20204,7 @@
               <a:pPr>
                 <a:defRPr/>
               </a:pPr>
-              <a:t>17</a:t>
+              <a:t>18</a:t>
             </a:fld>
             <a:endParaRPr lang="en-GB" altLang="en-US" dirty="0"/>
           </a:p>
@@ -19334,9 +20226,43 @@
 </p:sld>
 </file>
 
-<file path=ppt/slides/slide18.xml><?xml version="1.0" encoding="utf-8"?>
+<file path=ppt/slides/slide19.xml><?xml version="1.0" encoding="utf-8"?>
 <p:sld xmlns:a="http://schemas.openxmlformats.org/drawingml/2006/main" xmlns:r="http://schemas.openxmlformats.org/officeDocument/2006/relationships" xmlns:p="http://schemas.openxmlformats.org/presentationml/2006/main">
   <p:cSld>
+    <p:bg>
+      <p:bgPr>
+        <a:gradFill>
+          <a:gsLst>
+            <a:gs pos="24000">
+              <a:schemeClr val="accent1">
+                <a:lumMod val="5000"/>
+                <a:lumOff val="95000"/>
+              </a:schemeClr>
+            </a:gs>
+            <a:gs pos="55000">
+              <a:schemeClr val="accent1">
+                <a:lumMod val="45000"/>
+                <a:lumOff val="55000"/>
+              </a:schemeClr>
+            </a:gs>
+            <a:gs pos="83000">
+              <a:schemeClr val="accent1">
+                <a:lumMod val="45000"/>
+                <a:lumOff val="55000"/>
+              </a:schemeClr>
+            </a:gs>
+            <a:gs pos="100000">
+              <a:schemeClr val="accent1">
+                <a:lumMod val="30000"/>
+                <a:lumOff val="70000"/>
+              </a:schemeClr>
+            </a:gs>
+          </a:gsLst>
+          <a:lin ang="5400000" scaled="1"/>
+        </a:gradFill>
+        <a:effectLst/>
+      </p:bgPr>
+    </p:bg>
     <p:spTree>
       <p:nvGrpSpPr>
         <p:cNvPr id="1" name=""/>
@@ -19356,7 +20282,7 @@
           <p:cNvPr id="2" name="Title 1">
             <a:extLst>
               <a:ext uri="{FF2B5EF4-FFF2-40B4-BE49-F238E27FC236}">
-                <a16:creationId xmlns:a16="http://schemas.microsoft.com/office/drawing/2014/main" id="{1E281EA7-B51E-4DC4-83AC-69973366C6BA}"/>
+                <a16:creationId xmlns:a16="http://schemas.microsoft.com/office/drawing/2014/main" id="{989358B1-5556-4A30-98FB-74368A91CAEB}"/>
               </a:ext>
             </a:extLst>
           </p:cNvPr>
@@ -19374,7 +20300,7 @@
           <a:p>
             <a:r>
               <a:rPr lang="en-US" dirty="0"/>
-              <a:t>Finer details with quantile regression</a:t>
+              <a:t>Results for Nigeria</a:t>
             </a:r>
             <a:endParaRPr lang="en-GB" dirty="0"/>
           </a:p>
@@ -19385,7 +20311,7 @@
           <p:cNvPr id="3" name="Content Placeholder 2">
             <a:extLst>
               <a:ext uri="{FF2B5EF4-FFF2-40B4-BE49-F238E27FC236}">
-                <a16:creationId xmlns:a16="http://schemas.microsoft.com/office/drawing/2014/main" id="{5FB0481C-346A-45D5-BE87-16CD5476AF6A}"/>
+                <a16:creationId xmlns:a16="http://schemas.microsoft.com/office/drawing/2014/main" id="{02175C54-1B0C-4324-BD87-0CFA546C49D9}"/>
               </a:ext>
             </a:extLst>
           </p:cNvPr>
@@ -19401,16 +20327,6 @@
           <a:bodyPr/>
           <a:lstStyle/>
           <a:p>
-            <a:r>
-              <a:rPr lang="en-US" dirty="0"/>
-              <a:t>Tanzania</a:t>
-            </a:r>
-          </a:p>
-          <a:p>
-            <a:r>
-              <a:rPr lang="en-US" dirty="0"/>
-              <a:t>Nigeria</a:t>
-            </a:r>
             <a:endParaRPr lang="en-GB" dirty="0"/>
           </a:p>
         </p:txBody>
@@ -19420,138 +20336,7 @@
           <p:cNvPr id="4" name="Slide Number Placeholder 3">
             <a:extLst>
               <a:ext uri="{FF2B5EF4-FFF2-40B4-BE49-F238E27FC236}">
-                <a16:creationId xmlns:a16="http://schemas.microsoft.com/office/drawing/2014/main" id="{AD7169C2-F41A-40EE-A210-49C6A0A94BEF}"/>
-              </a:ext>
-            </a:extLst>
-          </p:cNvPr>
-          <p:cNvSpPr>
-            <a:spLocks noGrp="1"/>
-          </p:cNvSpPr>
-          <p:nvPr>
-            <p:ph type="sldNum" sz="quarter" idx="12"/>
-          </p:nvPr>
-        </p:nvSpPr>
-        <p:spPr/>
-        <p:txBody>
-          <a:bodyPr/>
-          <a:lstStyle/>
-          <a:p>
-            <a:pPr>
-              <a:defRPr/>
-            </a:pPr>
-            <a:fld id="{8E35B453-7314-4BBD-9303-11C6BECC4B0D}" type="slidenum">
-              <a:rPr lang="en-GB" altLang="en-US" smtClean="0"/>
-              <a:pPr>
-                <a:defRPr/>
-              </a:pPr>
-              <a:t>18</a:t>
-            </a:fld>
-            <a:endParaRPr lang="en-GB" altLang="en-US" dirty="0"/>
-          </a:p>
-        </p:txBody>
-      </p:sp>
-    </p:spTree>
-    <p:extLst>
-      <p:ext uri="{BB962C8B-B14F-4D97-AF65-F5344CB8AC3E}">
-        <p14:creationId xmlns:p14="http://schemas.microsoft.com/office/powerpoint/2010/main" val="3432941902"/>
-      </p:ext>
-    </p:extLst>
-  </p:cSld>
-  <p:clrMapOvr>
-    <a:masterClrMapping/>
-  </p:clrMapOvr>
-  <p:transition>
-    <p:fade/>
-  </p:transition>
-</p:sld>
-</file>
-
-<file path=ppt/slides/slide19.xml><?xml version="1.0" encoding="utf-8"?>
-<p:sld xmlns:a="http://schemas.openxmlformats.org/drawingml/2006/main" xmlns:r="http://schemas.openxmlformats.org/officeDocument/2006/relationships" xmlns:p="http://schemas.openxmlformats.org/presentationml/2006/main">
-  <p:cSld>
-    <p:spTree>
-      <p:nvGrpSpPr>
-        <p:cNvPr id="1" name=""/>
-        <p:cNvGrpSpPr/>
-        <p:nvPr/>
-      </p:nvGrpSpPr>
-      <p:grpSpPr>
-        <a:xfrm>
-          <a:off x="0" y="0"/>
-          <a:ext cx="0" cy="0"/>
-          <a:chOff x="0" y="0"/>
-          <a:chExt cx="0" cy="0"/>
-        </a:xfrm>
-      </p:grpSpPr>
-      <p:sp>
-        <p:nvSpPr>
-          <p:cNvPr id="2" name="Title 1">
-            <a:extLst>
-              <a:ext uri="{FF2B5EF4-FFF2-40B4-BE49-F238E27FC236}">
-                <a16:creationId xmlns:a16="http://schemas.microsoft.com/office/drawing/2014/main" id="{0BFD862A-E2C5-4015-9F48-E21EBBEC1398}"/>
-              </a:ext>
-            </a:extLst>
-          </p:cNvPr>
-          <p:cNvSpPr>
-            <a:spLocks noGrp="1"/>
-          </p:cNvSpPr>
-          <p:nvPr>
-            <p:ph type="title"/>
-          </p:nvPr>
-        </p:nvSpPr>
-        <p:spPr/>
-        <p:txBody>
-          <a:bodyPr/>
-          <a:lstStyle/>
-          <a:p>
-            <a:r>
-              <a:rPr lang="en-GB" dirty="0"/>
-              <a:t>How is this different from visible consumption?</a:t>
-            </a:r>
-          </a:p>
-        </p:txBody>
-      </p:sp>
-      <p:sp>
-        <p:nvSpPr>
-          <p:cNvPr id="3" name="Content Placeholder 2">
-            <a:extLst>
-              <a:ext uri="{FF2B5EF4-FFF2-40B4-BE49-F238E27FC236}">
-                <a16:creationId xmlns:a16="http://schemas.microsoft.com/office/drawing/2014/main" id="{8E165D5A-616B-4E7A-B5B6-2C1A87ADB63C}"/>
-              </a:ext>
-            </a:extLst>
-          </p:cNvPr>
-          <p:cNvSpPr>
-            <a:spLocks noGrp="1"/>
-          </p:cNvSpPr>
-          <p:nvPr>
-            <p:ph idx="1"/>
-          </p:nvPr>
-        </p:nvSpPr>
-        <p:spPr>
-          <a:xfrm>
-            <a:off x="628650" y="1443038"/>
-            <a:ext cx="7886700" cy="3262312"/>
-          </a:xfrm>
-        </p:spPr>
-        <p:txBody>
-          <a:bodyPr>
-            <a:normAutofit/>
-          </a:bodyPr>
-          <a:lstStyle/>
-          <a:p>
-            <a:r>
-              <a:rPr lang="en-GB" dirty="0"/>
-              <a:t>The LSMS data shows many opportunities for visible consumption – e.g. marriage price, expenditure on carpets rugs – but there too the effect of urban-rural differences dominates</a:t>
-            </a:r>
-          </a:p>
-        </p:txBody>
-      </p:sp>
-      <p:sp>
-        <p:nvSpPr>
-          <p:cNvPr id="4" name="Slide Number Placeholder 3">
-            <a:extLst>
-              <a:ext uri="{FF2B5EF4-FFF2-40B4-BE49-F238E27FC236}">
-                <a16:creationId xmlns:a16="http://schemas.microsoft.com/office/drawing/2014/main" id="{DA097299-24FE-4400-A473-449518E30133}"/>
+                <a16:creationId xmlns:a16="http://schemas.microsoft.com/office/drawing/2014/main" id="{1FDD9C7A-6921-417D-A536-9A1ADE017F75}"/>
               </a:ext>
             </a:extLst>
           </p:cNvPr>
@@ -19584,7 +20369,7 @@
     </p:spTree>
     <p:extLst>
       <p:ext uri="{BB962C8B-B14F-4D97-AF65-F5344CB8AC3E}">
-        <p14:creationId xmlns:p14="http://schemas.microsoft.com/office/powerpoint/2010/main" val="2952202664"/>
+        <p14:creationId xmlns:p14="http://schemas.microsoft.com/office/powerpoint/2010/main" val="3777472926"/>
       </p:ext>
     </p:extLst>
   </p:cSld>
@@ -19600,6 +20385,40 @@
 <file path=ppt/slides/slide2.xml><?xml version="1.0" encoding="utf-8"?>
 <p:sld xmlns:a="http://schemas.openxmlformats.org/drawingml/2006/main" xmlns:r="http://schemas.openxmlformats.org/officeDocument/2006/relationships" xmlns:p="http://schemas.openxmlformats.org/presentationml/2006/main">
   <p:cSld>
+    <p:bg>
+      <p:bgPr>
+        <a:gradFill>
+          <a:gsLst>
+            <a:gs pos="21000">
+              <a:schemeClr val="accent1">
+                <a:lumMod val="5000"/>
+                <a:lumOff val="95000"/>
+              </a:schemeClr>
+            </a:gs>
+            <a:gs pos="46000">
+              <a:schemeClr val="accent1">
+                <a:lumMod val="45000"/>
+                <a:lumOff val="55000"/>
+              </a:schemeClr>
+            </a:gs>
+            <a:gs pos="70000">
+              <a:schemeClr val="accent1">
+                <a:lumMod val="45000"/>
+                <a:lumOff val="55000"/>
+              </a:schemeClr>
+            </a:gs>
+            <a:gs pos="100000">
+              <a:schemeClr val="accent1">
+                <a:lumMod val="30000"/>
+                <a:lumOff val="70000"/>
+              </a:schemeClr>
+            </a:gs>
+          </a:gsLst>
+          <a:lin ang="5400000" scaled="1"/>
+        </a:gradFill>
+        <a:effectLst/>
+      </p:bgPr>
+    </p:bg>
     <p:spTree>
       <p:nvGrpSpPr>
         <p:cNvPr id="1" name=""/>
@@ -19701,6 +20520,40 @@
 <file path=ppt/slides/slide20.xml><?xml version="1.0" encoding="utf-8"?>
 <p:sld xmlns:a="http://schemas.openxmlformats.org/drawingml/2006/main" xmlns:r="http://schemas.openxmlformats.org/officeDocument/2006/relationships" xmlns:p="http://schemas.openxmlformats.org/presentationml/2006/main">
   <p:cSld>
+    <p:bg>
+      <p:bgPr>
+        <a:gradFill>
+          <a:gsLst>
+            <a:gs pos="22000">
+              <a:schemeClr val="accent1">
+                <a:lumMod val="5000"/>
+                <a:lumOff val="95000"/>
+              </a:schemeClr>
+            </a:gs>
+            <a:gs pos="55000">
+              <a:schemeClr val="accent1">
+                <a:lumMod val="45000"/>
+                <a:lumOff val="55000"/>
+              </a:schemeClr>
+            </a:gs>
+            <a:gs pos="83000">
+              <a:schemeClr val="accent1">
+                <a:lumMod val="45000"/>
+                <a:lumOff val="55000"/>
+              </a:schemeClr>
+            </a:gs>
+            <a:gs pos="100000">
+              <a:schemeClr val="accent1">
+                <a:lumMod val="30000"/>
+                <a:lumOff val="70000"/>
+              </a:schemeClr>
+            </a:gs>
+          </a:gsLst>
+          <a:lin ang="5400000" scaled="1"/>
+        </a:gradFill>
+        <a:effectLst/>
+      </p:bgPr>
+    </p:bg>
     <p:spTree>
       <p:nvGrpSpPr>
         <p:cNvPr id="1" name=""/>
@@ -19720,6 +20573,671 @@
           <p:cNvPr id="2" name="Title 1">
             <a:extLst>
               <a:ext uri="{FF2B5EF4-FFF2-40B4-BE49-F238E27FC236}">
+                <a16:creationId xmlns:a16="http://schemas.microsoft.com/office/drawing/2014/main" id="{1E281EA7-B51E-4DC4-83AC-69973366C6BA}"/>
+              </a:ext>
+            </a:extLst>
+          </p:cNvPr>
+          <p:cNvSpPr>
+            <a:spLocks noGrp="1"/>
+          </p:cNvSpPr>
+          <p:nvPr>
+            <p:ph type="title"/>
+          </p:nvPr>
+        </p:nvSpPr>
+        <p:spPr/>
+        <p:txBody>
+          <a:bodyPr/>
+          <a:lstStyle/>
+          <a:p>
+            <a:r>
+              <a:rPr lang="en-US" dirty="0"/>
+              <a:t>Quantile regression - Tanzania</a:t>
+            </a:r>
+            <a:endParaRPr lang="en-GB" dirty="0"/>
+          </a:p>
+        </p:txBody>
+      </p:sp>
+      <p:sp>
+        <p:nvSpPr>
+          <p:cNvPr id="3" name="Content Placeholder 2">
+            <a:extLst>
+              <a:ext uri="{FF2B5EF4-FFF2-40B4-BE49-F238E27FC236}">
+                <a16:creationId xmlns:a16="http://schemas.microsoft.com/office/drawing/2014/main" id="{5FB0481C-346A-45D5-BE87-16CD5476AF6A}"/>
+              </a:ext>
+            </a:extLst>
+          </p:cNvPr>
+          <p:cNvSpPr>
+            <a:spLocks noGrp="1"/>
+          </p:cNvSpPr>
+          <p:nvPr>
+            <p:ph idx="1"/>
+          </p:nvPr>
+        </p:nvSpPr>
+        <p:spPr/>
+        <p:txBody>
+          <a:bodyPr/>
+          <a:lstStyle/>
+          <a:p>
+            <a:r>
+              <a:rPr lang="en-US" dirty="0"/>
+              <a:t>Tanzania</a:t>
+            </a:r>
+          </a:p>
+          <a:p>
+            <a:r>
+              <a:rPr lang="en-US" dirty="0"/>
+              <a:t>Nigeria</a:t>
+            </a:r>
+            <a:endParaRPr lang="en-GB" dirty="0"/>
+          </a:p>
+        </p:txBody>
+      </p:sp>
+      <p:sp>
+        <p:nvSpPr>
+          <p:cNvPr id="4" name="Slide Number Placeholder 3">
+            <a:extLst>
+              <a:ext uri="{FF2B5EF4-FFF2-40B4-BE49-F238E27FC236}">
+                <a16:creationId xmlns:a16="http://schemas.microsoft.com/office/drawing/2014/main" id="{AD7169C2-F41A-40EE-A210-49C6A0A94BEF}"/>
+              </a:ext>
+            </a:extLst>
+          </p:cNvPr>
+          <p:cNvSpPr>
+            <a:spLocks noGrp="1"/>
+          </p:cNvSpPr>
+          <p:nvPr>
+            <p:ph type="sldNum" sz="quarter" idx="12"/>
+          </p:nvPr>
+        </p:nvSpPr>
+        <p:spPr/>
+        <p:txBody>
+          <a:bodyPr/>
+          <a:lstStyle/>
+          <a:p>
+            <a:pPr>
+              <a:defRPr/>
+            </a:pPr>
+            <a:fld id="{8E35B453-7314-4BBD-9303-11C6BECC4B0D}" type="slidenum">
+              <a:rPr lang="en-GB" altLang="en-US" smtClean="0"/>
+              <a:pPr>
+                <a:defRPr/>
+              </a:pPr>
+              <a:t>20</a:t>
+            </a:fld>
+            <a:endParaRPr lang="en-GB" altLang="en-US" dirty="0"/>
+          </a:p>
+        </p:txBody>
+      </p:sp>
+    </p:spTree>
+    <p:extLst>
+      <p:ext uri="{BB962C8B-B14F-4D97-AF65-F5344CB8AC3E}">
+        <p14:creationId xmlns:p14="http://schemas.microsoft.com/office/powerpoint/2010/main" val="3432941902"/>
+      </p:ext>
+    </p:extLst>
+  </p:cSld>
+  <p:clrMapOvr>
+    <a:masterClrMapping/>
+  </p:clrMapOvr>
+  <p:transition>
+    <p:fade/>
+  </p:transition>
+</p:sld>
+</file>
+
+<file path=ppt/slides/slide21.xml><?xml version="1.0" encoding="utf-8"?>
+<p:sld xmlns:a="http://schemas.openxmlformats.org/drawingml/2006/main" xmlns:r="http://schemas.openxmlformats.org/officeDocument/2006/relationships" xmlns:p="http://schemas.openxmlformats.org/presentationml/2006/main">
+  <p:cSld>
+    <p:bg>
+      <p:bgPr>
+        <a:gradFill>
+          <a:gsLst>
+            <a:gs pos="20000">
+              <a:schemeClr val="accent1">
+                <a:lumMod val="5000"/>
+                <a:lumOff val="95000"/>
+              </a:schemeClr>
+            </a:gs>
+            <a:gs pos="55000">
+              <a:schemeClr val="accent1">
+                <a:lumMod val="45000"/>
+                <a:lumOff val="55000"/>
+              </a:schemeClr>
+            </a:gs>
+            <a:gs pos="83000">
+              <a:schemeClr val="accent1">
+                <a:lumMod val="45000"/>
+                <a:lumOff val="55000"/>
+              </a:schemeClr>
+            </a:gs>
+            <a:gs pos="100000">
+              <a:schemeClr val="accent1">
+                <a:lumMod val="30000"/>
+                <a:lumOff val="70000"/>
+              </a:schemeClr>
+            </a:gs>
+          </a:gsLst>
+          <a:lin ang="5400000" scaled="1"/>
+        </a:gradFill>
+        <a:effectLst/>
+      </p:bgPr>
+    </p:bg>
+    <p:spTree>
+      <p:nvGrpSpPr>
+        <p:cNvPr id="1" name=""/>
+        <p:cNvGrpSpPr/>
+        <p:nvPr/>
+      </p:nvGrpSpPr>
+      <p:grpSpPr>
+        <a:xfrm>
+          <a:off x="0" y="0"/>
+          <a:ext cx="0" cy="0"/>
+          <a:chOff x="0" y="0"/>
+          <a:chExt cx="0" cy="0"/>
+        </a:xfrm>
+      </p:grpSpPr>
+      <p:sp>
+        <p:nvSpPr>
+          <p:cNvPr id="2" name="Title 1">
+            <a:extLst>
+              <a:ext uri="{FF2B5EF4-FFF2-40B4-BE49-F238E27FC236}">
+                <a16:creationId xmlns:a16="http://schemas.microsoft.com/office/drawing/2014/main" id="{1E281EA7-B51E-4DC4-83AC-69973366C6BA}"/>
+              </a:ext>
+            </a:extLst>
+          </p:cNvPr>
+          <p:cNvSpPr>
+            <a:spLocks noGrp="1"/>
+          </p:cNvSpPr>
+          <p:nvPr>
+            <p:ph type="title"/>
+          </p:nvPr>
+        </p:nvSpPr>
+        <p:spPr/>
+        <p:txBody>
+          <a:bodyPr/>
+          <a:lstStyle/>
+          <a:p>
+            <a:r>
+              <a:rPr lang="en-US" dirty="0"/>
+              <a:t>Quantile regression - Nigeria</a:t>
+            </a:r>
+            <a:endParaRPr lang="en-GB" dirty="0"/>
+          </a:p>
+        </p:txBody>
+      </p:sp>
+      <p:sp>
+        <p:nvSpPr>
+          <p:cNvPr id="3" name="Content Placeholder 2">
+            <a:extLst>
+              <a:ext uri="{FF2B5EF4-FFF2-40B4-BE49-F238E27FC236}">
+                <a16:creationId xmlns:a16="http://schemas.microsoft.com/office/drawing/2014/main" id="{5FB0481C-346A-45D5-BE87-16CD5476AF6A}"/>
+              </a:ext>
+            </a:extLst>
+          </p:cNvPr>
+          <p:cNvSpPr>
+            <a:spLocks noGrp="1"/>
+          </p:cNvSpPr>
+          <p:nvPr>
+            <p:ph idx="1"/>
+          </p:nvPr>
+        </p:nvSpPr>
+        <p:spPr/>
+        <p:txBody>
+          <a:bodyPr/>
+          <a:lstStyle/>
+          <a:p>
+            <a:pPr marL="0" indent="0">
+              <a:buNone/>
+            </a:pPr>
+            <a:endParaRPr lang="en-GB" dirty="0"/>
+          </a:p>
+        </p:txBody>
+      </p:sp>
+      <p:sp>
+        <p:nvSpPr>
+          <p:cNvPr id="4" name="Slide Number Placeholder 3">
+            <a:extLst>
+              <a:ext uri="{FF2B5EF4-FFF2-40B4-BE49-F238E27FC236}">
+                <a16:creationId xmlns:a16="http://schemas.microsoft.com/office/drawing/2014/main" id="{AD7169C2-F41A-40EE-A210-49C6A0A94BEF}"/>
+              </a:ext>
+            </a:extLst>
+          </p:cNvPr>
+          <p:cNvSpPr>
+            <a:spLocks noGrp="1"/>
+          </p:cNvSpPr>
+          <p:nvPr>
+            <p:ph type="sldNum" sz="quarter" idx="12"/>
+          </p:nvPr>
+        </p:nvSpPr>
+        <p:spPr/>
+        <p:txBody>
+          <a:bodyPr/>
+          <a:lstStyle/>
+          <a:p>
+            <a:pPr>
+              <a:defRPr/>
+            </a:pPr>
+            <a:fld id="{8E35B453-7314-4BBD-9303-11C6BECC4B0D}" type="slidenum">
+              <a:rPr lang="en-GB" altLang="en-US" smtClean="0"/>
+              <a:pPr>
+                <a:defRPr/>
+              </a:pPr>
+              <a:t>21</a:t>
+            </a:fld>
+            <a:endParaRPr lang="en-GB" altLang="en-US" dirty="0"/>
+          </a:p>
+        </p:txBody>
+      </p:sp>
+    </p:spTree>
+    <p:extLst>
+      <p:ext uri="{BB962C8B-B14F-4D97-AF65-F5344CB8AC3E}">
+        <p14:creationId xmlns:p14="http://schemas.microsoft.com/office/powerpoint/2010/main" val="1325138108"/>
+      </p:ext>
+    </p:extLst>
+  </p:cSld>
+  <p:clrMapOvr>
+    <a:masterClrMapping/>
+  </p:clrMapOvr>
+  <p:transition>
+    <p:fade/>
+  </p:transition>
+</p:sld>
+</file>
+
+<file path=ppt/slides/slide22.xml><?xml version="1.0" encoding="utf-8"?>
+<p:sld xmlns:a="http://schemas.openxmlformats.org/drawingml/2006/main" xmlns:r="http://schemas.openxmlformats.org/officeDocument/2006/relationships" xmlns:p="http://schemas.openxmlformats.org/presentationml/2006/main">
+  <p:cSld>
+    <p:bg>
+      <p:bgPr>
+        <a:gradFill>
+          <a:gsLst>
+            <a:gs pos="24000">
+              <a:schemeClr val="accent1">
+                <a:lumMod val="5000"/>
+                <a:lumOff val="95000"/>
+              </a:schemeClr>
+            </a:gs>
+            <a:gs pos="55000">
+              <a:schemeClr val="accent1">
+                <a:lumMod val="45000"/>
+                <a:lumOff val="55000"/>
+              </a:schemeClr>
+            </a:gs>
+            <a:gs pos="83000">
+              <a:schemeClr val="accent1">
+                <a:lumMod val="45000"/>
+                <a:lumOff val="55000"/>
+              </a:schemeClr>
+            </a:gs>
+            <a:gs pos="100000">
+              <a:schemeClr val="accent1">
+                <a:lumMod val="30000"/>
+                <a:lumOff val="70000"/>
+              </a:schemeClr>
+            </a:gs>
+          </a:gsLst>
+          <a:lin ang="5400000" scaled="1"/>
+        </a:gradFill>
+        <a:effectLst/>
+      </p:bgPr>
+    </p:bg>
+    <p:spTree>
+      <p:nvGrpSpPr>
+        <p:cNvPr id="1" name=""/>
+        <p:cNvGrpSpPr/>
+        <p:nvPr/>
+      </p:nvGrpSpPr>
+      <p:grpSpPr>
+        <a:xfrm>
+          <a:off x="0" y="0"/>
+          <a:ext cx="0" cy="0"/>
+          <a:chOff x="0" y="0"/>
+          <a:chExt cx="0" cy="0"/>
+        </a:xfrm>
+      </p:grpSpPr>
+      <p:sp>
+        <p:nvSpPr>
+          <p:cNvPr id="2" name="Title 1">
+            <a:extLst>
+              <a:ext uri="{FF2B5EF4-FFF2-40B4-BE49-F238E27FC236}">
+                <a16:creationId xmlns:a16="http://schemas.microsoft.com/office/drawing/2014/main" id="{0BFD862A-E2C5-4015-9F48-E21EBBEC1398}"/>
+              </a:ext>
+            </a:extLst>
+          </p:cNvPr>
+          <p:cNvSpPr>
+            <a:spLocks noGrp="1"/>
+          </p:cNvSpPr>
+          <p:nvPr>
+            <p:ph type="title"/>
+          </p:nvPr>
+        </p:nvSpPr>
+        <p:spPr/>
+        <p:txBody>
+          <a:bodyPr>
+            <a:normAutofit fontScale="90000"/>
+          </a:bodyPr>
+          <a:lstStyle/>
+          <a:p>
+            <a:r>
+              <a:rPr lang="en-GB" dirty="0"/>
+              <a:t>How is this different from visible consumption?</a:t>
+            </a:r>
+          </a:p>
+        </p:txBody>
+      </p:sp>
+      <p:sp>
+        <p:nvSpPr>
+          <p:cNvPr id="3" name="Content Placeholder 2">
+            <a:extLst>
+              <a:ext uri="{FF2B5EF4-FFF2-40B4-BE49-F238E27FC236}">
+                <a16:creationId xmlns:a16="http://schemas.microsoft.com/office/drawing/2014/main" id="{8E165D5A-616B-4E7A-B5B6-2C1A87ADB63C}"/>
+              </a:ext>
+            </a:extLst>
+          </p:cNvPr>
+          <p:cNvSpPr>
+            <a:spLocks noGrp="1"/>
+          </p:cNvSpPr>
+          <p:nvPr>
+            <p:ph idx="1"/>
+          </p:nvPr>
+        </p:nvSpPr>
+        <p:spPr>
+          <a:xfrm>
+            <a:off x="628650" y="1443038"/>
+            <a:ext cx="7886700" cy="3262312"/>
+          </a:xfrm>
+        </p:spPr>
+        <p:txBody>
+          <a:bodyPr>
+            <a:normAutofit/>
+          </a:bodyPr>
+          <a:lstStyle/>
+          <a:p>
+            <a:r>
+              <a:rPr lang="en-GB" dirty="0"/>
+              <a:t>The LSMS data shows many opportunities for visible consumption – e.g. marriage price, expenditure on carpets rugs – but there too the effect of urban-rural differences dominates</a:t>
+            </a:r>
+          </a:p>
+        </p:txBody>
+      </p:sp>
+      <p:sp>
+        <p:nvSpPr>
+          <p:cNvPr id="4" name="Slide Number Placeholder 3">
+            <a:extLst>
+              <a:ext uri="{FF2B5EF4-FFF2-40B4-BE49-F238E27FC236}">
+                <a16:creationId xmlns:a16="http://schemas.microsoft.com/office/drawing/2014/main" id="{DA097299-24FE-4400-A473-449518E30133}"/>
+              </a:ext>
+            </a:extLst>
+          </p:cNvPr>
+          <p:cNvSpPr>
+            <a:spLocks noGrp="1"/>
+          </p:cNvSpPr>
+          <p:nvPr>
+            <p:ph type="sldNum" sz="quarter" idx="12"/>
+          </p:nvPr>
+        </p:nvSpPr>
+        <p:spPr/>
+        <p:txBody>
+          <a:bodyPr/>
+          <a:lstStyle/>
+          <a:p>
+            <a:pPr>
+              <a:defRPr/>
+            </a:pPr>
+            <a:fld id="{8E35B453-7314-4BBD-9303-11C6BECC4B0D}" type="slidenum">
+              <a:rPr lang="en-GB" altLang="en-US" smtClean="0"/>
+              <a:pPr>
+                <a:defRPr/>
+              </a:pPr>
+              <a:t>22</a:t>
+            </a:fld>
+            <a:endParaRPr lang="en-GB" altLang="en-US" dirty="0"/>
+          </a:p>
+        </p:txBody>
+      </p:sp>
+    </p:spTree>
+    <p:extLst>
+      <p:ext uri="{BB962C8B-B14F-4D97-AF65-F5344CB8AC3E}">
+        <p14:creationId xmlns:p14="http://schemas.microsoft.com/office/powerpoint/2010/main" val="2952202664"/>
+      </p:ext>
+    </p:extLst>
+  </p:cSld>
+  <p:clrMapOvr>
+    <a:masterClrMapping/>
+  </p:clrMapOvr>
+  <p:transition>
+    <p:fade/>
+  </p:transition>
+</p:sld>
+</file>
+
+<file path=ppt/slides/slide23.xml><?xml version="1.0" encoding="utf-8"?>
+<p:sld xmlns:a="http://schemas.openxmlformats.org/drawingml/2006/main" xmlns:r="http://schemas.openxmlformats.org/officeDocument/2006/relationships" xmlns:p="http://schemas.openxmlformats.org/presentationml/2006/main">
+  <p:cSld>
+    <p:bg>
+      <p:bgPr>
+        <a:gradFill>
+          <a:gsLst>
+            <a:gs pos="22000">
+              <a:schemeClr val="accent1">
+                <a:lumMod val="5000"/>
+                <a:lumOff val="95000"/>
+              </a:schemeClr>
+            </a:gs>
+            <a:gs pos="55000">
+              <a:schemeClr val="accent1">
+                <a:lumMod val="45000"/>
+                <a:lumOff val="55000"/>
+              </a:schemeClr>
+            </a:gs>
+            <a:gs pos="83000">
+              <a:schemeClr val="accent1">
+                <a:lumMod val="45000"/>
+                <a:lumOff val="55000"/>
+              </a:schemeClr>
+            </a:gs>
+            <a:gs pos="100000">
+              <a:schemeClr val="accent1">
+                <a:lumMod val="30000"/>
+                <a:lumOff val="70000"/>
+              </a:schemeClr>
+            </a:gs>
+          </a:gsLst>
+          <a:lin ang="5400000" scaled="1"/>
+        </a:gradFill>
+        <a:effectLst/>
+      </p:bgPr>
+    </p:bg>
+    <p:spTree>
+      <p:nvGrpSpPr>
+        <p:cNvPr id="1" name=""/>
+        <p:cNvGrpSpPr/>
+        <p:nvPr/>
+      </p:nvGrpSpPr>
+      <p:grpSpPr>
+        <a:xfrm>
+          <a:off x="0" y="0"/>
+          <a:ext cx="0" cy="0"/>
+          <a:chOff x="0" y="0"/>
+          <a:chExt cx="0" cy="0"/>
+        </a:xfrm>
+      </p:grpSpPr>
+      <p:sp>
+        <p:nvSpPr>
+          <p:cNvPr id="2" name="Title 1">
+            <a:extLst>
+              <a:ext uri="{FF2B5EF4-FFF2-40B4-BE49-F238E27FC236}">
+                <a16:creationId xmlns:a16="http://schemas.microsoft.com/office/drawing/2014/main" id="{64D47AE3-B683-4179-8BD5-52FEE88BDAA3}"/>
+              </a:ext>
+            </a:extLst>
+          </p:cNvPr>
+          <p:cNvSpPr>
+            <a:spLocks noGrp="1"/>
+          </p:cNvSpPr>
+          <p:nvPr>
+            <p:ph type="title"/>
+          </p:nvPr>
+        </p:nvSpPr>
+        <p:spPr/>
+        <p:txBody>
+          <a:bodyPr/>
+          <a:lstStyle/>
+          <a:p>
+            <a:r>
+              <a:rPr lang="en-US" dirty="0"/>
+              <a:t>Discussion</a:t>
+            </a:r>
+            <a:endParaRPr lang="en-GB" dirty="0"/>
+          </a:p>
+        </p:txBody>
+      </p:sp>
+      <p:sp>
+        <p:nvSpPr>
+          <p:cNvPr id="3" name="Content Placeholder 2">
+            <a:extLst>
+              <a:ext uri="{FF2B5EF4-FFF2-40B4-BE49-F238E27FC236}">
+                <a16:creationId xmlns:a16="http://schemas.microsoft.com/office/drawing/2014/main" id="{BAC0C9CC-D538-4838-9085-322F9C3B0DEF}"/>
+              </a:ext>
+            </a:extLst>
+          </p:cNvPr>
+          <p:cNvSpPr>
+            <a:spLocks noGrp="1"/>
+          </p:cNvSpPr>
+          <p:nvPr>
+            <p:ph idx="1"/>
+          </p:nvPr>
+        </p:nvSpPr>
+        <p:spPr/>
+        <p:txBody>
+          <a:bodyPr/>
+          <a:lstStyle/>
+          <a:p>
+            <a:r>
+              <a:rPr lang="en-US" dirty="0"/>
+              <a:t>Is food a basic need ?</a:t>
+            </a:r>
+          </a:p>
+          <a:p>
+            <a:pPr lvl="1"/>
+            <a:r>
+              <a:rPr lang="en-US" dirty="0"/>
+              <a:t>On one hand, food is a basic need (the current assumption)</a:t>
+            </a:r>
+          </a:p>
+          <a:p>
+            <a:pPr lvl="1"/>
+            <a:r>
+              <a:rPr lang="en-US" dirty="0"/>
+              <a:t>There is quite a lot of support for a pressure on food quality in sub-Saharan Africa. Would food quality difference be “visible” for status?</a:t>
+            </a:r>
+          </a:p>
+        </p:txBody>
+      </p:sp>
+      <p:sp>
+        <p:nvSpPr>
+          <p:cNvPr id="4" name="Slide Number Placeholder 3">
+            <a:extLst>
+              <a:ext uri="{FF2B5EF4-FFF2-40B4-BE49-F238E27FC236}">
+                <a16:creationId xmlns:a16="http://schemas.microsoft.com/office/drawing/2014/main" id="{520A330B-09B6-4480-8A46-540F0717204B}"/>
+              </a:ext>
+            </a:extLst>
+          </p:cNvPr>
+          <p:cNvSpPr>
+            <a:spLocks noGrp="1"/>
+          </p:cNvSpPr>
+          <p:nvPr>
+            <p:ph type="sldNum" sz="quarter" idx="12"/>
+          </p:nvPr>
+        </p:nvSpPr>
+        <p:spPr/>
+        <p:txBody>
+          <a:bodyPr/>
+          <a:lstStyle/>
+          <a:p>
+            <a:pPr>
+              <a:defRPr/>
+            </a:pPr>
+            <a:fld id="{8E35B453-7314-4BBD-9303-11C6BECC4B0D}" type="slidenum">
+              <a:rPr lang="en-GB" altLang="en-US" smtClean="0"/>
+              <a:pPr>
+                <a:defRPr/>
+              </a:pPr>
+              <a:t>23</a:t>
+            </a:fld>
+            <a:endParaRPr lang="en-GB" altLang="en-US" dirty="0"/>
+          </a:p>
+        </p:txBody>
+      </p:sp>
+    </p:spTree>
+    <p:extLst>
+      <p:ext uri="{BB962C8B-B14F-4D97-AF65-F5344CB8AC3E}">
+        <p14:creationId xmlns:p14="http://schemas.microsoft.com/office/powerpoint/2010/main" val="2361785954"/>
+      </p:ext>
+    </p:extLst>
+  </p:cSld>
+  <p:clrMapOvr>
+    <a:masterClrMapping/>
+  </p:clrMapOvr>
+  <p:transition>
+    <p:fade/>
+  </p:transition>
+</p:sld>
+</file>
+
+<file path=ppt/slides/slide24.xml><?xml version="1.0" encoding="utf-8"?>
+<p:sld xmlns:a="http://schemas.openxmlformats.org/drawingml/2006/main" xmlns:r="http://schemas.openxmlformats.org/officeDocument/2006/relationships" xmlns:p="http://schemas.openxmlformats.org/presentationml/2006/main">
+  <p:cSld>
+    <p:bg>
+      <p:bgPr>
+        <a:gradFill>
+          <a:gsLst>
+            <a:gs pos="24000">
+              <a:schemeClr val="accent1">
+                <a:lumMod val="5000"/>
+                <a:lumOff val="95000"/>
+              </a:schemeClr>
+            </a:gs>
+            <a:gs pos="55000">
+              <a:schemeClr val="accent1">
+                <a:lumMod val="45000"/>
+                <a:lumOff val="55000"/>
+              </a:schemeClr>
+            </a:gs>
+            <a:gs pos="83000">
+              <a:schemeClr val="accent1">
+                <a:lumMod val="45000"/>
+                <a:lumOff val="55000"/>
+              </a:schemeClr>
+            </a:gs>
+            <a:gs pos="100000">
+              <a:schemeClr val="accent1">
+                <a:lumMod val="30000"/>
+                <a:lumOff val="70000"/>
+              </a:schemeClr>
+            </a:gs>
+          </a:gsLst>
+          <a:lin ang="5400000" scaled="1"/>
+        </a:gradFill>
+        <a:effectLst/>
+      </p:bgPr>
+    </p:bg>
+    <p:spTree>
+      <p:nvGrpSpPr>
+        <p:cNvPr id="1" name=""/>
+        <p:cNvGrpSpPr/>
+        <p:nvPr/>
+      </p:nvGrpSpPr>
+      <p:grpSpPr>
+        <a:xfrm>
+          <a:off x="0" y="0"/>
+          <a:ext cx="0" cy="0"/>
+          <a:chOff x="0" y="0"/>
+          <a:chExt cx="0" cy="0"/>
+        </a:xfrm>
+      </p:grpSpPr>
+      <p:sp>
+        <p:nvSpPr>
+          <p:cNvPr id="2" name="Title 1">
+            <a:extLst>
+              <a:ext uri="{FF2B5EF4-FFF2-40B4-BE49-F238E27FC236}">
                 <a16:creationId xmlns:a16="http://schemas.microsoft.com/office/drawing/2014/main" id="{5448C546-8FFD-446E-BDCF-98089415F8BE}"/>
               </a:ext>
             </a:extLst>
@@ -19914,7 +21432,7 @@
               <a:pPr>
                 <a:defRPr/>
               </a:pPr>
-              <a:t>20</a:t>
+              <a:t>24</a:t>
             </a:fld>
             <a:endParaRPr lang="en-GB" altLang="en-US" dirty="0"/>
           </a:p>
@@ -19939,6 +21457,40 @@
 <file path=ppt/slides/slide3.xml><?xml version="1.0" encoding="utf-8"?>
 <p:sld xmlns:a="http://schemas.openxmlformats.org/drawingml/2006/main" xmlns:r="http://schemas.openxmlformats.org/officeDocument/2006/relationships" xmlns:p="http://schemas.openxmlformats.org/presentationml/2006/main">
   <p:cSld>
+    <p:bg>
+      <p:bgPr>
+        <a:gradFill>
+          <a:gsLst>
+            <a:gs pos="21000">
+              <a:schemeClr val="accent1">
+                <a:lumMod val="5000"/>
+                <a:lumOff val="95000"/>
+              </a:schemeClr>
+            </a:gs>
+            <a:gs pos="46000">
+              <a:schemeClr val="accent1">
+                <a:lumMod val="45000"/>
+                <a:lumOff val="55000"/>
+              </a:schemeClr>
+            </a:gs>
+            <a:gs pos="70000">
+              <a:schemeClr val="accent1">
+                <a:lumMod val="45000"/>
+                <a:lumOff val="55000"/>
+              </a:schemeClr>
+            </a:gs>
+            <a:gs pos="100000">
+              <a:schemeClr val="accent1">
+                <a:lumMod val="30000"/>
+                <a:lumOff val="70000"/>
+              </a:schemeClr>
+            </a:gs>
+          </a:gsLst>
+          <a:lin ang="5400000" scaled="1"/>
+        </a:gradFill>
+        <a:effectLst/>
+      </p:bgPr>
+    </p:bg>
     <p:spTree>
       <p:nvGrpSpPr>
         <p:cNvPr id="1" name=""/>
@@ -19955,6 +21507,193 @@
       </p:grpSpPr>
       <p:sp>
         <p:nvSpPr>
+          <p:cNvPr id="2" name="Title 1"/>
+          <p:cNvSpPr>
+            <a:spLocks noGrp="1"/>
+          </p:cNvSpPr>
+          <p:nvPr>
+            <p:ph type="title"/>
+          </p:nvPr>
+        </p:nvSpPr>
+        <p:spPr>
+          <a:xfrm>
+            <a:off x="590114" y="452438"/>
+            <a:ext cx="7886700" cy="993775"/>
+          </a:xfrm>
+        </p:spPr>
+        <p:txBody>
+          <a:bodyPr>
+            <a:normAutofit fontScale="90000"/>
+          </a:bodyPr>
+          <a:lstStyle/>
+          <a:p>
+            <a:r>
+              <a:rPr lang="en-GB" dirty="0"/>
+              <a:t>Does status consumption exist in </a:t>
+            </a:r>
+            <a:br>
+              <a:rPr lang="en-GB" dirty="0"/>
+            </a:br>
+            <a:r>
+              <a:rPr lang="en-GB" dirty="0"/>
+              <a:t>developing countries?</a:t>
+            </a:r>
+          </a:p>
+        </p:txBody>
+      </p:sp>
+      <p:sp>
+        <p:nvSpPr>
+          <p:cNvPr id="3" name="Content Placeholder 2"/>
+          <p:cNvSpPr>
+            <a:spLocks noGrp="1"/>
+          </p:cNvSpPr>
+          <p:nvPr>
+            <p:ph idx="1"/>
+          </p:nvPr>
+        </p:nvSpPr>
+        <p:spPr>
+          <a:xfrm>
+            <a:off x="633067" y="1428750"/>
+            <a:ext cx="7886700" cy="3262312"/>
+          </a:xfrm>
+        </p:spPr>
+        <p:txBody>
+          <a:bodyPr>
+            <a:normAutofit fontScale="92500" lnSpcReduction="20000"/>
+          </a:bodyPr>
+          <a:lstStyle/>
+          <a:p>
+            <a:endParaRPr lang="en-GB" dirty="0"/>
+          </a:p>
+          <a:p>
+            <a:r>
+              <a:rPr lang="en-GB" dirty="0"/>
+              <a:t>For</a:t>
+            </a:r>
+          </a:p>
+          <a:p>
+            <a:pPr lvl="1"/>
+            <a:r>
+              <a:rPr lang="en-GB" dirty="0"/>
+              <a:t>Regardless of poverty levels, status competitions are universal</a:t>
+            </a:r>
+          </a:p>
+          <a:p>
+            <a:pPr lvl="1"/>
+            <a:r>
+              <a:rPr lang="en-GB" dirty="0"/>
+              <a:t>There is a reference level for all consumer choice (poorer countries have a lower reference level)</a:t>
+            </a:r>
+          </a:p>
+          <a:p>
+            <a:r>
+              <a:rPr lang="en-GB" dirty="0"/>
+              <a:t>Against</a:t>
+            </a:r>
+          </a:p>
+          <a:p>
+            <a:pPr lvl="1"/>
+            <a:r>
+              <a:rPr lang="en-GB" dirty="0"/>
+              <a:t>Most consumers struggle to meet basic needs. So status is inseparable from fulfilling basic needs</a:t>
+            </a:r>
+          </a:p>
+          <a:p>
+            <a:pPr lvl="1"/>
+            <a:r>
+              <a:rPr lang="en-GB" dirty="0"/>
+              <a:t>The income differences are wide for there to be any use of status consumption</a:t>
+            </a:r>
+          </a:p>
+          <a:p>
+            <a:pPr lvl="1"/>
+            <a:endParaRPr lang="en-GB" dirty="0"/>
+          </a:p>
+          <a:p>
+            <a:pPr lvl="1"/>
+            <a:endParaRPr lang="en-GB" dirty="0"/>
+          </a:p>
+          <a:p>
+            <a:pPr marL="0" indent="0">
+              <a:buNone/>
+            </a:pPr>
+            <a:r>
+              <a:rPr lang="en-GB" dirty="0"/>
+              <a:t> </a:t>
+            </a:r>
+          </a:p>
+        </p:txBody>
+      </p:sp>
+    </p:spTree>
+    <p:extLst>
+      <p:ext uri="{BB962C8B-B14F-4D97-AF65-F5344CB8AC3E}">
+        <p14:creationId xmlns:p14="http://schemas.microsoft.com/office/powerpoint/2010/main" val="767546922"/>
+      </p:ext>
+    </p:extLst>
+  </p:cSld>
+  <p:clrMapOvr>
+    <a:masterClrMapping/>
+  </p:clrMapOvr>
+  <p:transition>
+    <p:fade/>
+  </p:transition>
+</p:sld>
+</file>
+
+<file path=ppt/slides/slide4.xml><?xml version="1.0" encoding="utf-8"?>
+<p:sld xmlns:a="http://schemas.openxmlformats.org/drawingml/2006/main" xmlns:r="http://schemas.openxmlformats.org/officeDocument/2006/relationships" xmlns:p="http://schemas.openxmlformats.org/presentationml/2006/main">
+  <p:cSld>
+    <p:bg>
+      <p:bgPr>
+        <a:gradFill flip="none" rotWithShape="1">
+          <a:gsLst>
+            <a:gs pos="31000">
+              <a:schemeClr val="accent1">
+                <a:lumMod val="5000"/>
+                <a:lumOff val="95000"/>
+              </a:schemeClr>
+            </a:gs>
+            <a:gs pos="60000">
+              <a:schemeClr val="accent1">
+                <a:lumMod val="45000"/>
+                <a:lumOff val="55000"/>
+              </a:schemeClr>
+            </a:gs>
+            <a:gs pos="83000">
+              <a:schemeClr val="accent1">
+                <a:lumMod val="45000"/>
+                <a:lumOff val="55000"/>
+              </a:schemeClr>
+            </a:gs>
+            <a:gs pos="100000">
+              <a:schemeClr val="accent1">
+                <a:lumMod val="30000"/>
+                <a:lumOff val="70000"/>
+              </a:schemeClr>
+            </a:gs>
+          </a:gsLst>
+          <a:lin ang="5400000" scaled="1"/>
+          <a:tileRect/>
+        </a:gradFill>
+        <a:effectLst/>
+      </p:bgPr>
+    </p:bg>
+    <p:spTree>
+      <p:nvGrpSpPr>
+        <p:cNvPr id="1" name=""/>
+        <p:cNvGrpSpPr/>
+        <p:nvPr/>
+      </p:nvGrpSpPr>
+      <p:grpSpPr>
+        <a:xfrm>
+          <a:off x="0" y="0"/>
+          <a:ext cx="0" cy="0"/>
+          <a:chOff x="0" y="0"/>
+          <a:chExt cx="0" cy="0"/>
+        </a:xfrm>
+      </p:grpSpPr>
+      <p:sp>
+        <p:nvSpPr>
           <p:cNvPr id="2" name="Title 1">
             <a:extLst>
               <a:ext uri="{FF2B5EF4-FFF2-40B4-BE49-F238E27FC236}">
@@ -20031,15 +21770,7 @@
             </a:r>
             <a:r>
               <a:rPr lang="en-US" dirty="0"/>
-              <a:t>: Post-war </a:t>
-            </a:r>
-            <a:r>
-              <a:rPr lang="en-US" dirty="0" err="1"/>
-              <a:t>commercialisation</a:t>
-            </a:r>
-            <a:r>
-              <a:rPr lang="en-US" dirty="0"/>
-              <a:t> and advertising has removed the difference between necessities and quality (physical and social scarcity)</a:t>
+              <a:t>: Post-war commercialisation and advertising has removed the difference between necessities and quality (physical and social scarcity)</a:t>
             </a:r>
           </a:p>
           <a:p>
@@ -20107,9 +21838,43 @@
 </p:sld>
 </file>
 
-<file path=ppt/slides/slide4.xml><?xml version="1.0" encoding="utf-8"?>
+<file path=ppt/slides/slide5.xml><?xml version="1.0" encoding="utf-8"?>
 <p:sld xmlns:a="http://schemas.openxmlformats.org/drawingml/2006/main" xmlns:r="http://schemas.openxmlformats.org/officeDocument/2006/relationships" xmlns:p="http://schemas.openxmlformats.org/presentationml/2006/main">
   <p:cSld>
+    <p:bg>
+      <p:bgPr>
+        <a:gradFill>
+          <a:gsLst>
+            <a:gs pos="30000">
+              <a:schemeClr val="accent1">
+                <a:lumMod val="5000"/>
+                <a:lumOff val="95000"/>
+              </a:schemeClr>
+            </a:gs>
+            <a:gs pos="55000">
+              <a:schemeClr val="accent1">
+                <a:lumMod val="45000"/>
+                <a:lumOff val="55000"/>
+              </a:schemeClr>
+            </a:gs>
+            <a:gs pos="83000">
+              <a:schemeClr val="accent1">
+                <a:lumMod val="45000"/>
+                <a:lumOff val="55000"/>
+              </a:schemeClr>
+            </a:gs>
+            <a:gs pos="100000">
+              <a:schemeClr val="accent1">
+                <a:lumMod val="30000"/>
+                <a:lumOff val="70000"/>
+              </a:schemeClr>
+            </a:gs>
+          </a:gsLst>
+          <a:lin ang="5400000" scaled="1"/>
+        </a:gradFill>
+        <a:effectLst/>
+      </p:bgPr>
+    </p:bg>
     <p:spTree>
       <p:nvGrpSpPr>
         <p:cNvPr id="1" name=""/>
@@ -20189,25 +21954,25 @@
           <a:p>
             <a:r>
               <a:rPr lang="en-GB" dirty="0"/>
-              <a:t>Before one can evaluate a model for status consumption, consider if status – view as a social position based on wealth/occupation –should determine consumption or if consumption itself predominantly could determines status. </a:t>
+              <a:t>Before we talk about a model for status consumption, let’s clarify if status – viewed as a social position based on wealth/occupation – should determines consumption or if instead consumption itself predominantly drives status </a:t>
             </a:r>
           </a:p>
           <a:p>
             <a:r>
               <a:rPr lang="en-GB" dirty="0"/>
-              <a:t>To answer this in empirical terms, one needs to define both status and status goods</a:t>
+              <a:t>This is a rather empirical question and requires us to define what status and status goods mean in a particular socio-cultural context</a:t>
             </a:r>
           </a:p>
           <a:p>
             <a:r>
               <a:rPr lang="en-GB" dirty="0"/>
-              <a:t>We consider status as expected future wealth and the status value from consumption as a combination of durable consumption and non-durable consumption in excess of needs</a:t>
+              <a:t>Since we wish to compare status consumption across economies, we consider status as expected future wealth and the status value from consumption. The latter is a combination of durable consumption and non-durable consumption in excess of needs</a:t>
             </a:r>
           </a:p>
           <a:p>
             <a:r>
               <a:rPr lang="en-GB" dirty="0"/>
-              <a:t>This is different from visible good view but we believe that this definition is more generic for comparison between disparate economies</a:t>
+              <a:t>This is more general than the visible goods perspective – which requires evaluating socio-cultural differences – and serves may serve as a more generic way of comparing status consumption across disparate economies</a:t>
             </a:r>
           </a:p>
         </p:txBody>
@@ -20241,7 +22006,7 @@
               <a:pPr>
                 <a:defRPr/>
               </a:pPr>
-              <a:t>4</a:t>
+              <a:t>5</a:t>
             </a:fld>
             <a:endParaRPr lang="en-GB" altLang="en-US" dirty="0"/>
           </a:p>
@@ -20263,9 +22028,43 @@
 </p:sld>
 </file>
 
-<file path=ppt/slides/slide5.xml><?xml version="1.0" encoding="utf-8"?>
+<file path=ppt/slides/slide6.xml><?xml version="1.0" encoding="utf-8"?>
 <p:sld xmlns:a="http://schemas.openxmlformats.org/drawingml/2006/main" xmlns:r="http://schemas.openxmlformats.org/officeDocument/2006/relationships" xmlns:p="http://schemas.openxmlformats.org/presentationml/2006/main">
   <p:cSld>
+    <p:bg>
+      <p:bgPr>
+        <a:gradFill>
+          <a:gsLst>
+            <a:gs pos="29000">
+              <a:schemeClr val="accent1">
+                <a:lumMod val="5000"/>
+                <a:lumOff val="95000"/>
+              </a:schemeClr>
+            </a:gs>
+            <a:gs pos="55000">
+              <a:schemeClr val="accent1">
+                <a:lumMod val="45000"/>
+                <a:lumOff val="55000"/>
+              </a:schemeClr>
+            </a:gs>
+            <a:gs pos="83000">
+              <a:schemeClr val="accent1">
+                <a:lumMod val="45000"/>
+                <a:lumOff val="55000"/>
+              </a:schemeClr>
+            </a:gs>
+            <a:gs pos="100000">
+              <a:schemeClr val="accent1">
+                <a:lumMod val="30000"/>
+                <a:lumOff val="70000"/>
+              </a:schemeClr>
+            </a:gs>
+          </a:gsLst>
+          <a:lin ang="5400000" scaled="1"/>
+        </a:gradFill>
+        <a:effectLst/>
+      </p:bgPr>
+    </p:bg>
     <p:spTree>
       <p:nvGrpSpPr>
         <p:cNvPr id="1" name=""/>
@@ -20336,7 +22135,7 @@
             </a:pPr>
             <a:r>
               <a:rPr lang="en-GB" dirty="0"/>
-              <a:t>Two assumptions to support our definition:</a:t>
+              <a:t>Two assumptions to support our definitions and the model:</a:t>
             </a:r>
           </a:p>
           <a:p>
@@ -20370,7 +22169,7 @@
             </a:r>
             <a:r>
               <a:rPr lang="en-GB" dirty="0"/>
-              <a:t>Status-related consumption that is not considered “wealth” (i.e. most of non-durable status-related consumption) cannot be inherited (bequeathed) but all else can be.</a:t>
+              <a:t>Status-related consumption that is not considered “wealth” (i.e. most of non-durable status-related consumption) cannot be inherited (bequeathed) but all else would be.</a:t>
             </a:r>
           </a:p>
           <a:p>
@@ -20407,7 +22206,7 @@
               <a:pPr>
                 <a:defRPr/>
               </a:pPr>
-              <a:t>5</a:t>
+              <a:t>6</a:t>
             </a:fld>
             <a:endParaRPr lang="en-GB" altLang="en-US" dirty="0"/>
           </a:p>
@@ -20429,9 +22228,43 @@
 </p:sld>
 </file>
 
-<file path=ppt/slides/slide6.xml><?xml version="1.0" encoding="utf-8"?>
+<file path=ppt/slides/slide7.xml><?xml version="1.0" encoding="utf-8"?>
 <p:sld xmlns:a="http://schemas.openxmlformats.org/drawingml/2006/main" xmlns:r="http://schemas.openxmlformats.org/officeDocument/2006/relationships" xmlns:p="http://schemas.openxmlformats.org/presentationml/2006/main">
   <p:cSld>
+    <p:bg>
+      <p:bgPr>
+        <a:gradFill>
+          <a:gsLst>
+            <a:gs pos="25000">
+              <a:schemeClr val="accent1">
+                <a:lumMod val="5000"/>
+                <a:lumOff val="95000"/>
+              </a:schemeClr>
+            </a:gs>
+            <a:gs pos="55000">
+              <a:schemeClr val="accent1">
+                <a:lumMod val="45000"/>
+                <a:lumOff val="55000"/>
+              </a:schemeClr>
+            </a:gs>
+            <a:gs pos="83000">
+              <a:schemeClr val="accent1">
+                <a:lumMod val="45000"/>
+                <a:lumOff val="55000"/>
+              </a:schemeClr>
+            </a:gs>
+            <a:gs pos="100000">
+              <a:schemeClr val="accent1">
+                <a:lumMod val="30000"/>
+                <a:lumOff val="70000"/>
+              </a:schemeClr>
+            </a:gs>
+          </a:gsLst>
+          <a:lin ang="5400000" scaled="1"/>
+        </a:gradFill>
+        <a:effectLst/>
+      </p:bgPr>
+    </p:bg>
     <p:spTree>
       <p:nvGrpSpPr>
         <p:cNvPr id="1" name=""/>
@@ -20469,7 +22302,7 @@
           <a:p>
             <a:r>
               <a:rPr lang="en-GB" dirty="0"/>
-              <a:t>A model for Status Demand </a:t>
+              <a:t>Status Demand Assumptions</a:t>
             </a:r>
           </a:p>
         </p:txBody>
@@ -20499,13 +22332,13 @@
           <a:p>
             <a:r>
               <a:rPr lang="en-GB" dirty="0"/>
-              <a:t>A1 (benefit from status consumption) ensures that all consumers – and hence the representative consumer in our model - benefit from expensive non-durable consumption</a:t>
+              <a:t>A1 (benefit from status consumption) ensures that all consumers –benefit from high non-durable consumption relative to their needs</a:t>
             </a:r>
           </a:p>
           <a:p>
             <a:r>
               <a:rPr lang="en-GB" dirty="0"/>
-              <a:t>A2 (durable good longevity) separates the long-term consumption from short-term consumption in the context of differences in starting wealth of the consumers.</a:t>
+              <a:t>A2 (durable good longevity) separates the long-term consumption from short-term consumption in the context of differences in consumer wealth levels</a:t>
             </a:r>
           </a:p>
           <a:p>
@@ -20545,7 +22378,7 @@
               <a:pPr>
                 <a:defRPr/>
               </a:pPr>
-              <a:t>6</a:t>
+              <a:t>7</a:t>
             </a:fld>
             <a:endParaRPr lang="en-GB" altLang="en-US" dirty="0"/>
           </a:p>
@@ -20567,9 +22400,43 @@
 </p:sld>
 </file>
 
-<file path=ppt/slides/slide7.xml><?xml version="1.0" encoding="utf-8"?>
+<file path=ppt/slides/slide8.xml><?xml version="1.0" encoding="utf-8"?>
 <p:sld xmlns:a="http://schemas.openxmlformats.org/drawingml/2006/main" xmlns:r="http://schemas.openxmlformats.org/officeDocument/2006/relationships" xmlns:p="http://schemas.openxmlformats.org/presentationml/2006/main">
   <p:cSld>
+    <p:bg>
+      <p:bgPr>
+        <a:gradFill>
+          <a:gsLst>
+            <a:gs pos="22000">
+              <a:schemeClr val="accent1">
+                <a:lumMod val="5000"/>
+                <a:lumOff val="95000"/>
+              </a:schemeClr>
+            </a:gs>
+            <a:gs pos="55000">
+              <a:schemeClr val="accent1">
+                <a:lumMod val="45000"/>
+                <a:lumOff val="55000"/>
+              </a:schemeClr>
+            </a:gs>
+            <a:gs pos="83000">
+              <a:schemeClr val="accent1">
+                <a:lumMod val="45000"/>
+                <a:lumOff val="55000"/>
+              </a:schemeClr>
+            </a:gs>
+            <a:gs pos="100000">
+              <a:schemeClr val="accent1">
+                <a:lumMod val="30000"/>
+                <a:lumOff val="70000"/>
+              </a:schemeClr>
+            </a:gs>
+          </a:gsLst>
+          <a:lin ang="5400000" scaled="1"/>
+        </a:gradFill>
+        <a:effectLst/>
+      </p:bgPr>
+    </p:bg>
     <p:spTree>
       <p:nvGrpSpPr>
         <p:cNvPr id="1" name=""/>
@@ -20607,7 +22474,7 @@
           <a:p>
             <a:r>
               <a:rPr lang="en-GB" dirty="0"/>
-              <a:t>Excess Non-Durable Consumption</a:t>
+              <a:t>Definitions: Excess Non-Durable Consumption</a:t>
             </a:r>
           </a:p>
         </p:txBody>
@@ -20631,14 +22498,17 @@
         <p:spPr/>
         <p:txBody>
           <a:bodyPr>
-            <a:normAutofit/>
+            <a:normAutofit fontScale="85000" lnSpcReduction="20000"/>
           </a:bodyPr>
           <a:lstStyle/>
           <a:p>
             <a:r>
               <a:rPr lang="en-GB" i="1" dirty="0"/>
-              <a:t>What are needs? </a:t>
-            </a:r>
+              <a:t>Consumption in Excess of Needs – but what are needs? </a:t>
+            </a:r>
+          </a:p>
+          <a:p>
+            <a:pPr lvl="1"/>
             <a:r>
               <a:rPr lang="en-GB" dirty="0"/>
               <a:t>We accept the </a:t>
@@ -20649,17 +22519,28 @@
             </a:r>
             <a:r>
               <a:rPr lang="en-GB" dirty="0"/>
-              <a:t>-Gough view which considers needs as only a guarantee of health and autonomy. </a:t>
-            </a:r>
+              <a:t>-Gough view and consider needs as only a guarantee of health and autonomy</a:t>
+            </a:r>
+          </a:p>
+          <a:p>
+            <a:pPr lvl="1"/>
+            <a:r>
+              <a:rPr lang="en-GB" dirty="0"/>
+              <a:t>Status is thus not a basic need. </a:t>
+            </a:r>
+          </a:p>
+          <a:p>
+            <a:pPr lvl="1"/>
+            <a:endParaRPr lang="en-GB" dirty="0"/>
           </a:p>
           <a:p>
             <a:r>
               <a:rPr lang="en-GB" i="1" dirty="0"/>
-              <a:t>What is excess? </a:t>
+              <a:t>Defining Excess</a:t>
             </a:r>
             <a:r>
               <a:rPr lang="en-GB" dirty="0"/>
-              <a:t>Thus status is not a basic need. Arguing that different households cannot have different basic except for age-composition and cardinality, we thus argue that</a:t>
+              <a:t> : Arguing that different households cannot have different basic except for age-composition and cardinality, we argue that</a:t>
             </a:r>
           </a:p>
           <a:p>
@@ -20669,7 +22550,7 @@
             </a:pPr>
             <a:r>
               <a:rPr lang="en-GB" dirty="0"/>
-              <a:t>Anything above the cost of needs of some potential status value to the consumer</a:t>
+              <a:t>Anything above the cost of needs is of some potential status value to the consumer</a:t>
             </a:r>
           </a:p>
           <a:p>
@@ -20679,7 +22560,34 @@
             </a:pPr>
             <a:r>
               <a:rPr lang="en-GB" dirty="0"/>
-              <a:t>Any durable goods purchased also of some status value</a:t>
+              <a:t>Any durable goods purchased are also of some status value</a:t>
+            </a:r>
+          </a:p>
+          <a:p>
+            <a:pPr marL="685800" lvl="1" indent="-342900">
+              <a:buFont typeface="+mj-lt"/>
+              <a:buAutoNum type="arabicPeriod"/>
+            </a:pPr>
+            <a:r>
+              <a:rPr lang="en-GB" dirty="0"/>
+              <a:t>All else are basic needs</a:t>
+            </a:r>
+          </a:p>
+          <a:p>
+            <a:r>
+              <a:rPr lang="en-GB" i="1" dirty="0"/>
+              <a:t>Empirical interpretation of needs</a:t>
+            </a:r>
+            <a:r>
+              <a:rPr lang="en-GB" dirty="0"/>
+              <a:t>: We argue that food costs and costs associated with owning a certain durable good (maintenance/repair fees etc.) are needed– but all else qualifies as excess.</a:t>
+            </a:r>
+          </a:p>
+          <a:p>
+            <a:pPr lvl="1"/>
+            <a:r>
+              <a:rPr lang="en-GB" dirty="0"/>
+              <a:t>Household goods (soap, electronics etc.) are not as necessary as food. This motivates a broad classification of items</a:t>
             </a:r>
           </a:p>
           <a:p>
@@ -20737,7 +22645,7 @@
               <a:pPr>
                 <a:defRPr/>
               </a:pPr>
-              <a:t>7</a:t>
+              <a:t>8</a:t>
             </a:fld>
             <a:endParaRPr lang="en-GB" altLang="en-US" dirty="0"/>
           </a:p>
@@ -20759,9 +22667,43 @@
 </p:sld>
 </file>
 
-<file path=ppt/slides/slide8.xml><?xml version="1.0" encoding="utf-8"?>
+<file path=ppt/slides/slide9.xml><?xml version="1.0" encoding="utf-8"?>
 <p:sld xmlns:a="http://schemas.openxmlformats.org/drawingml/2006/main" xmlns:r="http://schemas.openxmlformats.org/officeDocument/2006/relationships" xmlns:p="http://schemas.openxmlformats.org/presentationml/2006/main">
   <p:cSld>
+    <p:bg>
+      <p:bgPr>
+        <a:gradFill>
+          <a:gsLst>
+            <a:gs pos="23000">
+              <a:schemeClr val="accent1">
+                <a:lumMod val="5000"/>
+                <a:lumOff val="95000"/>
+              </a:schemeClr>
+            </a:gs>
+            <a:gs pos="55000">
+              <a:schemeClr val="accent1">
+                <a:lumMod val="45000"/>
+                <a:lumOff val="55000"/>
+              </a:schemeClr>
+            </a:gs>
+            <a:gs pos="83000">
+              <a:schemeClr val="accent1">
+                <a:lumMod val="45000"/>
+                <a:lumOff val="55000"/>
+              </a:schemeClr>
+            </a:gs>
+            <a:gs pos="100000">
+              <a:schemeClr val="accent1">
+                <a:lumMod val="30000"/>
+                <a:lumOff val="70000"/>
+              </a:schemeClr>
+            </a:gs>
+          </a:gsLst>
+          <a:lin ang="5400000" scaled="1"/>
+        </a:gradFill>
+        <a:effectLst/>
+      </p:bgPr>
+    </p:bg>
     <p:spTree>
       <p:nvGrpSpPr>
         <p:cNvPr id="1" name=""/>
@@ -20799,7 +22741,7 @@
           <a:p>
             <a:r>
               <a:rPr lang="en-US" dirty="0"/>
-              <a:t>Durable Goods</a:t>
+              <a:t>Durable Consumption</a:t>
             </a:r>
             <a:endParaRPr lang="en-GB" dirty="0"/>
           </a:p>
@@ -20828,7 +22770,7 @@
           <a:p>
             <a:r>
               <a:rPr lang="en-US" dirty="0"/>
-              <a:t>We consider goods that can be transferred over generation as the durable goods relevant for status consumption. Rest is considered non-durable.</a:t>
+              <a:t>Goods that can be transferred over generation as the durable goods relevant for status consumption. All else is non-durable consumption.</a:t>
             </a:r>
           </a:p>
           <a:p>
@@ -20868,7 +22810,7 @@
               <a:pPr>
                 <a:defRPr/>
               </a:pPr>
-              <a:t>8</a:t>
+              <a:t>9</a:t>
             </a:fld>
             <a:endParaRPr lang="en-GB" altLang="en-US" dirty="0"/>
           </a:p>
@@ -20890,865 +22832,45 @@
 </p:sld>
 </file>
 
-<file path=ppt/slides/slide9.xml><?xml version="1.0" encoding="utf-8"?>
-<p:sld xmlns:a="http://schemas.openxmlformats.org/drawingml/2006/main" xmlns:r="http://schemas.openxmlformats.org/officeDocument/2006/relationships" xmlns:p="http://schemas.openxmlformats.org/presentationml/2006/main">
-  <p:cSld>
-    <p:spTree>
-      <p:nvGrpSpPr>
-        <p:cNvPr id="1" name=""/>
-        <p:cNvGrpSpPr/>
-        <p:nvPr/>
-      </p:nvGrpSpPr>
-      <p:grpSpPr>
-        <a:xfrm>
-          <a:off x="0" y="0"/>
-          <a:ext cx="0" cy="0"/>
-          <a:chOff x="0" y="0"/>
-          <a:chExt cx="0" cy="0"/>
-        </a:xfrm>
-      </p:grpSpPr>
-      <p:sp>
-        <p:nvSpPr>
-          <p:cNvPr id="2" name="Title 1">
-            <a:extLst>
-              <a:ext uri="{FF2B5EF4-FFF2-40B4-BE49-F238E27FC236}">
-                <a16:creationId xmlns:a16="http://schemas.microsoft.com/office/drawing/2014/main" id="{5197BA4A-1F17-4889-AED9-6791AB01CD41}"/>
-              </a:ext>
-            </a:extLst>
-          </p:cNvPr>
-          <p:cNvSpPr>
-            <a:spLocks noGrp="1"/>
-          </p:cNvSpPr>
-          <p:nvPr>
-            <p:ph type="title"/>
-          </p:nvPr>
-        </p:nvSpPr>
-        <p:spPr/>
-        <p:txBody>
-          <a:bodyPr/>
-          <a:lstStyle/>
-          <a:p>
-            <a:r>
-              <a:rPr lang="en-GB" dirty="0"/>
-              <a:t>A model for Status Demand</a:t>
-            </a:r>
-          </a:p>
-        </p:txBody>
-      </p:sp>
-      <mc:AlternateContent xmlns:mc="http://schemas.openxmlformats.org/markup-compatibility/2006" xmlns:a14="http://schemas.microsoft.com/office/drawing/2010/main">
-        <mc:Choice Requires="a14">
-          <p:sp>
-            <p:nvSpPr>
-              <p:cNvPr id="3" name="Content Placeholder 2">
-                <a:extLst>
-                  <a:ext uri="{FF2B5EF4-FFF2-40B4-BE49-F238E27FC236}">
-                    <a16:creationId xmlns:a16="http://schemas.microsoft.com/office/drawing/2014/main" id="{4C53418E-F4DF-452B-BD85-A7D380E032CD}"/>
-                  </a:ext>
-                </a:extLst>
-              </p:cNvPr>
-              <p:cNvSpPr>
-                <a:spLocks noGrp="1"/>
-              </p:cNvSpPr>
-              <p:nvPr>
-                <p:ph idx="1"/>
-              </p:nvPr>
-            </p:nvSpPr>
-            <p:spPr/>
-            <p:txBody>
-              <a:bodyPr>
-                <a:normAutofit fontScale="62500" lnSpcReduction="20000"/>
-              </a:bodyPr>
-              <a:lstStyle/>
-              <a:p>
-                <a:r>
-                  <a:rPr lang="en-GB" dirty="0"/>
-                  <a:t>With the two assumption we thus claim that:</a:t>
-                </a:r>
-              </a:p>
-              <a:p>
-                <a:pPr lvl="1"/>
-                <a:r>
-                  <a:rPr lang="en-GB" dirty="0"/>
-                  <a:t>Claim 1: Status utility can be achieved both by </a:t>
-                </a:r>
-                <a:r>
-                  <a:rPr lang="en-GB" u="sng" dirty="0"/>
-                  <a:t>excess non-durable consumption</a:t>
-                </a:r>
-                <a:r>
-                  <a:rPr lang="en-GB" dirty="0"/>
-                  <a:t> and </a:t>
-                </a:r>
-                <a:r>
-                  <a:rPr lang="en-GB" u="sng" dirty="0"/>
-                  <a:t>inheritable durable goods</a:t>
-                </a:r>
-                <a:endParaRPr lang="en-GB" dirty="0"/>
-              </a:p>
-              <a:p>
-                <a:pPr lvl="1"/>
-                <a:r>
-                  <a:rPr lang="en-GB" dirty="0"/>
-                  <a:t>Claim 2: Fulfilment of minimum needs carries no status-advantage</a:t>
-                </a:r>
-              </a:p>
-              <a:p>
-                <a:r>
-                  <a:rPr lang="en-GB" dirty="0"/>
-                  <a:t>The above can now be integrated in an intertemporal substitution framework</a:t>
-                </a:r>
-              </a:p>
-              <a:p>
-                <a:r>
-                  <a:rPr lang="en-GB" dirty="0"/>
-                  <a:t>The consumer budget consists of the costs of owning assets, the excess non-durable consumption and the needs implied by her family units – these are easy to distinguish in the empirical data</a:t>
-                </a:r>
-              </a:p>
-              <a:p>
-                <a:r>
-                  <a:rPr lang="en-GB" dirty="0"/>
-                  <a:t>With the budget </a:t>
-                </a:r>
-                <a14:m>
-                  <m:oMath xmlns:m="http://schemas.openxmlformats.org/officeDocument/2006/math">
-                    <m:sSub>
-                      <m:sSubPr>
-                        <m:ctrlPr>
-                          <a:rPr lang="en-US" b="0" i="1" smtClean="0">
-                            <a:effectLst/>
-                            <a:latin typeface="Cambria Math" panose="02040503050406030204" pitchFamily="18" charset="0"/>
-                          </a:rPr>
-                        </m:ctrlPr>
-                      </m:sSubPr>
-                      <m:e>
-                        <m:r>
-                          <a:rPr lang="en-US" b="0" i="1" smtClean="0">
-                            <a:effectLst/>
-                            <a:latin typeface="Cambria Math" panose="02040503050406030204" pitchFamily="18" charset="0"/>
-                          </a:rPr>
-                          <m:t>𝑐</m:t>
-                        </m:r>
-                      </m:e>
-                      <m:sub>
-                        <m:r>
-                          <a:rPr lang="en-US" b="0" i="1" smtClean="0">
-                            <a:effectLst/>
-                            <a:latin typeface="Cambria Math" panose="02040503050406030204" pitchFamily="18" charset="0"/>
-                          </a:rPr>
-                          <m:t>𝑡</m:t>
-                        </m:r>
-                      </m:sub>
-                    </m:sSub>
-                  </m:oMath>
-                </a14:m>
-                <a:r>
-                  <a:rPr lang="en-GB" dirty="0"/>
-                  <a:t> ,</a:t>
-                </a:r>
-                <a:r>
-                  <a:rPr lang="en-US" dirty="0"/>
-                  <a:t> need-units </a:t>
-                </a:r>
-                <a14:m>
-                  <m:oMath xmlns:m="http://schemas.openxmlformats.org/officeDocument/2006/math">
-                    <m:sSub>
-                      <m:sSubPr>
-                        <m:ctrlPr>
-                          <a:rPr lang="en-US" i="1">
-                            <a:latin typeface="Cambria Math" panose="02040503050406030204" pitchFamily="18" charset="0"/>
-                          </a:rPr>
-                        </m:ctrlPr>
-                      </m:sSubPr>
-                      <m:e>
-                        <m:r>
-                          <a:rPr lang="en-US" b="0" i="1" smtClean="0">
-                            <a:latin typeface="Cambria Math" panose="02040503050406030204" pitchFamily="18" charset="0"/>
-                          </a:rPr>
-                          <m:t>𝜓</m:t>
-                        </m:r>
-                      </m:e>
-                      <m:sub>
-                        <m:r>
-                          <a:rPr lang="en-US" i="1">
-                            <a:latin typeface="Cambria Math" panose="02040503050406030204" pitchFamily="18" charset="0"/>
-                          </a:rPr>
-                          <m:t>𝑡</m:t>
-                        </m:r>
-                      </m:sub>
-                    </m:sSub>
-                  </m:oMath>
-                </a14:m>
-                <a:r>
-                  <a:rPr lang="en-GB" dirty="0"/>
-                  <a:t> , the non-durable consumption </a:t>
-                </a:r>
-                <a14:m>
-                  <m:oMath xmlns:m="http://schemas.openxmlformats.org/officeDocument/2006/math">
-                    <m:sSub>
-                      <m:sSubPr>
-                        <m:ctrlPr>
-                          <a:rPr lang="en-US" b="0" i="1" smtClean="0">
-                            <a:latin typeface="Cambria Math" panose="02040503050406030204" pitchFamily="18" charset="0"/>
-                          </a:rPr>
-                        </m:ctrlPr>
-                      </m:sSubPr>
-                      <m:e>
-                        <m:r>
-                          <a:rPr lang="en-US" b="0" i="1" smtClean="0">
-                            <a:latin typeface="Cambria Math" panose="02040503050406030204" pitchFamily="18" charset="0"/>
-                          </a:rPr>
-                          <m:t>𝜈</m:t>
-                        </m:r>
-                      </m:e>
-                      <m:sub>
-                        <m:r>
-                          <a:rPr lang="en-US" b="0" i="1" smtClean="0">
-                            <a:latin typeface="Cambria Math" panose="02040503050406030204" pitchFamily="18" charset="0"/>
-                          </a:rPr>
-                          <m:t>𝑡</m:t>
-                        </m:r>
-                      </m:sub>
-                    </m:sSub>
-                  </m:oMath>
-                </a14:m>
-                <a:r>
-                  <a:rPr lang="en-GB" dirty="0"/>
-                  <a:t>, the level of richness in her neighbourhood </a:t>
-                </a:r>
-                <a14:m>
-                  <m:oMath xmlns:m="http://schemas.openxmlformats.org/officeDocument/2006/math">
-                    <m:sSub>
-                      <m:sSubPr>
-                        <m:ctrlPr>
-                          <a:rPr lang="en-US" b="0" i="1" smtClean="0">
-                            <a:latin typeface="Cambria Math" panose="02040503050406030204" pitchFamily="18" charset="0"/>
-                          </a:rPr>
-                        </m:ctrlPr>
-                      </m:sSubPr>
-                      <m:e>
-                        <m:r>
-                          <a:rPr lang="en-US" b="0" i="1" smtClean="0">
-                            <a:latin typeface="Cambria Math" panose="02040503050406030204" pitchFamily="18" charset="0"/>
-                          </a:rPr>
-                          <m:t>𝑟</m:t>
-                        </m:r>
-                      </m:e>
-                      <m:sub>
-                        <m:r>
-                          <a:rPr lang="en-US" b="0" i="1" smtClean="0">
-                            <a:latin typeface="Cambria Math" panose="02040503050406030204" pitchFamily="18" charset="0"/>
-                          </a:rPr>
-                          <m:t>𝑡</m:t>
-                        </m:r>
-                      </m:sub>
-                    </m:sSub>
-                  </m:oMath>
-                </a14:m>
-                <a:r>
-                  <a:rPr lang="en-GB" dirty="0"/>
-                  <a:t> and an associated cost-function for </a:t>
-                </a:r>
-                <a14:m>
-                  <m:oMath xmlns:m="http://schemas.openxmlformats.org/officeDocument/2006/math">
-                    <m:sSub>
-                      <m:sSubPr>
-                        <m:ctrlPr>
-                          <a:rPr lang="en-US" i="1">
-                            <a:latin typeface="Cambria Math" panose="02040503050406030204" pitchFamily="18" charset="0"/>
-                          </a:rPr>
-                        </m:ctrlPr>
-                      </m:sSubPr>
-                      <m:e>
-                        <m:r>
-                          <m:rPr>
-                            <m:sty m:val="p"/>
-                          </m:rPr>
-                          <a:rPr lang="en-US">
-                            <a:latin typeface="Cambria Math" panose="02040503050406030204" pitchFamily="18" charset="0"/>
-                          </a:rPr>
-                          <m:t>Ψ</m:t>
-                        </m:r>
-                      </m:e>
-                      <m:sub>
-                        <m:r>
-                          <a:rPr lang="en-US" i="1">
-                            <a:latin typeface="Cambria Math" panose="02040503050406030204" pitchFamily="18" charset="0"/>
-                          </a:rPr>
-                          <m:t>𝑡</m:t>
-                        </m:r>
-                      </m:sub>
-                    </m:sSub>
-                  </m:oMath>
-                </a14:m>
-                <a:r>
-                  <a:rPr lang="en-GB" dirty="0"/>
-                  <a:t> we can write</a:t>
-                </a:r>
-              </a:p>
-              <a:p>
-                <a:pPr marL="0" indent="0" algn="ctr">
-                  <a:buNone/>
-                </a:pPr>
-                <a14:m>
-                  <m:oMath xmlns:m="http://schemas.openxmlformats.org/officeDocument/2006/math">
-                    <m:sSub>
-                      <m:sSubPr>
-                        <m:ctrlPr>
-                          <a:rPr lang="en-US" b="0" i="1" smtClean="0">
-                            <a:effectLst/>
-                            <a:latin typeface="Cambria Math" panose="02040503050406030204" pitchFamily="18" charset="0"/>
-                          </a:rPr>
-                        </m:ctrlPr>
-                      </m:sSubPr>
-                      <m:e>
-                        <m:r>
-                          <a:rPr lang="en-US" b="0" i="1" smtClean="0">
-                            <a:effectLst/>
-                            <a:latin typeface="Cambria Math" panose="02040503050406030204" pitchFamily="18" charset="0"/>
-                          </a:rPr>
-                          <m:t>𝑐</m:t>
-                        </m:r>
-                      </m:e>
-                      <m:sub>
-                        <m:r>
-                          <a:rPr lang="en-US" b="0" i="1" smtClean="0">
-                            <a:effectLst/>
-                            <a:latin typeface="Cambria Math" panose="02040503050406030204" pitchFamily="18" charset="0"/>
-                          </a:rPr>
-                          <m:t>𝑡</m:t>
-                        </m:r>
-                      </m:sub>
-                    </m:sSub>
-                    <m:r>
-                      <a:rPr lang="en-US" b="0" i="1" smtClean="0">
-                        <a:effectLst/>
-                        <a:latin typeface="Cambria Math" panose="02040503050406030204" pitchFamily="18" charset="0"/>
-                      </a:rPr>
-                      <m:t>=</m:t>
-                    </m:r>
-                    <m:sSub>
-                      <m:sSubPr>
-                        <m:ctrlPr>
-                          <a:rPr lang="en-US" b="0" i="1" smtClean="0">
-                            <a:effectLst/>
-                            <a:latin typeface="Cambria Math" panose="02040503050406030204" pitchFamily="18" charset="0"/>
-                          </a:rPr>
-                        </m:ctrlPr>
-                      </m:sSubPr>
-                      <m:e>
-                        <m:r>
-                          <a:rPr lang="en-US" b="0" i="1" smtClean="0">
-                            <a:effectLst/>
-                            <a:latin typeface="Cambria Math" panose="02040503050406030204" pitchFamily="18" charset="0"/>
-                          </a:rPr>
-                          <m:t>𝜓</m:t>
-                        </m:r>
-                      </m:e>
-                      <m:sub>
-                        <m:r>
-                          <a:rPr lang="en-US" b="0" i="1" smtClean="0">
-                            <a:effectLst/>
-                            <a:latin typeface="Cambria Math" panose="02040503050406030204" pitchFamily="18" charset="0"/>
-                          </a:rPr>
-                          <m:t>𝑡</m:t>
-                        </m:r>
-                      </m:sub>
-                    </m:sSub>
-                    <m:sSub>
-                      <m:sSubPr>
-                        <m:ctrlPr>
-                          <a:rPr lang="en-US" b="0" i="1" smtClean="0">
-                            <a:effectLst/>
-                            <a:latin typeface="Cambria Math" panose="02040503050406030204" pitchFamily="18" charset="0"/>
-                          </a:rPr>
-                        </m:ctrlPr>
-                      </m:sSubPr>
-                      <m:e>
-                        <m:r>
-                          <a:rPr lang="en-US" b="0" i="1" smtClean="0">
-                            <a:effectLst/>
-                            <a:latin typeface="Cambria Math" panose="02040503050406030204" pitchFamily="18" charset="0"/>
-                          </a:rPr>
-                          <m:t>𝜈</m:t>
-                        </m:r>
-                      </m:e>
-                      <m:sub>
-                        <m:r>
-                          <a:rPr lang="en-US" b="0" i="1" smtClean="0">
-                            <a:effectLst/>
-                            <a:latin typeface="Cambria Math" panose="02040503050406030204" pitchFamily="18" charset="0"/>
-                          </a:rPr>
-                          <m:t>𝑡</m:t>
-                        </m:r>
-                      </m:sub>
-                    </m:sSub>
-                    <m:r>
-                      <a:rPr lang="en-US" b="0" i="1" smtClean="0">
-                        <a:effectLst/>
-                        <a:latin typeface="Cambria Math" panose="02040503050406030204" pitchFamily="18" charset="0"/>
-                      </a:rPr>
-                      <m:t>+</m:t>
-                    </m:r>
-                    <m:sSub>
-                      <m:sSubPr>
-                        <m:ctrlPr>
-                          <a:rPr lang="en-US" b="0" i="1" smtClean="0">
-                            <a:effectLst/>
-                            <a:latin typeface="Cambria Math" panose="02040503050406030204" pitchFamily="18" charset="0"/>
-                          </a:rPr>
-                        </m:ctrlPr>
-                      </m:sSubPr>
-                      <m:e>
-                        <m:r>
-                          <m:rPr>
-                            <m:sty m:val="p"/>
-                          </m:rPr>
-                          <a:rPr lang="en-US" b="0" i="0" smtClean="0">
-                            <a:effectLst/>
-                            <a:latin typeface="Cambria Math" panose="02040503050406030204" pitchFamily="18" charset="0"/>
-                          </a:rPr>
-                          <m:t>Ψ</m:t>
-                        </m:r>
-                      </m:e>
-                      <m:sub>
-                        <m:r>
-                          <a:rPr lang="en-US" b="0" i="1" smtClean="0">
-                            <a:effectLst/>
-                            <a:latin typeface="Cambria Math" panose="02040503050406030204" pitchFamily="18" charset="0"/>
-                          </a:rPr>
-                          <m:t>𝑡</m:t>
-                        </m:r>
-                      </m:sub>
-                    </m:sSub>
-                    <m:r>
-                      <a:rPr lang="en-US" b="0" i="1" smtClean="0">
-                        <a:effectLst/>
-                        <a:latin typeface="Cambria Math" panose="02040503050406030204" pitchFamily="18" charset="0"/>
-                      </a:rPr>
-                      <m:t>(</m:t>
-                    </m:r>
-                    <m:sSub>
-                      <m:sSubPr>
-                        <m:ctrlPr>
-                          <a:rPr lang="en-US" b="0" i="1" smtClean="0">
-                            <a:effectLst/>
-                            <a:latin typeface="Cambria Math" panose="02040503050406030204" pitchFamily="18" charset="0"/>
-                          </a:rPr>
-                        </m:ctrlPr>
-                      </m:sSubPr>
-                      <m:e>
-                        <m:r>
-                          <a:rPr lang="en-US" b="0" i="1" smtClean="0">
-                            <a:effectLst/>
-                            <a:latin typeface="Cambria Math" panose="02040503050406030204" pitchFamily="18" charset="0"/>
-                          </a:rPr>
-                          <m:t>𝑟</m:t>
-                        </m:r>
-                      </m:e>
-                      <m:sub>
-                        <m:r>
-                          <a:rPr lang="en-US" b="0" i="1" smtClean="0">
-                            <a:effectLst/>
-                            <a:latin typeface="Cambria Math" panose="02040503050406030204" pitchFamily="18" charset="0"/>
-                          </a:rPr>
-                          <m:t>𝑡</m:t>
-                        </m:r>
-                      </m:sub>
-                    </m:sSub>
-                    <m:r>
-                      <a:rPr lang="en-US" b="0" i="1" smtClean="0">
-                        <a:effectLst/>
-                        <a:latin typeface="Cambria Math" panose="02040503050406030204" pitchFamily="18" charset="0"/>
-                      </a:rPr>
-                      <m:t>)</m:t>
-                    </m:r>
-                  </m:oMath>
-                </a14:m>
-                <a:r>
-                  <a:rPr lang="en-GB" dirty="0">
-                    <a:effectLst/>
-                  </a:rPr>
-                  <a:t> </a:t>
-                </a:r>
-              </a:p>
-              <a:p>
-                <a:pPr marL="0" indent="0" algn="ctr">
-                  <a:buNone/>
-                </a:pPr>
-                <a:endParaRPr lang="en-GB" dirty="0">
-                  <a:effectLst/>
-                </a:endParaRPr>
-              </a:p>
-              <a:p>
-                <a:pPr marL="0" indent="0" algn="ctr">
-                  <a:buNone/>
-                </a:pPr>
-                <a:r>
-                  <a:rPr lang="en-GB" dirty="0"/>
-                  <a:t>or</a:t>
-                </a:r>
-              </a:p>
-              <a:p>
-                <a:pPr marL="0" indent="0" algn="ctr">
-                  <a:buNone/>
-                </a:pPr>
-                <a:endParaRPr lang="en-GB" dirty="0"/>
-              </a:p>
-              <a:p>
-                <a:pPr marL="0" indent="0" algn="ctr">
-                  <a:buNone/>
-                </a:pPr>
-                <a14:m>
-                  <m:oMathPara xmlns:m="http://schemas.openxmlformats.org/officeDocument/2006/math">
-                    <m:oMathParaPr>
-                      <m:jc m:val="centerGroup"/>
-                    </m:oMathParaPr>
-                    <m:oMath xmlns:m="http://schemas.openxmlformats.org/officeDocument/2006/math">
-                      <m:sSub>
-                        <m:sSubPr>
-                          <m:ctrlPr>
-                            <a:rPr lang="en-US" b="0" i="1" smtClean="0">
-                              <a:effectLst/>
-                              <a:latin typeface="Cambria Math" panose="02040503050406030204" pitchFamily="18" charset="0"/>
-                            </a:rPr>
-                          </m:ctrlPr>
-                        </m:sSubPr>
-                        <m:e>
-                          <m:r>
-                            <a:rPr lang="en-US" b="0" i="1" smtClean="0">
-                              <a:effectLst/>
-                              <a:latin typeface="Cambria Math" panose="02040503050406030204" pitchFamily="18" charset="0"/>
-                            </a:rPr>
-                            <m:t>𝑥</m:t>
-                          </m:r>
-                        </m:e>
-                        <m:sub>
-                          <m:r>
-                            <a:rPr lang="en-US" b="0" i="1" smtClean="0">
-                              <a:effectLst/>
-                              <a:latin typeface="Cambria Math" panose="02040503050406030204" pitchFamily="18" charset="0"/>
-                            </a:rPr>
-                            <m:t>𝑡</m:t>
-                          </m:r>
-                        </m:sub>
-                      </m:sSub>
-                      <m:r>
-                        <a:rPr lang="en-US" b="0" i="1" smtClean="0">
-                          <a:effectLst/>
-                          <a:latin typeface="Cambria Math" panose="02040503050406030204" pitchFamily="18" charset="0"/>
-                        </a:rPr>
-                        <m:t>=</m:t>
-                      </m:r>
-                      <m:sSub>
-                        <m:sSubPr>
-                          <m:ctrlPr>
-                            <a:rPr lang="en-US" b="0" i="1" smtClean="0">
-                              <a:effectLst/>
-                              <a:latin typeface="Cambria Math" panose="02040503050406030204" pitchFamily="18" charset="0"/>
-                            </a:rPr>
-                          </m:ctrlPr>
-                        </m:sSubPr>
-                        <m:e>
-                          <m:r>
-                            <a:rPr lang="en-US" b="0" i="1" smtClean="0">
-                              <a:effectLst/>
-                              <a:latin typeface="Cambria Math" panose="02040503050406030204" pitchFamily="18" charset="0"/>
-                            </a:rPr>
-                            <m:t>𝜈</m:t>
-                          </m:r>
-                        </m:e>
-                        <m:sub>
-                          <m:r>
-                            <a:rPr lang="en-US" b="0" i="1" smtClean="0">
-                              <a:effectLst/>
-                              <a:latin typeface="Cambria Math" panose="02040503050406030204" pitchFamily="18" charset="0"/>
-                            </a:rPr>
-                            <m:t>𝑡</m:t>
-                          </m:r>
-                        </m:sub>
-                      </m:sSub>
-                      <m:r>
-                        <a:rPr lang="en-US" b="0" i="1" smtClean="0">
-                          <a:effectLst/>
-                          <a:latin typeface="Cambria Math" panose="02040503050406030204" pitchFamily="18" charset="0"/>
-                        </a:rPr>
-                        <m:t>+</m:t>
-                      </m:r>
-                      <m:f>
-                        <m:fPr>
-                          <m:ctrlPr>
-                            <a:rPr lang="en-US" b="0" i="1" smtClean="0">
-                              <a:effectLst/>
-                              <a:latin typeface="Cambria Math" panose="02040503050406030204" pitchFamily="18" charset="0"/>
-                            </a:rPr>
-                          </m:ctrlPr>
-                        </m:fPr>
-                        <m:num>
-                          <m:sSub>
-                            <m:sSubPr>
-                              <m:ctrlPr>
-                                <a:rPr lang="en-US" i="1">
-                                  <a:latin typeface="Cambria Math" panose="02040503050406030204" pitchFamily="18" charset="0"/>
-                                </a:rPr>
-                              </m:ctrlPr>
-                            </m:sSubPr>
-                            <m:e>
-                              <m:r>
-                                <m:rPr>
-                                  <m:sty m:val="p"/>
-                                </m:rPr>
-                                <a:rPr lang="en-US">
-                                  <a:latin typeface="Cambria Math" panose="02040503050406030204" pitchFamily="18" charset="0"/>
-                                </a:rPr>
-                                <m:t>Ψ</m:t>
-                              </m:r>
-                            </m:e>
-                            <m:sub>
-                              <m:r>
-                                <a:rPr lang="en-US" i="1">
-                                  <a:latin typeface="Cambria Math" panose="02040503050406030204" pitchFamily="18" charset="0"/>
-                                </a:rPr>
-                                <m:t>𝑡</m:t>
-                              </m:r>
-                            </m:sub>
-                          </m:sSub>
-                          <m:r>
-                            <a:rPr lang="en-US" i="1">
-                              <a:latin typeface="Cambria Math" panose="02040503050406030204" pitchFamily="18" charset="0"/>
-                            </a:rPr>
-                            <m:t>(</m:t>
-                          </m:r>
-                          <m:sSub>
-                            <m:sSubPr>
-                              <m:ctrlPr>
-                                <a:rPr lang="en-US" i="1">
-                                  <a:latin typeface="Cambria Math" panose="02040503050406030204" pitchFamily="18" charset="0"/>
-                                </a:rPr>
-                              </m:ctrlPr>
-                            </m:sSubPr>
-                            <m:e>
-                              <m:r>
-                                <a:rPr lang="en-US" i="1">
-                                  <a:latin typeface="Cambria Math" panose="02040503050406030204" pitchFamily="18" charset="0"/>
-                                </a:rPr>
-                                <m:t>𝑟</m:t>
-                              </m:r>
-                            </m:e>
-                            <m:sub>
-                              <m:r>
-                                <a:rPr lang="en-US" i="1">
-                                  <a:latin typeface="Cambria Math" panose="02040503050406030204" pitchFamily="18" charset="0"/>
-                                </a:rPr>
-                                <m:t>𝑡</m:t>
-                              </m:r>
-                            </m:sub>
-                          </m:sSub>
-                          <m:r>
-                            <a:rPr lang="en-US" i="1">
-                              <a:latin typeface="Cambria Math" panose="02040503050406030204" pitchFamily="18" charset="0"/>
-                            </a:rPr>
-                            <m:t>)</m:t>
-                          </m:r>
-                        </m:num>
-                        <m:den>
-                          <m:sSub>
-                            <m:sSubPr>
-                              <m:ctrlPr>
-                                <a:rPr lang="en-US" i="1">
-                                  <a:latin typeface="Cambria Math" panose="02040503050406030204" pitchFamily="18" charset="0"/>
-                                </a:rPr>
-                              </m:ctrlPr>
-                            </m:sSubPr>
-                            <m:e>
-                              <m:r>
-                                <a:rPr lang="en-US" i="1">
-                                  <a:latin typeface="Cambria Math" panose="02040503050406030204" pitchFamily="18" charset="0"/>
-                                </a:rPr>
-                                <m:t>𝜓</m:t>
-                              </m:r>
-                            </m:e>
-                            <m:sub>
-                              <m:r>
-                                <a:rPr lang="en-US" i="1">
-                                  <a:latin typeface="Cambria Math" panose="02040503050406030204" pitchFamily="18" charset="0"/>
-                                </a:rPr>
-                                <m:t>𝑡</m:t>
-                              </m:r>
-                            </m:sub>
-                          </m:sSub>
-                        </m:den>
-                      </m:f>
-                    </m:oMath>
-                  </m:oMathPara>
-                </a14:m>
-                <a:endParaRPr lang="en-GB" dirty="0">
-                  <a:effectLst/>
-                </a:endParaRPr>
-              </a:p>
-              <a:p>
-                <a:pPr marL="0" indent="0">
-                  <a:buNone/>
-                </a:pPr>
-                <a:endParaRPr lang="en-GB" dirty="0"/>
-              </a:p>
-              <a:p>
-                <a:pPr marL="0" indent="0" algn="ctr">
-                  <a:buNone/>
-                </a:pPr>
-                <a:endParaRPr lang="en-GB" dirty="0"/>
-              </a:p>
-              <a:p>
-                <a:pPr marL="0" indent="0" algn="ctr">
-                  <a:buNone/>
-                </a:pPr>
-                <a:endParaRPr lang="en-GB" dirty="0">
-                  <a:effectLst/>
-                </a:endParaRPr>
-              </a:p>
-              <a:p>
-                <a:pPr marL="0" indent="0">
-                  <a:buNone/>
-                </a:pPr>
-                <a:endParaRPr lang="en-GB" dirty="0">
-                  <a:effectLst/>
-                </a:endParaRPr>
-              </a:p>
-              <a:p>
-                <a:endParaRPr lang="en-GB" dirty="0"/>
-              </a:p>
-            </p:txBody>
-          </p:sp>
-        </mc:Choice>
-        <mc:Fallback xmlns="">
-          <p:sp>
-            <p:nvSpPr>
-              <p:cNvPr id="3" name="Content Placeholder 2">
-                <a:extLst>
-                  <a:ext uri="{FF2B5EF4-FFF2-40B4-BE49-F238E27FC236}">
-                    <a16:creationId xmlns:a16="http://schemas.microsoft.com/office/drawing/2014/main" id="{4C53418E-F4DF-452B-BD85-A7D380E032CD}"/>
-                  </a:ext>
-                </a:extLst>
-              </p:cNvPr>
-              <p:cNvSpPr>
-                <a:spLocks noGrp="1" noRot="1" noChangeAspect="1" noMove="1" noResize="1" noEditPoints="1" noAdjustHandles="1" noChangeArrowheads="1" noChangeShapeType="1" noTextEdit="1"/>
-              </p:cNvSpPr>
-              <p:nvPr>
-                <p:ph idx="1"/>
-              </p:nvPr>
-            </p:nvSpPr>
-            <p:spPr>
-              <a:blipFill>
-                <a:blip r:embed="rId2"/>
-                <a:stretch>
-                  <a:fillRect t="-1682"/>
-                </a:stretch>
-              </a:blipFill>
-            </p:spPr>
-            <p:txBody>
-              <a:bodyPr/>
-              <a:lstStyle/>
-              <a:p>
-                <a:r>
-                  <a:rPr lang="en-GB">
-                    <a:noFill/>
-                  </a:rPr>
-                  <a:t> </a:t>
-                </a:r>
-              </a:p>
-            </p:txBody>
-          </p:sp>
-        </mc:Fallback>
-      </mc:AlternateContent>
-      <p:sp>
-        <p:nvSpPr>
-          <p:cNvPr id="4" name="Slide Number Placeholder 3">
-            <a:extLst>
-              <a:ext uri="{FF2B5EF4-FFF2-40B4-BE49-F238E27FC236}">
-                <a16:creationId xmlns:a16="http://schemas.microsoft.com/office/drawing/2014/main" id="{86AB3E68-6FBE-4DF0-9091-0B71452D5BFF}"/>
-              </a:ext>
-            </a:extLst>
-          </p:cNvPr>
-          <p:cNvSpPr>
-            <a:spLocks noGrp="1"/>
-          </p:cNvSpPr>
-          <p:nvPr>
-            <p:ph type="sldNum" sz="quarter" idx="12"/>
-          </p:nvPr>
-        </p:nvSpPr>
-        <p:spPr/>
-        <p:txBody>
-          <a:bodyPr/>
-          <a:lstStyle/>
-          <a:p>
-            <a:pPr>
-              <a:defRPr/>
-            </a:pPr>
-            <a:fld id="{8E35B453-7314-4BBD-9303-11C6BECC4B0D}" type="slidenum">
-              <a:rPr lang="en-GB" altLang="en-US" smtClean="0"/>
-              <a:pPr>
-                <a:defRPr/>
-              </a:pPr>
-              <a:t>9</a:t>
-            </a:fld>
-            <a:endParaRPr lang="en-GB" altLang="en-US" dirty="0"/>
-          </a:p>
-        </p:txBody>
-      </p:sp>
-    </p:spTree>
-    <p:extLst>
-      <p:ext uri="{BB962C8B-B14F-4D97-AF65-F5344CB8AC3E}">
-        <p14:creationId xmlns:p14="http://schemas.microsoft.com/office/powerpoint/2010/main" val="3270860042"/>
-      </p:ext>
-    </p:extLst>
-  </p:cSld>
-  <p:clrMapOvr>
-    <a:masterClrMapping/>
-  </p:clrMapOvr>
-  <p:transition>
-    <p:fade/>
-  </p:transition>
-</p:sld>
-</file>
-
 <file path=ppt/theme/theme1.xml><?xml version="1.0" encoding="utf-8"?>
 <a:theme xmlns:a="http://schemas.openxmlformats.org/drawingml/2006/main" name="UoR Theme">
   <a:themeElements>
-    <a:clrScheme name="LIMITLESS - Red">
+    <a:clrScheme name="AnuragS">
       <a:dk1>
-        <a:srgbClr val="50535A"/>
+        <a:sysClr val="windowText" lastClr="000000"/>
       </a:dk1>
       <a:lt1>
-        <a:srgbClr val="FFFFFF"/>
+        <a:sysClr val="window" lastClr="FFFFFF"/>
       </a:lt1>
       <a:dk2>
-        <a:srgbClr val="000000"/>
+        <a:srgbClr val="44546A"/>
       </a:dk2>
       <a:lt2>
-        <a:srgbClr val="E0E0E1"/>
+        <a:srgbClr val="E7E6E6"/>
       </a:lt2>
       <a:accent1>
-        <a:srgbClr val="D2002E"/>
+        <a:srgbClr val="F9E799"/>
       </a:accent1>
       <a:accent2>
-        <a:srgbClr val="EF7945"/>
+        <a:srgbClr val="ED7D31"/>
       </a:accent2>
       <a:accent3>
-        <a:srgbClr val="009A84"/>
+        <a:srgbClr val="A5A5A5"/>
       </a:accent3>
       <a:accent4>
-        <a:srgbClr val="8ABD24"/>
+        <a:srgbClr val="FFC000"/>
       </a:accent4>
       <a:accent5>
-        <a:srgbClr val="00AEEF"/>
+        <a:srgbClr val="5B9BD5"/>
       </a:accent5>
       <a:accent6>
-        <a:srgbClr val="79679C"/>
+        <a:srgbClr val="70AD47"/>
       </a:accent6>
       <a:hlink>
-        <a:srgbClr val="D2002E"/>
+        <a:srgbClr val="0563C1"/>
       </a:hlink>
       <a:folHlink>
-        <a:srgbClr val="747478"/>
+        <a:srgbClr val="954F72"/>
       </a:folHlink>
     </a:clrScheme>
     <a:fontScheme name="Custom 1">
@@ -22291,7 +23413,7 @@
 <file path=ppt/theme/theme2.xml><?xml version="1.0" encoding="utf-8"?>
 <a:theme xmlns:a="http://schemas.openxmlformats.org/drawingml/2006/main" name="Office Theme">
   <a:themeElements>
-    <a:clrScheme name="Office">
+    <a:clrScheme name="AnuragS">
       <a:dk1>
         <a:sysClr val="windowText" lastClr="000000"/>
       </a:dk1>
@@ -22305,7 +23427,7 @@
         <a:srgbClr val="E7E6E6"/>
       </a:lt2>
       <a:accent1>
-        <a:srgbClr val="5B9BD5"/>
+        <a:srgbClr val="F9E799"/>
       </a:accent1>
       <a:accent2>
         <a:srgbClr val="ED7D31"/>
@@ -22317,7 +23439,7 @@
         <a:srgbClr val="FFC000"/>
       </a:accent4>
       <a:accent5>
-        <a:srgbClr val="4472C4"/>
+        <a:srgbClr val="5B9BD5"/>
       </a:accent5>
       <a:accent6>
         <a:srgbClr val="70AD47"/>
@@ -22329,14 +23451,14 @@
         <a:srgbClr val="954F72"/>
       </a:folHlink>
     </a:clrScheme>
-    <a:fontScheme name="Office">
+    <a:fontScheme name="Office Theme">
       <a:majorFont>
-        <a:latin typeface="Calibri Light"/>
+        <a:latin typeface="Calibri Light" panose="020F0302020204030204"/>
         <a:ea typeface=""/>
         <a:cs typeface=""/>
-        <a:font script="Jpan" typeface="ＭＳ Ｐゴシック"/>
+        <a:font script="Jpan" typeface="游ゴシック Light"/>
         <a:font script="Hang" typeface="맑은 고딕"/>
-        <a:font script="Hans" typeface="宋体"/>
+        <a:font script="Hans" typeface="等线 Light"/>
         <a:font script="Hant" typeface="新細明體"/>
         <a:font script="Arab" typeface="Times New Roman"/>
         <a:font script="Hebr" typeface="Times New Roman"/>
@@ -22366,12 +23488,12 @@
         <a:font script="Geor" typeface="Sylfaen"/>
       </a:majorFont>
       <a:minorFont>
-        <a:latin typeface="Calibri"/>
+        <a:latin typeface="Calibri" panose="020F0502020204030204"/>
         <a:ea typeface=""/>
         <a:cs typeface=""/>
-        <a:font script="Jpan" typeface="ＭＳ Ｐゴシック"/>
+        <a:font script="Jpan" typeface="游ゴシック"/>
         <a:font script="Hang" typeface="맑은 고딕"/>
-        <a:font script="Hans" typeface="宋体"/>
+        <a:font script="Hans" typeface="等线"/>
         <a:font script="Hant" typeface="新細明體"/>
         <a:font script="Arab" typeface="Arial"/>
         <a:font script="Hebr" typeface="Arial"/>

--- a/consumption/presentationOct2021.pptx
+++ b/consumption/presentationOct2021.pptx
@@ -6,10 +6,10 @@
     <p:sldMasterId id="2147483840" r:id="rId2"/>
   </p:sldMasterIdLst>
   <p:notesMasterIdLst>
-    <p:notesMasterId r:id="rId27"/>
+    <p:notesMasterId r:id="rId28"/>
   </p:notesMasterIdLst>
   <p:handoutMasterIdLst>
-    <p:handoutMasterId r:id="rId28"/>
+    <p:handoutMasterId r:id="rId29"/>
   </p:handoutMasterIdLst>
   <p:sldIdLst>
     <p:sldId id="301" r:id="rId3"/>
@@ -28,49 +28,50 @@
     <p:sldId id="348" r:id="rId16"/>
     <p:sldId id="349" r:id="rId17"/>
     <p:sldId id="350" r:id="rId18"/>
-    <p:sldId id="324" r:id="rId19"/>
+    <p:sldId id="356" r:id="rId19"/>
     <p:sldId id="343" r:id="rId20"/>
     <p:sldId id="353" r:id="rId21"/>
     <p:sldId id="347" r:id="rId22"/>
     <p:sldId id="354" r:id="rId23"/>
-    <p:sldId id="337" r:id="rId24"/>
-    <p:sldId id="351" r:id="rId25"/>
-    <p:sldId id="320" r:id="rId26"/>
+    <p:sldId id="324" r:id="rId24"/>
+    <p:sldId id="337" r:id="rId25"/>
+    <p:sldId id="351" r:id="rId26"/>
+    <p:sldId id="320" r:id="rId27"/>
   </p:sldIdLst>
   <p:sldSz cx="9144000" cy="5143500" type="screen16x9"/>
   <p:notesSz cx="6718300" cy="9867900"/>
   <p:embeddedFontLst>
     <p:embeddedFont>
       <p:font typeface="Calibri" panose="020F0502020204030204" pitchFamily="34" charset="0"/>
-      <p:regular r:id="rId29"/>
-      <p:bold r:id="rId30"/>
-      <p:italic r:id="rId31"/>
-      <p:boldItalic r:id="rId32"/>
+      <p:regular r:id="rId30"/>
+      <p:bold r:id="rId31"/>
+      <p:italic r:id="rId32"/>
+      <p:boldItalic r:id="rId33"/>
     </p:embeddedFont>
     <p:embeddedFont>
       <p:font typeface="Calibri Light" panose="020F0302020204030204" pitchFamily="34" charset="0"/>
-      <p:regular r:id="rId33"/>
-      <p:italic r:id="rId34"/>
+      <p:regular r:id="rId34"/>
+      <p:italic r:id="rId35"/>
     </p:embeddedFont>
     <p:embeddedFont>
       <p:font typeface="Cambria Math" panose="02040503050406030204" pitchFamily="18" charset="0"/>
-      <p:regular r:id="rId35"/>
+      <p:regular r:id="rId36"/>
     </p:embeddedFont>
     <p:embeddedFont>
       <p:font typeface="Effra" panose="020B0604020202020204" charset="0"/>
-      <p:regular r:id="rId36"/>
-      <p:bold r:id="rId37"/>
-      <p:italic r:id="rId38"/>
-      <p:boldItalic r:id="rId39"/>
+      <p:regular r:id="rId37"/>
+      <p:bold r:id="rId38"/>
+      <p:italic r:id="rId39"/>
+      <p:boldItalic r:id="rId40"/>
     </p:embeddedFont>
     <p:embeddedFont>
       <p:font typeface="Effra Bold" panose="020B0604020202020204" charset="0"/>
-      <p:bold r:id="rId40"/>
+      <p:bold r:id="rId41"/>
     </p:embeddedFont>
     <p:embeddedFont>
       <p:font typeface="Effra Light" panose="020B0604020202020204" charset="0"/>
-      <p:regular r:id="rId41"/>
-      <p:italic r:id="rId42"/>
+      <p:regular r:id="rId42"/>
+      <p:italic r:id="rId43"/>
     </p:embeddedFont>
   </p:embeddedFontLst>
   <p:defaultTextStyle>
@@ -7502,7 +7503,7 @@
               <a:pPr>
                 <a:defRPr/>
               </a:pPr>
-              <a:t>10/22/2021</a:t>
+              <a:t>10/23/2021</a:t>
             </a:fld>
             <a:endParaRPr lang="en-US" altLang="en-US"/>
           </a:p>
@@ -7943,7 +7944,7 @@
               <a:pPr>
                 <a:defRPr/>
               </a:pPr>
-              <a:t>10/22/2021</a:t>
+              <a:t>10/23/2021</a:t>
             </a:fld>
             <a:endParaRPr lang="en-US" altLang="en-US"/>
           </a:p>
@@ -8172,7 +8173,7 @@
               <a:pPr>
                 <a:defRPr/>
               </a:pPr>
-              <a:t>10/22/2021</a:t>
+              <a:t>10/23/2021</a:t>
             </a:fld>
             <a:endParaRPr lang="en-US" altLang="en-US"/>
           </a:p>
@@ -8361,7 +8362,7 @@
               <a:pPr>
                 <a:defRPr/>
               </a:pPr>
-              <a:t>10/22/2021</a:t>
+              <a:t>10/23/2021</a:t>
             </a:fld>
             <a:endParaRPr lang="en-US"/>
           </a:p>
@@ -8625,7 +8626,7 @@
               <a:pPr>
                 <a:defRPr/>
               </a:pPr>
-              <a:t>10/22/2021</a:t>
+              <a:t>10/23/2021</a:t>
             </a:fld>
             <a:endParaRPr lang="en-US"/>
           </a:p>
@@ -8876,7 +8877,7 @@
               <a:pPr>
                 <a:defRPr/>
               </a:pPr>
-              <a:t>10/22/2021</a:t>
+              <a:t>10/23/2021</a:t>
             </a:fld>
             <a:endParaRPr lang="en-US" altLang="en-US"/>
           </a:p>
@@ -9262,7 +9263,7 @@
               <a:pPr>
                 <a:defRPr/>
               </a:pPr>
-              <a:t>10/22/2021</a:t>
+              <a:t>10/23/2021</a:t>
             </a:fld>
             <a:endParaRPr lang="en-US"/>
           </a:p>
@@ -9399,7 +9400,7 @@
               <a:pPr>
                 <a:defRPr/>
               </a:pPr>
-              <a:t>10/22/2021</a:t>
+              <a:t>10/23/2021</a:t>
             </a:fld>
             <a:endParaRPr lang="en-US"/>
           </a:p>
@@ -9513,7 +9514,7 @@
               <a:pPr>
                 <a:defRPr/>
               </a:pPr>
-              <a:t>10/22/2021</a:t>
+              <a:t>10/23/2021</a:t>
             </a:fld>
             <a:endParaRPr lang="en-US"/>
           </a:p>
@@ -9809,7 +9810,7 @@
               <a:pPr>
                 <a:defRPr/>
               </a:pPr>
-              <a:t>10/22/2021</a:t>
+              <a:t>10/23/2021</a:t>
             </a:fld>
             <a:endParaRPr lang="en-US"/>
           </a:p>
@@ -10085,7 +10086,7 @@
               <a:pPr>
                 <a:defRPr/>
               </a:pPr>
-              <a:t>10/22/2021</a:t>
+              <a:t>10/23/2021</a:t>
             </a:fld>
             <a:endParaRPr lang="en-US"/>
           </a:p>
@@ -11513,7 +11514,7 @@
               <a:pPr>
                 <a:defRPr/>
               </a:pPr>
-              <a:t>10/22/2021</a:t>
+              <a:t>10/23/2021</a:t>
             </a:fld>
             <a:endParaRPr lang="en-US"/>
           </a:p>
@@ -11712,7 +11713,7 @@
               <a:pPr>
                 <a:defRPr/>
               </a:pPr>
-              <a:t>10/22/2021</a:t>
+              <a:t>10/23/2021</a:t>
             </a:fld>
             <a:endParaRPr lang="en-US"/>
           </a:p>
@@ -16071,7 +16072,7 @@
           <a:p>
             <a:fld id="{C764DE79-268F-4C1A-8933-263129D2AF90}" type="datetimeFigureOut">
               <a:rPr lang="en-US" dirty="0"/>
-              <a:t>10/22/2021</a:t>
+              <a:t>10/23/2021</a:t>
             </a:fld>
             <a:endParaRPr lang="en-US" dirty="0"/>
           </a:p>
@@ -16876,7 +16877,7 @@
             <p:spPr/>
             <p:txBody>
               <a:bodyPr>
-                <a:normAutofit fontScale="62500" lnSpcReduction="20000"/>
+                <a:normAutofit fontScale="70000" lnSpcReduction="20000"/>
               </a:bodyPr>
               <a:lstStyle/>
               <a:p>
@@ -16910,12 +16911,6 @@
                 <a:r>
                   <a:rPr lang="en-GB" dirty="0"/>
                   <a:t>Claim 2: Fulfilment of minimum needs carries no status-advantage</a:t>
-                </a:r>
-              </a:p>
-              <a:p>
-                <a:r>
-                  <a:rPr lang="en-GB" dirty="0"/>
-                  <a:t>The above can now be integrated in an intertemporal substitution framework</a:t>
                 </a:r>
               </a:p>
               <a:p>
@@ -17560,7 +17555,7 @@
               <a:blipFill>
                 <a:blip r:embed="rId2"/>
                 <a:stretch>
-                  <a:fillRect t="-1682"/>
+                  <a:fillRect l="-232" t="-2243" b="-1308"/>
                 </a:stretch>
               </a:blipFill>
             </p:spPr>
@@ -17709,8 +17704,8 @@
           </a:p>
         </p:txBody>
       </p:sp>
-      <mc:AlternateContent xmlns:mc="http://schemas.openxmlformats.org/markup-compatibility/2006">
-        <mc:Choice xmlns:a14="http://schemas.microsoft.com/office/drawing/2010/main" Requires="a14">
+      <mc:AlternateContent xmlns:mc="http://schemas.openxmlformats.org/markup-compatibility/2006" xmlns:a14="http://schemas.microsoft.com/office/drawing/2010/main">
+        <mc:Choice Requires="a14">
           <p:sp>
             <p:nvSpPr>
               <p:cNvPr id="3" name="Content Placeholder 2">
@@ -18597,7 +18592,7 @@
             </p:txBody>
           </p:sp>
         </mc:Choice>
-        <mc:Fallback>
+        <mc:Fallback xmlns="">
           <p:sp>
             <p:nvSpPr>
               <p:cNvPr id="3" name="Content Placeholder 2">
@@ -19198,7 +19193,7 @@
         <p:spPr>
           <a:xfrm>
             <a:off x="381000" y="1259604"/>
-            <a:ext cx="5787546" cy="1323439"/>
+            <a:ext cx="6076950" cy="1631216"/>
           </a:xfrm>
           <a:prstGeom prst="rect">
             <a:avLst/>
@@ -19206,7 +19201,7 @@
           <a:noFill/>
         </p:spPr>
         <p:txBody>
-          <a:bodyPr wrap="none" rtlCol="0">
+          <a:bodyPr wrap="square" rtlCol="0">
             <a:spAutoFit/>
           </a:bodyPr>
           <a:lstStyle/>
@@ -19233,7 +19228,7 @@
             </a:pPr>
             <a:r>
               <a:rPr lang="en-US" dirty="0"/>
-              <a:t>Vast asset differences exist across the country</a:t>
+              <a:t>Vast differences in asset ownership across the country</a:t>
             </a:r>
           </a:p>
           <a:p>
@@ -19626,28 +19621,28 @@
             <a:pPr lvl="1"/>
             <a:r>
               <a:rPr lang="en-GB" dirty="0"/>
-              <a:t>The non-parametric view of data shows vast differences in assets</a:t>
+              <a:t>There are vast differences in assets</a:t>
             </a:r>
           </a:p>
           <a:p>
             <a:pPr lvl="1"/>
             <a:r>
               <a:rPr lang="en-GB" dirty="0"/>
-              <a:t>The overall role of occupation is strong in Tanzania</a:t>
+              <a:t>Occupational differences across regions are high </a:t>
             </a:r>
           </a:p>
           <a:p>
             <a:pPr lvl="1"/>
             <a:r>
               <a:rPr lang="en-GB" dirty="0"/>
-              <a:t>The south and east of Tanzania are too far apart in assets and have incomparable amenities. This is less so in the central parts of </a:t>
+              <a:t>The south and east of Tanzania are too far apart in assets and have incomparable amenities. This is less so in the central parts.</a:t>
             </a:r>
           </a:p>
           <a:p>
             <a:pPr lvl="1"/>
             <a:r>
               <a:rPr lang="en-GB" dirty="0"/>
-              <a:t>The subjective well being does not align with the asset distribution</a:t>
+              <a:t>The subjective well being does not align with the asset distribution.</a:t>
             </a:r>
           </a:p>
           <a:p>
@@ -19667,8 +19662,19 @@
             <a:pPr lvl="1"/>
             <a:r>
               <a:rPr lang="en-GB" dirty="0"/>
-              <a:t>The role of occupation</a:t>
-            </a:r>
+              <a:t>The role of education is also significant</a:t>
+            </a:r>
+          </a:p>
+          <a:p>
+            <a:pPr lvl="1"/>
+            <a:r>
+              <a:rPr lang="en-GB" dirty="0"/>
+              <a:t>Occupational differences more uniform across regions</a:t>
+            </a:r>
+          </a:p>
+          <a:p>
+            <a:pPr lvl="1"/>
+            <a:endParaRPr lang="en-GB" dirty="0"/>
           </a:p>
         </p:txBody>
       </p:sp>
@@ -19803,41 +19809,296 @@
           </a:p>
         </p:txBody>
       </p:sp>
-      <p:sp>
-        <p:nvSpPr>
-          <p:cNvPr id="3" name="Content Placeholder 2">
-            <a:extLst>
-              <a:ext uri="{FF2B5EF4-FFF2-40B4-BE49-F238E27FC236}">
-                <a16:creationId xmlns:a16="http://schemas.microsoft.com/office/drawing/2014/main" id="{9182EAC1-F444-4637-9CC5-DE39E6E187B0}"/>
-              </a:ext>
-            </a:extLst>
-          </p:cNvPr>
-          <p:cNvSpPr>
-            <a:spLocks noGrp="1"/>
-          </p:cNvSpPr>
-          <p:nvPr>
-            <p:ph idx="1"/>
-          </p:nvPr>
-        </p:nvSpPr>
-        <p:spPr/>
-        <p:txBody>
-          <a:bodyPr/>
-          <a:lstStyle/>
-          <a:p>
-            <a:r>
-              <a:rPr lang="en-US" dirty="0"/>
-              <a:t>Basic Model</a:t>
-            </a:r>
-          </a:p>
-          <a:p>
-            <a:r>
-              <a:rPr lang="en-US" dirty="0"/>
-              <a:t>Quantile Regression</a:t>
-            </a:r>
-            <a:endParaRPr lang="en-GB" dirty="0"/>
-          </a:p>
-        </p:txBody>
-      </p:sp>
+      <mc:AlternateContent xmlns:mc="http://schemas.openxmlformats.org/markup-compatibility/2006">
+        <mc:Choice xmlns:a14="http://schemas.microsoft.com/office/drawing/2010/main" Requires="a14">
+          <p:sp>
+            <p:nvSpPr>
+              <p:cNvPr id="3" name="Content Placeholder 2">
+                <a:extLst>
+                  <a:ext uri="{FF2B5EF4-FFF2-40B4-BE49-F238E27FC236}">
+                    <a16:creationId xmlns:a16="http://schemas.microsoft.com/office/drawing/2014/main" id="{9182EAC1-F444-4637-9CC5-DE39E6E187B0}"/>
+                  </a:ext>
+                </a:extLst>
+              </p:cNvPr>
+              <p:cNvSpPr>
+                <a:spLocks noGrp="1"/>
+              </p:cNvSpPr>
+              <p:nvPr>
+                <p:ph idx="1"/>
+              </p:nvPr>
+            </p:nvSpPr>
+            <p:spPr/>
+            <p:txBody>
+              <a:bodyPr/>
+              <a:lstStyle/>
+              <a:p>
+                <a:r>
+                  <a:rPr lang="en-US" dirty="0"/>
+                  <a:t>Basic Model</a:t>
+                </a:r>
+              </a:p>
+              <a:p>
+                <a:pPr lvl="1"/>
+                <a:r>
+                  <a:rPr lang="en-US" dirty="0"/>
+                  <a:t>Independent Variable</a:t>
+                </a:r>
+              </a:p>
+              <a:p>
+                <a:pPr lvl="2"/>
+                <a14:m>
+                  <m:oMath xmlns:m="http://schemas.openxmlformats.org/officeDocument/2006/math">
+                    <m:sSub>
+                      <m:sSubPr>
+                        <m:ctrlPr>
+                          <a:rPr lang="en-US" b="0" i="1" smtClean="0">
+                            <a:latin typeface="Cambria Math" panose="02040503050406030204" pitchFamily="18" charset="0"/>
+                          </a:rPr>
+                        </m:ctrlPr>
+                      </m:sSubPr>
+                      <m:e>
+                        <m:r>
+                          <a:rPr lang="en-US" b="0" i="1" smtClean="0">
+                            <a:latin typeface="Cambria Math" panose="02040503050406030204" pitchFamily="18" charset="0"/>
+                          </a:rPr>
+                          <m:t>𝑤</m:t>
+                        </m:r>
+                      </m:e>
+                      <m:sub>
+                        <m:r>
+                          <a:rPr lang="en-US" b="0" i="1" smtClean="0">
+                            <a:latin typeface="Cambria Math" panose="02040503050406030204" pitchFamily="18" charset="0"/>
+                          </a:rPr>
+                          <m:t>𝑛𝑒</m:t>
+                        </m:r>
+                      </m:sub>
+                    </m:sSub>
+                  </m:oMath>
+                </a14:m>
+                <a:r>
+                  <a:rPr lang="en-US" dirty="0"/>
+                  <a:t> - the budget share of food and other non-durable consumption </a:t>
+                </a:r>
+              </a:p>
+              <a:p>
+                <a:pPr lvl="1"/>
+                <a:r>
+                  <a:rPr lang="en-US" dirty="0"/>
+                  <a:t>Dependent (Control) Variables</a:t>
+                </a:r>
+              </a:p>
+              <a:p>
+                <a:pPr lvl="2"/>
+                <a14:m>
+                  <m:oMath xmlns:m="http://schemas.openxmlformats.org/officeDocument/2006/math">
+                    <m:r>
+                      <m:rPr>
+                        <m:sty m:val="p"/>
+                      </m:rPr>
+                      <a:rPr lang="en-US" b="0" i="0" smtClean="0">
+                        <a:latin typeface="Cambria Math" panose="02040503050406030204" pitchFamily="18" charset="0"/>
+                      </a:rPr>
+                      <m:t>log</m:t>
+                    </m:r>
+                    <m:r>
+                      <a:rPr lang="en-US" b="0" i="1" smtClean="0">
+                        <a:latin typeface="Cambria Math" panose="02040503050406030204" pitchFamily="18" charset="0"/>
+                      </a:rPr>
+                      <m:t>⁡(</m:t>
+                    </m:r>
+                    <m:r>
+                      <a:rPr lang="en-US" b="0" i="1" smtClean="0">
+                        <a:latin typeface="Cambria Math" panose="02040503050406030204" pitchFamily="18" charset="0"/>
+                      </a:rPr>
+                      <m:t>𝑥</m:t>
+                    </m:r>
+                    <m:r>
+                      <a:rPr lang="en-US" b="0" i="1" smtClean="0">
+                        <a:latin typeface="Cambria Math" panose="02040503050406030204" pitchFamily="18" charset="0"/>
+                      </a:rPr>
+                      <m:t>)</m:t>
+                    </m:r>
+                  </m:oMath>
+                </a14:m>
+                <a:r>
+                  <a:rPr lang="en-US" dirty="0"/>
+                  <a:t> - </a:t>
+                </a:r>
+                <a14:m>
+                  <m:oMath xmlns:m="http://schemas.openxmlformats.org/officeDocument/2006/math">
+                    <m:r>
+                      <a:rPr lang="en-US" b="0" i="1" smtClean="0">
+                        <a:latin typeface="Cambria Math" panose="02040503050406030204" pitchFamily="18" charset="0"/>
+                      </a:rPr>
+                      <m:t>𝑥</m:t>
+                    </m:r>
+                  </m:oMath>
+                </a14:m>
+                <a:r>
+                  <a:rPr lang="en-US" dirty="0"/>
+                  <a:t> is the sum of asset costs and the non-durable consumption inclusive of food</a:t>
+                </a:r>
+              </a:p>
+              <a:p>
+                <a:pPr lvl="2"/>
+                <a14:m>
+                  <m:oMath xmlns:m="http://schemas.openxmlformats.org/officeDocument/2006/math">
+                    <m:sSub>
+                      <m:sSubPr>
+                        <m:ctrlPr>
+                          <a:rPr lang="en-US" b="0" i="1" smtClean="0">
+                            <a:latin typeface="Cambria Math" panose="02040503050406030204" pitchFamily="18" charset="0"/>
+                          </a:rPr>
+                        </m:ctrlPr>
+                      </m:sSubPr>
+                      <m:e>
+                        <m:r>
+                          <a:rPr lang="en-US" b="0" i="1" smtClean="0">
+                            <a:latin typeface="Cambria Math" panose="02040503050406030204" pitchFamily="18" charset="0"/>
+                          </a:rPr>
+                          <m:t>𝑟</m:t>
+                        </m:r>
+                      </m:e>
+                      <m:sub>
+                        <m:r>
+                          <a:rPr lang="en-US" b="0" i="1" smtClean="0">
+                            <a:latin typeface="Cambria Math" panose="02040503050406030204" pitchFamily="18" charset="0"/>
+                          </a:rPr>
+                          <m:t>𝑡</m:t>
+                        </m:r>
+                      </m:sub>
+                    </m:sSub>
+                  </m:oMath>
+                </a14:m>
+                <a:r>
+                  <a:rPr lang="en-US" dirty="0"/>
+                  <a:t> - logarithm of mean asset values in the </a:t>
+                </a:r>
+                <a14:m>
+                  <m:oMath xmlns:m="http://schemas.openxmlformats.org/officeDocument/2006/math">
+                    <m:r>
+                      <a:rPr lang="en-US" i="1">
+                        <a:latin typeface="Cambria Math" panose="02040503050406030204" pitchFamily="18" charset="0"/>
+                      </a:rPr>
+                      <m:t>4 </m:t>
+                    </m:r>
+                    <m:r>
+                      <a:rPr lang="en-US" b="0" i="1" smtClean="0">
+                        <a:latin typeface="Cambria Math" panose="02040503050406030204" pitchFamily="18" charset="0"/>
+                      </a:rPr>
+                      <m:t>𝑘</m:t>
+                    </m:r>
+                    <m:sSup>
+                      <m:sSupPr>
+                        <m:ctrlPr>
+                          <a:rPr lang="en-US" b="0" i="1" smtClean="0">
+                            <a:latin typeface="Cambria Math" panose="02040503050406030204" pitchFamily="18" charset="0"/>
+                          </a:rPr>
+                        </m:ctrlPr>
+                      </m:sSupPr>
+                      <m:e>
+                        <m:r>
+                          <a:rPr lang="en-US" b="0" i="1" smtClean="0">
+                            <a:latin typeface="Cambria Math" panose="02040503050406030204" pitchFamily="18" charset="0"/>
+                          </a:rPr>
+                          <m:t>𝑚</m:t>
+                        </m:r>
+                      </m:e>
+                      <m:sup>
+                        <m:r>
+                          <a:rPr lang="en-US" b="0" i="1" smtClean="0">
+                            <a:latin typeface="Cambria Math" panose="02040503050406030204" pitchFamily="18" charset="0"/>
+                          </a:rPr>
+                          <m:t>2</m:t>
+                        </m:r>
+                      </m:sup>
+                    </m:sSup>
+                  </m:oMath>
+                </a14:m>
+                <a:r>
+                  <a:rPr lang="en-US" dirty="0"/>
+                  <a:t> area around the consumer’s district</a:t>
+                </a:r>
+              </a:p>
+              <a:p>
+                <a:pPr lvl="2"/>
+                <a14:m>
+                  <m:oMath xmlns:m="http://schemas.openxmlformats.org/officeDocument/2006/math">
+                    <m:sSub>
+                      <m:sSubPr>
+                        <m:ctrlPr>
+                          <a:rPr lang="en-US" b="0" i="1" smtClean="0">
+                            <a:latin typeface="Cambria Math" panose="02040503050406030204" pitchFamily="18" charset="0"/>
+                          </a:rPr>
+                        </m:ctrlPr>
+                      </m:sSubPr>
+                      <m:e>
+                        <m:r>
+                          <a:rPr lang="en-US" b="0" i="1" smtClean="0">
+                            <a:latin typeface="Cambria Math" panose="02040503050406030204" pitchFamily="18" charset="0"/>
+                          </a:rPr>
+                          <m:t>𝑝</m:t>
+                        </m:r>
+                      </m:e>
+                      <m:sub>
+                        <m:r>
+                          <a:rPr lang="en-US" b="0" i="1" smtClean="0">
+                            <a:latin typeface="Cambria Math" panose="02040503050406030204" pitchFamily="18" charset="0"/>
+                          </a:rPr>
+                          <m:t>𝑛𝑒𝑒𝑑𝑠</m:t>
+                        </m:r>
+                      </m:sub>
+                    </m:sSub>
+                  </m:oMath>
+                </a14:m>
+                <a:r>
+                  <a:rPr lang="en-US" dirty="0"/>
+                  <a:t> - inferred as the average cost-per-head of non-durable consumption inclusive of food</a:t>
+                </a:r>
+              </a:p>
+            </p:txBody>
+          </p:sp>
+        </mc:Choice>
+        <mc:Fallback>
+          <p:sp>
+            <p:nvSpPr>
+              <p:cNvPr id="3" name="Content Placeholder 2">
+                <a:extLst>
+                  <a:ext uri="{FF2B5EF4-FFF2-40B4-BE49-F238E27FC236}">
+                    <a16:creationId xmlns:a16="http://schemas.microsoft.com/office/drawing/2014/main" id="{9182EAC1-F444-4637-9CC5-DE39E6E187B0}"/>
+                  </a:ext>
+                </a:extLst>
+              </p:cNvPr>
+              <p:cNvSpPr>
+                <a:spLocks noGrp="1" noRot="1" noChangeAspect="1" noMove="1" noResize="1" noEditPoints="1" noAdjustHandles="1" noChangeArrowheads="1" noChangeShapeType="1" noTextEdit="1"/>
+              </p:cNvSpPr>
+              <p:nvPr>
+                <p:ph idx="1"/>
+              </p:nvPr>
+            </p:nvSpPr>
+            <p:spPr>
+              <a:blipFill>
+                <a:blip r:embed="rId2"/>
+                <a:stretch>
+                  <a:fillRect l="-773" t="-2243"/>
+                </a:stretch>
+              </a:blipFill>
+            </p:spPr>
+            <p:txBody>
+              <a:bodyPr/>
+              <a:lstStyle/>
+              <a:p>
+                <a:r>
+                  <a:rPr lang="en-GB">
+                    <a:noFill/>
+                  </a:rPr>
+                  <a:t> </a:t>
+                </a:r>
+              </a:p>
+            </p:txBody>
+          </p:sp>
+        </mc:Fallback>
+      </mc:AlternateContent>
       <p:sp>
         <p:nvSpPr>
           <p:cNvPr id="4" name="Slide Number Placeholder 3">
@@ -19896,13 +20157,13 @@
       <p:bgPr>
         <a:gradFill>
           <a:gsLst>
-            <a:gs pos="20000">
+            <a:gs pos="0">
               <a:schemeClr val="accent1">
                 <a:lumMod val="5000"/>
                 <a:lumOff val="95000"/>
               </a:schemeClr>
             </a:gs>
-            <a:gs pos="55000">
+            <a:gs pos="74000">
               <a:schemeClr val="accent1">
                 <a:lumMod val="45000"/>
                 <a:lumOff val="55000"/>
@@ -19945,7 +20206,7 @@
           <p:cNvPr id="2" name="Title 1">
             <a:extLst>
               <a:ext uri="{FF2B5EF4-FFF2-40B4-BE49-F238E27FC236}">
-                <a16:creationId xmlns:a16="http://schemas.microsoft.com/office/drawing/2014/main" id="{34E1DDED-AC9A-4208-A7A3-ED93E965CB62}"/>
+                <a16:creationId xmlns:a16="http://schemas.microsoft.com/office/drawing/2014/main" id="{05C9031C-2123-4FF1-BCC7-6F2D113AFB0F}"/>
               </a:ext>
             </a:extLst>
           </p:cNvPr>
@@ -19962,9 +20223,10 @@
           <a:lstStyle/>
           <a:p>
             <a:r>
-              <a:rPr lang="en-GB" dirty="0"/>
-              <a:t>Classification of items</a:t>
-            </a:r>
+              <a:rPr lang="en-US" dirty="0"/>
+              <a:t>Parametric Analysis (contd.)</a:t>
+            </a:r>
+            <a:endParaRPr lang="en-GB" dirty="0"/>
           </a:p>
         </p:txBody>
       </p:sp>
@@ -19973,7 +20235,7 @@
           <p:cNvPr id="3" name="Content Placeholder 2">
             <a:extLst>
               <a:ext uri="{FF2B5EF4-FFF2-40B4-BE49-F238E27FC236}">
-                <a16:creationId xmlns:a16="http://schemas.microsoft.com/office/drawing/2014/main" id="{6C9C9E65-D10B-4CD2-BE37-9B781D7440F9}"/>
+                <a16:creationId xmlns:a16="http://schemas.microsoft.com/office/drawing/2014/main" id="{9182EAC1-F444-4637-9CC5-DE39E6E187B0}"/>
               </a:ext>
             </a:extLst>
           </p:cNvPr>
@@ -19986,36 +20248,13 @@
         </p:nvSpPr>
         <p:spPr/>
         <p:txBody>
-          <a:bodyPr>
-            <a:normAutofit/>
-          </a:bodyPr>
+          <a:bodyPr/>
           <a:lstStyle/>
           <a:p>
             <a:r>
-              <a:rPr lang="en-GB" dirty="0"/>
-              <a:t>We attempt to look at how excess non-durable consumption varies across durable goods possession levels </a:t>
-            </a:r>
-          </a:p>
-          <a:p>
-            <a:r>
-              <a:rPr lang="en-GB" dirty="0"/>
-              <a:t>Local non-durable consumption is relative to local </a:t>
-            </a:r>
-          </a:p>
-          <a:p>
-            <a:r>
-              <a:rPr lang="en-GB" dirty="0"/>
-              <a:t>A necessary implication of the model is that consumers with both lower durable consumption and lower relative excess cannot compete with the consumer for whom both are higher </a:t>
-            </a:r>
-          </a:p>
-          <a:p>
-            <a:r>
-              <a:rPr lang="en-GB" dirty="0"/>
-              <a:t>The framework can be easily extended to other economies – because of surveying difference economies – we rely only on excluding asset costs from non-durable consumption</a:t>
-            </a:r>
-          </a:p>
-          <a:p>
-            <a:endParaRPr lang="en-GB" dirty="0"/>
+              <a:rPr lang="en-US" dirty="0"/>
+              <a:t>Comparing the effects of average local cost and average asset-richness</a:t>
+            </a:r>
           </a:p>
         </p:txBody>
       </p:sp>
@@ -20024,7 +20263,7 @@
           <p:cNvPr id="4" name="Slide Number Placeholder 3">
             <a:extLst>
               <a:ext uri="{FF2B5EF4-FFF2-40B4-BE49-F238E27FC236}">
-                <a16:creationId xmlns:a16="http://schemas.microsoft.com/office/drawing/2014/main" id="{9E114149-19E5-4CE5-B9E4-95A2009661DD}"/>
+                <a16:creationId xmlns:a16="http://schemas.microsoft.com/office/drawing/2014/main" id="{02B8584F-DFF9-47E8-8C04-DAFFDF47E165}"/>
               </a:ext>
             </a:extLst>
           </p:cNvPr>
@@ -20057,7 +20296,7 @@
     </p:spTree>
     <p:extLst>
       <p:ext uri="{BB962C8B-B14F-4D97-AF65-F5344CB8AC3E}">
-        <p14:creationId xmlns:p14="http://schemas.microsoft.com/office/powerpoint/2010/main" val="1493592576"/>
+        <p14:creationId xmlns:p14="http://schemas.microsoft.com/office/powerpoint/2010/main" val="2674020621"/>
       </p:ext>
     </p:extLst>
   </p:cSld>
@@ -20849,6 +21088,175 @@
       <p:bgPr>
         <a:gradFill>
           <a:gsLst>
+            <a:gs pos="20000">
+              <a:schemeClr val="accent1">
+                <a:lumMod val="5000"/>
+                <a:lumOff val="95000"/>
+              </a:schemeClr>
+            </a:gs>
+            <a:gs pos="55000">
+              <a:schemeClr val="accent1">
+                <a:lumMod val="45000"/>
+                <a:lumOff val="55000"/>
+              </a:schemeClr>
+            </a:gs>
+            <a:gs pos="83000">
+              <a:schemeClr val="accent1">
+                <a:lumMod val="45000"/>
+                <a:lumOff val="55000"/>
+              </a:schemeClr>
+            </a:gs>
+            <a:gs pos="100000">
+              <a:schemeClr val="accent1">
+                <a:lumMod val="30000"/>
+                <a:lumOff val="70000"/>
+              </a:schemeClr>
+            </a:gs>
+          </a:gsLst>
+          <a:lin ang="5400000" scaled="1"/>
+        </a:gradFill>
+        <a:effectLst/>
+      </p:bgPr>
+    </p:bg>
+    <p:spTree>
+      <p:nvGrpSpPr>
+        <p:cNvPr id="1" name=""/>
+        <p:cNvGrpSpPr/>
+        <p:nvPr/>
+      </p:nvGrpSpPr>
+      <p:grpSpPr>
+        <a:xfrm>
+          <a:off x="0" y="0"/>
+          <a:ext cx="0" cy="0"/>
+          <a:chOff x="0" y="0"/>
+          <a:chExt cx="0" cy="0"/>
+        </a:xfrm>
+      </p:grpSpPr>
+      <p:sp>
+        <p:nvSpPr>
+          <p:cNvPr id="2" name="Title 1">
+            <a:extLst>
+              <a:ext uri="{FF2B5EF4-FFF2-40B4-BE49-F238E27FC236}">
+                <a16:creationId xmlns:a16="http://schemas.microsoft.com/office/drawing/2014/main" id="{34E1DDED-AC9A-4208-A7A3-ED93E965CB62}"/>
+              </a:ext>
+            </a:extLst>
+          </p:cNvPr>
+          <p:cNvSpPr>
+            <a:spLocks noGrp="1"/>
+          </p:cNvSpPr>
+          <p:nvPr>
+            <p:ph type="title"/>
+          </p:nvPr>
+        </p:nvSpPr>
+        <p:spPr/>
+        <p:txBody>
+          <a:bodyPr/>
+          <a:lstStyle/>
+          <a:p>
+            <a:r>
+              <a:rPr lang="en-GB" dirty="0"/>
+              <a:t>Conclusions</a:t>
+            </a:r>
+          </a:p>
+        </p:txBody>
+      </p:sp>
+      <p:sp>
+        <p:nvSpPr>
+          <p:cNvPr id="3" name="Content Placeholder 2">
+            <a:extLst>
+              <a:ext uri="{FF2B5EF4-FFF2-40B4-BE49-F238E27FC236}">
+                <a16:creationId xmlns:a16="http://schemas.microsoft.com/office/drawing/2014/main" id="{6C9C9E65-D10B-4CD2-BE37-9B781D7440F9}"/>
+              </a:ext>
+            </a:extLst>
+          </p:cNvPr>
+          <p:cNvSpPr>
+            <a:spLocks noGrp="1"/>
+          </p:cNvSpPr>
+          <p:nvPr>
+            <p:ph idx="1"/>
+          </p:nvPr>
+        </p:nvSpPr>
+        <p:spPr/>
+        <p:txBody>
+          <a:bodyPr>
+            <a:normAutofit/>
+          </a:bodyPr>
+          <a:lstStyle/>
+          <a:p>
+            <a:r>
+              <a:rPr lang="en-GB" dirty="0"/>
+              <a:t>A necessary implication of the model is that consumers with both lower durable consumption and lower relative excess cannot compete with the consumer for whom both are higher </a:t>
+            </a:r>
+          </a:p>
+          <a:p>
+            <a:r>
+              <a:rPr lang="en-GB" dirty="0"/>
+              <a:t>The framework can be easily extended to other economies – because of surveying difference economies – we rely only on excluding asset costs from non-durable consumption</a:t>
+            </a:r>
+          </a:p>
+          <a:p>
+            <a:endParaRPr lang="en-GB" dirty="0"/>
+          </a:p>
+        </p:txBody>
+      </p:sp>
+      <p:sp>
+        <p:nvSpPr>
+          <p:cNvPr id="4" name="Slide Number Placeholder 3">
+            <a:extLst>
+              <a:ext uri="{FF2B5EF4-FFF2-40B4-BE49-F238E27FC236}">
+                <a16:creationId xmlns:a16="http://schemas.microsoft.com/office/drawing/2014/main" id="{9E114149-19E5-4CE5-B9E4-95A2009661DD}"/>
+              </a:ext>
+            </a:extLst>
+          </p:cNvPr>
+          <p:cNvSpPr>
+            <a:spLocks noGrp="1"/>
+          </p:cNvSpPr>
+          <p:nvPr>
+            <p:ph type="sldNum" sz="quarter" idx="12"/>
+          </p:nvPr>
+        </p:nvSpPr>
+        <p:spPr/>
+        <p:txBody>
+          <a:bodyPr/>
+          <a:lstStyle/>
+          <a:p>
+            <a:pPr>
+              <a:defRPr/>
+            </a:pPr>
+            <a:fld id="{8E35B453-7314-4BBD-9303-11C6BECC4B0D}" type="slidenum">
+              <a:rPr lang="en-GB" altLang="en-US" smtClean="0"/>
+              <a:pPr>
+                <a:defRPr/>
+              </a:pPr>
+              <a:t>22</a:t>
+            </a:fld>
+            <a:endParaRPr lang="en-GB" altLang="en-US" dirty="0"/>
+          </a:p>
+        </p:txBody>
+      </p:sp>
+    </p:spTree>
+    <p:extLst>
+      <p:ext uri="{BB962C8B-B14F-4D97-AF65-F5344CB8AC3E}">
+        <p14:creationId xmlns:p14="http://schemas.microsoft.com/office/powerpoint/2010/main" val="202028748"/>
+      </p:ext>
+    </p:extLst>
+  </p:cSld>
+  <p:clrMapOvr>
+    <a:masterClrMapping/>
+  </p:clrMapOvr>
+  <p:transition>
+    <p:fade/>
+  </p:transition>
+</p:sld>
+</file>
+
+<file path=ppt/slides/slide23.xml><?xml version="1.0" encoding="utf-8"?>
+<p:sld xmlns:a="http://schemas.openxmlformats.org/drawingml/2006/main" xmlns:r="http://schemas.openxmlformats.org/officeDocument/2006/relationships" xmlns:p="http://schemas.openxmlformats.org/presentationml/2006/main">
+  <p:cSld>
+    <p:bg>
+      <p:bgPr>
+        <a:gradFill>
+          <a:gsLst>
             <a:gs pos="24000">
               <a:schemeClr val="accent1">
                 <a:lumMod val="5000"/>
@@ -20987,7 +21395,7 @@
               <a:pPr>
                 <a:defRPr/>
               </a:pPr>
-              <a:t>22</a:t>
+              <a:t>23</a:t>
             </a:fld>
             <a:endParaRPr lang="en-GB" altLang="en-US" dirty="0"/>
           </a:p>
@@ -21009,7 +21417,7 @@
 </p:sld>
 </file>
 
-<file path=ppt/slides/slide23.xml><?xml version="1.0" encoding="utf-8"?>
+<file path=ppt/slides/slide24.xml><?xml version="1.0" encoding="utf-8"?>
 <p:sld xmlns:a="http://schemas.openxmlformats.org/drawingml/2006/main" xmlns:r="http://schemas.openxmlformats.org/officeDocument/2006/relationships" xmlns:p="http://schemas.openxmlformats.org/presentationml/2006/main">
   <p:cSld>
     <p:bg>
@@ -21160,7 +21568,7 @@
               <a:pPr>
                 <a:defRPr/>
               </a:pPr>
-              <a:t>23</a:t>
+              <a:t>24</a:t>
             </a:fld>
             <a:endParaRPr lang="en-GB" altLang="en-US" dirty="0"/>
           </a:p>
@@ -21182,7 +21590,7 @@
 </p:sld>
 </file>
 
-<file path=ppt/slides/slide24.xml><?xml version="1.0" encoding="utf-8"?>
+<file path=ppt/slides/slide25.xml><?xml version="1.0" encoding="utf-8"?>
 <p:sld xmlns:a="http://schemas.openxmlformats.org/drawingml/2006/main" xmlns:r="http://schemas.openxmlformats.org/officeDocument/2006/relationships" xmlns:p="http://schemas.openxmlformats.org/presentationml/2006/main">
   <p:cSld>
     <p:bg>
@@ -21432,7 +21840,7 @@
               <a:pPr>
                 <a:defRPr/>
               </a:pPr>
-              <a:t>24</a:t>
+              <a:t>25</a:t>
             </a:fld>
             <a:endParaRPr lang="en-GB" altLang="en-US" dirty="0"/>
           </a:p>
@@ -21948,19 +22356,19 @@
         <p:spPr/>
         <p:txBody>
           <a:bodyPr>
-            <a:normAutofit fontScale="92500" lnSpcReduction="10000"/>
+            <a:normAutofit fontScale="92500"/>
           </a:bodyPr>
           <a:lstStyle/>
           <a:p>
             <a:r>
               <a:rPr lang="en-GB" dirty="0"/>
-              <a:t>Before we talk about a model for status consumption, let’s clarify if status – viewed as a social position based on wealth/occupation – should determines consumption or if instead consumption itself predominantly drives status </a:t>
+              <a:t>Before we talk about a model for status consumption, consider if status – viewed as a social position based on wealth/occupation –determines consumption or if instead, consumption itself predominantly drives status </a:t>
             </a:r>
           </a:p>
           <a:p>
             <a:r>
               <a:rPr lang="en-GB" dirty="0"/>
-              <a:t>This is a rather empirical question and requires us to define what status and status goods mean in a particular socio-cultural context</a:t>
+              <a:t>This is an empirical assessment and requires us to define what status and status goods mean in a particular socio-cultural context</a:t>
             </a:r>
           </a:p>
           <a:p>
@@ -21972,7 +22380,7 @@
           <a:p>
             <a:r>
               <a:rPr lang="en-GB" dirty="0"/>
-              <a:t>This is more general than the visible goods perspective – which requires evaluating socio-cultural differences – and serves may serve as a more generic way of comparing status consumption across disparate economies</a:t>
+              <a:t>This is more general than the visible goods view and serves as a generic way of comparing status consumption across different economies</a:t>
             </a:r>
           </a:p>
         </p:txBody>
@@ -22498,13 +22906,13 @@
         <p:spPr/>
         <p:txBody>
           <a:bodyPr>
-            <a:normAutofit fontScale="85000" lnSpcReduction="20000"/>
+            <a:normAutofit fontScale="92500" lnSpcReduction="10000"/>
           </a:bodyPr>
           <a:lstStyle/>
           <a:p>
             <a:r>
               <a:rPr lang="en-GB" i="1" dirty="0"/>
-              <a:t>Consumption in Excess of Needs – but what are needs? </a:t>
+              <a:t>How do we define needs? </a:t>
             </a:r>
           </a:p>
           <a:p>
@@ -22519,14 +22927,7 @@
             </a:r>
             <a:r>
               <a:rPr lang="en-GB" dirty="0"/>
-              <a:t>-Gough view and consider needs as only a guarantee of health and autonomy</a:t>
-            </a:r>
-          </a:p>
-          <a:p>
-            <a:pPr lvl="1"/>
-            <a:r>
-              <a:rPr lang="en-GB" dirty="0"/>
-              <a:t>Status is thus not a basic need. </a:t>
+              <a:t>-Gough view and consider needs as only a guarantee of health and autonomy. Therefore status is not a basic need. </a:t>
             </a:r>
           </a:p>
           <a:p>
@@ -22580,18 +22981,8 @@
             </a:r>
             <a:r>
               <a:rPr lang="en-GB" dirty="0"/>
-              <a:t>: We argue that food costs and costs associated with owning a certain durable good (maintenance/repair fees etc.) are needed– but all else qualifies as excess.</a:t>
-            </a:r>
-          </a:p>
-          <a:p>
-            <a:pPr lvl="1"/>
-            <a:r>
-              <a:rPr lang="en-GB" dirty="0"/>
-              <a:t>Household goods (soap, electronics etc.) are not as necessary as food. This motivates a broad classification of items</a:t>
-            </a:r>
-          </a:p>
-          <a:p>
-            <a:endParaRPr lang="en-GB" dirty="0"/>
+              <a:t>: We argue that food would carry some status value in societies where food security problems are widespread</a:t>
+            </a:r>
           </a:p>
           <a:p>
             <a:endParaRPr lang="en-GB" dirty="0"/>

--- a/consumption/presentationOct2021.pptx
+++ b/consumption/presentationOct2021.pptx
@@ -6,10 +6,10 @@
     <p:sldMasterId id="2147483840" r:id="rId2"/>
   </p:sldMasterIdLst>
   <p:notesMasterIdLst>
-    <p:notesMasterId r:id="rId28"/>
+    <p:notesMasterId r:id="rId29"/>
   </p:notesMasterIdLst>
   <p:handoutMasterIdLst>
-    <p:handoutMasterId r:id="rId29"/>
+    <p:handoutMasterId r:id="rId30"/>
   </p:handoutMasterIdLst>
   <p:sldIdLst>
     <p:sldId id="301" r:id="rId3"/>
@@ -29,49 +29,50 @@
     <p:sldId id="349" r:id="rId17"/>
     <p:sldId id="350" r:id="rId18"/>
     <p:sldId id="356" r:id="rId19"/>
-    <p:sldId id="343" r:id="rId20"/>
-    <p:sldId id="353" r:id="rId21"/>
-    <p:sldId id="347" r:id="rId22"/>
-    <p:sldId id="354" r:id="rId23"/>
-    <p:sldId id="324" r:id="rId24"/>
-    <p:sldId id="337" r:id="rId25"/>
-    <p:sldId id="351" r:id="rId26"/>
-    <p:sldId id="320" r:id="rId27"/>
+    <p:sldId id="357" r:id="rId20"/>
+    <p:sldId id="343" r:id="rId21"/>
+    <p:sldId id="353" r:id="rId22"/>
+    <p:sldId id="347" r:id="rId23"/>
+    <p:sldId id="354" r:id="rId24"/>
+    <p:sldId id="324" r:id="rId25"/>
+    <p:sldId id="337" r:id="rId26"/>
+    <p:sldId id="351" r:id="rId27"/>
+    <p:sldId id="320" r:id="rId28"/>
   </p:sldIdLst>
   <p:sldSz cx="9144000" cy="5143500" type="screen16x9"/>
   <p:notesSz cx="6718300" cy="9867900"/>
   <p:embeddedFontLst>
     <p:embeddedFont>
       <p:font typeface="Calibri" panose="020F0502020204030204" pitchFamily="34" charset="0"/>
-      <p:regular r:id="rId30"/>
-      <p:bold r:id="rId31"/>
-      <p:italic r:id="rId32"/>
-      <p:boldItalic r:id="rId33"/>
+      <p:regular r:id="rId31"/>
+      <p:bold r:id="rId32"/>
+      <p:italic r:id="rId33"/>
+      <p:boldItalic r:id="rId34"/>
     </p:embeddedFont>
     <p:embeddedFont>
       <p:font typeface="Calibri Light" panose="020F0302020204030204" pitchFamily="34" charset="0"/>
-      <p:regular r:id="rId34"/>
-      <p:italic r:id="rId35"/>
+      <p:regular r:id="rId35"/>
+      <p:italic r:id="rId36"/>
     </p:embeddedFont>
     <p:embeddedFont>
       <p:font typeface="Cambria Math" panose="02040503050406030204" pitchFamily="18" charset="0"/>
-      <p:regular r:id="rId36"/>
+      <p:regular r:id="rId37"/>
     </p:embeddedFont>
     <p:embeddedFont>
       <p:font typeface="Effra" panose="020B0604020202020204" charset="0"/>
-      <p:regular r:id="rId37"/>
-      <p:bold r:id="rId38"/>
-      <p:italic r:id="rId39"/>
-      <p:boldItalic r:id="rId40"/>
+      <p:regular r:id="rId38"/>
+      <p:bold r:id="rId39"/>
+      <p:italic r:id="rId40"/>
+      <p:boldItalic r:id="rId41"/>
     </p:embeddedFont>
     <p:embeddedFont>
       <p:font typeface="Effra Bold" panose="020B0604020202020204" charset="0"/>
-      <p:bold r:id="rId41"/>
+      <p:bold r:id="rId42"/>
     </p:embeddedFont>
     <p:embeddedFont>
       <p:font typeface="Effra Light" panose="020B0604020202020204" charset="0"/>
-      <p:regular r:id="rId42"/>
-      <p:italic r:id="rId43"/>
+      <p:regular r:id="rId43"/>
+      <p:italic r:id="rId44"/>
     </p:embeddedFont>
   </p:embeddedFontLst>
   <p:defaultTextStyle>
@@ -1363,6 +1364,100 @@
 </p:notes>
 </file>
 
+<file path=ppt/notesSlides/notesSlide2.xml><?xml version="1.0" encoding="utf-8"?>
+<p:notes xmlns:a="http://schemas.openxmlformats.org/drawingml/2006/main" xmlns:r="http://schemas.openxmlformats.org/officeDocument/2006/relationships" xmlns:p="http://schemas.openxmlformats.org/presentationml/2006/main">
+  <p:cSld>
+    <p:spTree>
+      <p:nvGrpSpPr>
+        <p:cNvPr id="1" name=""/>
+        <p:cNvGrpSpPr/>
+        <p:nvPr/>
+      </p:nvGrpSpPr>
+      <p:grpSpPr>
+        <a:xfrm>
+          <a:off x="0" y="0"/>
+          <a:ext cx="0" cy="0"/>
+          <a:chOff x="0" y="0"/>
+          <a:chExt cx="0" cy="0"/>
+        </a:xfrm>
+      </p:grpSpPr>
+      <p:sp>
+        <p:nvSpPr>
+          <p:cNvPr id="2" name="Slide Image Placeholder 1"/>
+          <p:cNvSpPr>
+            <a:spLocks noGrp="1" noRot="1" noChangeAspect="1"/>
+          </p:cNvSpPr>
+          <p:nvPr>
+            <p:ph type="sldImg"/>
+          </p:nvPr>
+        </p:nvSpPr>
+        <p:spPr/>
+      </p:sp>
+      <p:sp>
+        <p:nvSpPr>
+          <p:cNvPr id="3" name="Notes Placeholder 2"/>
+          <p:cNvSpPr>
+            <a:spLocks noGrp="1"/>
+          </p:cNvSpPr>
+          <p:nvPr>
+            <p:ph type="body" idx="1"/>
+          </p:nvPr>
+        </p:nvSpPr>
+        <p:spPr/>
+        <p:txBody>
+          <a:bodyPr/>
+          <a:lstStyle/>
+          <a:p>
+            <a:r>
+              <a:rPr lang="en-US" dirty="0"/>
+              <a:t>The idea is that the consumer spending on non-durable consumption inclusive of food is influence by her total expenditure (depending on her own income) and the overall factors.</a:t>
+            </a:r>
+            <a:endParaRPr lang="en-GB" dirty="0"/>
+          </a:p>
+        </p:txBody>
+      </p:sp>
+      <p:sp>
+        <p:nvSpPr>
+          <p:cNvPr id="4" name="Slide Number Placeholder 3"/>
+          <p:cNvSpPr>
+            <a:spLocks noGrp="1"/>
+          </p:cNvSpPr>
+          <p:nvPr>
+            <p:ph type="sldNum" sz="quarter" idx="5"/>
+          </p:nvPr>
+        </p:nvSpPr>
+        <p:spPr/>
+        <p:txBody>
+          <a:bodyPr/>
+          <a:lstStyle/>
+          <a:p>
+            <a:pPr>
+              <a:defRPr/>
+            </a:pPr>
+            <a:fld id="{11552EB4-1397-4A19-91D2-50C32A30D6EE}" type="slidenum">
+              <a:rPr lang="en-GB" altLang="en-US" smtClean="0"/>
+              <a:pPr>
+                <a:defRPr/>
+              </a:pPr>
+              <a:t>16</a:t>
+            </a:fld>
+            <a:endParaRPr lang="en-GB" altLang="en-US" dirty="0"/>
+          </a:p>
+        </p:txBody>
+      </p:sp>
+    </p:spTree>
+    <p:extLst>
+      <p:ext uri="{BB962C8B-B14F-4D97-AF65-F5344CB8AC3E}">
+        <p14:creationId xmlns:p14="http://schemas.microsoft.com/office/powerpoint/2010/main" val="1445133414"/>
+      </p:ext>
+    </p:extLst>
+  </p:cSld>
+  <p:clrMapOvr>
+    <a:masterClrMapping/>
+  </p:clrMapOvr>
+</p:notes>
+</file>
+
 <file path=ppt/slideLayouts/slideLayout1.xml><?xml version="1.0" encoding="utf-8"?>
 <p:sldLayout xmlns:a="http://schemas.openxmlformats.org/drawingml/2006/main" xmlns:r="http://schemas.openxmlformats.org/officeDocument/2006/relationships" xmlns:p="http://schemas.openxmlformats.org/presentationml/2006/main" preserve="1" userDrawn="1">
   <p:cSld name="Two Column">
@@ -7503,7 +7598,7 @@
               <a:pPr>
                 <a:defRPr/>
               </a:pPr>
-              <a:t>10/23/2021</a:t>
+              <a:t>10/24/2021</a:t>
             </a:fld>
             <a:endParaRPr lang="en-US" altLang="en-US"/>
           </a:p>
@@ -7944,7 +8039,7 @@
               <a:pPr>
                 <a:defRPr/>
               </a:pPr>
-              <a:t>10/23/2021</a:t>
+              <a:t>10/24/2021</a:t>
             </a:fld>
             <a:endParaRPr lang="en-US" altLang="en-US"/>
           </a:p>
@@ -8173,7 +8268,7 @@
               <a:pPr>
                 <a:defRPr/>
               </a:pPr>
-              <a:t>10/23/2021</a:t>
+              <a:t>10/24/2021</a:t>
             </a:fld>
             <a:endParaRPr lang="en-US" altLang="en-US"/>
           </a:p>
@@ -8362,7 +8457,7 @@
               <a:pPr>
                 <a:defRPr/>
               </a:pPr>
-              <a:t>10/23/2021</a:t>
+              <a:t>10/24/2021</a:t>
             </a:fld>
             <a:endParaRPr lang="en-US"/>
           </a:p>
@@ -8626,7 +8721,7 @@
               <a:pPr>
                 <a:defRPr/>
               </a:pPr>
-              <a:t>10/23/2021</a:t>
+              <a:t>10/24/2021</a:t>
             </a:fld>
             <a:endParaRPr lang="en-US"/>
           </a:p>
@@ -8877,7 +8972,7 @@
               <a:pPr>
                 <a:defRPr/>
               </a:pPr>
-              <a:t>10/23/2021</a:t>
+              <a:t>10/24/2021</a:t>
             </a:fld>
             <a:endParaRPr lang="en-US" altLang="en-US"/>
           </a:p>
@@ -9263,7 +9358,7 @@
               <a:pPr>
                 <a:defRPr/>
               </a:pPr>
-              <a:t>10/23/2021</a:t>
+              <a:t>10/24/2021</a:t>
             </a:fld>
             <a:endParaRPr lang="en-US"/>
           </a:p>
@@ -9400,7 +9495,7 @@
               <a:pPr>
                 <a:defRPr/>
               </a:pPr>
-              <a:t>10/23/2021</a:t>
+              <a:t>10/24/2021</a:t>
             </a:fld>
             <a:endParaRPr lang="en-US"/>
           </a:p>
@@ -9514,7 +9609,7 @@
               <a:pPr>
                 <a:defRPr/>
               </a:pPr>
-              <a:t>10/23/2021</a:t>
+              <a:t>10/24/2021</a:t>
             </a:fld>
             <a:endParaRPr lang="en-US"/>
           </a:p>
@@ -9810,7 +9905,7 @@
               <a:pPr>
                 <a:defRPr/>
               </a:pPr>
-              <a:t>10/23/2021</a:t>
+              <a:t>10/24/2021</a:t>
             </a:fld>
             <a:endParaRPr lang="en-US"/>
           </a:p>
@@ -10086,7 +10181,7 @@
               <a:pPr>
                 <a:defRPr/>
               </a:pPr>
-              <a:t>10/23/2021</a:t>
+              <a:t>10/24/2021</a:t>
             </a:fld>
             <a:endParaRPr lang="en-US"/>
           </a:p>
@@ -11514,7 +11609,7 @@
               <a:pPr>
                 <a:defRPr/>
               </a:pPr>
-              <a:t>10/23/2021</a:t>
+              <a:t>10/24/2021</a:t>
             </a:fld>
             <a:endParaRPr lang="en-US"/>
           </a:p>
@@ -11713,7 +11808,7 @@
               <a:pPr>
                 <a:defRPr/>
               </a:pPr>
-              <a:t>10/23/2021</a:t>
+              <a:t>10/24/2021</a:t>
             </a:fld>
             <a:endParaRPr lang="en-US"/>
           </a:p>
@@ -16072,7 +16167,7 @@
           <a:p>
             <a:fld id="{C764DE79-268F-4C1A-8933-263129D2AF90}" type="datetimeFigureOut">
               <a:rPr lang="en-US" dirty="0"/>
-              <a:t>10/23/2021</a:t>
+              <a:t>10/24/2021</a:t>
             </a:fld>
             <a:endParaRPr lang="en-US" dirty="0"/>
           </a:p>
@@ -16856,8 +16951,8 @@
           </a:p>
         </p:txBody>
       </p:sp>
-      <mc:AlternateContent xmlns:mc="http://schemas.openxmlformats.org/markup-compatibility/2006">
-        <mc:Choice xmlns:a14="http://schemas.microsoft.com/office/drawing/2010/main" Requires="a14">
+      <mc:AlternateContent xmlns:mc="http://schemas.openxmlformats.org/markup-compatibility/2006" xmlns:a14="http://schemas.microsoft.com/office/drawing/2010/main">
+        <mc:Choice Requires="a14">
           <p:sp>
             <p:nvSpPr>
               <p:cNvPr id="3" name="Content Placeholder 2">
@@ -17534,7 +17629,7 @@
             </p:txBody>
           </p:sp>
         </mc:Choice>
-        <mc:Fallback>
+        <mc:Fallback xmlns="">
           <p:sp>
             <p:nvSpPr>
               <p:cNvPr id="3" name="Content Placeholder 2">
@@ -19829,12 +19924,14 @@
             </p:nvSpPr>
             <p:spPr/>
             <p:txBody>
-              <a:bodyPr/>
+              <a:bodyPr>
+                <a:normAutofit/>
+              </a:bodyPr>
               <a:lstStyle/>
               <a:p>
                 <a:r>
                   <a:rPr lang="en-US" dirty="0"/>
-                  <a:t>Basic Model</a:t>
+                  <a:t>Basic Model – The goal is to understand whether non-durable consumption is influenced more by asset-inequalities or local non-durable consumption </a:t>
                 </a:r>
               </a:p>
               <a:p>
@@ -19861,7 +19958,7 @@
                           <a:rPr lang="en-US" b="0" i="1" smtClean="0">
                             <a:latin typeface="Cambria Math" panose="02040503050406030204" pitchFamily="18" charset="0"/>
                           </a:rPr>
-                          <m:t>𝑤</m:t>
+                          <m:t>𝑞</m:t>
                         </m:r>
                       </m:e>
                       <m:sub>
@@ -19877,7 +19974,7 @@
                 </a14:m>
                 <a:r>
                   <a:rPr lang="en-US" dirty="0"/>
-                  <a:t> - the budget share of food and other non-durable consumption </a:t>
+                  <a:t> - the non-durable consumption including food</a:t>
                 </a:r>
               </a:p>
               <a:p>
@@ -19936,7 +20033,7 @@
                 </a14:m>
                 <a:r>
                   <a:rPr lang="en-US" dirty="0"/>
-                  <a:t> is the sum of asset costs and the non-durable consumption inclusive of food</a:t>
+                  <a:t> is the total per-head non-durable consumption</a:t>
                 </a:r>
               </a:p>
               <a:p>
@@ -20053,7 +20150,52 @@
                 </a14:m>
                 <a:r>
                   <a:rPr lang="en-US" dirty="0"/>
-                  <a:t> - inferred as the average cost-per-head of non-durable consumption inclusive of food</a:t>
+                  <a:t> - inferred as the average cost-per-head of non-durable consumption inclusive of food evaluated in the </a:t>
+                </a:r>
+                <a14:m>
+                  <m:oMath xmlns:m="http://schemas.openxmlformats.org/officeDocument/2006/math">
+                    <m:r>
+                      <a:rPr lang="en-US" i="1">
+                        <a:latin typeface="Cambria Math" panose="02040503050406030204" pitchFamily="18" charset="0"/>
+                      </a:rPr>
+                      <m:t>4 </m:t>
+                    </m:r>
+                    <m:r>
+                      <a:rPr lang="en-US" i="1">
+                        <a:latin typeface="Cambria Math" panose="02040503050406030204" pitchFamily="18" charset="0"/>
+                      </a:rPr>
+                      <m:t>𝑘</m:t>
+                    </m:r>
+                    <m:sSup>
+                      <m:sSupPr>
+                        <m:ctrlPr>
+                          <a:rPr lang="en-US" i="1">
+                            <a:latin typeface="Cambria Math" panose="02040503050406030204" pitchFamily="18" charset="0"/>
+                          </a:rPr>
+                        </m:ctrlPr>
+                      </m:sSupPr>
+                      <m:e>
+                        <m:r>
+                          <a:rPr lang="en-US" i="1">
+                            <a:latin typeface="Cambria Math" panose="02040503050406030204" pitchFamily="18" charset="0"/>
+                          </a:rPr>
+                          <m:t>𝑚</m:t>
+                        </m:r>
+                      </m:e>
+                      <m:sup>
+                        <m:r>
+                          <a:rPr lang="en-US" i="1">
+                            <a:latin typeface="Cambria Math" panose="02040503050406030204" pitchFamily="18" charset="0"/>
+                          </a:rPr>
+                          <m:t>2</m:t>
+                        </m:r>
+                      </m:sup>
+                    </m:sSup>
+                  </m:oMath>
+                </a14:m>
+                <a:r>
+                  <a:rPr lang="en-US" dirty="0"/>
+                  <a:t> area </a:t>
                 </a:r>
               </a:p>
             </p:txBody>
@@ -20078,7 +20220,7 @@
             </p:nvSpPr>
             <p:spPr>
               <a:blipFill>
-                <a:blip r:embed="rId2"/>
+                <a:blip r:embed="rId3"/>
                 <a:stretch>
                   <a:fillRect l="-773" t="-2243"/>
                 </a:stretch>
@@ -20151,6 +20293,197 @@
 </file>
 
 <file path=ppt/slides/slide17.xml><?xml version="1.0" encoding="utf-8"?>
+<p:sld xmlns:a="http://schemas.openxmlformats.org/drawingml/2006/main" xmlns:r="http://schemas.openxmlformats.org/officeDocument/2006/relationships" xmlns:p="http://schemas.openxmlformats.org/presentationml/2006/main">
+  <p:cSld>
+    <p:bg>
+      <p:bgPr>
+        <a:gradFill>
+          <a:gsLst>
+            <a:gs pos="20000">
+              <a:schemeClr val="accent1">
+                <a:lumMod val="5000"/>
+                <a:lumOff val="95000"/>
+              </a:schemeClr>
+            </a:gs>
+            <a:gs pos="55000">
+              <a:schemeClr val="accent1">
+                <a:lumMod val="45000"/>
+                <a:lumOff val="55000"/>
+              </a:schemeClr>
+            </a:gs>
+            <a:gs pos="83000">
+              <a:schemeClr val="accent1">
+                <a:lumMod val="45000"/>
+                <a:lumOff val="55000"/>
+              </a:schemeClr>
+            </a:gs>
+            <a:gs pos="100000">
+              <a:schemeClr val="accent1">
+                <a:lumMod val="30000"/>
+                <a:lumOff val="70000"/>
+              </a:schemeClr>
+            </a:gs>
+          </a:gsLst>
+          <a:lin ang="5400000" scaled="1"/>
+        </a:gradFill>
+        <a:effectLst/>
+      </p:bgPr>
+    </p:bg>
+    <p:spTree>
+      <p:nvGrpSpPr>
+        <p:cNvPr id="1" name=""/>
+        <p:cNvGrpSpPr/>
+        <p:nvPr/>
+      </p:nvGrpSpPr>
+      <p:grpSpPr>
+        <a:xfrm>
+          <a:off x="0" y="0"/>
+          <a:ext cx="0" cy="0"/>
+          <a:chOff x="0" y="0"/>
+          <a:chExt cx="0" cy="0"/>
+        </a:xfrm>
+      </p:grpSpPr>
+      <p:sp>
+        <p:nvSpPr>
+          <p:cNvPr id="2" name="Title 1">
+            <a:extLst>
+              <a:ext uri="{FF2B5EF4-FFF2-40B4-BE49-F238E27FC236}">
+                <a16:creationId xmlns:a16="http://schemas.microsoft.com/office/drawing/2014/main" id="{05C9031C-2123-4FF1-BCC7-6F2D113AFB0F}"/>
+              </a:ext>
+            </a:extLst>
+          </p:cNvPr>
+          <p:cNvSpPr>
+            <a:spLocks noGrp="1"/>
+          </p:cNvSpPr>
+          <p:nvPr>
+            <p:ph type="title"/>
+          </p:nvPr>
+        </p:nvSpPr>
+        <p:spPr/>
+        <p:txBody>
+          <a:bodyPr/>
+          <a:lstStyle/>
+          <a:p>
+            <a:r>
+              <a:rPr lang="en-US" dirty="0"/>
+              <a:t>Parametric Analysis (contd.)</a:t>
+            </a:r>
+            <a:endParaRPr lang="en-GB" dirty="0"/>
+          </a:p>
+        </p:txBody>
+      </p:sp>
+      <p:sp>
+        <p:nvSpPr>
+          <p:cNvPr id="4" name="Slide Number Placeholder 3">
+            <a:extLst>
+              <a:ext uri="{FF2B5EF4-FFF2-40B4-BE49-F238E27FC236}">
+                <a16:creationId xmlns:a16="http://schemas.microsoft.com/office/drawing/2014/main" id="{02B8584F-DFF9-47E8-8C04-DAFFDF47E165}"/>
+              </a:ext>
+            </a:extLst>
+          </p:cNvPr>
+          <p:cNvSpPr>
+            <a:spLocks noGrp="1"/>
+          </p:cNvSpPr>
+          <p:nvPr>
+            <p:ph type="sldNum" sz="quarter" idx="12"/>
+          </p:nvPr>
+        </p:nvSpPr>
+        <p:spPr/>
+        <p:txBody>
+          <a:bodyPr/>
+          <a:lstStyle/>
+          <a:p>
+            <a:pPr>
+              <a:defRPr/>
+            </a:pPr>
+            <a:fld id="{8E35B453-7314-4BBD-9303-11C6BECC4B0D}" type="slidenum">
+              <a:rPr lang="en-GB" altLang="en-US" smtClean="0"/>
+              <a:pPr>
+                <a:defRPr/>
+              </a:pPr>
+              <a:t>17</a:t>
+            </a:fld>
+            <a:endParaRPr lang="en-GB" altLang="en-US" dirty="0"/>
+          </a:p>
+        </p:txBody>
+      </p:sp>
+      <p:pic>
+        <p:nvPicPr>
+          <p:cNvPr id="6" name="Picture 5">
+            <a:extLst>
+              <a:ext uri="{FF2B5EF4-FFF2-40B4-BE49-F238E27FC236}">
+                <a16:creationId xmlns:a16="http://schemas.microsoft.com/office/drawing/2014/main" id="{B30CCFD3-1797-4004-ABAE-13F1EDA21D14}"/>
+              </a:ext>
+            </a:extLst>
+          </p:cNvPr>
+          <p:cNvPicPr>
+            <a:picLocks noChangeAspect="1"/>
+          </p:cNvPicPr>
+          <p:nvPr/>
+        </p:nvPicPr>
+        <p:blipFill>
+          <a:blip r:embed="rId2"/>
+          <a:stretch>
+            <a:fillRect/>
+          </a:stretch>
+        </p:blipFill>
+        <p:spPr>
+          <a:xfrm>
+            <a:off x="4724400" y="1191559"/>
+            <a:ext cx="3042485" cy="3575704"/>
+          </a:xfrm>
+          <a:prstGeom prst="rect">
+            <a:avLst/>
+          </a:prstGeom>
+        </p:spPr>
+      </p:pic>
+      <p:pic>
+        <p:nvPicPr>
+          <p:cNvPr id="12" name="Picture 11">
+            <a:extLst>
+              <a:ext uri="{FF2B5EF4-FFF2-40B4-BE49-F238E27FC236}">
+                <a16:creationId xmlns:a16="http://schemas.microsoft.com/office/drawing/2014/main" id="{0EC7AAE1-E54F-4EFF-ADFD-1F35900ADEC4}"/>
+              </a:ext>
+            </a:extLst>
+          </p:cNvPr>
+          <p:cNvPicPr>
+            <a:picLocks noChangeAspect="1"/>
+          </p:cNvPicPr>
+          <p:nvPr/>
+        </p:nvPicPr>
+        <p:blipFill>
+          <a:blip r:embed="rId3"/>
+          <a:stretch>
+            <a:fillRect/>
+          </a:stretch>
+        </p:blipFill>
+        <p:spPr>
+          <a:xfrm>
+            <a:off x="1096192" y="1191559"/>
+            <a:ext cx="2879743" cy="3768288"/>
+          </a:xfrm>
+          <a:prstGeom prst="rect">
+            <a:avLst/>
+          </a:prstGeom>
+        </p:spPr>
+      </p:pic>
+    </p:spTree>
+    <p:extLst>
+      <p:ext uri="{BB962C8B-B14F-4D97-AF65-F5344CB8AC3E}">
+        <p14:creationId xmlns:p14="http://schemas.microsoft.com/office/powerpoint/2010/main" val="457186729"/>
+      </p:ext>
+    </p:extLst>
+  </p:cSld>
+  <p:clrMapOvr>
+    <a:masterClrMapping/>
+  </p:clrMapOvr>
+  <p:transition>
+    <p:fade/>
+  </p:transition>
+</p:sld>
+</file>
+
+<file path=ppt/slides/slide18.xml><?xml version="1.0" encoding="utf-8"?>
 <p:sld xmlns:a="http://schemas.openxmlformats.org/drawingml/2006/main" xmlns:r="http://schemas.openxmlformats.org/officeDocument/2006/relationships" xmlns:p="http://schemas.openxmlformats.org/presentationml/2006/main">
   <p:cSld>
     <p:bg>
@@ -20206,7 +20539,7 @@
           <p:cNvPr id="2" name="Title 1">
             <a:extLst>
               <a:ext uri="{FF2B5EF4-FFF2-40B4-BE49-F238E27FC236}">
-                <a16:creationId xmlns:a16="http://schemas.microsoft.com/office/drawing/2014/main" id="{05C9031C-2123-4FF1-BCC7-6F2D113AFB0F}"/>
+                <a16:creationId xmlns:a16="http://schemas.microsoft.com/office/drawing/2014/main" id="{7DC5B59B-B4FA-4A7F-8CAD-830A4B2E7EC5}"/>
               </a:ext>
             </a:extLst>
           </p:cNvPr>
@@ -20230,196 +20563,305 @@
           </a:p>
         </p:txBody>
       </p:sp>
-      <p:sp>
-        <p:nvSpPr>
-          <p:cNvPr id="3" name="Content Placeholder 2">
-            <a:extLst>
-              <a:ext uri="{FF2B5EF4-FFF2-40B4-BE49-F238E27FC236}">
-                <a16:creationId xmlns:a16="http://schemas.microsoft.com/office/drawing/2014/main" id="{9182EAC1-F444-4637-9CC5-DE39E6E187B0}"/>
-              </a:ext>
-            </a:extLst>
-          </p:cNvPr>
-          <p:cNvSpPr>
-            <a:spLocks noGrp="1"/>
-          </p:cNvSpPr>
-          <p:nvPr>
-            <p:ph idx="1"/>
-          </p:nvPr>
-        </p:nvSpPr>
-        <p:spPr/>
-        <p:txBody>
-          <a:bodyPr/>
-          <a:lstStyle/>
-          <a:p>
-            <a:r>
-              <a:rPr lang="en-US" dirty="0"/>
-              <a:t>Comparing the effects of average local cost and average asset-richness</a:t>
-            </a:r>
-          </a:p>
-        </p:txBody>
-      </p:sp>
+      <mc:AlternateContent xmlns:mc="http://schemas.openxmlformats.org/markup-compatibility/2006">
+        <mc:Choice xmlns:a14="http://schemas.microsoft.com/office/drawing/2010/main" Requires="a14">
+          <p:sp>
+            <p:nvSpPr>
+              <p:cNvPr id="3" name="Content Placeholder 2">
+                <a:extLst>
+                  <a:ext uri="{FF2B5EF4-FFF2-40B4-BE49-F238E27FC236}">
+                    <a16:creationId xmlns:a16="http://schemas.microsoft.com/office/drawing/2014/main" id="{9274432F-36CF-47D4-BF49-038A8A4D8354}"/>
+                  </a:ext>
+                </a:extLst>
+              </p:cNvPr>
+              <p:cNvSpPr>
+                <a:spLocks noGrp="1"/>
+              </p:cNvSpPr>
+              <p:nvPr>
+                <p:ph idx="1"/>
+              </p:nvPr>
+            </p:nvSpPr>
+            <p:spPr/>
+            <p:txBody>
+              <a:bodyPr/>
+              <a:lstStyle/>
+              <a:p>
+                <a:r>
+                  <a:rPr lang="en-US" b="0" dirty="0">
+                    <a:latin typeface="Cambria Math" panose="02040503050406030204" pitchFamily="18" charset="0"/>
+                  </a:rPr>
+                  <a:t>The “classic” demand-equation model</a:t>
+                </a:r>
+              </a:p>
+              <a:p>
+                <a:pPr lvl="1"/>
+                <a14:m>
+                  <m:oMath xmlns:m="http://schemas.openxmlformats.org/officeDocument/2006/math">
+                    <m:sSub>
+                      <m:sSubPr>
+                        <m:ctrlPr>
+                          <a:rPr lang="en-US" b="0" i="1" smtClean="0">
+                            <a:latin typeface="Cambria Math" panose="02040503050406030204" pitchFamily="18" charset="0"/>
+                          </a:rPr>
+                        </m:ctrlPr>
+                      </m:sSubPr>
+                      <m:e>
+                        <m:r>
+                          <a:rPr lang="en-US" b="0" i="1" smtClean="0">
+                            <a:latin typeface="Cambria Math" panose="02040503050406030204" pitchFamily="18" charset="0"/>
+                          </a:rPr>
+                          <m:t>𝑤</m:t>
+                        </m:r>
+                      </m:e>
+                      <m:sub>
+                        <m:r>
+                          <a:rPr lang="en-US" b="0" i="1" smtClean="0">
+                            <a:latin typeface="Cambria Math" panose="02040503050406030204" pitchFamily="18" charset="0"/>
+                          </a:rPr>
+                          <m:t>𝑛𝑒</m:t>
+                        </m:r>
+                      </m:sub>
+                    </m:sSub>
+                  </m:oMath>
+                </a14:m>
+                <a:r>
+                  <a:rPr lang="en-US" dirty="0"/>
+                  <a:t> - the budget share of food and other non-durable consumption </a:t>
+                </a:r>
+              </a:p>
+              <a:p>
+                <a:pPr lvl="1"/>
+                <a14:m>
+                  <m:oMath xmlns:m="http://schemas.openxmlformats.org/officeDocument/2006/math">
+                    <m:r>
+                      <a:rPr lang="en-US" b="0" i="1" smtClean="0">
+                        <a:latin typeface="Cambria Math" panose="02040503050406030204" pitchFamily="18" charset="0"/>
+                      </a:rPr>
+                      <m:t>𝑥</m:t>
+                    </m:r>
+                  </m:oMath>
+                </a14:m>
+                <a:r>
+                  <a:rPr lang="en-US" dirty="0"/>
+                  <a:t> – the total budget comprising of asset values (purchased) and non-durable consumption</a:t>
+                </a:r>
+                <a:endParaRPr lang="en-GB" dirty="0"/>
+              </a:p>
+              <a:p>
+                <a:pPr lvl="1"/>
+                <a14:m>
+                  <m:oMath xmlns:m="http://schemas.openxmlformats.org/officeDocument/2006/math">
+                    <m:sSub>
+                      <m:sSubPr>
+                        <m:ctrlPr>
+                          <a:rPr lang="en-US" b="0" i="1" smtClean="0">
+                            <a:latin typeface="Cambria Math" panose="02040503050406030204" pitchFamily="18" charset="0"/>
+                          </a:rPr>
+                        </m:ctrlPr>
+                      </m:sSubPr>
+                      <m:e>
+                        <m:r>
+                          <a:rPr lang="en-US" b="0" i="1" smtClean="0">
+                            <a:latin typeface="Cambria Math" panose="02040503050406030204" pitchFamily="18" charset="0"/>
+                          </a:rPr>
+                          <m:t>𝑝</m:t>
+                        </m:r>
+                      </m:e>
+                      <m:sub>
+                        <m:r>
+                          <a:rPr lang="en-US" b="0" i="1" smtClean="0">
+                            <a:latin typeface="Cambria Math" panose="02040503050406030204" pitchFamily="18" charset="0"/>
+                          </a:rPr>
+                          <m:t>𝑛𝑒𝑒𝑑𝑠</m:t>
+                        </m:r>
+                      </m:sub>
+                    </m:sSub>
+                  </m:oMath>
+                </a14:m>
+                <a:r>
+                  <a:rPr lang="en-US" dirty="0"/>
+                  <a:t> - average cost-per-head of non-durable consumption in </a:t>
+                </a:r>
+                <a14:m>
+                  <m:oMath xmlns:m="http://schemas.openxmlformats.org/officeDocument/2006/math">
+                    <m:r>
+                      <a:rPr lang="en-US" i="1">
+                        <a:latin typeface="Cambria Math" panose="02040503050406030204" pitchFamily="18" charset="0"/>
+                      </a:rPr>
+                      <m:t>4 </m:t>
+                    </m:r>
+                    <m:r>
+                      <a:rPr lang="en-US" i="1">
+                        <a:latin typeface="Cambria Math" panose="02040503050406030204" pitchFamily="18" charset="0"/>
+                      </a:rPr>
+                      <m:t>𝑘</m:t>
+                    </m:r>
+                    <m:sSup>
+                      <m:sSupPr>
+                        <m:ctrlPr>
+                          <a:rPr lang="en-US" i="1">
+                            <a:latin typeface="Cambria Math" panose="02040503050406030204" pitchFamily="18" charset="0"/>
+                          </a:rPr>
+                        </m:ctrlPr>
+                      </m:sSupPr>
+                      <m:e>
+                        <m:r>
+                          <a:rPr lang="en-US" i="1">
+                            <a:latin typeface="Cambria Math" panose="02040503050406030204" pitchFamily="18" charset="0"/>
+                          </a:rPr>
+                          <m:t>𝑚</m:t>
+                        </m:r>
+                      </m:e>
+                      <m:sup>
+                        <m:r>
+                          <a:rPr lang="en-US" i="1">
+                            <a:latin typeface="Cambria Math" panose="02040503050406030204" pitchFamily="18" charset="0"/>
+                          </a:rPr>
+                          <m:t>2</m:t>
+                        </m:r>
+                      </m:sup>
+                    </m:sSup>
+                  </m:oMath>
+                </a14:m>
+                <a:r>
+                  <a:rPr lang="en-US" dirty="0"/>
+                  <a:t> area</a:t>
+                </a:r>
+              </a:p>
+              <a:p>
+                <a:pPr lvl="1"/>
+                <a14:m>
+                  <m:oMath xmlns:m="http://schemas.openxmlformats.org/officeDocument/2006/math">
+                    <m:sSub>
+                      <m:sSubPr>
+                        <m:ctrlPr>
+                          <a:rPr lang="en-US" b="0" i="1" smtClean="0">
+                            <a:latin typeface="Cambria Math" panose="02040503050406030204" pitchFamily="18" charset="0"/>
+                          </a:rPr>
+                        </m:ctrlPr>
+                      </m:sSubPr>
+                      <m:e>
+                        <m:r>
+                          <a:rPr lang="en-US" b="0" i="1" smtClean="0">
+                            <a:latin typeface="Cambria Math" panose="02040503050406030204" pitchFamily="18" charset="0"/>
+                          </a:rPr>
+                          <m:t>𝑟</m:t>
+                        </m:r>
+                      </m:e>
+                      <m:sub>
+                        <m:r>
+                          <a:rPr lang="en-US" b="0" i="1" smtClean="0">
+                            <a:latin typeface="Cambria Math" panose="02040503050406030204" pitchFamily="18" charset="0"/>
+                          </a:rPr>
+                          <m:t>𝑡</m:t>
+                        </m:r>
+                      </m:sub>
+                    </m:sSub>
+                  </m:oMath>
+                </a14:m>
+                <a:r>
+                  <a:rPr lang="en-US" dirty="0"/>
+                  <a:t> - logarithm of mean asset values in the </a:t>
+                </a:r>
+                <a14:m>
+                  <m:oMath xmlns:m="http://schemas.openxmlformats.org/officeDocument/2006/math">
+                    <m:r>
+                      <a:rPr lang="en-US" i="1">
+                        <a:latin typeface="Cambria Math" panose="02040503050406030204" pitchFamily="18" charset="0"/>
+                      </a:rPr>
+                      <m:t>4 </m:t>
+                    </m:r>
+                    <m:r>
+                      <a:rPr lang="en-US" b="0" i="1" smtClean="0">
+                        <a:latin typeface="Cambria Math" panose="02040503050406030204" pitchFamily="18" charset="0"/>
+                      </a:rPr>
+                      <m:t>𝑘</m:t>
+                    </m:r>
+                    <m:sSup>
+                      <m:sSupPr>
+                        <m:ctrlPr>
+                          <a:rPr lang="en-US" b="0" i="1" smtClean="0">
+                            <a:latin typeface="Cambria Math" panose="02040503050406030204" pitchFamily="18" charset="0"/>
+                          </a:rPr>
+                        </m:ctrlPr>
+                      </m:sSupPr>
+                      <m:e>
+                        <m:r>
+                          <a:rPr lang="en-US" b="0" i="1" smtClean="0">
+                            <a:latin typeface="Cambria Math" panose="02040503050406030204" pitchFamily="18" charset="0"/>
+                          </a:rPr>
+                          <m:t>𝑚</m:t>
+                        </m:r>
+                      </m:e>
+                      <m:sup>
+                        <m:r>
+                          <a:rPr lang="en-US" b="0" i="1" smtClean="0">
+                            <a:latin typeface="Cambria Math" panose="02040503050406030204" pitchFamily="18" charset="0"/>
+                          </a:rPr>
+                          <m:t>2</m:t>
+                        </m:r>
+                      </m:sup>
+                    </m:sSup>
+                  </m:oMath>
+                </a14:m>
+                <a:r>
+                  <a:rPr lang="en-US" dirty="0"/>
+                  <a:t> area</a:t>
+                </a:r>
+              </a:p>
+              <a:p>
+                <a:pPr lvl="1"/>
+                <a:endParaRPr lang="en-US" dirty="0"/>
+              </a:p>
+            </p:txBody>
+          </p:sp>
+        </mc:Choice>
+        <mc:Fallback>
+          <p:sp>
+            <p:nvSpPr>
+              <p:cNvPr id="3" name="Content Placeholder 2">
+                <a:extLst>
+                  <a:ext uri="{FF2B5EF4-FFF2-40B4-BE49-F238E27FC236}">
+                    <a16:creationId xmlns:a16="http://schemas.microsoft.com/office/drawing/2014/main" id="{9274432F-36CF-47D4-BF49-038A8A4D8354}"/>
+                  </a:ext>
+                </a:extLst>
+              </p:cNvPr>
+              <p:cNvSpPr>
+                <a:spLocks noGrp="1" noRot="1" noChangeAspect="1" noMove="1" noResize="1" noEditPoints="1" noAdjustHandles="1" noChangeArrowheads="1" noChangeShapeType="1" noTextEdit="1"/>
+              </p:cNvSpPr>
+              <p:nvPr>
+                <p:ph idx="1"/>
+              </p:nvPr>
+            </p:nvSpPr>
+            <p:spPr>
+              <a:blipFill>
+                <a:blip r:embed="rId2"/>
+                <a:stretch>
+                  <a:fillRect l="-773" t="-2430" r="-77"/>
+                </a:stretch>
+              </a:blipFill>
+            </p:spPr>
+            <p:txBody>
+              <a:bodyPr/>
+              <a:lstStyle/>
+              <a:p>
+                <a:r>
+                  <a:rPr lang="en-GB">
+                    <a:noFill/>
+                  </a:rPr>
+                  <a:t> </a:t>
+                </a:r>
+              </a:p>
+            </p:txBody>
+          </p:sp>
+        </mc:Fallback>
+      </mc:AlternateContent>
       <p:sp>
         <p:nvSpPr>
           <p:cNvPr id="4" name="Slide Number Placeholder 3">
             <a:extLst>
               <a:ext uri="{FF2B5EF4-FFF2-40B4-BE49-F238E27FC236}">
-                <a16:creationId xmlns:a16="http://schemas.microsoft.com/office/drawing/2014/main" id="{02B8584F-DFF9-47E8-8C04-DAFFDF47E165}"/>
-              </a:ext>
-            </a:extLst>
-          </p:cNvPr>
-          <p:cNvSpPr>
-            <a:spLocks noGrp="1"/>
-          </p:cNvSpPr>
-          <p:nvPr>
-            <p:ph type="sldNum" sz="quarter" idx="12"/>
-          </p:nvPr>
-        </p:nvSpPr>
-        <p:spPr/>
-        <p:txBody>
-          <a:bodyPr/>
-          <a:lstStyle/>
-          <a:p>
-            <a:pPr>
-              <a:defRPr/>
-            </a:pPr>
-            <a:fld id="{8E35B453-7314-4BBD-9303-11C6BECC4B0D}" type="slidenum">
-              <a:rPr lang="en-GB" altLang="en-US" smtClean="0"/>
-              <a:pPr>
-                <a:defRPr/>
-              </a:pPr>
-              <a:t>17</a:t>
-            </a:fld>
-            <a:endParaRPr lang="en-GB" altLang="en-US" dirty="0"/>
-          </a:p>
-        </p:txBody>
-      </p:sp>
-    </p:spTree>
-    <p:extLst>
-      <p:ext uri="{BB962C8B-B14F-4D97-AF65-F5344CB8AC3E}">
-        <p14:creationId xmlns:p14="http://schemas.microsoft.com/office/powerpoint/2010/main" val="2674020621"/>
-      </p:ext>
-    </p:extLst>
-  </p:cSld>
-  <p:clrMapOvr>
-    <a:masterClrMapping/>
-  </p:clrMapOvr>
-  <p:transition>
-    <p:fade/>
-  </p:transition>
-</p:sld>
-</file>
-
-<file path=ppt/slides/slide18.xml><?xml version="1.0" encoding="utf-8"?>
-<p:sld xmlns:a="http://schemas.openxmlformats.org/drawingml/2006/main" xmlns:r="http://schemas.openxmlformats.org/officeDocument/2006/relationships" xmlns:p="http://schemas.openxmlformats.org/presentationml/2006/main">
-  <p:cSld>
-    <p:bg>
-      <p:bgPr>
-        <a:gradFill>
-          <a:gsLst>
-            <a:gs pos="24000">
-              <a:schemeClr val="accent1">
-                <a:lumMod val="5000"/>
-                <a:lumOff val="95000"/>
-              </a:schemeClr>
-            </a:gs>
-            <a:gs pos="55000">
-              <a:schemeClr val="accent1">
-                <a:lumMod val="45000"/>
-                <a:lumOff val="55000"/>
-              </a:schemeClr>
-            </a:gs>
-            <a:gs pos="83000">
-              <a:schemeClr val="accent1">
-                <a:lumMod val="45000"/>
-                <a:lumOff val="55000"/>
-              </a:schemeClr>
-            </a:gs>
-            <a:gs pos="100000">
-              <a:schemeClr val="accent1">
-                <a:lumMod val="30000"/>
-                <a:lumOff val="70000"/>
-              </a:schemeClr>
-            </a:gs>
-          </a:gsLst>
-          <a:lin ang="5400000" scaled="1"/>
-        </a:gradFill>
-        <a:effectLst/>
-      </p:bgPr>
-    </p:bg>
-    <p:spTree>
-      <p:nvGrpSpPr>
-        <p:cNvPr id="1" name=""/>
-        <p:cNvGrpSpPr/>
-        <p:nvPr/>
-      </p:nvGrpSpPr>
-      <p:grpSpPr>
-        <a:xfrm>
-          <a:off x="0" y="0"/>
-          <a:ext cx="0" cy="0"/>
-          <a:chOff x="0" y="0"/>
-          <a:chExt cx="0" cy="0"/>
-        </a:xfrm>
-      </p:grpSpPr>
-      <p:sp>
-        <p:nvSpPr>
-          <p:cNvPr id="2" name="Title 1">
-            <a:extLst>
-              <a:ext uri="{FF2B5EF4-FFF2-40B4-BE49-F238E27FC236}">
-                <a16:creationId xmlns:a16="http://schemas.microsoft.com/office/drawing/2014/main" id="{989358B1-5556-4A30-98FB-74368A91CAEB}"/>
-              </a:ext>
-            </a:extLst>
-          </p:cNvPr>
-          <p:cNvSpPr>
-            <a:spLocks noGrp="1"/>
-          </p:cNvSpPr>
-          <p:nvPr>
-            <p:ph type="title"/>
-          </p:nvPr>
-        </p:nvSpPr>
-        <p:spPr/>
-        <p:txBody>
-          <a:bodyPr/>
-          <a:lstStyle/>
-          <a:p>
-            <a:r>
-              <a:rPr lang="en-US" dirty="0"/>
-              <a:t>Results for Tanzania</a:t>
-            </a:r>
-            <a:endParaRPr lang="en-GB" dirty="0"/>
-          </a:p>
-        </p:txBody>
-      </p:sp>
-      <p:sp>
-        <p:nvSpPr>
-          <p:cNvPr id="3" name="Content Placeholder 2">
-            <a:extLst>
-              <a:ext uri="{FF2B5EF4-FFF2-40B4-BE49-F238E27FC236}">
-                <a16:creationId xmlns:a16="http://schemas.microsoft.com/office/drawing/2014/main" id="{02175C54-1B0C-4324-BD87-0CFA546C49D9}"/>
-              </a:ext>
-            </a:extLst>
-          </p:cNvPr>
-          <p:cNvSpPr>
-            <a:spLocks noGrp="1"/>
-          </p:cNvSpPr>
-          <p:nvPr>
-            <p:ph idx="1"/>
-          </p:nvPr>
-        </p:nvSpPr>
-        <p:spPr/>
-        <p:txBody>
-          <a:bodyPr/>
-          <a:lstStyle/>
-          <a:p>
-            <a:endParaRPr lang="en-GB" dirty="0"/>
-          </a:p>
-        </p:txBody>
-      </p:sp>
-      <p:sp>
-        <p:nvSpPr>
-          <p:cNvPr id="4" name="Slide Number Placeholder 3">
-            <a:extLst>
-              <a:ext uri="{FF2B5EF4-FFF2-40B4-BE49-F238E27FC236}">
-                <a16:creationId xmlns:a16="http://schemas.microsoft.com/office/drawing/2014/main" id="{1FDD9C7A-6921-417D-A536-9A1ADE017F75}"/>
+                <a16:creationId xmlns:a16="http://schemas.microsoft.com/office/drawing/2014/main" id="{642F4743-7AB2-4022-8A4C-7FDE07439C84}"/>
               </a:ext>
             </a:extLst>
           </p:cNvPr>
@@ -20452,7 +20894,7 @@
     </p:spTree>
     <p:extLst>
       <p:ext uri="{BB962C8B-B14F-4D97-AF65-F5344CB8AC3E}">
-        <p14:creationId xmlns:p14="http://schemas.microsoft.com/office/powerpoint/2010/main" val="319899213"/>
+        <p14:creationId xmlns:p14="http://schemas.microsoft.com/office/powerpoint/2010/main" val="323264289"/>
       </p:ext>
     </p:extLst>
   </p:cSld>
@@ -20539,7 +20981,7 @@
           <a:p>
             <a:r>
               <a:rPr lang="en-US" dirty="0"/>
-              <a:t>Results for Nigeria</a:t>
+              <a:t>Results for Tanzania</a:t>
             </a:r>
             <a:endParaRPr lang="en-GB" dirty="0"/>
           </a:p>
@@ -20608,7 +21050,7 @@
     </p:spTree>
     <p:extLst>
       <p:ext uri="{BB962C8B-B14F-4D97-AF65-F5344CB8AC3E}">
-        <p14:creationId xmlns:p14="http://schemas.microsoft.com/office/powerpoint/2010/main" val="3777472926"/>
+        <p14:creationId xmlns:p14="http://schemas.microsoft.com/office/powerpoint/2010/main" val="319899213"/>
       </p:ext>
     </p:extLst>
   </p:cSld>
@@ -20763,6 +21205,162 @@
       <p:bgPr>
         <a:gradFill>
           <a:gsLst>
+            <a:gs pos="24000">
+              <a:schemeClr val="accent1">
+                <a:lumMod val="5000"/>
+                <a:lumOff val="95000"/>
+              </a:schemeClr>
+            </a:gs>
+            <a:gs pos="55000">
+              <a:schemeClr val="accent1">
+                <a:lumMod val="45000"/>
+                <a:lumOff val="55000"/>
+              </a:schemeClr>
+            </a:gs>
+            <a:gs pos="83000">
+              <a:schemeClr val="accent1">
+                <a:lumMod val="45000"/>
+                <a:lumOff val="55000"/>
+              </a:schemeClr>
+            </a:gs>
+            <a:gs pos="100000">
+              <a:schemeClr val="accent1">
+                <a:lumMod val="30000"/>
+                <a:lumOff val="70000"/>
+              </a:schemeClr>
+            </a:gs>
+          </a:gsLst>
+          <a:lin ang="5400000" scaled="1"/>
+        </a:gradFill>
+        <a:effectLst/>
+      </p:bgPr>
+    </p:bg>
+    <p:spTree>
+      <p:nvGrpSpPr>
+        <p:cNvPr id="1" name=""/>
+        <p:cNvGrpSpPr/>
+        <p:nvPr/>
+      </p:nvGrpSpPr>
+      <p:grpSpPr>
+        <a:xfrm>
+          <a:off x="0" y="0"/>
+          <a:ext cx="0" cy="0"/>
+          <a:chOff x="0" y="0"/>
+          <a:chExt cx="0" cy="0"/>
+        </a:xfrm>
+      </p:grpSpPr>
+      <p:sp>
+        <p:nvSpPr>
+          <p:cNvPr id="2" name="Title 1">
+            <a:extLst>
+              <a:ext uri="{FF2B5EF4-FFF2-40B4-BE49-F238E27FC236}">
+                <a16:creationId xmlns:a16="http://schemas.microsoft.com/office/drawing/2014/main" id="{989358B1-5556-4A30-98FB-74368A91CAEB}"/>
+              </a:ext>
+            </a:extLst>
+          </p:cNvPr>
+          <p:cNvSpPr>
+            <a:spLocks noGrp="1"/>
+          </p:cNvSpPr>
+          <p:nvPr>
+            <p:ph type="title"/>
+          </p:nvPr>
+        </p:nvSpPr>
+        <p:spPr/>
+        <p:txBody>
+          <a:bodyPr/>
+          <a:lstStyle/>
+          <a:p>
+            <a:r>
+              <a:rPr lang="en-US" dirty="0"/>
+              <a:t>Results for Nigeria</a:t>
+            </a:r>
+            <a:endParaRPr lang="en-GB" dirty="0"/>
+          </a:p>
+        </p:txBody>
+      </p:sp>
+      <p:sp>
+        <p:nvSpPr>
+          <p:cNvPr id="3" name="Content Placeholder 2">
+            <a:extLst>
+              <a:ext uri="{FF2B5EF4-FFF2-40B4-BE49-F238E27FC236}">
+                <a16:creationId xmlns:a16="http://schemas.microsoft.com/office/drawing/2014/main" id="{02175C54-1B0C-4324-BD87-0CFA546C49D9}"/>
+              </a:ext>
+            </a:extLst>
+          </p:cNvPr>
+          <p:cNvSpPr>
+            <a:spLocks noGrp="1"/>
+          </p:cNvSpPr>
+          <p:nvPr>
+            <p:ph idx="1"/>
+          </p:nvPr>
+        </p:nvSpPr>
+        <p:spPr/>
+        <p:txBody>
+          <a:bodyPr/>
+          <a:lstStyle/>
+          <a:p>
+            <a:endParaRPr lang="en-GB" dirty="0"/>
+          </a:p>
+        </p:txBody>
+      </p:sp>
+      <p:sp>
+        <p:nvSpPr>
+          <p:cNvPr id="4" name="Slide Number Placeholder 3">
+            <a:extLst>
+              <a:ext uri="{FF2B5EF4-FFF2-40B4-BE49-F238E27FC236}">
+                <a16:creationId xmlns:a16="http://schemas.microsoft.com/office/drawing/2014/main" id="{1FDD9C7A-6921-417D-A536-9A1ADE017F75}"/>
+              </a:ext>
+            </a:extLst>
+          </p:cNvPr>
+          <p:cNvSpPr>
+            <a:spLocks noGrp="1"/>
+          </p:cNvSpPr>
+          <p:nvPr>
+            <p:ph type="sldNum" sz="quarter" idx="12"/>
+          </p:nvPr>
+        </p:nvSpPr>
+        <p:spPr/>
+        <p:txBody>
+          <a:bodyPr/>
+          <a:lstStyle/>
+          <a:p>
+            <a:pPr>
+              <a:defRPr/>
+            </a:pPr>
+            <a:fld id="{8E35B453-7314-4BBD-9303-11C6BECC4B0D}" type="slidenum">
+              <a:rPr lang="en-GB" altLang="en-US" smtClean="0"/>
+              <a:pPr>
+                <a:defRPr/>
+              </a:pPr>
+              <a:t>20</a:t>
+            </a:fld>
+            <a:endParaRPr lang="en-GB" altLang="en-US" dirty="0"/>
+          </a:p>
+        </p:txBody>
+      </p:sp>
+    </p:spTree>
+    <p:extLst>
+      <p:ext uri="{BB962C8B-B14F-4D97-AF65-F5344CB8AC3E}">
+        <p14:creationId xmlns:p14="http://schemas.microsoft.com/office/powerpoint/2010/main" val="3777472926"/>
+      </p:ext>
+    </p:extLst>
+  </p:cSld>
+  <p:clrMapOvr>
+    <a:masterClrMapping/>
+  </p:clrMapOvr>
+  <p:transition>
+    <p:fade/>
+  </p:transition>
+</p:sld>
+</file>
+
+<file path=ppt/slides/slide21.xml><?xml version="1.0" encoding="utf-8"?>
+<p:sld xmlns:a="http://schemas.openxmlformats.org/drawingml/2006/main" xmlns:r="http://schemas.openxmlformats.org/officeDocument/2006/relationships" xmlns:p="http://schemas.openxmlformats.org/presentationml/2006/main">
+  <p:cSld>
+    <p:bg>
+      <p:bgPr>
+        <a:gradFill>
+          <a:gsLst>
             <a:gs pos="22000">
               <a:schemeClr val="accent1">
                 <a:lumMod val="5000"/>
@@ -20900,7 +21498,7 @@
               <a:pPr>
                 <a:defRPr/>
               </a:pPr>
-              <a:t>20</a:t>
+              <a:t>21</a:t>
             </a:fld>
             <a:endParaRPr lang="en-GB" altLang="en-US" dirty="0"/>
           </a:p>
@@ -20910,165 +21508,6 @@
     <p:extLst>
       <p:ext uri="{BB962C8B-B14F-4D97-AF65-F5344CB8AC3E}">
         <p14:creationId xmlns:p14="http://schemas.microsoft.com/office/powerpoint/2010/main" val="3432941902"/>
-      </p:ext>
-    </p:extLst>
-  </p:cSld>
-  <p:clrMapOvr>
-    <a:masterClrMapping/>
-  </p:clrMapOvr>
-  <p:transition>
-    <p:fade/>
-  </p:transition>
-</p:sld>
-</file>
-
-<file path=ppt/slides/slide21.xml><?xml version="1.0" encoding="utf-8"?>
-<p:sld xmlns:a="http://schemas.openxmlformats.org/drawingml/2006/main" xmlns:r="http://schemas.openxmlformats.org/officeDocument/2006/relationships" xmlns:p="http://schemas.openxmlformats.org/presentationml/2006/main">
-  <p:cSld>
-    <p:bg>
-      <p:bgPr>
-        <a:gradFill>
-          <a:gsLst>
-            <a:gs pos="20000">
-              <a:schemeClr val="accent1">
-                <a:lumMod val="5000"/>
-                <a:lumOff val="95000"/>
-              </a:schemeClr>
-            </a:gs>
-            <a:gs pos="55000">
-              <a:schemeClr val="accent1">
-                <a:lumMod val="45000"/>
-                <a:lumOff val="55000"/>
-              </a:schemeClr>
-            </a:gs>
-            <a:gs pos="83000">
-              <a:schemeClr val="accent1">
-                <a:lumMod val="45000"/>
-                <a:lumOff val="55000"/>
-              </a:schemeClr>
-            </a:gs>
-            <a:gs pos="100000">
-              <a:schemeClr val="accent1">
-                <a:lumMod val="30000"/>
-                <a:lumOff val="70000"/>
-              </a:schemeClr>
-            </a:gs>
-          </a:gsLst>
-          <a:lin ang="5400000" scaled="1"/>
-        </a:gradFill>
-        <a:effectLst/>
-      </p:bgPr>
-    </p:bg>
-    <p:spTree>
-      <p:nvGrpSpPr>
-        <p:cNvPr id="1" name=""/>
-        <p:cNvGrpSpPr/>
-        <p:nvPr/>
-      </p:nvGrpSpPr>
-      <p:grpSpPr>
-        <a:xfrm>
-          <a:off x="0" y="0"/>
-          <a:ext cx="0" cy="0"/>
-          <a:chOff x="0" y="0"/>
-          <a:chExt cx="0" cy="0"/>
-        </a:xfrm>
-      </p:grpSpPr>
-      <p:sp>
-        <p:nvSpPr>
-          <p:cNvPr id="2" name="Title 1">
-            <a:extLst>
-              <a:ext uri="{FF2B5EF4-FFF2-40B4-BE49-F238E27FC236}">
-                <a16:creationId xmlns:a16="http://schemas.microsoft.com/office/drawing/2014/main" id="{1E281EA7-B51E-4DC4-83AC-69973366C6BA}"/>
-              </a:ext>
-            </a:extLst>
-          </p:cNvPr>
-          <p:cNvSpPr>
-            <a:spLocks noGrp="1"/>
-          </p:cNvSpPr>
-          <p:nvPr>
-            <p:ph type="title"/>
-          </p:nvPr>
-        </p:nvSpPr>
-        <p:spPr/>
-        <p:txBody>
-          <a:bodyPr/>
-          <a:lstStyle/>
-          <a:p>
-            <a:r>
-              <a:rPr lang="en-US" dirty="0"/>
-              <a:t>Quantile regression - Nigeria</a:t>
-            </a:r>
-            <a:endParaRPr lang="en-GB" dirty="0"/>
-          </a:p>
-        </p:txBody>
-      </p:sp>
-      <p:sp>
-        <p:nvSpPr>
-          <p:cNvPr id="3" name="Content Placeholder 2">
-            <a:extLst>
-              <a:ext uri="{FF2B5EF4-FFF2-40B4-BE49-F238E27FC236}">
-                <a16:creationId xmlns:a16="http://schemas.microsoft.com/office/drawing/2014/main" id="{5FB0481C-346A-45D5-BE87-16CD5476AF6A}"/>
-              </a:ext>
-            </a:extLst>
-          </p:cNvPr>
-          <p:cNvSpPr>
-            <a:spLocks noGrp="1"/>
-          </p:cNvSpPr>
-          <p:nvPr>
-            <p:ph idx="1"/>
-          </p:nvPr>
-        </p:nvSpPr>
-        <p:spPr/>
-        <p:txBody>
-          <a:bodyPr/>
-          <a:lstStyle/>
-          <a:p>
-            <a:pPr marL="0" indent="0">
-              <a:buNone/>
-            </a:pPr>
-            <a:endParaRPr lang="en-GB" dirty="0"/>
-          </a:p>
-        </p:txBody>
-      </p:sp>
-      <p:sp>
-        <p:nvSpPr>
-          <p:cNvPr id="4" name="Slide Number Placeholder 3">
-            <a:extLst>
-              <a:ext uri="{FF2B5EF4-FFF2-40B4-BE49-F238E27FC236}">
-                <a16:creationId xmlns:a16="http://schemas.microsoft.com/office/drawing/2014/main" id="{AD7169C2-F41A-40EE-A210-49C6A0A94BEF}"/>
-              </a:ext>
-            </a:extLst>
-          </p:cNvPr>
-          <p:cNvSpPr>
-            <a:spLocks noGrp="1"/>
-          </p:cNvSpPr>
-          <p:nvPr>
-            <p:ph type="sldNum" sz="quarter" idx="12"/>
-          </p:nvPr>
-        </p:nvSpPr>
-        <p:spPr/>
-        <p:txBody>
-          <a:bodyPr/>
-          <a:lstStyle/>
-          <a:p>
-            <a:pPr>
-              <a:defRPr/>
-            </a:pPr>
-            <a:fld id="{8E35B453-7314-4BBD-9303-11C6BECC4B0D}" type="slidenum">
-              <a:rPr lang="en-GB" altLang="en-US" smtClean="0"/>
-              <a:pPr>
-                <a:defRPr/>
-              </a:pPr>
-              <a:t>21</a:t>
-            </a:fld>
-            <a:endParaRPr lang="en-GB" altLang="en-US" dirty="0"/>
-          </a:p>
-        </p:txBody>
-      </p:sp>
-    </p:spTree>
-    <p:extLst>
-      <p:ext uri="{BB962C8B-B14F-4D97-AF65-F5344CB8AC3E}">
-        <p14:creationId xmlns:p14="http://schemas.microsoft.com/office/powerpoint/2010/main" val="1325138108"/>
       </p:ext>
     </p:extLst>
   </p:cSld>
@@ -21137,6 +21576,165 @@
           <p:cNvPr id="2" name="Title 1">
             <a:extLst>
               <a:ext uri="{FF2B5EF4-FFF2-40B4-BE49-F238E27FC236}">
+                <a16:creationId xmlns:a16="http://schemas.microsoft.com/office/drawing/2014/main" id="{1E281EA7-B51E-4DC4-83AC-69973366C6BA}"/>
+              </a:ext>
+            </a:extLst>
+          </p:cNvPr>
+          <p:cNvSpPr>
+            <a:spLocks noGrp="1"/>
+          </p:cNvSpPr>
+          <p:nvPr>
+            <p:ph type="title"/>
+          </p:nvPr>
+        </p:nvSpPr>
+        <p:spPr/>
+        <p:txBody>
+          <a:bodyPr/>
+          <a:lstStyle/>
+          <a:p>
+            <a:r>
+              <a:rPr lang="en-US" dirty="0"/>
+              <a:t>Quantile regression - Nigeria</a:t>
+            </a:r>
+            <a:endParaRPr lang="en-GB" dirty="0"/>
+          </a:p>
+        </p:txBody>
+      </p:sp>
+      <p:sp>
+        <p:nvSpPr>
+          <p:cNvPr id="3" name="Content Placeholder 2">
+            <a:extLst>
+              <a:ext uri="{FF2B5EF4-FFF2-40B4-BE49-F238E27FC236}">
+                <a16:creationId xmlns:a16="http://schemas.microsoft.com/office/drawing/2014/main" id="{5FB0481C-346A-45D5-BE87-16CD5476AF6A}"/>
+              </a:ext>
+            </a:extLst>
+          </p:cNvPr>
+          <p:cNvSpPr>
+            <a:spLocks noGrp="1"/>
+          </p:cNvSpPr>
+          <p:nvPr>
+            <p:ph idx="1"/>
+          </p:nvPr>
+        </p:nvSpPr>
+        <p:spPr/>
+        <p:txBody>
+          <a:bodyPr/>
+          <a:lstStyle/>
+          <a:p>
+            <a:pPr marL="0" indent="0">
+              <a:buNone/>
+            </a:pPr>
+            <a:endParaRPr lang="en-GB" dirty="0"/>
+          </a:p>
+        </p:txBody>
+      </p:sp>
+      <p:sp>
+        <p:nvSpPr>
+          <p:cNvPr id="4" name="Slide Number Placeholder 3">
+            <a:extLst>
+              <a:ext uri="{FF2B5EF4-FFF2-40B4-BE49-F238E27FC236}">
+                <a16:creationId xmlns:a16="http://schemas.microsoft.com/office/drawing/2014/main" id="{AD7169C2-F41A-40EE-A210-49C6A0A94BEF}"/>
+              </a:ext>
+            </a:extLst>
+          </p:cNvPr>
+          <p:cNvSpPr>
+            <a:spLocks noGrp="1"/>
+          </p:cNvSpPr>
+          <p:nvPr>
+            <p:ph type="sldNum" sz="quarter" idx="12"/>
+          </p:nvPr>
+        </p:nvSpPr>
+        <p:spPr/>
+        <p:txBody>
+          <a:bodyPr/>
+          <a:lstStyle/>
+          <a:p>
+            <a:pPr>
+              <a:defRPr/>
+            </a:pPr>
+            <a:fld id="{8E35B453-7314-4BBD-9303-11C6BECC4B0D}" type="slidenum">
+              <a:rPr lang="en-GB" altLang="en-US" smtClean="0"/>
+              <a:pPr>
+                <a:defRPr/>
+              </a:pPr>
+              <a:t>22</a:t>
+            </a:fld>
+            <a:endParaRPr lang="en-GB" altLang="en-US" dirty="0"/>
+          </a:p>
+        </p:txBody>
+      </p:sp>
+    </p:spTree>
+    <p:extLst>
+      <p:ext uri="{BB962C8B-B14F-4D97-AF65-F5344CB8AC3E}">
+        <p14:creationId xmlns:p14="http://schemas.microsoft.com/office/powerpoint/2010/main" val="1325138108"/>
+      </p:ext>
+    </p:extLst>
+  </p:cSld>
+  <p:clrMapOvr>
+    <a:masterClrMapping/>
+  </p:clrMapOvr>
+  <p:transition>
+    <p:fade/>
+  </p:transition>
+</p:sld>
+</file>
+
+<file path=ppt/slides/slide23.xml><?xml version="1.0" encoding="utf-8"?>
+<p:sld xmlns:a="http://schemas.openxmlformats.org/drawingml/2006/main" xmlns:r="http://schemas.openxmlformats.org/officeDocument/2006/relationships" xmlns:p="http://schemas.openxmlformats.org/presentationml/2006/main">
+  <p:cSld>
+    <p:bg>
+      <p:bgPr>
+        <a:gradFill>
+          <a:gsLst>
+            <a:gs pos="20000">
+              <a:schemeClr val="accent1">
+                <a:lumMod val="5000"/>
+                <a:lumOff val="95000"/>
+              </a:schemeClr>
+            </a:gs>
+            <a:gs pos="55000">
+              <a:schemeClr val="accent1">
+                <a:lumMod val="45000"/>
+                <a:lumOff val="55000"/>
+              </a:schemeClr>
+            </a:gs>
+            <a:gs pos="83000">
+              <a:schemeClr val="accent1">
+                <a:lumMod val="45000"/>
+                <a:lumOff val="55000"/>
+              </a:schemeClr>
+            </a:gs>
+            <a:gs pos="100000">
+              <a:schemeClr val="accent1">
+                <a:lumMod val="30000"/>
+                <a:lumOff val="70000"/>
+              </a:schemeClr>
+            </a:gs>
+          </a:gsLst>
+          <a:lin ang="5400000" scaled="1"/>
+        </a:gradFill>
+        <a:effectLst/>
+      </p:bgPr>
+    </p:bg>
+    <p:spTree>
+      <p:nvGrpSpPr>
+        <p:cNvPr id="1" name=""/>
+        <p:cNvGrpSpPr/>
+        <p:nvPr/>
+      </p:nvGrpSpPr>
+      <p:grpSpPr>
+        <a:xfrm>
+          <a:off x="0" y="0"/>
+          <a:ext cx="0" cy="0"/>
+          <a:chOff x="0" y="0"/>
+          <a:chExt cx="0" cy="0"/>
+        </a:xfrm>
+      </p:grpSpPr>
+      <p:sp>
+        <p:nvSpPr>
+          <p:cNvPr id="2" name="Title 1">
+            <a:extLst>
+              <a:ext uri="{FF2B5EF4-FFF2-40B4-BE49-F238E27FC236}">
                 <a16:creationId xmlns:a16="http://schemas.microsoft.com/office/drawing/2014/main" id="{34E1DDED-AC9A-4208-A7A3-ED93E965CB62}"/>
               </a:ext>
             </a:extLst>
@@ -21228,7 +21826,7 @@
               <a:pPr>
                 <a:defRPr/>
               </a:pPr>
-              <a:t>22</a:t>
+              <a:t>23</a:t>
             </a:fld>
             <a:endParaRPr lang="en-GB" altLang="en-US" dirty="0"/>
           </a:p>
@@ -21250,7 +21848,7 @@
 </p:sld>
 </file>
 
-<file path=ppt/slides/slide23.xml><?xml version="1.0" encoding="utf-8"?>
+<file path=ppt/slides/slide24.xml><?xml version="1.0" encoding="utf-8"?>
 <p:sld xmlns:a="http://schemas.openxmlformats.org/drawingml/2006/main" xmlns:r="http://schemas.openxmlformats.org/officeDocument/2006/relationships" xmlns:p="http://schemas.openxmlformats.org/presentationml/2006/main">
   <p:cSld>
     <p:bg>
@@ -21395,7 +21993,7 @@
               <a:pPr>
                 <a:defRPr/>
               </a:pPr>
-              <a:t>23</a:t>
+              <a:t>24</a:t>
             </a:fld>
             <a:endParaRPr lang="en-GB" altLang="en-US" dirty="0"/>
           </a:p>
@@ -21417,7 +22015,7 @@
 </p:sld>
 </file>
 
-<file path=ppt/slides/slide24.xml><?xml version="1.0" encoding="utf-8"?>
+<file path=ppt/slides/slide25.xml><?xml version="1.0" encoding="utf-8"?>
 <p:sld xmlns:a="http://schemas.openxmlformats.org/drawingml/2006/main" xmlns:r="http://schemas.openxmlformats.org/officeDocument/2006/relationships" xmlns:p="http://schemas.openxmlformats.org/presentationml/2006/main">
   <p:cSld>
     <p:bg>
@@ -21568,7 +22166,7 @@
               <a:pPr>
                 <a:defRPr/>
               </a:pPr>
-              <a:t>24</a:t>
+              <a:t>25</a:t>
             </a:fld>
             <a:endParaRPr lang="en-GB" altLang="en-US" dirty="0"/>
           </a:p>
@@ -21590,7 +22188,7 @@
 </p:sld>
 </file>
 
-<file path=ppt/slides/slide25.xml><?xml version="1.0" encoding="utf-8"?>
+<file path=ppt/slides/slide26.xml><?xml version="1.0" encoding="utf-8"?>
 <p:sld xmlns:a="http://schemas.openxmlformats.org/drawingml/2006/main" xmlns:r="http://schemas.openxmlformats.org/officeDocument/2006/relationships" xmlns:p="http://schemas.openxmlformats.org/presentationml/2006/main">
   <p:cSld>
     <p:bg>
@@ -21840,7 +22438,7 @@
               <a:pPr>
                 <a:defRPr/>
               </a:pPr>
-              <a:t>25</a:t>
+              <a:t>26</a:t>
             </a:fld>
             <a:endParaRPr lang="en-GB" altLang="en-US" dirty="0"/>
           </a:p>
